--- a/Presentation/Project 3 Group 2 powerpoint.pptx
+++ b/Presentation/Project 3 Group 2 powerpoint.pptx
@@ -4,13 +4,16 @@
   <p:sldMasterIdLst>
     <p:sldMasterId id="2147483677" r:id="rId1"/>
   </p:sldMasterIdLst>
+  <p:notesMasterIdLst>
+    <p:notesMasterId r:id="rId9"/>
+  </p:notesMasterIdLst>
   <p:sldIdLst>
     <p:sldId id="256" r:id="rId2"/>
     <p:sldId id="257" r:id="rId3"/>
-    <p:sldId id="258" r:id="rId4"/>
-    <p:sldId id="259" r:id="rId5"/>
-    <p:sldId id="260" r:id="rId6"/>
-    <p:sldId id="261" r:id="rId7"/>
+    <p:sldId id="263" r:id="rId4"/>
+    <p:sldId id="258" r:id="rId5"/>
+    <p:sldId id="259" r:id="rId6"/>
+    <p:sldId id="260" r:id="rId7"/>
     <p:sldId id="262" r:id="rId8"/>
   </p:sldIdLst>
   <p:sldSz cx="12192000" cy="6858000"/>
@@ -110,7 +113,446 @@
       </a:defRPr>
     </a:lvl9pPr>
   </p:defaultTextStyle>
+  <p:extLst>
+    <p:ext uri="{EFAFB233-063F-42B5-8137-9DF3F51BA10A}">
+      <p15:sldGuideLst xmlns:p15="http://schemas.microsoft.com/office/powerpoint/2012/main"/>
+    </p:ext>
+  </p:extLst>
 </p:presentation>
+</file>
+
+<file path=ppt/notesMasters/notesMaster1.xml><?xml version="1.0" encoding="utf-8"?>
+<p:notesMaster xmlns:a="http://schemas.openxmlformats.org/drawingml/2006/main" xmlns:r="http://schemas.openxmlformats.org/officeDocument/2006/relationships" xmlns:p="http://schemas.openxmlformats.org/presentationml/2006/main">
+  <p:cSld>
+    <p:bg>
+      <p:bgRef idx="1001">
+        <a:schemeClr val="bg1"/>
+      </p:bgRef>
+    </p:bg>
+    <p:spTree>
+      <p:nvGrpSpPr>
+        <p:cNvPr id="1" name=""/>
+        <p:cNvGrpSpPr/>
+        <p:nvPr/>
+      </p:nvGrpSpPr>
+      <p:grpSpPr>
+        <a:xfrm>
+          <a:off x="0" y="0"/>
+          <a:ext cx="0" cy="0"/>
+          <a:chOff x="0" y="0"/>
+          <a:chExt cx="0" cy="0"/>
+        </a:xfrm>
+      </p:grpSpPr>
+      <p:sp>
+        <p:nvSpPr>
+          <p:cNvPr id="2" name="Header Placeholder 1"/>
+          <p:cNvSpPr>
+            <a:spLocks noGrp="1"/>
+          </p:cNvSpPr>
+          <p:nvPr>
+            <p:ph type="hdr" sz="quarter"/>
+          </p:nvPr>
+        </p:nvSpPr>
+        <p:spPr>
+          <a:xfrm>
+            <a:off x="0" y="0"/>
+            <a:ext cx="2971800" cy="458788"/>
+          </a:xfrm>
+          <a:prstGeom prst="rect">
+            <a:avLst/>
+          </a:prstGeom>
+        </p:spPr>
+        <p:txBody>
+          <a:bodyPr vert="horz" lIns="91440" tIns="45720" rIns="91440" bIns="45720" rtlCol="0"/>
+          <a:lstStyle>
+            <a:lvl1pPr algn="l">
+              <a:defRPr sz="1200"/>
+            </a:lvl1pPr>
+          </a:lstStyle>
+          <a:p>
+            <a:endParaRPr lang="en-US"/>
+          </a:p>
+        </p:txBody>
+      </p:sp>
+      <p:sp>
+        <p:nvSpPr>
+          <p:cNvPr id="3" name="Date Placeholder 2"/>
+          <p:cNvSpPr>
+            <a:spLocks noGrp="1"/>
+          </p:cNvSpPr>
+          <p:nvPr>
+            <p:ph type="dt" idx="1"/>
+          </p:nvPr>
+        </p:nvSpPr>
+        <p:spPr>
+          <a:xfrm>
+            <a:off x="3884613" y="0"/>
+            <a:ext cx="2971800" cy="458788"/>
+          </a:xfrm>
+          <a:prstGeom prst="rect">
+            <a:avLst/>
+          </a:prstGeom>
+        </p:spPr>
+        <p:txBody>
+          <a:bodyPr vert="horz" lIns="91440" tIns="45720" rIns="91440" bIns="45720" rtlCol="0"/>
+          <a:lstStyle>
+            <a:lvl1pPr algn="r">
+              <a:defRPr sz="1200"/>
+            </a:lvl1pPr>
+          </a:lstStyle>
+          <a:p>
+            <a:fld id="{C0EBD29C-02E0-C740-983E-2E3105172B52}" type="datetimeFigureOut">
+              <a:rPr lang="en-US" smtClean="0"/>
+              <a:t>4/15/2024</a:t>
+            </a:fld>
+            <a:endParaRPr lang="en-US"/>
+          </a:p>
+        </p:txBody>
+      </p:sp>
+      <p:sp>
+        <p:nvSpPr>
+          <p:cNvPr id="4" name="Slide Image Placeholder 3"/>
+          <p:cNvSpPr>
+            <a:spLocks noGrp="1" noRot="1" noChangeAspect="1"/>
+          </p:cNvSpPr>
+          <p:nvPr>
+            <p:ph type="sldImg" idx="2"/>
+          </p:nvPr>
+        </p:nvSpPr>
+        <p:spPr>
+          <a:xfrm>
+            <a:off x="685800" y="1143000"/>
+            <a:ext cx="5486400" cy="3086100"/>
+          </a:xfrm>
+          <a:prstGeom prst="rect">
+            <a:avLst/>
+          </a:prstGeom>
+          <a:noFill/>
+          <a:ln w="12700">
+            <a:solidFill>
+              <a:prstClr val="black"/>
+            </a:solidFill>
+          </a:ln>
+        </p:spPr>
+        <p:txBody>
+          <a:bodyPr vert="horz" lIns="91440" tIns="45720" rIns="91440" bIns="45720" rtlCol="0" anchor="ctr"/>
+          <a:lstStyle/>
+          <a:p>
+            <a:endParaRPr lang="en-US"/>
+          </a:p>
+        </p:txBody>
+      </p:sp>
+      <p:sp>
+        <p:nvSpPr>
+          <p:cNvPr id="5" name="Notes Placeholder 4"/>
+          <p:cNvSpPr>
+            <a:spLocks noGrp="1"/>
+          </p:cNvSpPr>
+          <p:nvPr>
+            <p:ph type="body" sz="quarter" idx="3"/>
+          </p:nvPr>
+        </p:nvSpPr>
+        <p:spPr>
+          <a:xfrm>
+            <a:off x="685800" y="4400550"/>
+            <a:ext cx="5486400" cy="3600450"/>
+          </a:xfrm>
+          <a:prstGeom prst="rect">
+            <a:avLst/>
+          </a:prstGeom>
+        </p:spPr>
+        <p:txBody>
+          <a:bodyPr vert="horz" lIns="91440" tIns="45720" rIns="91440" bIns="45720" rtlCol="0"/>
+          <a:lstStyle/>
+          <a:p>
+            <a:pPr lvl="0"/>
+            <a:r>
+              <a:rPr lang="en-GB"/>
+              <a:t>Click to edit Master text styles</a:t>
+            </a:r>
+          </a:p>
+          <a:p>
+            <a:pPr lvl="1"/>
+            <a:r>
+              <a:rPr lang="en-GB"/>
+              <a:t>Second level</a:t>
+            </a:r>
+          </a:p>
+          <a:p>
+            <a:pPr lvl="2"/>
+            <a:r>
+              <a:rPr lang="en-GB"/>
+              <a:t>Third level</a:t>
+            </a:r>
+          </a:p>
+          <a:p>
+            <a:pPr lvl="3"/>
+            <a:r>
+              <a:rPr lang="en-GB"/>
+              <a:t>Fourth level</a:t>
+            </a:r>
+          </a:p>
+          <a:p>
+            <a:pPr lvl="4"/>
+            <a:r>
+              <a:rPr lang="en-GB"/>
+              <a:t>Fifth level</a:t>
+            </a:r>
+            <a:endParaRPr lang="en-US"/>
+          </a:p>
+        </p:txBody>
+      </p:sp>
+      <p:sp>
+        <p:nvSpPr>
+          <p:cNvPr id="6" name="Footer Placeholder 5"/>
+          <p:cNvSpPr>
+            <a:spLocks noGrp="1"/>
+          </p:cNvSpPr>
+          <p:nvPr>
+            <p:ph type="ftr" sz="quarter" idx="4"/>
+          </p:nvPr>
+        </p:nvSpPr>
+        <p:spPr>
+          <a:xfrm>
+            <a:off x="0" y="8685213"/>
+            <a:ext cx="2971800" cy="458787"/>
+          </a:xfrm>
+          <a:prstGeom prst="rect">
+            <a:avLst/>
+          </a:prstGeom>
+        </p:spPr>
+        <p:txBody>
+          <a:bodyPr vert="horz" lIns="91440" tIns="45720" rIns="91440" bIns="45720" rtlCol="0" anchor="b"/>
+          <a:lstStyle>
+            <a:lvl1pPr algn="l">
+              <a:defRPr sz="1200"/>
+            </a:lvl1pPr>
+          </a:lstStyle>
+          <a:p>
+            <a:endParaRPr lang="en-US"/>
+          </a:p>
+        </p:txBody>
+      </p:sp>
+      <p:sp>
+        <p:nvSpPr>
+          <p:cNvPr id="7" name="Slide Number Placeholder 6"/>
+          <p:cNvSpPr>
+            <a:spLocks noGrp="1"/>
+          </p:cNvSpPr>
+          <p:nvPr>
+            <p:ph type="sldNum" sz="quarter" idx="5"/>
+          </p:nvPr>
+        </p:nvSpPr>
+        <p:spPr>
+          <a:xfrm>
+            <a:off x="3884613" y="8685213"/>
+            <a:ext cx="2971800" cy="458787"/>
+          </a:xfrm>
+          <a:prstGeom prst="rect">
+            <a:avLst/>
+          </a:prstGeom>
+        </p:spPr>
+        <p:txBody>
+          <a:bodyPr vert="horz" lIns="91440" tIns="45720" rIns="91440" bIns="45720" rtlCol="0" anchor="b"/>
+          <a:lstStyle>
+            <a:lvl1pPr algn="r">
+              <a:defRPr sz="1200"/>
+            </a:lvl1pPr>
+          </a:lstStyle>
+          <a:p>
+            <a:fld id="{9D1200AA-FF3F-6F49-BEFE-19EA8ACB80A8}" type="slidenum">
+              <a:rPr lang="en-US" smtClean="0"/>
+              <a:t>‹#›</a:t>
+            </a:fld>
+            <a:endParaRPr lang="en-US"/>
+          </a:p>
+        </p:txBody>
+      </p:sp>
+    </p:spTree>
+    <p:extLst>
+      <p:ext uri="{BB962C8B-B14F-4D97-AF65-F5344CB8AC3E}">
+        <p14:creationId xmlns:p14="http://schemas.microsoft.com/office/powerpoint/2010/main" val="3997911572"/>
+      </p:ext>
+    </p:extLst>
+  </p:cSld>
+  <p:clrMap bg1="lt1" tx1="dk1" bg2="lt2" tx2="dk2" accent1="accent1" accent2="accent2" accent3="accent3" accent4="accent4" accent5="accent5" accent6="accent6" hlink="hlink" folHlink="folHlink"/>
+  <p:notesStyle>
+    <a:lvl1pPr marL="0" algn="l" defTabSz="914400" rtl="0" eaLnBrk="1" latinLnBrk="0" hangingPunct="1">
+      <a:defRPr sz="1200" kern="1200">
+        <a:solidFill>
+          <a:schemeClr val="tx1"/>
+        </a:solidFill>
+        <a:latin typeface="+mn-lt"/>
+        <a:ea typeface="+mn-ea"/>
+        <a:cs typeface="+mn-cs"/>
+      </a:defRPr>
+    </a:lvl1pPr>
+    <a:lvl2pPr marL="457200" algn="l" defTabSz="914400" rtl="0" eaLnBrk="1" latinLnBrk="0" hangingPunct="1">
+      <a:defRPr sz="1200" kern="1200">
+        <a:solidFill>
+          <a:schemeClr val="tx1"/>
+        </a:solidFill>
+        <a:latin typeface="+mn-lt"/>
+        <a:ea typeface="+mn-ea"/>
+        <a:cs typeface="+mn-cs"/>
+      </a:defRPr>
+    </a:lvl2pPr>
+    <a:lvl3pPr marL="914400" algn="l" defTabSz="914400" rtl="0" eaLnBrk="1" latinLnBrk="0" hangingPunct="1">
+      <a:defRPr sz="1200" kern="1200">
+        <a:solidFill>
+          <a:schemeClr val="tx1"/>
+        </a:solidFill>
+        <a:latin typeface="+mn-lt"/>
+        <a:ea typeface="+mn-ea"/>
+        <a:cs typeface="+mn-cs"/>
+      </a:defRPr>
+    </a:lvl3pPr>
+    <a:lvl4pPr marL="1371600" algn="l" defTabSz="914400" rtl="0" eaLnBrk="1" latinLnBrk="0" hangingPunct="1">
+      <a:defRPr sz="1200" kern="1200">
+        <a:solidFill>
+          <a:schemeClr val="tx1"/>
+        </a:solidFill>
+        <a:latin typeface="+mn-lt"/>
+        <a:ea typeface="+mn-ea"/>
+        <a:cs typeface="+mn-cs"/>
+      </a:defRPr>
+    </a:lvl4pPr>
+    <a:lvl5pPr marL="1828800" algn="l" defTabSz="914400" rtl="0" eaLnBrk="1" latinLnBrk="0" hangingPunct="1">
+      <a:defRPr sz="1200" kern="1200">
+        <a:solidFill>
+          <a:schemeClr val="tx1"/>
+        </a:solidFill>
+        <a:latin typeface="+mn-lt"/>
+        <a:ea typeface="+mn-ea"/>
+        <a:cs typeface="+mn-cs"/>
+      </a:defRPr>
+    </a:lvl5pPr>
+    <a:lvl6pPr marL="2286000" algn="l" defTabSz="914400" rtl="0" eaLnBrk="1" latinLnBrk="0" hangingPunct="1">
+      <a:defRPr sz="1200" kern="1200">
+        <a:solidFill>
+          <a:schemeClr val="tx1"/>
+        </a:solidFill>
+        <a:latin typeface="+mn-lt"/>
+        <a:ea typeface="+mn-ea"/>
+        <a:cs typeface="+mn-cs"/>
+      </a:defRPr>
+    </a:lvl6pPr>
+    <a:lvl7pPr marL="2743200" algn="l" defTabSz="914400" rtl="0" eaLnBrk="1" latinLnBrk="0" hangingPunct="1">
+      <a:defRPr sz="1200" kern="1200">
+        <a:solidFill>
+          <a:schemeClr val="tx1"/>
+        </a:solidFill>
+        <a:latin typeface="+mn-lt"/>
+        <a:ea typeface="+mn-ea"/>
+        <a:cs typeface="+mn-cs"/>
+      </a:defRPr>
+    </a:lvl7pPr>
+    <a:lvl8pPr marL="3200400" algn="l" defTabSz="914400" rtl="0" eaLnBrk="1" latinLnBrk="0" hangingPunct="1">
+      <a:defRPr sz="1200" kern="1200">
+        <a:solidFill>
+          <a:schemeClr val="tx1"/>
+        </a:solidFill>
+        <a:latin typeface="+mn-lt"/>
+        <a:ea typeface="+mn-ea"/>
+        <a:cs typeface="+mn-cs"/>
+      </a:defRPr>
+    </a:lvl8pPr>
+    <a:lvl9pPr marL="3657600" algn="l" defTabSz="914400" rtl="0" eaLnBrk="1" latinLnBrk="0" hangingPunct="1">
+      <a:defRPr sz="1200" kern="1200">
+        <a:solidFill>
+          <a:schemeClr val="tx1"/>
+        </a:solidFill>
+        <a:latin typeface="+mn-lt"/>
+        <a:ea typeface="+mn-ea"/>
+        <a:cs typeface="+mn-cs"/>
+      </a:defRPr>
+    </a:lvl9pPr>
+  </p:notesStyle>
+</p:notesMaster>
+</file>
+
+<file path=ppt/notesSlides/notesSlide1.xml><?xml version="1.0" encoding="utf-8"?>
+<p:notes xmlns:a="http://schemas.openxmlformats.org/drawingml/2006/main" xmlns:r="http://schemas.openxmlformats.org/officeDocument/2006/relationships" xmlns:p="http://schemas.openxmlformats.org/presentationml/2006/main">
+  <p:cSld>
+    <p:spTree>
+      <p:nvGrpSpPr>
+        <p:cNvPr id="1" name=""/>
+        <p:cNvGrpSpPr/>
+        <p:nvPr/>
+      </p:nvGrpSpPr>
+      <p:grpSpPr>
+        <a:xfrm>
+          <a:off x="0" y="0"/>
+          <a:ext cx="0" cy="0"/>
+          <a:chOff x="0" y="0"/>
+          <a:chExt cx="0" cy="0"/>
+        </a:xfrm>
+      </p:grpSpPr>
+      <p:sp>
+        <p:nvSpPr>
+          <p:cNvPr id="2" name="Slide Image Placeholder 1"/>
+          <p:cNvSpPr>
+            <a:spLocks noGrp="1" noRot="1" noChangeAspect="1"/>
+          </p:cNvSpPr>
+          <p:nvPr>
+            <p:ph type="sldImg"/>
+          </p:nvPr>
+        </p:nvSpPr>
+        <p:spPr/>
+      </p:sp>
+      <p:sp>
+        <p:nvSpPr>
+          <p:cNvPr id="3" name="Notes Placeholder 2"/>
+          <p:cNvSpPr>
+            <a:spLocks noGrp="1"/>
+          </p:cNvSpPr>
+          <p:nvPr>
+            <p:ph type="body" idx="1"/>
+          </p:nvPr>
+        </p:nvSpPr>
+        <p:spPr/>
+        <p:txBody>
+          <a:bodyPr/>
+          <a:lstStyle/>
+          <a:p>
+            <a:endParaRPr lang="en-US" dirty="0"/>
+          </a:p>
+        </p:txBody>
+      </p:sp>
+      <p:sp>
+        <p:nvSpPr>
+          <p:cNvPr id="4" name="Slide Number Placeholder 3"/>
+          <p:cNvSpPr>
+            <a:spLocks noGrp="1"/>
+          </p:cNvSpPr>
+          <p:nvPr>
+            <p:ph type="sldNum" sz="quarter" idx="5"/>
+          </p:nvPr>
+        </p:nvSpPr>
+        <p:spPr/>
+        <p:txBody>
+          <a:bodyPr/>
+          <a:lstStyle/>
+          <a:p>
+            <a:fld id="{9D1200AA-FF3F-6F49-BEFE-19EA8ACB80A8}" type="slidenum">
+              <a:rPr lang="en-US" smtClean="0"/>
+              <a:t>3</a:t>
+            </a:fld>
+            <a:endParaRPr lang="en-US"/>
+          </a:p>
+        </p:txBody>
+      </p:sp>
+    </p:spTree>
+    <p:extLst>
+      <p:ext uri="{BB962C8B-B14F-4D97-AF65-F5344CB8AC3E}">
+        <p14:creationId xmlns:p14="http://schemas.microsoft.com/office/powerpoint/2010/main" val="3039993892"/>
+      </p:ext>
+    </p:extLst>
+  </p:cSld>
+  <p:clrMapOvr>
+    <a:masterClrMapping/>
+  </p:clrMapOvr>
+</p:notes>
 </file>
 
 <file path=ppt/slideLayouts/slideLayout1.xml><?xml version="1.0" encoding="utf-8"?>
@@ -244,7 +686,7 @@
           <a:p>
             <a:fld id="{48602B3E-AF8E-41D9-B64F-30CA86ABA96C}" type="datetimeFigureOut">
               <a:rPr lang="en-AU" smtClean="0"/>
-              <a:t>13/04/2024</a:t>
+              <a:t>15/04/2024</a:t>
             </a:fld>
             <a:endParaRPr lang="en-AU"/>
           </a:p>
@@ -414,7 +856,7 @@
           <a:p>
             <a:fld id="{48602B3E-AF8E-41D9-B64F-30CA86ABA96C}" type="datetimeFigureOut">
               <a:rPr lang="en-AU" smtClean="0"/>
-              <a:t>13/04/2024</a:t>
+              <a:t>15/04/2024</a:t>
             </a:fld>
             <a:endParaRPr lang="en-AU"/>
           </a:p>
@@ -594,7 +1036,7 @@
           <a:p>
             <a:fld id="{48602B3E-AF8E-41D9-B64F-30CA86ABA96C}" type="datetimeFigureOut">
               <a:rPr lang="en-AU" smtClean="0"/>
-              <a:t>13/04/2024</a:t>
+              <a:t>15/04/2024</a:t>
             </a:fld>
             <a:endParaRPr lang="en-AU"/>
           </a:p>
@@ -764,7 +1206,7 @@
           <a:p>
             <a:fld id="{48602B3E-AF8E-41D9-B64F-30CA86ABA96C}" type="datetimeFigureOut">
               <a:rPr lang="en-AU" smtClean="0"/>
-              <a:t>13/04/2024</a:t>
+              <a:t>15/04/2024</a:t>
             </a:fld>
             <a:endParaRPr lang="en-AU"/>
           </a:p>
@@ -1010,7 +1452,7 @@
           <a:p>
             <a:fld id="{48602B3E-AF8E-41D9-B64F-30CA86ABA96C}" type="datetimeFigureOut">
               <a:rPr lang="en-AU" smtClean="0"/>
-              <a:t>13/04/2024</a:t>
+              <a:t>15/04/2024</a:t>
             </a:fld>
             <a:endParaRPr lang="en-AU"/>
           </a:p>
@@ -1242,7 +1684,7 @@
           <a:p>
             <a:fld id="{48602B3E-AF8E-41D9-B64F-30CA86ABA96C}" type="datetimeFigureOut">
               <a:rPr lang="en-AU" smtClean="0"/>
-              <a:t>13/04/2024</a:t>
+              <a:t>15/04/2024</a:t>
             </a:fld>
             <a:endParaRPr lang="en-AU"/>
           </a:p>
@@ -1609,7 +2051,7 @@
           <a:p>
             <a:fld id="{48602B3E-AF8E-41D9-B64F-30CA86ABA96C}" type="datetimeFigureOut">
               <a:rPr lang="en-AU" smtClean="0"/>
-              <a:t>13/04/2024</a:t>
+              <a:t>15/04/2024</a:t>
             </a:fld>
             <a:endParaRPr lang="en-AU"/>
           </a:p>
@@ -1727,7 +2169,7 @@
           <a:p>
             <a:fld id="{48602B3E-AF8E-41D9-B64F-30CA86ABA96C}" type="datetimeFigureOut">
               <a:rPr lang="en-AU" smtClean="0"/>
-              <a:t>13/04/2024</a:t>
+              <a:t>15/04/2024</a:t>
             </a:fld>
             <a:endParaRPr lang="en-AU"/>
           </a:p>
@@ -1822,7 +2264,7 @@
           <a:p>
             <a:fld id="{48602B3E-AF8E-41D9-B64F-30CA86ABA96C}" type="datetimeFigureOut">
               <a:rPr lang="en-AU" smtClean="0"/>
-              <a:t>13/04/2024</a:t>
+              <a:t>15/04/2024</a:t>
             </a:fld>
             <a:endParaRPr lang="en-AU"/>
           </a:p>
@@ -2099,7 +2541,7 @@
           <a:p>
             <a:fld id="{48602B3E-AF8E-41D9-B64F-30CA86ABA96C}" type="datetimeFigureOut">
               <a:rPr lang="en-AU" smtClean="0"/>
-              <a:t>13/04/2024</a:t>
+              <a:t>15/04/2024</a:t>
             </a:fld>
             <a:endParaRPr lang="en-AU"/>
           </a:p>
@@ -2356,7 +2798,7 @@
           <a:p>
             <a:fld id="{48602B3E-AF8E-41D9-B64F-30CA86ABA96C}" type="datetimeFigureOut">
               <a:rPr lang="en-AU" smtClean="0"/>
-              <a:t>13/04/2024</a:t>
+              <a:t>15/04/2024</a:t>
             </a:fld>
             <a:endParaRPr lang="en-AU"/>
           </a:p>
@@ -2569,7 +3011,7 @@
           <a:p>
             <a:fld id="{48602B3E-AF8E-41D9-B64F-30CA86ABA96C}" type="datetimeFigureOut">
               <a:rPr lang="en-AU" smtClean="0"/>
-              <a:t>13/04/2024</a:t>
+              <a:t>15/04/2024</a:t>
             </a:fld>
             <a:endParaRPr lang="en-AU"/>
           </a:p>
@@ -3586,6 +4028,2324 @@
       </p:grpSpPr>
       <p:sp>
         <p:nvSpPr>
+          <p:cNvPr id="5" name="Right Arrow 4">
+            <a:extLst>
+              <a:ext uri="{FF2B5EF4-FFF2-40B4-BE49-F238E27FC236}">
+                <a16:creationId xmlns:a16="http://schemas.microsoft.com/office/drawing/2014/main" id="{B39EC56C-1832-33DD-AA5F-43B2A86CFEFF}"/>
+              </a:ext>
+            </a:extLst>
+          </p:cNvPr>
+          <p:cNvSpPr/>
+          <p:nvPr/>
+        </p:nvSpPr>
+        <p:spPr>
+          <a:xfrm>
+            <a:off x="218941" y="2807594"/>
+            <a:ext cx="11874321" cy="875764"/>
+          </a:xfrm>
+          <a:prstGeom prst="rightArrow">
+            <a:avLst/>
+          </a:prstGeom>
+          <a:gradFill flip="none" rotWithShape="1">
+            <a:gsLst>
+              <a:gs pos="0">
+                <a:schemeClr val="accent1">
+                  <a:shade val="30000"/>
+                  <a:satMod val="115000"/>
+                </a:schemeClr>
+              </a:gs>
+              <a:gs pos="50000">
+                <a:schemeClr val="accent1">
+                  <a:shade val="67500"/>
+                  <a:satMod val="115000"/>
+                </a:schemeClr>
+              </a:gs>
+              <a:gs pos="100000">
+                <a:schemeClr val="accent1">
+                  <a:shade val="100000"/>
+                  <a:satMod val="115000"/>
+                </a:schemeClr>
+              </a:gs>
+            </a:gsLst>
+            <a:lin ang="10800000" scaled="1"/>
+            <a:tileRect/>
+          </a:gradFill>
+          <a:ln>
+            <a:noFill/>
+            <a:extLst>
+              <a:ext uri="{C807C97D-BFC1-408E-A445-0C87EB9F89A2}">
+                <ask:lineSketchStyleProps xmlns:ask="http://schemas.microsoft.com/office/drawing/2018/sketchyshapes" sd="1219033472">
+                  <a:custGeom>
+                    <a:avLst/>
+                    <a:gdLst>
+                      <a:gd name="connsiteX0" fmla="*/ 0 w 11500834"/>
+                      <a:gd name="connsiteY0" fmla="*/ 155352 h 621406"/>
+                      <a:gd name="connsiteX1" fmla="*/ 587482 w 11500834"/>
+                      <a:gd name="connsiteY1" fmla="*/ 155352 h 621406"/>
+                      <a:gd name="connsiteX2" fmla="*/ 951161 w 11500834"/>
+                      <a:gd name="connsiteY2" fmla="*/ 155352 h 621406"/>
+                      <a:gd name="connsiteX3" fmla="*/ 1874347 w 11500834"/>
+                      <a:gd name="connsiteY3" fmla="*/ 155352 h 621406"/>
+                      <a:gd name="connsiteX4" fmla="*/ 2461829 w 11500834"/>
+                      <a:gd name="connsiteY4" fmla="*/ 155352 h 621406"/>
+                      <a:gd name="connsiteX5" fmla="*/ 3049311 w 11500834"/>
+                      <a:gd name="connsiteY5" fmla="*/ 155352 h 621406"/>
+                      <a:gd name="connsiteX6" fmla="*/ 3972497 w 11500834"/>
+                      <a:gd name="connsiteY6" fmla="*/ 155352 h 621406"/>
+                      <a:gd name="connsiteX7" fmla="*/ 4448077 w 11500834"/>
+                      <a:gd name="connsiteY7" fmla="*/ 155352 h 621406"/>
+                      <a:gd name="connsiteX8" fmla="*/ 5371263 w 11500834"/>
+                      <a:gd name="connsiteY8" fmla="*/ 155352 h 621406"/>
+                      <a:gd name="connsiteX9" fmla="*/ 6294449 w 11500834"/>
+                      <a:gd name="connsiteY9" fmla="*/ 155352 h 621406"/>
+                      <a:gd name="connsiteX10" fmla="*/ 6993832 w 11500834"/>
+                      <a:gd name="connsiteY10" fmla="*/ 155352 h 621406"/>
+                      <a:gd name="connsiteX11" fmla="*/ 7917018 w 11500834"/>
+                      <a:gd name="connsiteY11" fmla="*/ 155352 h 621406"/>
+                      <a:gd name="connsiteX12" fmla="*/ 8504500 w 11500834"/>
+                      <a:gd name="connsiteY12" fmla="*/ 155352 h 621406"/>
+                      <a:gd name="connsiteX13" fmla="*/ 9091981 w 11500834"/>
+                      <a:gd name="connsiteY13" fmla="*/ 155352 h 621406"/>
+                      <a:gd name="connsiteX14" fmla="*/ 9903266 w 11500834"/>
+                      <a:gd name="connsiteY14" fmla="*/ 155352 h 621406"/>
+                      <a:gd name="connsiteX15" fmla="*/ 10490748 w 11500834"/>
+                      <a:gd name="connsiteY15" fmla="*/ 155352 h 621406"/>
+                      <a:gd name="connsiteX16" fmla="*/ 11190131 w 11500834"/>
+                      <a:gd name="connsiteY16" fmla="*/ 155352 h 621406"/>
+                      <a:gd name="connsiteX17" fmla="*/ 11190131 w 11500834"/>
+                      <a:gd name="connsiteY17" fmla="*/ 0 h 621406"/>
+                      <a:gd name="connsiteX18" fmla="*/ 11500834 w 11500834"/>
+                      <a:gd name="connsiteY18" fmla="*/ 310703 h 621406"/>
+                      <a:gd name="connsiteX19" fmla="*/ 11190131 w 11500834"/>
+                      <a:gd name="connsiteY19" fmla="*/ 621406 h 621406"/>
+                      <a:gd name="connsiteX20" fmla="*/ 11190131 w 11500834"/>
+                      <a:gd name="connsiteY20" fmla="*/ 466055 h 621406"/>
+                      <a:gd name="connsiteX21" fmla="*/ 10602649 w 11500834"/>
+                      <a:gd name="connsiteY21" fmla="*/ 466055 h 621406"/>
+                      <a:gd name="connsiteX22" fmla="*/ 9903266 w 11500834"/>
+                      <a:gd name="connsiteY22" fmla="*/ 466055 h 621406"/>
+                      <a:gd name="connsiteX23" fmla="*/ 9539587 w 11500834"/>
+                      <a:gd name="connsiteY23" fmla="*/ 466055 h 621406"/>
+                      <a:gd name="connsiteX24" fmla="*/ 9175907 w 11500834"/>
+                      <a:gd name="connsiteY24" fmla="*/ 466055 h 621406"/>
+                      <a:gd name="connsiteX25" fmla="*/ 8476524 w 11500834"/>
+                      <a:gd name="connsiteY25" fmla="*/ 466055 h 621406"/>
+                      <a:gd name="connsiteX26" fmla="*/ 8000944 w 11500834"/>
+                      <a:gd name="connsiteY26" fmla="*/ 466055 h 621406"/>
+                      <a:gd name="connsiteX27" fmla="*/ 7189659 w 11500834"/>
+                      <a:gd name="connsiteY27" fmla="*/ 466055 h 621406"/>
+                      <a:gd name="connsiteX28" fmla="*/ 6714079 w 11500834"/>
+                      <a:gd name="connsiteY28" fmla="*/ 466055 h 621406"/>
+                      <a:gd name="connsiteX29" fmla="*/ 5902794 w 11500834"/>
+                      <a:gd name="connsiteY29" fmla="*/ 466055 h 621406"/>
+                      <a:gd name="connsiteX30" fmla="*/ 5539115 w 11500834"/>
+                      <a:gd name="connsiteY30" fmla="*/ 466055 h 621406"/>
+                      <a:gd name="connsiteX31" fmla="*/ 4727830 w 11500834"/>
+                      <a:gd name="connsiteY31" fmla="*/ 466055 h 621406"/>
+                      <a:gd name="connsiteX32" fmla="*/ 4252250 w 11500834"/>
+                      <a:gd name="connsiteY32" fmla="*/ 466055 h 621406"/>
+                      <a:gd name="connsiteX33" fmla="*/ 3888571 w 11500834"/>
+                      <a:gd name="connsiteY33" fmla="*/ 466055 h 621406"/>
+                      <a:gd name="connsiteX34" fmla="*/ 3412990 w 11500834"/>
+                      <a:gd name="connsiteY34" fmla="*/ 466055 h 621406"/>
+                      <a:gd name="connsiteX35" fmla="*/ 2601705 w 11500834"/>
+                      <a:gd name="connsiteY35" fmla="*/ 466055 h 621406"/>
+                      <a:gd name="connsiteX36" fmla="*/ 2126125 w 11500834"/>
+                      <a:gd name="connsiteY36" fmla="*/ 466055 h 621406"/>
+                      <a:gd name="connsiteX37" fmla="*/ 1762446 w 11500834"/>
+                      <a:gd name="connsiteY37" fmla="*/ 466055 h 621406"/>
+                      <a:gd name="connsiteX38" fmla="*/ 1286865 w 11500834"/>
+                      <a:gd name="connsiteY38" fmla="*/ 466055 h 621406"/>
+                      <a:gd name="connsiteX39" fmla="*/ 699383 w 11500834"/>
+                      <a:gd name="connsiteY39" fmla="*/ 466055 h 621406"/>
+                      <a:gd name="connsiteX40" fmla="*/ 0 w 11500834"/>
+                      <a:gd name="connsiteY40" fmla="*/ 466055 h 621406"/>
+                      <a:gd name="connsiteX41" fmla="*/ 0 w 11500834"/>
+                      <a:gd name="connsiteY41" fmla="*/ 155352 h 621406"/>
+                    </a:gdLst>
+                    <a:ahLst/>
+                    <a:cxnLst>
+                      <a:cxn ang="0">
+                        <a:pos x="connsiteX0" y="connsiteY0"/>
+                      </a:cxn>
+                      <a:cxn ang="0">
+                        <a:pos x="connsiteX1" y="connsiteY1"/>
+                      </a:cxn>
+                      <a:cxn ang="0">
+                        <a:pos x="connsiteX2" y="connsiteY2"/>
+                      </a:cxn>
+                      <a:cxn ang="0">
+                        <a:pos x="connsiteX3" y="connsiteY3"/>
+                      </a:cxn>
+                      <a:cxn ang="0">
+                        <a:pos x="connsiteX4" y="connsiteY4"/>
+                      </a:cxn>
+                      <a:cxn ang="0">
+                        <a:pos x="connsiteX5" y="connsiteY5"/>
+                      </a:cxn>
+                      <a:cxn ang="0">
+                        <a:pos x="connsiteX6" y="connsiteY6"/>
+                      </a:cxn>
+                      <a:cxn ang="0">
+                        <a:pos x="connsiteX7" y="connsiteY7"/>
+                      </a:cxn>
+                      <a:cxn ang="0">
+                        <a:pos x="connsiteX8" y="connsiteY8"/>
+                      </a:cxn>
+                      <a:cxn ang="0">
+                        <a:pos x="connsiteX9" y="connsiteY9"/>
+                      </a:cxn>
+                      <a:cxn ang="0">
+                        <a:pos x="connsiteX10" y="connsiteY10"/>
+                      </a:cxn>
+                      <a:cxn ang="0">
+                        <a:pos x="connsiteX11" y="connsiteY11"/>
+                      </a:cxn>
+                      <a:cxn ang="0">
+                        <a:pos x="connsiteX12" y="connsiteY12"/>
+                      </a:cxn>
+                      <a:cxn ang="0">
+                        <a:pos x="connsiteX13" y="connsiteY13"/>
+                      </a:cxn>
+                      <a:cxn ang="0">
+                        <a:pos x="connsiteX14" y="connsiteY14"/>
+                      </a:cxn>
+                      <a:cxn ang="0">
+                        <a:pos x="connsiteX15" y="connsiteY15"/>
+                      </a:cxn>
+                      <a:cxn ang="0">
+                        <a:pos x="connsiteX16" y="connsiteY16"/>
+                      </a:cxn>
+                      <a:cxn ang="0">
+                        <a:pos x="connsiteX17" y="connsiteY17"/>
+                      </a:cxn>
+                      <a:cxn ang="0">
+                        <a:pos x="connsiteX18" y="connsiteY18"/>
+                      </a:cxn>
+                      <a:cxn ang="0">
+                        <a:pos x="connsiteX19" y="connsiteY19"/>
+                      </a:cxn>
+                      <a:cxn ang="0">
+                        <a:pos x="connsiteX20" y="connsiteY20"/>
+                      </a:cxn>
+                      <a:cxn ang="0">
+                        <a:pos x="connsiteX21" y="connsiteY21"/>
+                      </a:cxn>
+                      <a:cxn ang="0">
+                        <a:pos x="connsiteX22" y="connsiteY22"/>
+                      </a:cxn>
+                      <a:cxn ang="0">
+                        <a:pos x="connsiteX23" y="connsiteY23"/>
+                      </a:cxn>
+                      <a:cxn ang="0">
+                        <a:pos x="connsiteX24" y="connsiteY24"/>
+                      </a:cxn>
+                      <a:cxn ang="0">
+                        <a:pos x="connsiteX25" y="connsiteY25"/>
+                      </a:cxn>
+                      <a:cxn ang="0">
+                        <a:pos x="connsiteX26" y="connsiteY26"/>
+                      </a:cxn>
+                      <a:cxn ang="0">
+                        <a:pos x="connsiteX27" y="connsiteY27"/>
+                      </a:cxn>
+                      <a:cxn ang="0">
+                        <a:pos x="connsiteX28" y="connsiteY28"/>
+                      </a:cxn>
+                      <a:cxn ang="0">
+                        <a:pos x="connsiteX29" y="connsiteY29"/>
+                      </a:cxn>
+                      <a:cxn ang="0">
+                        <a:pos x="connsiteX30" y="connsiteY30"/>
+                      </a:cxn>
+                      <a:cxn ang="0">
+                        <a:pos x="connsiteX31" y="connsiteY31"/>
+                      </a:cxn>
+                      <a:cxn ang="0">
+                        <a:pos x="connsiteX32" y="connsiteY32"/>
+                      </a:cxn>
+                      <a:cxn ang="0">
+                        <a:pos x="connsiteX33" y="connsiteY33"/>
+                      </a:cxn>
+                      <a:cxn ang="0">
+                        <a:pos x="connsiteX34" y="connsiteY34"/>
+                      </a:cxn>
+                      <a:cxn ang="0">
+                        <a:pos x="connsiteX35" y="connsiteY35"/>
+                      </a:cxn>
+                      <a:cxn ang="0">
+                        <a:pos x="connsiteX36" y="connsiteY36"/>
+                      </a:cxn>
+                      <a:cxn ang="0">
+                        <a:pos x="connsiteX37" y="connsiteY37"/>
+                      </a:cxn>
+                      <a:cxn ang="0">
+                        <a:pos x="connsiteX38" y="connsiteY38"/>
+                      </a:cxn>
+                      <a:cxn ang="0">
+                        <a:pos x="connsiteX39" y="connsiteY39"/>
+                      </a:cxn>
+                      <a:cxn ang="0">
+                        <a:pos x="connsiteX40" y="connsiteY40"/>
+                      </a:cxn>
+                      <a:cxn ang="0">
+                        <a:pos x="connsiteX41" y="connsiteY41"/>
+                      </a:cxn>
+                    </a:cxnLst>
+                    <a:rect l="l" t="t" r="r" b="b"/>
+                    <a:pathLst>
+                      <a:path w="11500834" h="621406" extrusionOk="0">
+                        <a:moveTo>
+                          <a:pt x="0" y="155352"/>
+                        </a:moveTo>
+                        <a:cubicBezTo>
+                          <a:pt x="223539" y="126726"/>
+                          <a:pt x="352654" y="183694"/>
+                          <a:pt x="587482" y="155352"/>
+                        </a:cubicBezTo>
+                        <a:cubicBezTo>
+                          <a:pt x="822310" y="127010"/>
+                          <a:pt x="828281" y="152432"/>
+                          <a:pt x="951161" y="155352"/>
+                        </a:cubicBezTo>
+                        <a:cubicBezTo>
+                          <a:pt x="1074041" y="158272"/>
+                          <a:pt x="1664877" y="145417"/>
+                          <a:pt x="1874347" y="155352"/>
+                        </a:cubicBezTo>
+                        <a:cubicBezTo>
+                          <a:pt x="2083817" y="165287"/>
+                          <a:pt x="2330677" y="182367"/>
+                          <a:pt x="2461829" y="155352"/>
+                        </a:cubicBezTo>
+                        <a:cubicBezTo>
+                          <a:pt x="2592981" y="128337"/>
+                          <a:pt x="2789838" y="152921"/>
+                          <a:pt x="3049311" y="155352"/>
+                        </a:cubicBezTo>
+                        <a:cubicBezTo>
+                          <a:pt x="3308784" y="157783"/>
+                          <a:pt x="3609405" y="149259"/>
+                          <a:pt x="3972497" y="155352"/>
+                        </a:cubicBezTo>
+                        <a:cubicBezTo>
+                          <a:pt x="4335589" y="161445"/>
+                          <a:pt x="4338498" y="133704"/>
+                          <a:pt x="4448077" y="155352"/>
+                        </a:cubicBezTo>
+                        <a:cubicBezTo>
+                          <a:pt x="4557656" y="177000"/>
+                          <a:pt x="5186305" y="183028"/>
+                          <a:pt x="5371263" y="155352"/>
+                        </a:cubicBezTo>
+                        <a:cubicBezTo>
+                          <a:pt x="5556221" y="127676"/>
+                          <a:pt x="5833601" y="130131"/>
+                          <a:pt x="6294449" y="155352"/>
+                        </a:cubicBezTo>
+                        <a:cubicBezTo>
+                          <a:pt x="6755297" y="180573"/>
+                          <a:pt x="6851699" y="149506"/>
+                          <a:pt x="6993832" y="155352"/>
+                        </a:cubicBezTo>
+                        <a:cubicBezTo>
+                          <a:pt x="7135965" y="161198"/>
+                          <a:pt x="7602822" y="114960"/>
+                          <a:pt x="7917018" y="155352"/>
+                        </a:cubicBezTo>
+                        <a:cubicBezTo>
+                          <a:pt x="8231214" y="195744"/>
+                          <a:pt x="8220534" y="176701"/>
+                          <a:pt x="8504500" y="155352"/>
+                        </a:cubicBezTo>
+                        <a:cubicBezTo>
+                          <a:pt x="8788466" y="134003"/>
+                          <a:pt x="8833788" y="143789"/>
+                          <a:pt x="9091981" y="155352"/>
+                        </a:cubicBezTo>
+                        <a:cubicBezTo>
+                          <a:pt x="9350174" y="166915"/>
+                          <a:pt x="9583725" y="172236"/>
+                          <a:pt x="9903266" y="155352"/>
+                        </a:cubicBezTo>
+                        <a:cubicBezTo>
+                          <a:pt x="10222807" y="138468"/>
+                          <a:pt x="10261924" y="154636"/>
+                          <a:pt x="10490748" y="155352"/>
+                        </a:cubicBezTo>
+                        <a:cubicBezTo>
+                          <a:pt x="10719572" y="156068"/>
+                          <a:pt x="10841834" y="161431"/>
+                          <a:pt x="11190131" y="155352"/>
+                        </a:cubicBezTo>
+                        <a:cubicBezTo>
+                          <a:pt x="11192675" y="117450"/>
+                          <a:pt x="11191385" y="76255"/>
+                          <a:pt x="11190131" y="0"/>
+                        </a:cubicBezTo>
+                        <a:cubicBezTo>
+                          <a:pt x="11288141" y="120491"/>
+                          <a:pt x="11421264" y="235821"/>
+                          <a:pt x="11500834" y="310703"/>
+                        </a:cubicBezTo>
+                        <a:cubicBezTo>
+                          <a:pt x="11387719" y="442862"/>
+                          <a:pt x="11319840" y="491004"/>
+                          <a:pt x="11190131" y="621406"/>
+                        </a:cubicBezTo>
+                        <a:cubicBezTo>
+                          <a:pt x="11184796" y="561220"/>
+                          <a:pt x="11184735" y="535732"/>
+                          <a:pt x="11190131" y="466055"/>
+                        </a:cubicBezTo>
+                        <a:cubicBezTo>
+                          <a:pt x="11024019" y="479240"/>
+                          <a:pt x="10829014" y="467134"/>
+                          <a:pt x="10602649" y="466055"/>
+                        </a:cubicBezTo>
+                        <a:cubicBezTo>
+                          <a:pt x="10376284" y="464976"/>
+                          <a:pt x="10151749" y="480955"/>
+                          <a:pt x="9903266" y="466055"/>
+                        </a:cubicBezTo>
+                        <a:cubicBezTo>
+                          <a:pt x="9654783" y="451155"/>
+                          <a:pt x="9699771" y="478891"/>
+                          <a:pt x="9539587" y="466055"/>
+                        </a:cubicBezTo>
+                        <a:cubicBezTo>
+                          <a:pt x="9379403" y="453219"/>
+                          <a:pt x="9296553" y="477461"/>
+                          <a:pt x="9175907" y="466055"/>
+                        </a:cubicBezTo>
+                        <a:cubicBezTo>
+                          <a:pt x="9055261" y="454649"/>
+                          <a:pt x="8763565" y="473665"/>
+                          <a:pt x="8476524" y="466055"/>
+                        </a:cubicBezTo>
+                        <a:cubicBezTo>
+                          <a:pt x="8189483" y="458445"/>
+                          <a:pt x="8106470" y="487773"/>
+                          <a:pt x="8000944" y="466055"/>
+                        </a:cubicBezTo>
+                        <a:cubicBezTo>
+                          <a:pt x="7895418" y="444337"/>
+                          <a:pt x="7528707" y="450233"/>
+                          <a:pt x="7189659" y="466055"/>
+                        </a:cubicBezTo>
+                        <a:cubicBezTo>
+                          <a:pt x="6850611" y="481877"/>
+                          <a:pt x="6905763" y="485442"/>
+                          <a:pt x="6714079" y="466055"/>
+                        </a:cubicBezTo>
+                        <a:cubicBezTo>
+                          <a:pt x="6522395" y="446668"/>
+                          <a:pt x="6120345" y="461630"/>
+                          <a:pt x="5902794" y="466055"/>
+                        </a:cubicBezTo>
+                        <a:cubicBezTo>
+                          <a:pt x="5685243" y="470480"/>
+                          <a:pt x="5613257" y="469056"/>
+                          <a:pt x="5539115" y="466055"/>
+                        </a:cubicBezTo>
+                        <a:cubicBezTo>
+                          <a:pt x="5464973" y="463054"/>
+                          <a:pt x="4908224" y="458174"/>
+                          <a:pt x="4727830" y="466055"/>
+                        </a:cubicBezTo>
+                        <a:cubicBezTo>
+                          <a:pt x="4547437" y="473936"/>
+                          <a:pt x="4456731" y="475490"/>
+                          <a:pt x="4252250" y="466055"/>
+                        </a:cubicBezTo>
+                        <a:cubicBezTo>
+                          <a:pt x="4047769" y="456620"/>
+                          <a:pt x="4031208" y="460177"/>
+                          <a:pt x="3888571" y="466055"/>
+                        </a:cubicBezTo>
+                        <a:cubicBezTo>
+                          <a:pt x="3745934" y="471933"/>
+                          <a:pt x="3562590" y="445204"/>
+                          <a:pt x="3412990" y="466055"/>
+                        </a:cubicBezTo>
+                        <a:cubicBezTo>
+                          <a:pt x="3263390" y="486906"/>
+                          <a:pt x="2910505" y="467580"/>
+                          <a:pt x="2601705" y="466055"/>
+                        </a:cubicBezTo>
+                        <a:cubicBezTo>
+                          <a:pt x="2292905" y="464530"/>
+                          <a:pt x="2327559" y="480445"/>
+                          <a:pt x="2126125" y="466055"/>
+                        </a:cubicBezTo>
+                        <a:cubicBezTo>
+                          <a:pt x="1924691" y="451665"/>
+                          <a:pt x="1841262" y="474617"/>
+                          <a:pt x="1762446" y="466055"/>
+                        </a:cubicBezTo>
+                        <a:cubicBezTo>
+                          <a:pt x="1683630" y="457493"/>
+                          <a:pt x="1455754" y="471005"/>
+                          <a:pt x="1286865" y="466055"/>
+                        </a:cubicBezTo>
+                        <a:cubicBezTo>
+                          <a:pt x="1117976" y="461105"/>
+                          <a:pt x="828871" y="458075"/>
+                          <a:pt x="699383" y="466055"/>
+                        </a:cubicBezTo>
+                        <a:cubicBezTo>
+                          <a:pt x="569895" y="474035"/>
+                          <a:pt x="177077" y="458383"/>
+                          <a:pt x="0" y="466055"/>
+                        </a:cubicBezTo>
+                        <a:cubicBezTo>
+                          <a:pt x="-3286" y="323058"/>
+                          <a:pt x="13852" y="283923"/>
+                          <a:pt x="0" y="155352"/>
+                        </a:cubicBezTo>
+                        <a:close/>
+                      </a:path>
+                    </a:pathLst>
+                  </a:custGeom>
+                  <ask:type>
+                    <ask:lineSketchNone/>
+                  </ask:type>
+                </ask:lineSketchStyleProps>
+              </a:ext>
+            </a:extLst>
+          </a:ln>
+          <a:effectLst>
+            <a:glow rad="101600">
+              <a:schemeClr val="accent1">
+                <a:satMod val="175000"/>
+                <a:alpha val="40000"/>
+              </a:schemeClr>
+            </a:glow>
+          </a:effectLst>
+        </p:spPr>
+        <p:style>
+          <a:lnRef idx="2">
+            <a:schemeClr val="accent1">
+              <a:shade val="15000"/>
+            </a:schemeClr>
+          </a:lnRef>
+          <a:fillRef idx="1">
+            <a:schemeClr val="accent1"/>
+          </a:fillRef>
+          <a:effectRef idx="0">
+            <a:schemeClr val="accent1"/>
+          </a:effectRef>
+          <a:fontRef idx="minor">
+            <a:schemeClr val="lt1"/>
+          </a:fontRef>
+        </p:style>
+        <p:txBody>
+          <a:bodyPr rtlCol="0" anchor="ctr"/>
+          <a:lstStyle/>
+          <a:p>
+            <a:pPr algn="ctr"/>
+            <a:endParaRPr lang="en-US" dirty="0"/>
+          </a:p>
+        </p:txBody>
+      </p:sp>
+      <p:sp>
+        <p:nvSpPr>
+          <p:cNvPr id="6" name="Oval 5">
+            <a:extLst>
+              <a:ext uri="{FF2B5EF4-FFF2-40B4-BE49-F238E27FC236}">
+                <a16:creationId xmlns:a16="http://schemas.microsoft.com/office/drawing/2014/main" id="{B12C8C4C-A432-FFA9-E873-19217EBA0DA9}"/>
+              </a:ext>
+            </a:extLst>
+          </p:cNvPr>
+          <p:cNvSpPr/>
+          <p:nvPr/>
+        </p:nvSpPr>
+        <p:spPr>
+          <a:xfrm>
+            <a:off x="528031" y="2653047"/>
+            <a:ext cx="1184857" cy="1184857"/>
+          </a:xfrm>
+          <a:prstGeom prst="ellipse">
+            <a:avLst/>
+          </a:prstGeom>
+          <a:solidFill>
+            <a:schemeClr val="bg1"/>
+          </a:solidFill>
+          <a:ln w="57150">
+            <a:solidFill>
+              <a:schemeClr val="accent1"/>
+            </a:solidFill>
+          </a:ln>
+        </p:spPr>
+        <p:style>
+          <a:lnRef idx="2">
+            <a:schemeClr val="accent1">
+              <a:shade val="15000"/>
+            </a:schemeClr>
+          </a:lnRef>
+          <a:fillRef idx="1">
+            <a:schemeClr val="accent1"/>
+          </a:fillRef>
+          <a:effectRef idx="0">
+            <a:schemeClr val="accent1"/>
+          </a:effectRef>
+          <a:fontRef idx="minor">
+            <a:schemeClr val="lt1"/>
+          </a:fontRef>
+        </p:style>
+        <p:txBody>
+          <a:bodyPr rtlCol="0" anchor="ctr"/>
+          <a:lstStyle/>
+          <a:p>
+            <a:pPr algn="ctr"/>
+            <a:endParaRPr lang="en-US"/>
+          </a:p>
+        </p:txBody>
+      </p:sp>
+      <p:pic>
+        <p:nvPicPr>
+          <p:cNvPr id="8" name="Picture 7" descr="Light bulb logo lightbulb symbol, light bulb transparent background png clipart&#10;&#10;Description automatically generated">
+            <a:extLst>
+              <a:ext uri="{FF2B5EF4-FFF2-40B4-BE49-F238E27FC236}">
+                <a16:creationId xmlns:a16="http://schemas.microsoft.com/office/drawing/2014/main" id="{01C092D9-C492-E02B-287C-F1F79F85243E}"/>
+              </a:ext>
+            </a:extLst>
+          </p:cNvPr>
+          <p:cNvPicPr>
+            <a:picLocks noChangeAspect="1"/>
+          </p:cNvPicPr>
+          <p:nvPr/>
+        </p:nvPicPr>
+        <p:blipFill>
+          <a:blip r:embed="rId3">
+            <a:extLst>
+              <a:ext uri="{BEBA8EAE-BF5A-486C-A8C5-ECC9F3942E4B}">
+                <a14:imgProps xmlns:a14="http://schemas.microsoft.com/office/drawing/2010/main">
+                  <a14:imgLayer r:embed="rId4">
+                    <a14:imgEffect>
+                      <a14:backgroundRemoval t="10000" b="90000" l="10000" r="90000">
+                        <a14:foregroundMark x1="31641" y1="24089" x2="31641" y2="24089"/>
+                        <a14:foregroundMark x1="23828" y1="41536" x2="23828" y2="41536"/>
+                        <a14:foregroundMark x1="25651" y1="58854" x2="25651" y2="58854"/>
+                        <a14:foregroundMark x1="49349" y1="85026" x2="49349" y2="85026"/>
+                        <a14:foregroundMark x1="50911" y1="81120" x2="50911" y2="81120"/>
+                        <a14:foregroundMark x1="51172" y1="77604" x2="51172" y2="77604"/>
+                        <a14:foregroundMark x1="54688" y1="50781" x2="54688" y2="50781"/>
+                        <a14:foregroundMark x1="75260" y1="60286" x2="75260" y2="60286"/>
+                        <a14:foregroundMark x1="77344" y1="41276" x2="77344" y2="41276"/>
+                        <a14:foregroundMark x1="49089" y1="17448" x2="49089" y2="17448"/>
+                        <a14:foregroundMark x1="67318" y1="22786" x2="67318" y2="22786"/>
+                      </a14:backgroundRemoval>
+                    </a14:imgEffect>
+                  </a14:imgLayer>
+                </a14:imgProps>
+              </a:ext>
+              <a:ext uri="{28A0092B-C50C-407E-A947-70E740481C1C}">
+                <a14:useLocalDpi xmlns:a14="http://schemas.microsoft.com/office/drawing/2010/main" val="0"/>
+              </a:ext>
+            </a:extLst>
+          </a:blip>
+          <a:stretch>
+            <a:fillRect/>
+          </a:stretch>
+        </p:blipFill>
+        <p:spPr>
+          <a:xfrm>
+            <a:off x="579009" y="2653047"/>
+            <a:ext cx="1082899" cy="1082899"/>
+          </a:xfrm>
+          <a:prstGeom prst="rect">
+            <a:avLst/>
+          </a:prstGeom>
+        </p:spPr>
+      </p:pic>
+      <p:sp>
+        <p:nvSpPr>
+          <p:cNvPr id="9" name="Oval 8">
+            <a:extLst>
+              <a:ext uri="{FF2B5EF4-FFF2-40B4-BE49-F238E27FC236}">
+                <a16:creationId xmlns:a16="http://schemas.microsoft.com/office/drawing/2014/main" id="{2395DE69-3D3A-EE6B-2C84-4ED77785897C}"/>
+              </a:ext>
+            </a:extLst>
+          </p:cNvPr>
+          <p:cNvSpPr/>
+          <p:nvPr/>
+        </p:nvSpPr>
+        <p:spPr>
+          <a:xfrm>
+            <a:off x="1906070" y="2653047"/>
+            <a:ext cx="1184857" cy="1184857"/>
+          </a:xfrm>
+          <a:prstGeom prst="ellipse">
+            <a:avLst/>
+          </a:prstGeom>
+          <a:solidFill>
+            <a:schemeClr val="bg1"/>
+          </a:solidFill>
+          <a:ln w="57150">
+            <a:solidFill>
+              <a:schemeClr val="accent1"/>
+            </a:solidFill>
+          </a:ln>
+        </p:spPr>
+        <p:style>
+          <a:lnRef idx="2">
+            <a:schemeClr val="accent1">
+              <a:shade val="15000"/>
+            </a:schemeClr>
+          </a:lnRef>
+          <a:fillRef idx="1">
+            <a:schemeClr val="accent1"/>
+          </a:fillRef>
+          <a:effectRef idx="0">
+            <a:schemeClr val="accent1"/>
+          </a:effectRef>
+          <a:fontRef idx="minor">
+            <a:schemeClr val="lt1"/>
+          </a:fontRef>
+        </p:style>
+        <p:txBody>
+          <a:bodyPr rtlCol="0" anchor="ctr"/>
+          <a:lstStyle/>
+          <a:p>
+            <a:pPr algn="ctr"/>
+            <a:endParaRPr lang="en-US"/>
+          </a:p>
+        </p:txBody>
+      </p:sp>
+      <p:sp>
+        <p:nvSpPr>
+          <p:cNvPr id="13" name="Oval 12">
+            <a:extLst>
+              <a:ext uri="{FF2B5EF4-FFF2-40B4-BE49-F238E27FC236}">
+                <a16:creationId xmlns:a16="http://schemas.microsoft.com/office/drawing/2014/main" id="{49E72B49-506E-8BF1-059E-1006F25DF975}"/>
+              </a:ext>
+            </a:extLst>
+          </p:cNvPr>
+          <p:cNvSpPr/>
+          <p:nvPr/>
+        </p:nvSpPr>
+        <p:spPr>
+          <a:xfrm>
+            <a:off x="3284109" y="2653047"/>
+            <a:ext cx="1184857" cy="1184857"/>
+          </a:xfrm>
+          <a:prstGeom prst="ellipse">
+            <a:avLst/>
+          </a:prstGeom>
+          <a:solidFill>
+            <a:schemeClr val="bg1"/>
+          </a:solidFill>
+          <a:ln w="57150">
+            <a:solidFill>
+              <a:schemeClr val="accent1"/>
+            </a:solidFill>
+          </a:ln>
+        </p:spPr>
+        <p:style>
+          <a:lnRef idx="2">
+            <a:schemeClr val="accent1">
+              <a:shade val="15000"/>
+            </a:schemeClr>
+          </a:lnRef>
+          <a:fillRef idx="1">
+            <a:schemeClr val="accent1"/>
+          </a:fillRef>
+          <a:effectRef idx="0">
+            <a:schemeClr val="accent1"/>
+          </a:effectRef>
+          <a:fontRef idx="minor">
+            <a:schemeClr val="lt1"/>
+          </a:fontRef>
+        </p:style>
+        <p:txBody>
+          <a:bodyPr rtlCol="0" anchor="ctr"/>
+          <a:lstStyle/>
+          <a:p>
+            <a:pPr algn="ctr"/>
+            <a:endParaRPr lang="en-US"/>
+          </a:p>
+        </p:txBody>
+      </p:sp>
+      <p:sp>
+        <p:nvSpPr>
+          <p:cNvPr id="15" name="Oval 14">
+            <a:extLst>
+              <a:ext uri="{FF2B5EF4-FFF2-40B4-BE49-F238E27FC236}">
+                <a16:creationId xmlns:a16="http://schemas.microsoft.com/office/drawing/2014/main" id="{1D1E1382-479F-CF48-5986-AB2949758E90}"/>
+              </a:ext>
+            </a:extLst>
+          </p:cNvPr>
+          <p:cNvSpPr/>
+          <p:nvPr/>
+        </p:nvSpPr>
+        <p:spPr>
+          <a:xfrm>
+            <a:off x="4662148" y="2653047"/>
+            <a:ext cx="1184857" cy="1184857"/>
+          </a:xfrm>
+          <a:prstGeom prst="ellipse">
+            <a:avLst/>
+          </a:prstGeom>
+          <a:solidFill>
+            <a:schemeClr val="bg1"/>
+          </a:solidFill>
+          <a:ln w="57150">
+            <a:solidFill>
+              <a:schemeClr val="accent1"/>
+            </a:solidFill>
+          </a:ln>
+        </p:spPr>
+        <p:style>
+          <a:lnRef idx="2">
+            <a:schemeClr val="accent1">
+              <a:shade val="15000"/>
+            </a:schemeClr>
+          </a:lnRef>
+          <a:fillRef idx="1">
+            <a:schemeClr val="accent1"/>
+          </a:fillRef>
+          <a:effectRef idx="0">
+            <a:schemeClr val="accent1"/>
+          </a:effectRef>
+          <a:fontRef idx="minor">
+            <a:schemeClr val="lt1"/>
+          </a:fontRef>
+        </p:style>
+        <p:txBody>
+          <a:bodyPr rtlCol="0" anchor="ctr"/>
+          <a:lstStyle/>
+          <a:p>
+            <a:pPr algn="ctr"/>
+            <a:endParaRPr lang="en-US"/>
+          </a:p>
+        </p:txBody>
+      </p:sp>
+      <p:sp>
+        <p:nvSpPr>
+          <p:cNvPr id="16" name="Oval 15">
+            <a:extLst>
+              <a:ext uri="{FF2B5EF4-FFF2-40B4-BE49-F238E27FC236}">
+                <a16:creationId xmlns:a16="http://schemas.microsoft.com/office/drawing/2014/main" id="{35412564-582B-5E53-EBB7-2C8B90DD6B54}"/>
+              </a:ext>
+            </a:extLst>
+          </p:cNvPr>
+          <p:cNvSpPr/>
+          <p:nvPr/>
+        </p:nvSpPr>
+        <p:spPr>
+          <a:xfrm>
+            <a:off x="6040187" y="2653047"/>
+            <a:ext cx="1184857" cy="1184857"/>
+          </a:xfrm>
+          <a:prstGeom prst="ellipse">
+            <a:avLst/>
+          </a:prstGeom>
+          <a:solidFill>
+            <a:schemeClr val="bg1"/>
+          </a:solidFill>
+          <a:ln w="57150">
+            <a:solidFill>
+              <a:schemeClr val="accent1"/>
+            </a:solidFill>
+          </a:ln>
+        </p:spPr>
+        <p:style>
+          <a:lnRef idx="2">
+            <a:schemeClr val="accent1">
+              <a:shade val="15000"/>
+            </a:schemeClr>
+          </a:lnRef>
+          <a:fillRef idx="1">
+            <a:schemeClr val="accent1"/>
+          </a:fillRef>
+          <a:effectRef idx="0">
+            <a:schemeClr val="accent1"/>
+          </a:effectRef>
+          <a:fontRef idx="minor">
+            <a:schemeClr val="lt1"/>
+          </a:fontRef>
+        </p:style>
+        <p:txBody>
+          <a:bodyPr rtlCol="0" anchor="ctr"/>
+          <a:lstStyle/>
+          <a:p>
+            <a:pPr algn="ctr"/>
+            <a:endParaRPr lang="en-US"/>
+          </a:p>
+        </p:txBody>
+      </p:sp>
+      <p:sp>
+        <p:nvSpPr>
+          <p:cNvPr id="18" name="Oval 17">
+            <a:extLst>
+              <a:ext uri="{FF2B5EF4-FFF2-40B4-BE49-F238E27FC236}">
+                <a16:creationId xmlns:a16="http://schemas.microsoft.com/office/drawing/2014/main" id="{37B56FEA-4344-EEC7-21F8-001BAE1205FF}"/>
+              </a:ext>
+            </a:extLst>
+          </p:cNvPr>
+          <p:cNvSpPr/>
+          <p:nvPr/>
+        </p:nvSpPr>
+        <p:spPr>
+          <a:xfrm>
+            <a:off x="7418226" y="2653047"/>
+            <a:ext cx="1184857" cy="1184857"/>
+          </a:xfrm>
+          <a:prstGeom prst="ellipse">
+            <a:avLst/>
+          </a:prstGeom>
+          <a:solidFill>
+            <a:schemeClr val="bg1"/>
+          </a:solidFill>
+          <a:ln w="57150">
+            <a:solidFill>
+              <a:schemeClr val="accent1"/>
+            </a:solidFill>
+          </a:ln>
+        </p:spPr>
+        <p:style>
+          <a:lnRef idx="2">
+            <a:schemeClr val="accent1">
+              <a:shade val="15000"/>
+            </a:schemeClr>
+          </a:lnRef>
+          <a:fillRef idx="1">
+            <a:schemeClr val="accent1"/>
+          </a:fillRef>
+          <a:effectRef idx="0">
+            <a:schemeClr val="accent1"/>
+          </a:effectRef>
+          <a:fontRef idx="minor">
+            <a:schemeClr val="lt1"/>
+          </a:fontRef>
+        </p:style>
+        <p:txBody>
+          <a:bodyPr rtlCol="0" anchor="ctr"/>
+          <a:lstStyle/>
+          <a:p>
+            <a:pPr algn="ctr"/>
+            <a:endParaRPr lang="en-US"/>
+          </a:p>
+        </p:txBody>
+      </p:sp>
+      <p:sp>
+        <p:nvSpPr>
+          <p:cNvPr id="19" name="Oval 18">
+            <a:extLst>
+              <a:ext uri="{FF2B5EF4-FFF2-40B4-BE49-F238E27FC236}">
+                <a16:creationId xmlns:a16="http://schemas.microsoft.com/office/drawing/2014/main" id="{CDFAE659-0187-695A-D518-F1B1192E1A95}"/>
+              </a:ext>
+            </a:extLst>
+          </p:cNvPr>
+          <p:cNvSpPr/>
+          <p:nvPr/>
+        </p:nvSpPr>
+        <p:spPr>
+          <a:xfrm>
+            <a:off x="8796265" y="2653047"/>
+            <a:ext cx="1184857" cy="1184857"/>
+          </a:xfrm>
+          <a:prstGeom prst="ellipse">
+            <a:avLst/>
+          </a:prstGeom>
+          <a:solidFill>
+            <a:schemeClr val="bg1"/>
+          </a:solidFill>
+          <a:ln w="57150">
+            <a:solidFill>
+              <a:schemeClr val="accent1"/>
+            </a:solidFill>
+          </a:ln>
+        </p:spPr>
+        <p:style>
+          <a:lnRef idx="2">
+            <a:schemeClr val="accent1">
+              <a:shade val="15000"/>
+            </a:schemeClr>
+          </a:lnRef>
+          <a:fillRef idx="1">
+            <a:schemeClr val="accent1"/>
+          </a:fillRef>
+          <a:effectRef idx="0">
+            <a:schemeClr val="accent1"/>
+          </a:effectRef>
+          <a:fontRef idx="minor">
+            <a:schemeClr val="lt1"/>
+          </a:fontRef>
+        </p:style>
+        <p:txBody>
+          <a:bodyPr rtlCol="0" anchor="ctr"/>
+          <a:lstStyle/>
+          <a:p>
+            <a:pPr algn="ctr"/>
+            <a:endParaRPr lang="en-US"/>
+          </a:p>
+        </p:txBody>
+      </p:sp>
+      <p:sp>
+        <p:nvSpPr>
+          <p:cNvPr id="21" name="Oval 20">
+            <a:extLst>
+              <a:ext uri="{FF2B5EF4-FFF2-40B4-BE49-F238E27FC236}">
+                <a16:creationId xmlns:a16="http://schemas.microsoft.com/office/drawing/2014/main" id="{32DB9384-6FD9-3A59-A284-005CF77E7487}"/>
+              </a:ext>
+            </a:extLst>
+          </p:cNvPr>
+          <p:cNvSpPr/>
+          <p:nvPr/>
+        </p:nvSpPr>
+        <p:spPr>
+          <a:xfrm>
+            <a:off x="10174304" y="2653047"/>
+            <a:ext cx="1184857" cy="1184857"/>
+          </a:xfrm>
+          <a:prstGeom prst="ellipse">
+            <a:avLst/>
+          </a:prstGeom>
+          <a:solidFill>
+            <a:schemeClr val="bg1"/>
+          </a:solidFill>
+          <a:ln w="57150">
+            <a:solidFill>
+              <a:schemeClr val="accent1"/>
+            </a:solidFill>
+          </a:ln>
+        </p:spPr>
+        <p:style>
+          <a:lnRef idx="2">
+            <a:schemeClr val="accent1">
+              <a:shade val="15000"/>
+            </a:schemeClr>
+          </a:lnRef>
+          <a:fillRef idx="1">
+            <a:schemeClr val="accent1"/>
+          </a:fillRef>
+          <a:effectRef idx="0">
+            <a:schemeClr val="accent1"/>
+          </a:effectRef>
+          <a:fontRef idx="minor">
+            <a:schemeClr val="lt1"/>
+          </a:fontRef>
+        </p:style>
+        <p:txBody>
+          <a:bodyPr rtlCol="0" anchor="ctr"/>
+          <a:lstStyle/>
+          <a:p>
+            <a:pPr algn="ctr"/>
+            <a:endParaRPr lang="en-US"/>
+          </a:p>
+        </p:txBody>
+      </p:sp>
+      <p:pic>
+        <p:nvPicPr>
+          <p:cNvPr id="23" name="Picture 22" descr="A black background with a black square&#10;&#10;Description automatically generated with medium confidence">
+            <a:extLst>
+              <a:ext uri="{FF2B5EF4-FFF2-40B4-BE49-F238E27FC236}">
+                <a16:creationId xmlns:a16="http://schemas.microsoft.com/office/drawing/2014/main" id="{1019F7BD-90EA-081C-73E1-795FCEAD63F4}"/>
+              </a:ext>
+            </a:extLst>
+          </p:cNvPr>
+          <p:cNvPicPr>
+            <a:picLocks noChangeAspect="1"/>
+          </p:cNvPicPr>
+          <p:nvPr/>
+        </p:nvPicPr>
+        <p:blipFill>
+          <a:blip r:embed="rId5">
+            <a:extLst>
+              <a:ext uri="{28A0092B-C50C-407E-A947-70E740481C1C}">
+                <a14:useLocalDpi xmlns:a14="http://schemas.microsoft.com/office/drawing/2010/main" val="0"/>
+              </a:ext>
+            </a:extLst>
+          </a:blip>
+          <a:stretch>
+            <a:fillRect/>
+          </a:stretch>
+        </p:blipFill>
+        <p:spPr>
+          <a:xfrm>
+            <a:off x="1970463" y="2653047"/>
+            <a:ext cx="1068680" cy="1068680"/>
+          </a:xfrm>
+          <a:prstGeom prst="rect">
+            <a:avLst/>
+          </a:prstGeom>
+        </p:spPr>
+      </p:pic>
+      <p:pic>
+        <p:nvPicPr>
+          <p:cNvPr id="25" name="Picture 24" descr="A black background with a black square&#10;&#10;Description automatically generated with medium confidence">
+            <a:extLst>
+              <a:ext uri="{FF2B5EF4-FFF2-40B4-BE49-F238E27FC236}">
+                <a16:creationId xmlns:a16="http://schemas.microsoft.com/office/drawing/2014/main" id="{4EDEF1B3-FAA8-A4E1-86AC-6035E68CFC50}"/>
+              </a:ext>
+            </a:extLst>
+          </p:cNvPr>
+          <p:cNvPicPr>
+            <a:picLocks noChangeAspect="1"/>
+          </p:cNvPicPr>
+          <p:nvPr/>
+        </p:nvPicPr>
+        <p:blipFill>
+          <a:blip r:embed="rId6">
+            <a:extLst>
+              <a:ext uri="{28A0092B-C50C-407E-A947-70E740481C1C}">
+                <a14:useLocalDpi xmlns:a14="http://schemas.microsoft.com/office/drawing/2010/main" val="0"/>
+              </a:ext>
+            </a:extLst>
+          </a:blip>
+          <a:stretch>
+            <a:fillRect/>
+          </a:stretch>
+        </p:blipFill>
+        <p:spPr>
+          <a:xfrm>
+            <a:off x="3451534" y="2782104"/>
+            <a:ext cx="875764" cy="875764"/>
+          </a:xfrm>
+          <a:prstGeom prst="rect">
+            <a:avLst/>
+          </a:prstGeom>
+        </p:spPr>
+      </p:pic>
+      <p:pic>
+        <p:nvPicPr>
+          <p:cNvPr id="27" name="Picture 26" descr="A black background with a black square&#10;&#10;Description automatically generated with medium confidence">
+            <a:extLst>
+              <a:ext uri="{FF2B5EF4-FFF2-40B4-BE49-F238E27FC236}">
+                <a16:creationId xmlns:a16="http://schemas.microsoft.com/office/drawing/2014/main" id="{C68344AF-C246-FDF8-0B1D-47ED362DD910}"/>
+              </a:ext>
+            </a:extLst>
+          </p:cNvPr>
+          <p:cNvPicPr>
+            <a:picLocks noChangeAspect="1"/>
+          </p:cNvPicPr>
+          <p:nvPr/>
+        </p:nvPicPr>
+        <p:blipFill>
+          <a:blip r:embed="rId7">
+            <a:extLst>
+              <a:ext uri="{28A0092B-C50C-407E-A947-70E740481C1C}">
+                <a14:useLocalDpi xmlns:a14="http://schemas.microsoft.com/office/drawing/2010/main" val="0"/>
+              </a:ext>
+            </a:extLst>
+          </a:blip>
+          <a:stretch>
+            <a:fillRect/>
+          </a:stretch>
+        </p:blipFill>
+        <p:spPr>
+          <a:xfrm>
+            <a:off x="4808112" y="2764217"/>
+            <a:ext cx="963054" cy="963054"/>
+          </a:xfrm>
+          <a:prstGeom prst="rect">
+            <a:avLst/>
+          </a:prstGeom>
+        </p:spPr>
+      </p:pic>
+      <p:pic>
+        <p:nvPicPr>
+          <p:cNvPr id="29" name="Picture 28" descr="A black and white logo&#10;&#10;Description automatically generated">
+            <a:extLst>
+              <a:ext uri="{FF2B5EF4-FFF2-40B4-BE49-F238E27FC236}">
+                <a16:creationId xmlns:a16="http://schemas.microsoft.com/office/drawing/2014/main" id="{3F9387E6-0F7E-A43A-B4BE-CE9AAC719E89}"/>
+              </a:ext>
+            </a:extLst>
+          </p:cNvPr>
+          <p:cNvPicPr>
+            <a:picLocks noChangeAspect="1"/>
+          </p:cNvPicPr>
+          <p:nvPr/>
+        </p:nvPicPr>
+        <p:blipFill>
+          <a:blip r:embed="rId8">
+            <a:extLst>
+              <a:ext uri="{28A0092B-C50C-407E-A947-70E740481C1C}">
+                <a14:useLocalDpi xmlns:a14="http://schemas.microsoft.com/office/drawing/2010/main" val="0"/>
+              </a:ext>
+            </a:extLst>
+          </a:blip>
+          <a:stretch>
+            <a:fillRect/>
+          </a:stretch>
+        </p:blipFill>
+        <p:spPr>
+          <a:xfrm>
+            <a:off x="6257643" y="2807592"/>
+            <a:ext cx="775702" cy="875765"/>
+          </a:xfrm>
+          <a:prstGeom prst="rect">
+            <a:avLst/>
+          </a:prstGeom>
+        </p:spPr>
+      </p:pic>
+      <p:pic>
+        <p:nvPicPr>
+          <p:cNvPr id="33" name="Picture 32" descr="A blue elephant with white outline&#10;&#10;Description automatically generated">
+            <a:extLst>
+              <a:ext uri="{FF2B5EF4-FFF2-40B4-BE49-F238E27FC236}">
+                <a16:creationId xmlns:a16="http://schemas.microsoft.com/office/drawing/2014/main" id="{2351A012-33BC-CD7B-54DB-115ED2E87F2B}"/>
+              </a:ext>
+            </a:extLst>
+          </p:cNvPr>
+          <p:cNvPicPr>
+            <a:picLocks noChangeAspect="1"/>
+          </p:cNvPicPr>
+          <p:nvPr/>
+        </p:nvPicPr>
+        <p:blipFill>
+          <a:blip r:embed="rId9">
+            <a:extLst>
+              <a:ext uri="{28A0092B-C50C-407E-A947-70E740481C1C}">
+                <a14:useLocalDpi xmlns:a14="http://schemas.microsoft.com/office/drawing/2010/main" val="0"/>
+              </a:ext>
+            </a:extLst>
+          </a:blip>
+          <a:stretch>
+            <a:fillRect/>
+          </a:stretch>
+        </p:blipFill>
+        <p:spPr>
+          <a:xfrm>
+            <a:off x="7563489" y="2842147"/>
+            <a:ext cx="873457" cy="900725"/>
+          </a:xfrm>
+          <a:prstGeom prst="rect">
+            <a:avLst/>
+          </a:prstGeom>
+        </p:spPr>
+      </p:pic>
+      <p:pic>
+        <p:nvPicPr>
+          <p:cNvPr id="35" name="Picture 34" descr="A blue and yellow snake logo&#10;&#10;Description automatically generated">
+            <a:extLst>
+              <a:ext uri="{FF2B5EF4-FFF2-40B4-BE49-F238E27FC236}">
+                <a16:creationId xmlns:a16="http://schemas.microsoft.com/office/drawing/2014/main" id="{2A8F74C2-8CA2-8467-A924-FFD290B9F7E2}"/>
+              </a:ext>
+            </a:extLst>
+          </p:cNvPr>
+          <p:cNvPicPr>
+            <a:picLocks noChangeAspect="1"/>
+          </p:cNvPicPr>
+          <p:nvPr/>
+        </p:nvPicPr>
+        <p:blipFill>
+          <a:blip r:embed="rId10">
+            <a:extLst>
+              <a:ext uri="{BEBA8EAE-BF5A-486C-A8C5-ECC9F3942E4B}">
+                <a14:imgProps xmlns:a14="http://schemas.microsoft.com/office/drawing/2010/main">
+                  <a14:imgLayer r:embed="rId11">
+                    <a14:imgEffect>
+                      <a14:backgroundRemoval t="7222" b="93667" l="5889" r="94556">
+                        <a14:foregroundMark x1="5889" y1="56667" x2="8333" y2="41111"/>
+                        <a14:foregroundMark x1="37111" y1="8222" x2="53556" y2="7556"/>
+                        <a14:foregroundMark x1="53556" y1="7556" x2="57000" y2="7556"/>
+                        <a14:foregroundMark x1="37444" y1="80444" x2="38000" y2="72667"/>
+                        <a14:foregroundMark x1="38000" y1="72667" x2="47889" y2="64444"/>
+                        <a14:foregroundMark x1="47889" y1="64444" x2="82778" y2="54222"/>
+                        <a14:foregroundMark x1="82778" y1="54222" x2="85111" y2="46667"/>
+                        <a14:foregroundMark x1="85111" y1="46667" x2="85333" y2="35222"/>
+                        <a14:foregroundMark x1="33889" y1="62667" x2="32222" y2="79333"/>
+                        <a14:foregroundMark x1="32222" y1="79333" x2="35889" y2="85556"/>
+                        <a14:foregroundMark x1="35889" y1="85556" x2="46778" y2="87111"/>
+                        <a14:foregroundMark x1="46778" y1="87111" x2="54556" y2="82222"/>
+                        <a14:foregroundMark x1="54556" y1="82222" x2="57444" y2="78889"/>
+                        <a14:foregroundMark x1="79556" y1="65222" x2="84222" y2="58000"/>
+                        <a14:foregroundMark x1="84222" y1="58000" x2="85667" y2="50222"/>
+                        <a14:foregroundMark x1="85667" y1="50222" x2="90778" y2="44333"/>
+                        <a14:foregroundMark x1="51889" y1="93667" x2="68000" y2="88889"/>
+                        <a14:foregroundMark x1="68000" y1="88889" x2="70000" y2="81778"/>
+                        <a14:foregroundMark x1="70000" y1="81778" x2="69889" y2="80333"/>
+                        <a14:foregroundMark x1="94556" y1="50111" x2="94444" y2="54111"/>
+                        <a14:foregroundMark x1="18000" y1="63889" x2="17556" y2="53889"/>
+                        <a14:foregroundMark x1="17556" y1="53889" x2="23111" y2="46000"/>
+                        <a14:foregroundMark x1="23111" y1="46000" x2="61333" y2="38889"/>
+                        <a14:foregroundMark x1="61333" y1="38889" x2="68778" y2="34111"/>
+                        <a14:foregroundMark x1="68778" y1="34111" x2="65889" y2="27000"/>
+                        <a14:foregroundMark x1="65889" y1="27000" x2="32111" y2="20889"/>
+                        <a14:foregroundMark x1="10778" y1="58000" x2="13778" y2="42889"/>
+                        <a14:foregroundMark x1="24778" y1="38556" x2="24778" y2="38556"/>
+                        <a14:foregroundMark x1="10889" y1="37444" x2="61556" y2="30889"/>
+                        <a14:foregroundMark x1="9444" y1="62333" x2="19889" y2="68111"/>
+                        <a14:foregroundMark x1="54778" y1="44444" x2="67111" y2="39556"/>
+                        <a14:foregroundMark x1="46111" y1="12333" x2="62667" y2="15778"/>
+                        <a14:foregroundMark x1="30333" y1="19000" x2="32111" y2="11667"/>
+                        <a14:foregroundMark x1="32111" y1="11667" x2="34000" y2="9444"/>
+                        <a14:foregroundMark x1="51889" y1="5667" x2="59000" y2="7222"/>
+                        <a14:foregroundMark x1="59000" y1="7222" x2="63667" y2="14222"/>
+                        <a14:foregroundMark x1="63667" y1="14222" x2="63778" y2="14778"/>
+                      </a14:backgroundRemoval>
+                    </a14:imgEffect>
+                  </a14:imgLayer>
+                </a14:imgProps>
+              </a:ext>
+              <a:ext uri="{28A0092B-C50C-407E-A947-70E740481C1C}">
+                <a14:useLocalDpi xmlns:a14="http://schemas.microsoft.com/office/drawing/2010/main" val="0"/>
+              </a:ext>
+            </a:extLst>
+          </a:blip>
+          <a:stretch>
+            <a:fillRect/>
+          </a:stretch>
+        </p:blipFill>
+        <p:spPr>
+          <a:xfrm>
+            <a:off x="8891438" y="2727019"/>
+            <a:ext cx="1008714" cy="1008714"/>
+          </a:xfrm>
+          <a:prstGeom prst="rect">
+            <a:avLst/>
+          </a:prstGeom>
+        </p:spPr>
+      </p:pic>
+      <p:pic>
+        <p:nvPicPr>
+          <p:cNvPr id="37" name="Picture 36" descr="A black graph with a arrow pointing up&#10;&#10;Description automatically generated">
+            <a:extLst>
+              <a:ext uri="{FF2B5EF4-FFF2-40B4-BE49-F238E27FC236}">
+                <a16:creationId xmlns:a16="http://schemas.microsoft.com/office/drawing/2014/main" id="{E4E99B73-9A10-58D6-1AE3-617C32B7498A}"/>
+              </a:ext>
+            </a:extLst>
+          </p:cNvPr>
+          <p:cNvPicPr>
+            <a:picLocks noChangeAspect="1"/>
+          </p:cNvPicPr>
+          <p:nvPr/>
+        </p:nvPicPr>
+        <p:blipFill>
+          <a:blip r:embed="rId12">
+            <a:extLst>
+              <a:ext uri="{BEBA8EAE-BF5A-486C-A8C5-ECC9F3942E4B}">
+                <a14:imgProps xmlns:a14="http://schemas.microsoft.com/office/drawing/2010/main">
+                  <a14:imgLayer r:embed="rId13">
+                    <a14:imgEffect>
+                      <a14:backgroundRemoval t="6923" b="90000" l="10000" r="90000">
+                        <a14:foregroundMark x1="34333" y1="41154" x2="34333" y2="41154"/>
+                        <a14:foregroundMark x1="53444" y1="61538" x2="53444" y2="61538"/>
+                        <a14:foregroundMark x1="38778" y1="74231" x2="38778" y2="74231"/>
+                        <a14:foregroundMark x1="62889" y1="6923" x2="62889" y2="6923"/>
+                      </a14:backgroundRemoval>
+                    </a14:imgEffect>
+                  </a14:imgLayer>
+                </a14:imgProps>
+              </a:ext>
+              <a:ext uri="{28A0092B-C50C-407E-A947-70E740481C1C}">
+                <a14:useLocalDpi xmlns:a14="http://schemas.microsoft.com/office/drawing/2010/main" val="0"/>
+              </a:ext>
+            </a:extLst>
+          </a:blip>
+          <a:stretch>
+            <a:fillRect/>
+          </a:stretch>
+        </p:blipFill>
+        <p:spPr>
+          <a:xfrm>
+            <a:off x="9944090" y="2792149"/>
+            <a:ext cx="1557872" cy="900104"/>
+          </a:xfrm>
+          <a:prstGeom prst="rect">
+            <a:avLst/>
+          </a:prstGeom>
+        </p:spPr>
+      </p:pic>
+      <p:sp>
+        <p:nvSpPr>
+          <p:cNvPr id="38" name="TextBox 37">
+            <a:extLst>
+              <a:ext uri="{FF2B5EF4-FFF2-40B4-BE49-F238E27FC236}">
+                <a16:creationId xmlns:a16="http://schemas.microsoft.com/office/drawing/2014/main" id="{E5D84946-38CA-388B-E923-A5C0381B2E23}"/>
+              </a:ext>
+            </a:extLst>
+          </p:cNvPr>
+          <p:cNvSpPr txBox="1"/>
+          <p:nvPr/>
+        </p:nvSpPr>
+        <p:spPr>
+          <a:xfrm>
+            <a:off x="112415" y="1476614"/>
+            <a:ext cx="2016086" cy="369332"/>
+          </a:xfrm>
+          <a:prstGeom prst="rect">
+            <a:avLst/>
+          </a:prstGeom>
+          <a:noFill/>
+        </p:spPr>
+        <p:txBody>
+          <a:bodyPr wrap="square" rtlCol="0">
+            <a:spAutoFit/>
+          </a:bodyPr>
+          <a:lstStyle/>
+          <a:p>
+            <a:pPr algn="ctr"/>
+            <a:r>
+              <a:rPr lang="en-US" dirty="0"/>
+              <a:t>Brainstorming</a:t>
+            </a:r>
+          </a:p>
+        </p:txBody>
+      </p:sp>
+      <p:sp>
+        <p:nvSpPr>
+          <p:cNvPr id="39" name="TextBox 38">
+            <a:extLst>
+              <a:ext uri="{FF2B5EF4-FFF2-40B4-BE49-F238E27FC236}">
+                <a16:creationId xmlns:a16="http://schemas.microsoft.com/office/drawing/2014/main" id="{C01B3399-F4DA-E045-EE58-B09E6D5CF455}"/>
+              </a:ext>
+            </a:extLst>
+          </p:cNvPr>
+          <p:cNvSpPr txBox="1"/>
+          <p:nvPr/>
+        </p:nvSpPr>
+        <p:spPr>
+          <a:xfrm>
+            <a:off x="1490455" y="1950268"/>
+            <a:ext cx="2016086" cy="369332"/>
+          </a:xfrm>
+          <a:prstGeom prst="rect">
+            <a:avLst/>
+          </a:prstGeom>
+          <a:noFill/>
+        </p:spPr>
+        <p:txBody>
+          <a:bodyPr wrap="square" rtlCol="0">
+            <a:spAutoFit/>
+          </a:bodyPr>
+          <a:lstStyle/>
+          <a:p>
+            <a:pPr algn="ctr"/>
+            <a:r>
+              <a:rPr lang="en-US" dirty="0"/>
+              <a:t>Track</a:t>
+            </a:r>
+          </a:p>
+        </p:txBody>
+      </p:sp>
+      <p:sp>
+        <p:nvSpPr>
+          <p:cNvPr id="40" name="TextBox 39">
+            <a:extLst>
+              <a:ext uri="{FF2B5EF4-FFF2-40B4-BE49-F238E27FC236}">
+                <a16:creationId xmlns:a16="http://schemas.microsoft.com/office/drawing/2014/main" id="{C14BCD1D-4AB2-4890-C19D-837A4A060578}"/>
+              </a:ext>
+            </a:extLst>
+          </p:cNvPr>
+          <p:cNvSpPr txBox="1"/>
+          <p:nvPr/>
+        </p:nvSpPr>
+        <p:spPr>
+          <a:xfrm>
+            <a:off x="112415" y="3918479"/>
+            <a:ext cx="2016086" cy="523220"/>
+          </a:xfrm>
+          <a:prstGeom prst="rect">
+            <a:avLst/>
+          </a:prstGeom>
+          <a:noFill/>
+        </p:spPr>
+        <p:txBody>
+          <a:bodyPr wrap="square" rtlCol="0">
+            <a:spAutoFit/>
+          </a:bodyPr>
+          <a:lstStyle/>
+          <a:p>
+            <a:pPr algn="ctr"/>
+            <a:r>
+              <a:rPr lang="en-US" sz="1400" dirty="0"/>
+              <a:t>Discussed options</a:t>
+            </a:r>
+          </a:p>
+          <a:p>
+            <a:pPr algn="ctr"/>
+            <a:r>
+              <a:rPr lang="en-US" sz="1400" dirty="0"/>
+              <a:t>Identified sources</a:t>
+            </a:r>
+          </a:p>
+        </p:txBody>
+      </p:sp>
+      <p:sp>
+        <p:nvSpPr>
+          <p:cNvPr id="41" name="TextBox 40">
+            <a:extLst>
+              <a:ext uri="{FF2B5EF4-FFF2-40B4-BE49-F238E27FC236}">
+                <a16:creationId xmlns:a16="http://schemas.microsoft.com/office/drawing/2014/main" id="{34EC574F-BD92-3B27-61A1-D1ECCC9A3AC0}"/>
+              </a:ext>
+            </a:extLst>
+          </p:cNvPr>
+          <p:cNvSpPr txBox="1"/>
+          <p:nvPr/>
+        </p:nvSpPr>
+        <p:spPr>
+          <a:xfrm>
+            <a:off x="2870222" y="1476614"/>
+            <a:ext cx="2016086" cy="369332"/>
+          </a:xfrm>
+          <a:prstGeom prst="rect">
+            <a:avLst/>
+          </a:prstGeom>
+          <a:noFill/>
+        </p:spPr>
+        <p:txBody>
+          <a:bodyPr wrap="square" rtlCol="0">
+            <a:spAutoFit/>
+          </a:bodyPr>
+          <a:lstStyle/>
+          <a:p>
+            <a:pPr algn="ctr"/>
+            <a:r>
+              <a:rPr lang="en-US" dirty="0"/>
+              <a:t>Extract</a:t>
+            </a:r>
+          </a:p>
+        </p:txBody>
+      </p:sp>
+      <p:sp>
+        <p:nvSpPr>
+          <p:cNvPr id="42" name="TextBox 41">
+            <a:extLst>
+              <a:ext uri="{FF2B5EF4-FFF2-40B4-BE49-F238E27FC236}">
+                <a16:creationId xmlns:a16="http://schemas.microsoft.com/office/drawing/2014/main" id="{EA8856E3-980A-4398-1868-66C9B1E55319}"/>
+              </a:ext>
+            </a:extLst>
+          </p:cNvPr>
+          <p:cNvSpPr txBox="1"/>
+          <p:nvPr/>
+        </p:nvSpPr>
+        <p:spPr>
+          <a:xfrm>
+            <a:off x="1547785" y="3918479"/>
+            <a:ext cx="2016086" cy="307777"/>
+          </a:xfrm>
+          <a:prstGeom prst="rect">
+            <a:avLst/>
+          </a:prstGeom>
+          <a:noFill/>
+        </p:spPr>
+        <p:txBody>
+          <a:bodyPr wrap="square" rtlCol="0">
+            <a:spAutoFit/>
+          </a:bodyPr>
+          <a:lstStyle/>
+          <a:p>
+            <a:pPr algn="ctr"/>
+            <a:r>
+              <a:rPr lang="en-US" sz="1400" dirty="0"/>
+              <a:t>Split work</a:t>
+            </a:r>
+          </a:p>
+        </p:txBody>
+      </p:sp>
+      <p:sp>
+        <p:nvSpPr>
+          <p:cNvPr id="44" name="TextBox 43">
+            <a:extLst>
+              <a:ext uri="{FF2B5EF4-FFF2-40B4-BE49-F238E27FC236}">
+                <a16:creationId xmlns:a16="http://schemas.microsoft.com/office/drawing/2014/main" id="{5CBEF804-D9AB-1CCA-B031-670120E13412}"/>
+              </a:ext>
+            </a:extLst>
+          </p:cNvPr>
+          <p:cNvSpPr txBox="1"/>
+          <p:nvPr/>
+        </p:nvSpPr>
+        <p:spPr>
+          <a:xfrm>
+            <a:off x="2891928" y="3917806"/>
+            <a:ext cx="2016086" cy="523220"/>
+          </a:xfrm>
+          <a:prstGeom prst="rect">
+            <a:avLst/>
+          </a:prstGeom>
+          <a:noFill/>
+        </p:spPr>
+        <p:txBody>
+          <a:bodyPr wrap="square" rtlCol="0">
+            <a:spAutoFit/>
+          </a:bodyPr>
+          <a:lstStyle/>
+          <a:p>
+            <a:pPr algn="ctr"/>
+            <a:r>
+              <a:rPr lang="en-US" sz="1400" dirty="0"/>
+              <a:t>Web Scraping</a:t>
+            </a:r>
+          </a:p>
+          <a:p>
+            <a:pPr algn="ctr"/>
+            <a:r>
+              <a:rPr lang="en-US" sz="1400" dirty="0"/>
+              <a:t>Download files</a:t>
+            </a:r>
+          </a:p>
+        </p:txBody>
+      </p:sp>
+      <p:sp>
+        <p:nvSpPr>
+          <p:cNvPr id="45" name="TextBox 44">
+            <a:extLst>
+              <a:ext uri="{FF2B5EF4-FFF2-40B4-BE49-F238E27FC236}">
+                <a16:creationId xmlns:a16="http://schemas.microsoft.com/office/drawing/2014/main" id="{39EEF172-530A-CD9E-2D74-5DFB5620B945}"/>
+              </a:ext>
+            </a:extLst>
+          </p:cNvPr>
+          <p:cNvSpPr txBox="1"/>
+          <p:nvPr/>
+        </p:nvSpPr>
+        <p:spPr>
+          <a:xfrm>
+            <a:off x="4327298" y="3917806"/>
+            <a:ext cx="2016086" cy="523220"/>
+          </a:xfrm>
+          <a:prstGeom prst="rect">
+            <a:avLst/>
+          </a:prstGeom>
+          <a:noFill/>
+        </p:spPr>
+        <p:txBody>
+          <a:bodyPr wrap="square" rtlCol="0">
+            <a:spAutoFit/>
+          </a:bodyPr>
+          <a:lstStyle/>
+          <a:p>
+            <a:pPr algn="ctr"/>
+            <a:r>
+              <a:rPr lang="en-US" sz="1400" dirty="0"/>
+              <a:t>Cleansing</a:t>
+            </a:r>
+          </a:p>
+          <a:p>
+            <a:pPr algn="ctr"/>
+            <a:r>
+              <a:rPr lang="en-US" sz="1400" dirty="0"/>
+              <a:t>Structuring </a:t>
+            </a:r>
+          </a:p>
+        </p:txBody>
+      </p:sp>
+      <p:sp>
+        <p:nvSpPr>
+          <p:cNvPr id="46" name="TextBox 45">
+            <a:extLst>
+              <a:ext uri="{FF2B5EF4-FFF2-40B4-BE49-F238E27FC236}">
+                <a16:creationId xmlns:a16="http://schemas.microsoft.com/office/drawing/2014/main" id="{9ADDB4C1-8D1C-607D-B4E5-B4AE63266B42}"/>
+              </a:ext>
+            </a:extLst>
+          </p:cNvPr>
+          <p:cNvSpPr txBox="1"/>
+          <p:nvPr/>
+        </p:nvSpPr>
+        <p:spPr>
+          <a:xfrm>
+            <a:off x="5657433" y="3917785"/>
+            <a:ext cx="2016086" cy="307777"/>
+          </a:xfrm>
+          <a:prstGeom prst="rect">
+            <a:avLst/>
+          </a:prstGeom>
+          <a:noFill/>
+        </p:spPr>
+        <p:txBody>
+          <a:bodyPr wrap="square" rtlCol="0">
+            <a:spAutoFit/>
+          </a:bodyPr>
+          <a:lstStyle/>
+          <a:p>
+            <a:pPr algn="ctr"/>
+            <a:r>
+              <a:rPr lang="en-US" sz="1400" dirty="0"/>
+              <a:t>CSV files ready</a:t>
+            </a:r>
+          </a:p>
+        </p:txBody>
+      </p:sp>
+      <p:sp>
+        <p:nvSpPr>
+          <p:cNvPr id="47" name="TextBox 46">
+            <a:extLst>
+              <a:ext uri="{FF2B5EF4-FFF2-40B4-BE49-F238E27FC236}">
+                <a16:creationId xmlns:a16="http://schemas.microsoft.com/office/drawing/2014/main" id="{4B05E72B-E1F0-0C8D-EE20-9F2A1C5E60B7}"/>
+              </a:ext>
+            </a:extLst>
+          </p:cNvPr>
+          <p:cNvSpPr txBox="1"/>
+          <p:nvPr/>
+        </p:nvSpPr>
+        <p:spPr>
+          <a:xfrm>
+            <a:off x="7092803" y="3917785"/>
+            <a:ext cx="2016086" cy="307777"/>
+          </a:xfrm>
+          <a:prstGeom prst="rect">
+            <a:avLst/>
+          </a:prstGeom>
+          <a:noFill/>
+        </p:spPr>
+        <p:txBody>
+          <a:bodyPr wrap="square" rtlCol="0">
+            <a:spAutoFit/>
+          </a:bodyPr>
+          <a:lstStyle/>
+          <a:p>
+            <a:pPr algn="ctr"/>
+            <a:r>
+              <a:rPr lang="en-US" sz="1400" dirty="0"/>
+              <a:t>Created DB</a:t>
+            </a:r>
+          </a:p>
+        </p:txBody>
+      </p:sp>
+      <p:sp>
+        <p:nvSpPr>
+          <p:cNvPr id="48" name="TextBox 47">
+            <a:extLst>
+              <a:ext uri="{FF2B5EF4-FFF2-40B4-BE49-F238E27FC236}">
+                <a16:creationId xmlns:a16="http://schemas.microsoft.com/office/drawing/2014/main" id="{7FBECD1C-440F-AA98-FD92-C71C581EC550}"/>
+              </a:ext>
+            </a:extLst>
+          </p:cNvPr>
+          <p:cNvSpPr txBox="1"/>
+          <p:nvPr/>
+        </p:nvSpPr>
+        <p:spPr>
+          <a:xfrm>
+            <a:off x="8436946" y="3917112"/>
+            <a:ext cx="2016086" cy="523220"/>
+          </a:xfrm>
+          <a:prstGeom prst="rect">
+            <a:avLst/>
+          </a:prstGeom>
+          <a:noFill/>
+        </p:spPr>
+        <p:txBody>
+          <a:bodyPr wrap="square" rtlCol="0">
+            <a:spAutoFit/>
+          </a:bodyPr>
+          <a:lstStyle/>
+          <a:p>
+            <a:pPr algn="ctr"/>
+            <a:r>
+              <a:rPr lang="en-US" sz="1400" dirty="0"/>
+              <a:t>Read from DB</a:t>
+            </a:r>
+          </a:p>
+          <a:p>
+            <a:pPr algn="ctr"/>
+            <a:endParaRPr lang="en-US" sz="1400" dirty="0"/>
+          </a:p>
+        </p:txBody>
+      </p:sp>
+      <p:sp>
+        <p:nvSpPr>
+          <p:cNvPr id="49" name="TextBox 48">
+            <a:extLst>
+              <a:ext uri="{FF2B5EF4-FFF2-40B4-BE49-F238E27FC236}">
+                <a16:creationId xmlns:a16="http://schemas.microsoft.com/office/drawing/2014/main" id="{4C6E493B-FB5B-CA21-7500-CFAE6DA7ADC9}"/>
+              </a:ext>
+            </a:extLst>
+          </p:cNvPr>
+          <p:cNvSpPr txBox="1"/>
+          <p:nvPr/>
+        </p:nvSpPr>
+        <p:spPr>
+          <a:xfrm>
+            <a:off x="9872316" y="3917112"/>
+            <a:ext cx="2016086" cy="523220"/>
+          </a:xfrm>
+          <a:prstGeom prst="rect">
+            <a:avLst/>
+          </a:prstGeom>
+          <a:noFill/>
+        </p:spPr>
+        <p:txBody>
+          <a:bodyPr wrap="square" rtlCol="0">
+            <a:spAutoFit/>
+          </a:bodyPr>
+          <a:lstStyle/>
+          <a:p>
+            <a:pPr algn="ctr"/>
+            <a:r>
+              <a:rPr lang="en-US" sz="1400" dirty="0"/>
+              <a:t>Charts</a:t>
+            </a:r>
+          </a:p>
+          <a:p>
+            <a:pPr algn="ctr"/>
+            <a:r>
+              <a:rPr lang="en-US" sz="1400" dirty="0"/>
+              <a:t>Maps</a:t>
+            </a:r>
+          </a:p>
+        </p:txBody>
+      </p:sp>
+      <p:sp>
+        <p:nvSpPr>
+          <p:cNvPr id="50" name="TextBox 49">
+            <a:extLst>
+              <a:ext uri="{FF2B5EF4-FFF2-40B4-BE49-F238E27FC236}">
+                <a16:creationId xmlns:a16="http://schemas.microsoft.com/office/drawing/2014/main" id="{A6BEE7CE-2CFD-5DCB-9589-64773E0989D2}"/>
+              </a:ext>
+            </a:extLst>
+          </p:cNvPr>
+          <p:cNvSpPr txBox="1"/>
+          <p:nvPr/>
+        </p:nvSpPr>
+        <p:spPr>
+          <a:xfrm>
+            <a:off x="4242571" y="1948430"/>
+            <a:ext cx="2016086" cy="369332"/>
+          </a:xfrm>
+          <a:prstGeom prst="rect">
+            <a:avLst/>
+          </a:prstGeom>
+          <a:noFill/>
+        </p:spPr>
+        <p:txBody>
+          <a:bodyPr wrap="square" rtlCol="0">
+            <a:spAutoFit/>
+          </a:bodyPr>
+          <a:lstStyle/>
+          <a:p>
+            <a:pPr algn="ctr"/>
+            <a:r>
+              <a:rPr lang="en-US" dirty="0"/>
+              <a:t>Transform</a:t>
+            </a:r>
+          </a:p>
+        </p:txBody>
+      </p:sp>
+      <p:sp>
+        <p:nvSpPr>
+          <p:cNvPr id="51" name="TextBox 50">
+            <a:extLst>
+              <a:ext uri="{FF2B5EF4-FFF2-40B4-BE49-F238E27FC236}">
+                <a16:creationId xmlns:a16="http://schemas.microsoft.com/office/drawing/2014/main" id="{13E97F25-33EF-F13A-A7DB-59C0441E3E53}"/>
+              </a:ext>
+            </a:extLst>
+          </p:cNvPr>
+          <p:cNvSpPr txBox="1"/>
+          <p:nvPr/>
+        </p:nvSpPr>
+        <p:spPr>
+          <a:xfrm>
+            <a:off x="5622338" y="1474776"/>
+            <a:ext cx="2016086" cy="369332"/>
+          </a:xfrm>
+          <a:prstGeom prst="rect">
+            <a:avLst/>
+          </a:prstGeom>
+          <a:noFill/>
+        </p:spPr>
+        <p:txBody>
+          <a:bodyPr wrap="square" rtlCol="0">
+            <a:spAutoFit/>
+          </a:bodyPr>
+          <a:lstStyle/>
+          <a:p>
+            <a:pPr algn="ctr"/>
+            <a:r>
+              <a:rPr lang="en-US" dirty="0"/>
+              <a:t>Export</a:t>
+            </a:r>
+          </a:p>
+        </p:txBody>
+      </p:sp>
+      <p:sp>
+        <p:nvSpPr>
+          <p:cNvPr id="52" name="TextBox 51">
+            <a:extLst>
+              <a:ext uri="{FF2B5EF4-FFF2-40B4-BE49-F238E27FC236}">
+                <a16:creationId xmlns:a16="http://schemas.microsoft.com/office/drawing/2014/main" id="{77FA6155-9F3D-DA2F-0C2B-1DE50ADAC0DC}"/>
+              </a:ext>
+            </a:extLst>
+          </p:cNvPr>
+          <p:cNvSpPr txBox="1"/>
+          <p:nvPr/>
+        </p:nvSpPr>
+        <p:spPr>
+          <a:xfrm>
+            <a:off x="7007947" y="1948429"/>
+            <a:ext cx="2016086" cy="369332"/>
+          </a:xfrm>
+          <a:prstGeom prst="rect">
+            <a:avLst/>
+          </a:prstGeom>
+          <a:noFill/>
+        </p:spPr>
+        <p:txBody>
+          <a:bodyPr wrap="square" rtlCol="0">
+            <a:spAutoFit/>
+          </a:bodyPr>
+          <a:lstStyle/>
+          <a:p>
+            <a:pPr algn="ctr"/>
+            <a:r>
+              <a:rPr lang="en-US" dirty="0"/>
+              <a:t>Import</a:t>
+            </a:r>
+          </a:p>
+        </p:txBody>
+      </p:sp>
+      <p:sp>
+        <p:nvSpPr>
+          <p:cNvPr id="53" name="TextBox 52">
+            <a:extLst>
+              <a:ext uri="{FF2B5EF4-FFF2-40B4-BE49-F238E27FC236}">
+                <a16:creationId xmlns:a16="http://schemas.microsoft.com/office/drawing/2014/main" id="{15BF08EE-255C-5B02-BFA2-B5D0C5D6E0CC}"/>
+              </a:ext>
+            </a:extLst>
+          </p:cNvPr>
+          <p:cNvSpPr txBox="1"/>
+          <p:nvPr/>
+        </p:nvSpPr>
+        <p:spPr>
+          <a:xfrm>
+            <a:off x="8376563" y="1474775"/>
+            <a:ext cx="2016086" cy="369332"/>
+          </a:xfrm>
+          <a:prstGeom prst="rect">
+            <a:avLst/>
+          </a:prstGeom>
+          <a:noFill/>
+        </p:spPr>
+        <p:txBody>
+          <a:bodyPr wrap="square" rtlCol="0">
+            <a:spAutoFit/>
+          </a:bodyPr>
+          <a:lstStyle/>
+          <a:p>
+            <a:pPr algn="ctr"/>
+            <a:r>
+              <a:rPr lang="en-US" dirty="0"/>
+              <a:t>Data Manipulation</a:t>
+            </a:r>
+          </a:p>
+        </p:txBody>
+      </p:sp>
+      <p:sp>
+        <p:nvSpPr>
+          <p:cNvPr id="54" name="TextBox 53">
+            <a:extLst>
+              <a:ext uri="{FF2B5EF4-FFF2-40B4-BE49-F238E27FC236}">
+                <a16:creationId xmlns:a16="http://schemas.microsoft.com/office/drawing/2014/main" id="{9C717C5B-F13D-2099-47A1-97F50584743F}"/>
+              </a:ext>
+            </a:extLst>
+          </p:cNvPr>
+          <p:cNvSpPr txBox="1"/>
+          <p:nvPr/>
+        </p:nvSpPr>
+        <p:spPr>
+          <a:xfrm>
+            <a:off x="9760466" y="1946592"/>
+            <a:ext cx="2016086" cy="369332"/>
+          </a:xfrm>
+          <a:prstGeom prst="rect">
+            <a:avLst/>
+          </a:prstGeom>
+          <a:noFill/>
+        </p:spPr>
+        <p:txBody>
+          <a:bodyPr wrap="square" rtlCol="0">
+            <a:spAutoFit/>
+          </a:bodyPr>
+          <a:lstStyle/>
+          <a:p>
+            <a:pPr algn="ctr"/>
+            <a:r>
+              <a:rPr lang="en-US" dirty="0" err="1"/>
+              <a:t>Visualisations</a:t>
+            </a:r>
+            <a:endParaRPr lang="en-US" dirty="0"/>
+          </a:p>
+        </p:txBody>
+      </p:sp>
+      <p:sp>
+        <p:nvSpPr>
+          <p:cNvPr id="55" name="TextBox 54">
+            <a:extLst>
+              <a:ext uri="{FF2B5EF4-FFF2-40B4-BE49-F238E27FC236}">
+                <a16:creationId xmlns:a16="http://schemas.microsoft.com/office/drawing/2014/main" id="{CA552226-48D1-031A-B09A-E439718A3C2E}"/>
+              </a:ext>
+            </a:extLst>
+          </p:cNvPr>
+          <p:cNvSpPr txBox="1"/>
+          <p:nvPr/>
+        </p:nvSpPr>
+        <p:spPr>
+          <a:xfrm>
+            <a:off x="283567" y="372093"/>
+            <a:ext cx="3000542" cy="461665"/>
+          </a:xfrm>
+          <a:prstGeom prst="rect">
+            <a:avLst/>
+          </a:prstGeom>
+          <a:noFill/>
+        </p:spPr>
+        <p:txBody>
+          <a:bodyPr wrap="square" rtlCol="0">
+            <a:spAutoFit/>
+          </a:bodyPr>
+          <a:lstStyle/>
+          <a:p>
+            <a:r>
+              <a:rPr lang="en-US" sz="2400" b="1" dirty="0"/>
+              <a:t>Pathway to Success</a:t>
+            </a:r>
+          </a:p>
+        </p:txBody>
+      </p:sp>
+      <p:cxnSp>
+        <p:nvCxnSpPr>
+          <p:cNvPr id="57" name="Straight Connector 56">
+            <a:extLst>
+              <a:ext uri="{FF2B5EF4-FFF2-40B4-BE49-F238E27FC236}">
+                <a16:creationId xmlns:a16="http://schemas.microsoft.com/office/drawing/2014/main" id="{3090500C-3B9A-12F0-4F39-C1E02A5C6D1C}"/>
+              </a:ext>
+            </a:extLst>
+          </p:cNvPr>
+          <p:cNvCxnSpPr>
+            <a:stCxn id="6" idx="0"/>
+            <a:endCxn id="38" idx="2"/>
+          </p:cNvCxnSpPr>
+          <p:nvPr/>
+        </p:nvCxnSpPr>
+        <p:spPr>
+          <a:xfrm flipH="1" flipV="1">
+            <a:off x="1120458" y="1845946"/>
+            <a:ext cx="2" cy="807101"/>
+          </a:xfrm>
+          <a:prstGeom prst="line">
+            <a:avLst/>
+          </a:prstGeom>
+          <a:ln w="28575"/>
+        </p:spPr>
+        <p:style>
+          <a:lnRef idx="1">
+            <a:schemeClr val="accent1"/>
+          </a:lnRef>
+          <a:fillRef idx="0">
+            <a:schemeClr val="accent1"/>
+          </a:fillRef>
+          <a:effectRef idx="0">
+            <a:schemeClr val="accent1"/>
+          </a:effectRef>
+          <a:fontRef idx="minor">
+            <a:schemeClr val="tx1"/>
+          </a:fontRef>
+        </p:style>
+      </p:cxnSp>
+      <p:cxnSp>
+        <p:nvCxnSpPr>
+          <p:cNvPr id="59" name="Straight Connector 58">
+            <a:extLst>
+              <a:ext uri="{FF2B5EF4-FFF2-40B4-BE49-F238E27FC236}">
+                <a16:creationId xmlns:a16="http://schemas.microsoft.com/office/drawing/2014/main" id="{5A729603-9834-F806-9824-7E743038523C}"/>
+              </a:ext>
+            </a:extLst>
+          </p:cNvPr>
+          <p:cNvCxnSpPr>
+            <a:stCxn id="9" idx="0"/>
+            <a:endCxn id="39" idx="2"/>
+          </p:cNvCxnSpPr>
+          <p:nvPr/>
+        </p:nvCxnSpPr>
+        <p:spPr>
+          <a:xfrm flipH="1" flipV="1">
+            <a:off x="2498498" y="2319600"/>
+            <a:ext cx="1" cy="333447"/>
+          </a:xfrm>
+          <a:prstGeom prst="line">
+            <a:avLst/>
+          </a:prstGeom>
+          <a:ln w="28575"/>
+        </p:spPr>
+        <p:style>
+          <a:lnRef idx="1">
+            <a:schemeClr val="accent1"/>
+          </a:lnRef>
+          <a:fillRef idx="0">
+            <a:schemeClr val="accent1"/>
+          </a:fillRef>
+          <a:effectRef idx="0">
+            <a:schemeClr val="accent1"/>
+          </a:effectRef>
+          <a:fontRef idx="minor">
+            <a:schemeClr val="tx1"/>
+          </a:fontRef>
+        </p:style>
+      </p:cxnSp>
+      <p:cxnSp>
+        <p:nvCxnSpPr>
+          <p:cNvPr id="61" name="Straight Connector 60">
+            <a:extLst>
+              <a:ext uri="{FF2B5EF4-FFF2-40B4-BE49-F238E27FC236}">
+                <a16:creationId xmlns:a16="http://schemas.microsoft.com/office/drawing/2014/main" id="{392375F0-ABC4-69C0-3A68-1D7C3AA3B94A}"/>
+              </a:ext>
+            </a:extLst>
+          </p:cNvPr>
+          <p:cNvCxnSpPr>
+            <a:stCxn id="13" idx="0"/>
+            <a:endCxn id="41" idx="2"/>
+          </p:cNvCxnSpPr>
+          <p:nvPr/>
+        </p:nvCxnSpPr>
+        <p:spPr>
+          <a:xfrm flipV="1">
+            <a:off x="3876538" y="1845946"/>
+            <a:ext cx="1727" cy="807101"/>
+          </a:xfrm>
+          <a:prstGeom prst="line">
+            <a:avLst/>
+          </a:prstGeom>
+          <a:ln w="28575"/>
+        </p:spPr>
+        <p:style>
+          <a:lnRef idx="1">
+            <a:schemeClr val="accent1"/>
+          </a:lnRef>
+          <a:fillRef idx="0">
+            <a:schemeClr val="accent1"/>
+          </a:fillRef>
+          <a:effectRef idx="0">
+            <a:schemeClr val="accent1"/>
+          </a:effectRef>
+          <a:fontRef idx="minor">
+            <a:schemeClr val="tx1"/>
+          </a:fontRef>
+        </p:style>
+      </p:cxnSp>
+      <p:cxnSp>
+        <p:nvCxnSpPr>
+          <p:cNvPr id="63" name="Straight Connector 62">
+            <a:extLst>
+              <a:ext uri="{FF2B5EF4-FFF2-40B4-BE49-F238E27FC236}">
+                <a16:creationId xmlns:a16="http://schemas.microsoft.com/office/drawing/2014/main" id="{E5B11DCC-C914-5F7C-A42A-EB473B727605}"/>
+              </a:ext>
+            </a:extLst>
+          </p:cNvPr>
+          <p:cNvCxnSpPr>
+            <a:stCxn id="15" idx="0"/>
+            <a:endCxn id="50" idx="2"/>
+          </p:cNvCxnSpPr>
+          <p:nvPr/>
+        </p:nvCxnSpPr>
+        <p:spPr>
+          <a:xfrm flipH="1" flipV="1">
+            <a:off x="5250614" y="2317762"/>
+            <a:ext cx="3963" cy="335285"/>
+          </a:xfrm>
+          <a:prstGeom prst="line">
+            <a:avLst/>
+          </a:prstGeom>
+          <a:ln w="28575"/>
+        </p:spPr>
+        <p:style>
+          <a:lnRef idx="1">
+            <a:schemeClr val="accent1"/>
+          </a:lnRef>
+          <a:fillRef idx="0">
+            <a:schemeClr val="accent1"/>
+          </a:fillRef>
+          <a:effectRef idx="0">
+            <a:schemeClr val="accent1"/>
+          </a:effectRef>
+          <a:fontRef idx="minor">
+            <a:schemeClr val="tx1"/>
+          </a:fontRef>
+        </p:style>
+      </p:cxnSp>
+      <p:cxnSp>
+        <p:nvCxnSpPr>
+          <p:cNvPr id="65" name="Straight Connector 64">
+            <a:extLst>
+              <a:ext uri="{FF2B5EF4-FFF2-40B4-BE49-F238E27FC236}">
+                <a16:creationId xmlns:a16="http://schemas.microsoft.com/office/drawing/2014/main" id="{882393A9-485E-5759-7089-CDDA82EF48BC}"/>
+              </a:ext>
+            </a:extLst>
+          </p:cNvPr>
+          <p:cNvCxnSpPr>
+            <a:stCxn id="16" idx="0"/>
+            <a:endCxn id="51" idx="2"/>
+          </p:cNvCxnSpPr>
+          <p:nvPr/>
+        </p:nvCxnSpPr>
+        <p:spPr>
+          <a:xfrm flipH="1" flipV="1">
+            <a:off x="6630381" y="1844108"/>
+            <a:ext cx="2235" cy="808939"/>
+          </a:xfrm>
+          <a:prstGeom prst="line">
+            <a:avLst/>
+          </a:prstGeom>
+          <a:ln w="28575"/>
+        </p:spPr>
+        <p:style>
+          <a:lnRef idx="1">
+            <a:schemeClr val="accent1"/>
+          </a:lnRef>
+          <a:fillRef idx="0">
+            <a:schemeClr val="accent1"/>
+          </a:fillRef>
+          <a:effectRef idx="0">
+            <a:schemeClr val="accent1"/>
+          </a:effectRef>
+          <a:fontRef idx="minor">
+            <a:schemeClr val="tx1"/>
+          </a:fontRef>
+        </p:style>
+      </p:cxnSp>
+      <p:cxnSp>
+        <p:nvCxnSpPr>
+          <p:cNvPr id="67" name="Straight Connector 66">
+            <a:extLst>
+              <a:ext uri="{FF2B5EF4-FFF2-40B4-BE49-F238E27FC236}">
+                <a16:creationId xmlns:a16="http://schemas.microsoft.com/office/drawing/2014/main" id="{9C75A528-692A-AA66-8D55-7EFBF51C6408}"/>
+              </a:ext>
+            </a:extLst>
+          </p:cNvPr>
+          <p:cNvCxnSpPr>
+            <a:stCxn id="18" idx="0"/>
+            <a:endCxn id="52" idx="2"/>
+          </p:cNvCxnSpPr>
+          <p:nvPr/>
+        </p:nvCxnSpPr>
+        <p:spPr>
+          <a:xfrm flipV="1">
+            <a:off x="8010655" y="2317761"/>
+            <a:ext cx="5335" cy="335286"/>
+          </a:xfrm>
+          <a:prstGeom prst="line">
+            <a:avLst/>
+          </a:prstGeom>
+          <a:ln w="28575"/>
+        </p:spPr>
+        <p:style>
+          <a:lnRef idx="1">
+            <a:schemeClr val="accent1"/>
+          </a:lnRef>
+          <a:fillRef idx="0">
+            <a:schemeClr val="accent1"/>
+          </a:fillRef>
+          <a:effectRef idx="0">
+            <a:schemeClr val="accent1"/>
+          </a:effectRef>
+          <a:fontRef idx="minor">
+            <a:schemeClr val="tx1"/>
+          </a:fontRef>
+        </p:style>
+      </p:cxnSp>
+      <p:cxnSp>
+        <p:nvCxnSpPr>
+          <p:cNvPr id="69" name="Straight Connector 68">
+            <a:extLst>
+              <a:ext uri="{FF2B5EF4-FFF2-40B4-BE49-F238E27FC236}">
+                <a16:creationId xmlns:a16="http://schemas.microsoft.com/office/drawing/2014/main" id="{0CB9EE33-4FBE-D959-2D47-F2F024BD0BB6}"/>
+              </a:ext>
+            </a:extLst>
+          </p:cNvPr>
+          <p:cNvCxnSpPr>
+            <a:stCxn id="19" idx="0"/>
+            <a:endCxn id="53" idx="2"/>
+          </p:cNvCxnSpPr>
+          <p:nvPr/>
+        </p:nvCxnSpPr>
+        <p:spPr>
+          <a:xfrm flipH="1" flipV="1">
+            <a:off x="9384606" y="1844107"/>
+            <a:ext cx="4088" cy="808940"/>
+          </a:xfrm>
+          <a:prstGeom prst="line">
+            <a:avLst/>
+          </a:prstGeom>
+          <a:ln w="28575"/>
+        </p:spPr>
+        <p:style>
+          <a:lnRef idx="1">
+            <a:schemeClr val="accent1"/>
+          </a:lnRef>
+          <a:fillRef idx="0">
+            <a:schemeClr val="accent1"/>
+          </a:fillRef>
+          <a:effectRef idx="0">
+            <a:schemeClr val="accent1"/>
+          </a:effectRef>
+          <a:fontRef idx="minor">
+            <a:schemeClr val="tx1"/>
+          </a:fontRef>
+        </p:style>
+      </p:cxnSp>
+      <p:cxnSp>
+        <p:nvCxnSpPr>
+          <p:cNvPr id="71" name="Straight Connector 70">
+            <a:extLst>
+              <a:ext uri="{FF2B5EF4-FFF2-40B4-BE49-F238E27FC236}">
+                <a16:creationId xmlns:a16="http://schemas.microsoft.com/office/drawing/2014/main" id="{09493445-0251-E25A-C358-AF8B1E71197E}"/>
+              </a:ext>
+            </a:extLst>
+          </p:cNvPr>
+          <p:cNvCxnSpPr>
+            <a:stCxn id="21" idx="0"/>
+            <a:endCxn id="54" idx="2"/>
+          </p:cNvCxnSpPr>
+          <p:nvPr/>
+        </p:nvCxnSpPr>
+        <p:spPr>
+          <a:xfrm flipV="1">
+            <a:off x="10766733" y="2315924"/>
+            <a:ext cx="1776" cy="337123"/>
+          </a:xfrm>
+          <a:prstGeom prst="line">
+            <a:avLst/>
+          </a:prstGeom>
+          <a:ln w="28575"/>
+        </p:spPr>
+        <p:style>
+          <a:lnRef idx="1">
+            <a:schemeClr val="accent1"/>
+          </a:lnRef>
+          <a:fillRef idx="0">
+            <a:schemeClr val="accent1"/>
+          </a:fillRef>
+          <a:effectRef idx="0">
+            <a:schemeClr val="accent1"/>
+          </a:effectRef>
+          <a:fontRef idx="minor">
+            <a:schemeClr val="tx1"/>
+          </a:fontRef>
+        </p:style>
+      </p:cxnSp>
+    </p:spTree>
+    <p:extLst>
+      <p:ext uri="{BB962C8B-B14F-4D97-AF65-F5344CB8AC3E}">
+        <p14:creationId xmlns:p14="http://schemas.microsoft.com/office/powerpoint/2010/main" val="3324882719"/>
+      </p:ext>
+    </p:extLst>
+  </p:cSld>
+  <p:clrMapOvr>
+    <a:masterClrMapping/>
+  </p:clrMapOvr>
+</p:sld>
+</file>
+
+<file path=ppt/slides/slide4.xml><?xml version="1.0" encoding="utf-8"?>
+<p:sld xmlns:a="http://schemas.openxmlformats.org/drawingml/2006/main" xmlns:r="http://schemas.openxmlformats.org/officeDocument/2006/relationships" xmlns:p="http://schemas.openxmlformats.org/presentationml/2006/main">
+  <p:cSld>
+    <p:spTree>
+      <p:nvGrpSpPr>
+        <p:cNvPr id="1" name=""/>
+        <p:cNvGrpSpPr/>
+        <p:nvPr/>
+      </p:nvGrpSpPr>
+      <p:grpSpPr>
+        <a:xfrm>
+          <a:off x="0" y="0"/>
+          <a:ext cx="0" cy="0"/>
+          <a:chOff x="0" y="0"/>
+          <a:chExt cx="0" cy="0"/>
+        </a:xfrm>
+      </p:grpSpPr>
+      <p:sp>
+        <p:nvSpPr>
           <p:cNvPr id="2" name="Title 1">
             <a:extLst>
               <a:ext uri="{FF2B5EF4-FFF2-40B4-BE49-F238E27FC236}">
@@ -3677,7 +6437,7 @@
         </p:spPr>
         <p:txBody>
           <a:bodyPr>
-            <a:normAutofit/>
+            <a:normAutofit fontScale="85000" lnSpcReduction="20000"/>
           </a:bodyPr>
           <a:lstStyle/>
           <a:p>
@@ -3745,6 +6505,99 @@
               </a:buBlip>
             </a:pPr>
             <a:endParaRPr lang="en-AU" dirty="0"/>
+          </a:p>
+          <a:p>
+            <a:pPr>
+              <a:buFont typeface="Arial" panose="020B0604020202020204" pitchFamily="34" charset="0"/>
+              <a:buBlip>
+                <a:blip r:embed="rId3">
+                  <a:extLst>
+                    <a:ext uri="{96DAC541-7B7A-43D3-8B79-37D633B846F1}">
+                      <asvg:svgBlip xmlns:asvg="http://schemas.microsoft.com/office/drawing/2016/SVG/main" r:embed="rId4"/>
+                    </a:ext>
+                  </a:extLst>
+                </a:blip>
+              </a:buBlip>
+            </a:pPr>
+            <a:r>
+              <a:rPr lang="en-AU" dirty="0"/>
+              <a:t>Insights:</a:t>
+            </a:r>
+          </a:p>
+          <a:p>
+            <a:pPr lvl="1">
+              <a:buBlip>
+                <a:blip r:embed="rId3">
+                  <a:extLst>
+                    <a:ext uri="{96DAC541-7B7A-43D3-8B79-37D633B846F1}">
+                      <asvg:svgBlip xmlns:asvg="http://schemas.microsoft.com/office/drawing/2016/SVG/main" r:embed="rId4"/>
+                    </a:ext>
+                  </a:extLst>
+                </a:blip>
+              </a:buBlip>
+            </a:pPr>
+            <a:r>
+              <a:rPr lang="en-US" dirty="0">
+                <a:solidFill>
+                  <a:srgbClr val="0D0D0D"/>
+                </a:solidFill>
+                <a:highlight>
+                  <a:srgbClr val="FFFFFF"/>
+                </a:highlight>
+                <a:latin typeface="Söhne"/>
+              </a:rPr>
+              <a:t>Provides monthly gigawatt hour usage insight</a:t>
+            </a:r>
+          </a:p>
+          <a:p>
+            <a:pPr lvl="1">
+              <a:buBlip>
+                <a:blip r:embed="rId3">
+                  <a:extLst>
+                    <a:ext uri="{96DAC541-7B7A-43D3-8B79-37D633B846F1}">
+                      <asvg:svgBlip xmlns:asvg="http://schemas.microsoft.com/office/drawing/2016/SVG/main" r:embed="rId4"/>
+                    </a:ext>
+                  </a:extLst>
+                </a:blip>
+              </a:buBlip>
+            </a:pPr>
+            <a:r>
+              <a:rPr lang="en-US" dirty="0">
+                <a:solidFill>
+                  <a:srgbClr val="0D0D0D"/>
+                </a:solidFill>
+                <a:highlight>
+                  <a:srgbClr val="FFFFFF"/>
+                </a:highlight>
+                <a:latin typeface="Söhne"/>
+              </a:rPr>
+              <a:t>Would be useful in comparison to previous years data </a:t>
+            </a:r>
+          </a:p>
+          <a:p>
+            <a:pPr lvl="1">
+              <a:buBlip>
+                <a:blip r:embed="rId3">
+                  <a:extLst>
+                    <a:ext uri="{96DAC541-7B7A-43D3-8B79-37D633B846F1}">
+                      <asvg:svgBlip xmlns:asvg="http://schemas.microsoft.com/office/drawing/2016/SVG/main" r:embed="rId4"/>
+                    </a:ext>
+                  </a:extLst>
+                </a:blip>
+              </a:buBlip>
+            </a:pPr>
+            <a:r>
+              <a:rPr lang="en-US" dirty="0">
+                <a:solidFill>
+                  <a:srgbClr val="0D0D0D"/>
+                </a:solidFill>
+                <a:highlight>
+                  <a:srgbClr val="FFFFFF"/>
+                </a:highlight>
+                <a:latin typeface="Söhne"/>
+              </a:rPr>
+              <a:t>Gives total street light grid demand view which may assist with macro level analysis </a:t>
+            </a:r>
           </a:p>
           <a:p>
             <a:pPr marL="457200" lvl="1" indent="0">
@@ -3775,7 +6628,7 @@
 </p:sld>
 </file>
 
-<file path=ppt/slides/slide4.xml><?xml version="1.0" encoding="utf-8"?>
+<file path=ppt/slides/slide5.xml><?xml version="1.0" encoding="utf-8"?>
 <p:sld xmlns:a="http://schemas.openxmlformats.org/drawingml/2006/main" xmlns:r="http://schemas.openxmlformats.org/officeDocument/2006/relationships" xmlns:p="http://schemas.openxmlformats.org/presentationml/2006/main">
   <p:cSld>
     <p:spTree>
@@ -3880,7 +6733,7 @@
         </p:spPr>
         <p:txBody>
           <a:bodyPr vert="horz" lIns="91440" tIns="45720" rIns="91440" bIns="45720" rtlCol="0">
-            <a:normAutofit/>
+            <a:normAutofit fontScale="92500" lnSpcReduction="10000"/>
           </a:bodyPr>
           <a:lstStyle>
             <a:lvl1pPr marL="228600" indent="-228600" algn="l" defTabSz="914400" rtl="0" eaLnBrk="1" latinLnBrk="0" hangingPunct="1">
@@ -4106,6 +6959,12 @@
             </a:r>
           </a:p>
           <a:p>
+            <a:pPr marL="0" indent="0">
+              <a:buNone/>
+            </a:pPr>
+            <a:endParaRPr lang="en-AU" dirty="0"/>
+          </a:p>
+          <a:p>
             <a:pPr>
               <a:buFont typeface="Arial" panose="020B0604020202020204" pitchFamily="34" charset="0"/>
               <a:buBlip>
@@ -4118,7 +6977,85 @@
                 </a:blip>
               </a:buBlip>
             </a:pPr>
-            <a:endParaRPr lang="en-AU" dirty="0"/>
+            <a:r>
+              <a:rPr lang="en-AU" dirty="0"/>
+              <a:t>Insights:</a:t>
+            </a:r>
+          </a:p>
+          <a:p>
+            <a:pPr lvl="1">
+              <a:buBlip>
+                <a:blip r:embed="rId3">
+                  <a:extLst>
+                    <a:ext uri="{96DAC541-7B7A-43D3-8B79-37D633B846F1}">
+                      <asvg:svgBlip xmlns:asvg="http://schemas.microsoft.com/office/drawing/2016/SVG/main" r:embed="rId4"/>
+                    </a:ext>
+                  </a:extLst>
+                </a:blip>
+              </a:buBlip>
+            </a:pPr>
+            <a:r>
+              <a:rPr lang="en-US" dirty="0">
+                <a:solidFill>
+                  <a:srgbClr val="0D0D0D"/>
+                </a:solidFill>
+                <a:highlight>
+                  <a:srgbClr val="FFFFFF"/>
+                </a:highlight>
+                <a:latin typeface="Söhne"/>
+              </a:rPr>
+              <a:t>Enables detailed street insights on light types and proportions</a:t>
+            </a:r>
+          </a:p>
+          <a:p>
+            <a:pPr lvl="1">
+              <a:buBlip>
+                <a:blip r:embed="rId3">
+                  <a:extLst>
+                    <a:ext uri="{96DAC541-7B7A-43D3-8B79-37D633B846F1}">
+                      <asvg:svgBlip xmlns:asvg="http://schemas.microsoft.com/office/drawing/2016/SVG/main" r:embed="rId4"/>
+                    </a:ext>
+                  </a:extLst>
+                </a:blip>
+              </a:buBlip>
+            </a:pPr>
+            <a:r>
+              <a:rPr lang="en-US" dirty="0">
+                <a:solidFill>
+                  <a:srgbClr val="0D0D0D"/>
+                </a:solidFill>
+                <a:highlight>
+                  <a:srgbClr val="FFFFFF"/>
+                </a:highlight>
+                <a:latin typeface="Söhne"/>
+              </a:rPr>
+              <a:t>Light types often have different energy efficiencies, this tool would allow for targeted roll out of new technologies</a:t>
+            </a:r>
+          </a:p>
+          <a:p>
+            <a:pPr lvl="1">
+              <a:buBlip>
+                <a:blip r:embed="rId3">
+                  <a:extLst>
+                    <a:ext uri="{96DAC541-7B7A-43D3-8B79-37D633B846F1}">
+                      <asvg:svgBlip xmlns:asvg="http://schemas.microsoft.com/office/drawing/2016/SVG/main" r:embed="rId4"/>
+                    </a:ext>
+                  </a:extLst>
+                </a:blip>
+              </a:buBlip>
+            </a:pPr>
+            <a:r>
+              <a:rPr lang="en-US" dirty="0">
+                <a:solidFill>
+                  <a:srgbClr val="0D0D0D"/>
+                </a:solidFill>
+                <a:highlight>
+                  <a:srgbClr val="FFFFFF"/>
+                </a:highlight>
+                <a:latin typeface="Söhne"/>
+              </a:rPr>
+              <a:t>Works in conjunction with the Map visualization tool</a:t>
+            </a:r>
           </a:p>
           <a:p>
             <a:pPr marL="457200" lvl="1" indent="0">
@@ -4150,7 +7087,7 @@
 </p:sld>
 </file>
 
-<file path=ppt/slides/slide5.xml><?xml version="1.0" encoding="utf-8"?>
+<file path=ppt/slides/slide6.xml><?xml version="1.0" encoding="utf-8"?>
 <p:sld xmlns:a="http://schemas.openxmlformats.org/drawingml/2006/main" xmlns:r="http://schemas.openxmlformats.org/officeDocument/2006/relationships" xmlns:p="http://schemas.openxmlformats.org/presentationml/2006/main">
   <p:cSld>
     <p:spTree>
@@ -4220,7 +7157,7 @@
         </p:spPr>
         <p:txBody>
           <a:bodyPr vert="horz" lIns="91440" tIns="45720" rIns="91440" bIns="45720" rtlCol="0">
-            <a:normAutofit/>
+            <a:normAutofit fontScale="92500" lnSpcReduction="20000"/>
           </a:bodyPr>
           <a:lstStyle>
             <a:lvl1pPr marL="228600" indent="-228600" algn="l" defTabSz="914400" rtl="0" eaLnBrk="1" latinLnBrk="0" hangingPunct="1">
@@ -4510,6 +7447,143 @@
               </a:rPr>
               <a:t>plotly.express</a:t>
             </a:r>
+            <a:endParaRPr lang="en-US" b="0" i="0" dirty="0">
+              <a:solidFill>
+                <a:srgbClr val="0D0D0D"/>
+              </a:solidFill>
+              <a:effectLst/>
+              <a:highlight>
+                <a:srgbClr val="FFFFFF"/>
+              </a:highlight>
+              <a:latin typeface="Söhne"/>
+            </a:endParaRPr>
+          </a:p>
+          <a:p>
+            <a:pPr marL="457200" lvl="1" indent="0">
+              <a:buNone/>
+            </a:pPr>
+            <a:endParaRPr lang="en-US" dirty="0">
+              <a:solidFill>
+                <a:srgbClr val="0D0D0D"/>
+              </a:solidFill>
+              <a:highlight>
+                <a:srgbClr val="FFFFFF"/>
+              </a:highlight>
+              <a:latin typeface="Söhne"/>
+            </a:endParaRPr>
+          </a:p>
+          <a:p>
+            <a:pPr>
+              <a:buFont typeface="Arial" panose="020B0604020202020204" pitchFamily="34" charset="0"/>
+              <a:buBlip>
+                <a:blip r:embed="rId2">
+                  <a:extLst>
+                    <a:ext uri="{96DAC541-7B7A-43D3-8B79-37D633B846F1}">
+                      <asvg:svgBlip xmlns:asvg="http://schemas.microsoft.com/office/drawing/2016/SVG/main" r:embed="rId3"/>
+                    </a:ext>
+                  </a:extLst>
+                </a:blip>
+              </a:buBlip>
+            </a:pPr>
+            <a:r>
+              <a:rPr lang="en-AU" dirty="0"/>
+              <a:t>Insights:</a:t>
+            </a:r>
+          </a:p>
+          <a:p>
+            <a:pPr lvl="1">
+              <a:buBlip>
+                <a:blip r:embed="rId2">
+                  <a:extLst>
+                    <a:ext uri="{96DAC541-7B7A-43D3-8B79-37D633B846F1}">
+                      <asvg:svgBlip xmlns:asvg="http://schemas.microsoft.com/office/drawing/2016/SVG/main" r:embed="rId3"/>
+                    </a:ext>
+                  </a:extLst>
+                </a:blip>
+              </a:buBlip>
+            </a:pPr>
+            <a:r>
+              <a:rPr lang="en-US" dirty="0">
+                <a:solidFill>
+                  <a:srgbClr val="0D0D0D"/>
+                </a:solidFill>
+                <a:highlight>
+                  <a:srgbClr val="FFFFFF"/>
+                </a:highlight>
+                <a:latin typeface="Söhne"/>
+              </a:rPr>
+              <a:t>Facilitates seamless navigation of Washington DC’s network.</a:t>
+            </a:r>
+          </a:p>
+          <a:p>
+            <a:pPr lvl="1">
+              <a:buBlip>
+                <a:blip r:embed="rId2">
+                  <a:extLst>
+                    <a:ext uri="{96DAC541-7B7A-43D3-8B79-37D633B846F1}">
+                      <asvg:svgBlip xmlns:asvg="http://schemas.microsoft.com/office/drawing/2016/SVG/main" r:embed="rId3"/>
+                    </a:ext>
+                  </a:extLst>
+                </a:blip>
+              </a:buBlip>
+            </a:pPr>
+            <a:r>
+              <a:rPr lang="en-US" dirty="0">
+                <a:solidFill>
+                  <a:srgbClr val="0D0D0D"/>
+                </a:solidFill>
+                <a:highlight>
+                  <a:srgbClr val="FFFFFF"/>
+                </a:highlight>
+                <a:latin typeface="Söhne"/>
+              </a:rPr>
+              <a:t>Enables rapid understanding of the types of lights and their wattage across locations.</a:t>
+            </a:r>
+          </a:p>
+          <a:p>
+            <a:pPr lvl="1">
+              <a:buBlip>
+                <a:blip r:embed="rId2">
+                  <a:extLst>
+                    <a:ext uri="{96DAC541-7B7A-43D3-8B79-37D633B846F1}">
+                      <asvg:svgBlip xmlns:asvg="http://schemas.microsoft.com/office/drawing/2016/SVG/main" r:embed="rId3"/>
+                    </a:ext>
+                  </a:extLst>
+                </a:blip>
+              </a:buBlip>
+            </a:pPr>
+            <a:r>
+              <a:rPr lang="en-US" dirty="0">
+                <a:solidFill>
+                  <a:srgbClr val="0D0D0D"/>
+                </a:solidFill>
+                <a:highlight>
+                  <a:srgbClr val="FFFFFF"/>
+                </a:highlight>
+                <a:latin typeface="Söhne"/>
+              </a:rPr>
+              <a:t>Provides users information to make swift comparison of light patterns and clusters across streets and neighborhoods.</a:t>
+            </a:r>
+          </a:p>
+          <a:p>
+            <a:pPr marL="457200" lvl="1" indent="0">
+              <a:buNone/>
+            </a:pPr>
+            <a:endParaRPr lang="en-US" b="0" i="0" dirty="0">
+              <a:solidFill>
+                <a:srgbClr val="0D0D0D"/>
+              </a:solidFill>
+              <a:effectLst/>
+              <a:highlight>
+                <a:srgbClr val="FFFFFF"/>
+              </a:highlight>
+              <a:latin typeface="Söhne"/>
+            </a:endParaRPr>
+          </a:p>
+          <a:p>
+            <a:pPr marL="457200" lvl="1" indent="0">
+              <a:buNone/>
+            </a:pPr>
             <a:endParaRPr lang="en-AU" dirty="0"/>
           </a:p>
           <a:p>
@@ -4569,291 +7643,6 @@
     <p:extLst>
       <p:ext uri="{BB962C8B-B14F-4D97-AF65-F5344CB8AC3E}">
         <p14:creationId xmlns:p14="http://schemas.microsoft.com/office/powerpoint/2010/main" val="1511660154"/>
-      </p:ext>
-    </p:extLst>
-  </p:cSld>
-  <p:clrMapOvr>
-    <a:masterClrMapping/>
-  </p:clrMapOvr>
-</p:sld>
-</file>
-
-<file path=ppt/slides/slide6.xml><?xml version="1.0" encoding="utf-8"?>
-<p:sld xmlns:a="http://schemas.openxmlformats.org/drawingml/2006/main" xmlns:r="http://schemas.openxmlformats.org/officeDocument/2006/relationships" xmlns:p="http://schemas.openxmlformats.org/presentationml/2006/main">
-  <p:cSld>
-    <p:spTree>
-      <p:nvGrpSpPr>
-        <p:cNvPr id="1" name=""/>
-        <p:cNvGrpSpPr/>
-        <p:nvPr/>
-      </p:nvGrpSpPr>
-      <p:grpSpPr>
-        <a:xfrm>
-          <a:off x="0" y="0"/>
-          <a:ext cx="0" cy="0"/>
-          <a:chOff x="0" y="0"/>
-          <a:chExt cx="0" cy="0"/>
-        </a:xfrm>
-      </p:grpSpPr>
-      <p:sp>
-        <p:nvSpPr>
-          <p:cNvPr id="2" name="Title 1">
-            <a:extLst>
-              <a:ext uri="{FF2B5EF4-FFF2-40B4-BE49-F238E27FC236}">
-                <a16:creationId xmlns:a16="http://schemas.microsoft.com/office/drawing/2014/main" id="{526B4E1B-6B9D-9778-8731-BAB987F85FFD}"/>
-              </a:ext>
-            </a:extLst>
-          </p:cNvPr>
-          <p:cNvSpPr>
-            <a:spLocks noGrp="1"/>
-          </p:cNvSpPr>
-          <p:nvPr>
-            <p:ph type="title"/>
-          </p:nvPr>
-        </p:nvSpPr>
-        <p:spPr/>
-        <p:txBody>
-          <a:bodyPr/>
-          <a:lstStyle/>
-          <a:p>
-            <a:r>
-              <a:rPr lang="en-AU" b="1" dirty="0"/>
-              <a:t>Insights and Conclusion</a:t>
-            </a:r>
-          </a:p>
-        </p:txBody>
-      </p:sp>
-      <p:sp>
-        <p:nvSpPr>
-          <p:cNvPr id="4" name="Content Placeholder 2">
-            <a:extLst>
-              <a:ext uri="{FF2B5EF4-FFF2-40B4-BE49-F238E27FC236}">
-                <a16:creationId xmlns:a16="http://schemas.microsoft.com/office/drawing/2014/main" id="{E2E4A7D3-174C-6A53-797F-F719DDA511C0}"/>
-              </a:ext>
-            </a:extLst>
-          </p:cNvPr>
-          <p:cNvSpPr txBox="1">
-            <a:spLocks/>
-          </p:cNvSpPr>
-          <p:nvPr/>
-        </p:nvSpPr>
-        <p:spPr>
-          <a:xfrm>
-            <a:off x="913278" y="1869116"/>
-            <a:ext cx="10440522" cy="4351338"/>
-          </a:xfrm>
-          <a:prstGeom prst="rect">
-            <a:avLst/>
-          </a:prstGeom>
-        </p:spPr>
-        <p:txBody>
-          <a:bodyPr vert="horz" lIns="91440" tIns="45720" rIns="91440" bIns="45720" rtlCol="0">
-            <a:normAutofit/>
-          </a:bodyPr>
-          <a:lstStyle>
-            <a:lvl1pPr marL="228600" indent="-228600" algn="l" defTabSz="914400" rtl="0" eaLnBrk="1" latinLnBrk="0" hangingPunct="1">
-              <a:lnSpc>
-                <a:spcPct val="90000"/>
-              </a:lnSpc>
-              <a:spcBef>
-                <a:spcPts val="1000"/>
-              </a:spcBef>
-              <a:buFont typeface="Arial" panose="020B0604020202020204" pitchFamily="34" charset="0"/>
-              <a:buChar char="•"/>
-              <a:defRPr sz="2800" kern="1200">
-                <a:solidFill>
-                  <a:schemeClr val="tx1"/>
-                </a:solidFill>
-                <a:latin typeface="+mn-lt"/>
-                <a:ea typeface="+mn-ea"/>
-                <a:cs typeface="+mn-cs"/>
-              </a:defRPr>
-            </a:lvl1pPr>
-            <a:lvl2pPr marL="685800" indent="-228600" algn="l" defTabSz="914400" rtl="0" eaLnBrk="1" latinLnBrk="0" hangingPunct="1">
-              <a:lnSpc>
-                <a:spcPct val="90000"/>
-              </a:lnSpc>
-              <a:spcBef>
-                <a:spcPts val="500"/>
-              </a:spcBef>
-              <a:buFont typeface="Arial" panose="020B0604020202020204" pitchFamily="34" charset="0"/>
-              <a:buChar char="•"/>
-              <a:defRPr sz="2400" kern="1200">
-                <a:solidFill>
-                  <a:schemeClr val="tx1"/>
-                </a:solidFill>
-                <a:latin typeface="+mn-lt"/>
-                <a:ea typeface="+mn-ea"/>
-                <a:cs typeface="+mn-cs"/>
-              </a:defRPr>
-            </a:lvl2pPr>
-            <a:lvl3pPr marL="1143000" indent="-228600" algn="l" defTabSz="914400" rtl="0" eaLnBrk="1" latinLnBrk="0" hangingPunct="1">
-              <a:lnSpc>
-                <a:spcPct val="90000"/>
-              </a:lnSpc>
-              <a:spcBef>
-                <a:spcPts val="500"/>
-              </a:spcBef>
-              <a:buFont typeface="Arial" panose="020B0604020202020204" pitchFamily="34" charset="0"/>
-              <a:buChar char="•"/>
-              <a:defRPr sz="2000" kern="1200">
-                <a:solidFill>
-                  <a:schemeClr val="tx1"/>
-                </a:solidFill>
-                <a:latin typeface="+mn-lt"/>
-                <a:ea typeface="+mn-ea"/>
-                <a:cs typeface="+mn-cs"/>
-              </a:defRPr>
-            </a:lvl3pPr>
-            <a:lvl4pPr marL="1600200" indent="-228600" algn="l" defTabSz="914400" rtl="0" eaLnBrk="1" latinLnBrk="0" hangingPunct="1">
-              <a:lnSpc>
-                <a:spcPct val="90000"/>
-              </a:lnSpc>
-              <a:spcBef>
-                <a:spcPts val="500"/>
-              </a:spcBef>
-              <a:buFont typeface="Arial" panose="020B0604020202020204" pitchFamily="34" charset="0"/>
-              <a:buChar char="•"/>
-              <a:defRPr sz="1800" kern="1200">
-                <a:solidFill>
-                  <a:schemeClr val="tx1"/>
-                </a:solidFill>
-                <a:latin typeface="+mn-lt"/>
-                <a:ea typeface="+mn-ea"/>
-                <a:cs typeface="+mn-cs"/>
-              </a:defRPr>
-            </a:lvl4pPr>
-            <a:lvl5pPr marL="2057400" indent="-228600" algn="l" defTabSz="914400" rtl="0" eaLnBrk="1" latinLnBrk="0" hangingPunct="1">
-              <a:lnSpc>
-                <a:spcPct val="90000"/>
-              </a:lnSpc>
-              <a:spcBef>
-                <a:spcPts val="500"/>
-              </a:spcBef>
-              <a:buFont typeface="Arial" panose="020B0604020202020204" pitchFamily="34" charset="0"/>
-              <a:buChar char="•"/>
-              <a:defRPr sz="1800" kern="1200">
-                <a:solidFill>
-                  <a:schemeClr val="tx1"/>
-                </a:solidFill>
-                <a:latin typeface="+mn-lt"/>
-                <a:ea typeface="+mn-ea"/>
-                <a:cs typeface="+mn-cs"/>
-              </a:defRPr>
-            </a:lvl5pPr>
-            <a:lvl6pPr marL="2514600" indent="-228600" algn="l" defTabSz="914400" rtl="0" eaLnBrk="1" latinLnBrk="0" hangingPunct="1">
-              <a:lnSpc>
-                <a:spcPct val="90000"/>
-              </a:lnSpc>
-              <a:spcBef>
-                <a:spcPts val="500"/>
-              </a:spcBef>
-              <a:buFont typeface="Arial" panose="020B0604020202020204" pitchFamily="34" charset="0"/>
-              <a:buChar char="•"/>
-              <a:defRPr sz="1800" kern="1200">
-                <a:solidFill>
-                  <a:schemeClr val="tx1"/>
-                </a:solidFill>
-                <a:latin typeface="+mn-lt"/>
-                <a:ea typeface="+mn-ea"/>
-                <a:cs typeface="+mn-cs"/>
-              </a:defRPr>
-            </a:lvl6pPr>
-            <a:lvl7pPr marL="2971800" indent="-228600" algn="l" defTabSz="914400" rtl="0" eaLnBrk="1" latinLnBrk="0" hangingPunct="1">
-              <a:lnSpc>
-                <a:spcPct val="90000"/>
-              </a:lnSpc>
-              <a:spcBef>
-                <a:spcPts val="500"/>
-              </a:spcBef>
-              <a:buFont typeface="Arial" panose="020B0604020202020204" pitchFamily="34" charset="0"/>
-              <a:buChar char="•"/>
-              <a:defRPr sz="1800" kern="1200">
-                <a:solidFill>
-                  <a:schemeClr val="tx1"/>
-                </a:solidFill>
-                <a:latin typeface="+mn-lt"/>
-                <a:ea typeface="+mn-ea"/>
-                <a:cs typeface="+mn-cs"/>
-              </a:defRPr>
-            </a:lvl7pPr>
-            <a:lvl8pPr marL="3429000" indent="-228600" algn="l" defTabSz="914400" rtl="0" eaLnBrk="1" latinLnBrk="0" hangingPunct="1">
-              <a:lnSpc>
-                <a:spcPct val="90000"/>
-              </a:lnSpc>
-              <a:spcBef>
-                <a:spcPts val="500"/>
-              </a:spcBef>
-              <a:buFont typeface="Arial" panose="020B0604020202020204" pitchFamily="34" charset="0"/>
-              <a:buChar char="•"/>
-              <a:defRPr sz="1800" kern="1200">
-                <a:solidFill>
-                  <a:schemeClr val="tx1"/>
-                </a:solidFill>
-                <a:latin typeface="+mn-lt"/>
-                <a:ea typeface="+mn-ea"/>
-                <a:cs typeface="+mn-cs"/>
-              </a:defRPr>
-            </a:lvl8pPr>
-            <a:lvl9pPr marL="3886200" indent="-228600" algn="l" defTabSz="914400" rtl="0" eaLnBrk="1" latinLnBrk="0" hangingPunct="1">
-              <a:lnSpc>
-                <a:spcPct val="90000"/>
-              </a:lnSpc>
-              <a:spcBef>
-                <a:spcPts val="500"/>
-              </a:spcBef>
-              <a:buFont typeface="Arial" panose="020B0604020202020204" pitchFamily="34" charset="0"/>
-              <a:buChar char="•"/>
-              <a:defRPr sz="1800" kern="1200">
-                <a:solidFill>
-                  <a:schemeClr val="tx1"/>
-                </a:solidFill>
-                <a:latin typeface="+mn-lt"/>
-                <a:ea typeface="+mn-ea"/>
-                <a:cs typeface="+mn-cs"/>
-              </a:defRPr>
-            </a:lvl9pPr>
-          </a:lstStyle>
-          <a:p>
-            <a:pPr>
-              <a:buFont typeface="Arial" panose="020B0604020202020204" pitchFamily="34" charset="0"/>
-              <a:buBlip>
-                <a:blip r:embed="rId2">
-                  <a:extLst>
-                    <a:ext uri="{96DAC541-7B7A-43D3-8B79-37D633B846F1}">
-                      <asvg:svgBlip xmlns:asvg="http://schemas.microsoft.com/office/drawing/2016/SVG/main" r:embed="rId3"/>
-                    </a:ext>
-                  </a:extLst>
-                </a:blip>
-              </a:buBlip>
-            </a:pPr>
-            <a:r>
-              <a:rPr lang="en-AU" dirty="0" err="1"/>
-              <a:t>xxxxx</a:t>
-            </a:r>
-            <a:endParaRPr lang="en-AU" dirty="0"/>
-          </a:p>
-          <a:p>
-            <a:pPr marL="457200" lvl="1" indent="0">
-              <a:buFont typeface="Arial" panose="020B0604020202020204" pitchFamily="34" charset="0"/>
-              <a:buNone/>
-            </a:pPr>
-            <a:endParaRPr lang="en-AU" sz="2800" dirty="0"/>
-          </a:p>
-          <a:p>
-            <a:pPr lvl="1"/>
-            <a:endParaRPr lang="en-AU" dirty="0"/>
-          </a:p>
-          <a:p>
-            <a:pPr lvl="1"/>
-            <a:endParaRPr lang="en-AU" dirty="0"/>
-          </a:p>
-        </p:txBody>
-      </p:sp>
-    </p:spTree>
-    <p:extLst>
-      <p:ext uri="{BB962C8B-B14F-4D97-AF65-F5344CB8AC3E}">
-        <p14:creationId xmlns:p14="http://schemas.microsoft.com/office/powerpoint/2010/main" val="4086560980"/>
       </p:ext>
     </p:extLst>
   </p:cSld>
@@ -5418,4 +8207,319 @@
     </a:ext>
   </a:extLst>
 </a:theme>
+</file>
+
+<file path=ppt/theme/theme2.xml><?xml version="1.0" encoding="utf-8"?>
+<a:theme xmlns:a="http://schemas.openxmlformats.org/drawingml/2006/main" name="Office Theme">
+  <a:themeElements>
+    <a:clrScheme name="Office">
+      <a:dk1>
+        <a:sysClr val="windowText" lastClr="000000"/>
+      </a:dk1>
+      <a:lt1>
+        <a:sysClr val="window" lastClr="FFFFFF"/>
+      </a:lt1>
+      <a:dk2>
+        <a:srgbClr val="0E2841"/>
+      </a:dk2>
+      <a:lt2>
+        <a:srgbClr val="E8E8E8"/>
+      </a:lt2>
+      <a:accent1>
+        <a:srgbClr val="156082"/>
+      </a:accent1>
+      <a:accent2>
+        <a:srgbClr val="E97132"/>
+      </a:accent2>
+      <a:accent3>
+        <a:srgbClr val="196B24"/>
+      </a:accent3>
+      <a:accent4>
+        <a:srgbClr val="0F9ED5"/>
+      </a:accent4>
+      <a:accent5>
+        <a:srgbClr val="A02B93"/>
+      </a:accent5>
+      <a:accent6>
+        <a:srgbClr val="4EA72E"/>
+      </a:accent6>
+      <a:hlink>
+        <a:srgbClr val="467886"/>
+      </a:hlink>
+      <a:folHlink>
+        <a:srgbClr val="96607D"/>
+      </a:folHlink>
+    </a:clrScheme>
+    <a:fontScheme name="Office">
+      <a:majorFont>
+        <a:latin typeface="Aptos Display" panose="02110004020202020204"/>
+        <a:ea typeface=""/>
+        <a:cs typeface=""/>
+        <a:font script="Jpan" typeface="游ゴシック Light"/>
+        <a:font script="Hang" typeface="맑은 고딕"/>
+        <a:font script="Hans" typeface="等线 Light"/>
+        <a:font script="Hant" typeface="新細明體"/>
+        <a:font script="Arab" typeface="Times New Roman"/>
+        <a:font script="Hebr" typeface="Times New Roman"/>
+        <a:font script="Thai" typeface="Angsana New"/>
+        <a:font script="Ethi" typeface="Nyala"/>
+        <a:font script="Beng" typeface="Vrinda"/>
+        <a:font script="Gujr" typeface="Shruti"/>
+        <a:font script="Khmr" typeface="MoolBoran"/>
+        <a:font script="Knda" typeface="Tunga"/>
+        <a:font script="Guru" typeface="Raavi"/>
+        <a:font script="Cans" typeface="Euphemia"/>
+        <a:font script="Cher" typeface="Plantagenet Cherokee"/>
+        <a:font script="Yiii" typeface="Microsoft Yi Baiti"/>
+        <a:font script="Tibt" typeface="Microsoft Himalaya"/>
+        <a:font script="Thaa" typeface="MV Boli"/>
+        <a:font script="Deva" typeface="Mangal"/>
+        <a:font script="Telu" typeface="Gautami"/>
+        <a:font script="Taml" typeface="Latha"/>
+        <a:font script="Syrc" typeface="Estrangelo Edessa"/>
+        <a:font script="Orya" typeface="Kalinga"/>
+        <a:font script="Mlym" typeface="Kartika"/>
+        <a:font script="Laoo" typeface="DokChampa"/>
+        <a:font script="Sinh" typeface="Iskoola Pota"/>
+        <a:font script="Mong" typeface="Mongolian Baiti"/>
+        <a:font script="Viet" typeface="Times New Roman"/>
+        <a:font script="Uigh" typeface="Microsoft Uighur"/>
+        <a:font script="Geor" typeface="Sylfaen"/>
+        <a:font script="Armn" typeface="Arial"/>
+        <a:font script="Bugi" typeface="Leelawadee UI"/>
+        <a:font script="Bopo" typeface="Microsoft JhengHei"/>
+        <a:font script="Java" typeface="Javanese Text"/>
+        <a:font script="Lisu" typeface="Segoe UI"/>
+        <a:font script="Mymr" typeface="Myanmar Text"/>
+        <a:font script="Nkoo" typeface="Ebrima"/>
+        <a:font script="Olck" typeface="Nirmala UI"/>
+        <a:font script="Osma" typeface="Ebrima"/>
+        <a:font script="Phag" typeface="Phagspa"/>
+        <a:font script="Syrn" typeface="Estrangelo Edessa"/>
+        <a:font script="Syrj" typeface="Estrangelo Edessa"/>
+        <a:font script="Syre" typeface="Estrangelo Edessa"/>
+        <a:font script="Sora" typeface="Nirmala UI"/>
+        <a:font script="Tale" typeface="Microsoft Tai Le"/>
+        <a:font script="Talu" typeface="Microsoft New Tai Lue"/>
+        <a:font script="Tfng" typeface="Ebrima"/>
+      </a:majorFont>
+      <a:minorFont>
+        <a:latin typeface="Aptos" panose="02110004020202020204"/>
+        <a:ea typeface=""/>
+        <a:cs typeface=""/>
+        <a:font script="Jpan" typeface="游ゴシック"/>
+        <a:font script="Hang" typeface="맑은 고딕"/>
+        <a:font script="Hans" typeface="等线"/>
+        <a:font script="Hant" typeface="新細明體"/>
+        <a:font script="Arab" typeface="Arial"/>
+        <a:font script="Hebr" typeface="Arial"/>
+        <a:font script="Thai" typeface="Cordia New"/>
+        <a:font script="Ethi" typeface="Nyala"/>
+        <a:font script="Beng" typeface="Vrinda"/>
+        <a:font script="Gujr" typeface="Shruti"/>
+        <a:font script="Khmr" typeface="DaunPenh"/>
+        <a:font script="Knda" typeface="Tunga"/>
+        <a:font script="Guru" typeface="Raavi"/>
+        <a:font script="Cans" typeface="Euphemia"/>
+        <a:font script="Cher" typeface="Plantagenet Cherokee"/>
+        <a:font script="Yiii" typeface="Microsoft Yi Baiti"/>
+        <a:font script="Tibt" typeface="Microsoft Himalaya"/>
+        <a:font script="Thaa" typeface="MV Boli"/>
+        <a:font script="Deva" typeface="Mangal"/>
+        <a:font script="Telu" typeface="Gautami"/>
+        <a:font script="Taml" typeface="Latha"/>
+        <a:font script="Syrc" typeface="Estrangelo Edessa"/>
+        <a:font script="Orya" typeface="Kalinga"/>
+        <a:font script="Mlym" typeface="Kartika"/>
+        <a:font script="Laoo" typeface="DokChampa"/>
+        <a:font script="Sinh" typeface="Iskoola Pota"/>
+        <a:font script="Mong" typeface="Mongolian Baiti"/>
+        <a:font script="Viet" typeface="Arial"/>
+        <a:font script="Uigh" typeface="Microsoft Uighur"/>
+        <a:font script="Geor" typeface="Sylfaen"/>
+        <a:font script="Armn" typeface="Arial"/>
+        <a:font script="Bugi" typeface="Leelawadee UI"/>
+        <a:font script="Bopo" typeface="Microsoft JhengHei"/>
+        <a:font script="Java" typeface="Javanese Text"/>
+        <a:font script="Lisu" typeface="Segoe UI"/>
+        <a:font script="Mymr" typeface="Myanmar Text"/>
+        <a:font script="Nkoo" typeface="Ebrima"/>
+        <a:font script="Olck" typeface="Nirmala UI"/>
+        <a:font script="Osma" typeface="Ebrima"/>
+        <a:font script="Phag" typeface="Phagspa"/>
+        <a:font script="Syrn" typeface="Estrangelo Edessa"/>
+        <a:font script="Syrj" typeface="Estrangelo Edessa"/>
+        <a:font script="Syre" typeface="Estrangelo Edessa"/>
+        <a:font script="Sora" typeface="Nirmala UI"/>
+        <a:font script="Tale" typeface="Microsoft Tai Le"/>
+        <a:font script="Talu" typeface="Microsoft New Tai Lue"/>
+        <a:font script="Tfng" typeface="Ebrima"/>
+      </a:minorFont>
+    </a:fontScheme>
+    <a:fmtScheme name="Office">
+      <a:fillStyleLst>
+        <a:solidFill>
+          <a:schemeClr val="phClr"/>
+        </a:solidFill>
+        <a:gradFill rotWithShape="1">
+          <a:gsLst>
+            <a:gs pos="0">
+              <a:schemeClr val="phClr">
+                <a:lumMod val="110000"/>
+                <a:satMod val="105000"/>
+                <a:tint val="67000"/>
+              </a:schemeClr>
+            </a:gs>
+            <a:gs pos="50000">
+              <a:schemeClr val="phClr">
+                <a:lumMod val="105000"/>
+                <a:satMod val="103000"/>
+                <a:tint val="73000"/>
+              </a:schemeClr>
+            </a:gs>
+            <a:gs pos="100000">
+              <a:schemeClr val="phClr">
+                <a:lumMod val="105000"/>
+                <a:satMod val="109000"/>
+                <a:tint val="81000"/>
+              </a:schemeClr>
+            </a:gs>
+          </a:gsLst>
+          <a:lin ang="5400000" scaled="0"/>
+        </a:gradFill>
+        <a:gradFill rotWithShape="1">
+          <a:gsLst>
+            <a:gs pos="0">
+              <a:schemeClr val="phClr">
+                <a:satMod val="103000"/>
+                <a:lumMod val="102000"/>
+                <a:tint val="94000"/>
+              </a:schemeClr>
+            </a:gs>
+            <a:gs pos="50000">
+              <a:schemeClr val="phClr">
+                <a:satMod val="110000"/>
+                <a:lumMod val="100000"/>
+                <a:shade val="100000"/>
+              </a:schemeClr>
+            </a:gs>
+            <a:gs pos="100000">
+              <a:schemeClr val="phClr">
+                <a:lumMod val="99000"/>
+                <a:satMod val="120000"/>
+                <a:shade val="78000"/>
+              </a:schemeClr>
+            </a:gs>
+          </a:gsLst>
+          <a:lin ang="5400000" scaled="0"/>
+        </a:gradFill>
+      </a:fillStyleLst>
+      <a:lnStyleLst>
+        <a:ln w="12700" cap="flat" cmpd="sng" algn="ctr">
+          <a:solidFill>
+            <a:schemeClr val="phClr"/>
+          </a:solidFill>
+          <a:prstDash val="solid"/>
+          <a:miter lim="800000"/>
+        </a:ln>
+        <a:ln w="19050" cap="flat" cmpd="sng" algn="ctr">
+          <a:solidFill>
+            <a:schemeClr val="phClr"/>
+          </a:solidFill>
+          <a:prstDash val="solid"/>
+          <a:miter lim="800000"/>
+        </a:ln>
+        <a:ln w="25400" cap="flat" cmpd="sng" algn="ctr">
+          <a:solidFill>
+            <a:schemeClr val="phClr"/>
+          </a:solidFill>
+          <a:prstDash val="solid"/>
+          <a:miter lim="800000"/>
+        </a:ln>
+      </a:lnStyleLst>
+      <a:effectStyleLst>
+        <a:effectStyle>
+          <a:effectLst/>
+        </a:effectStyle>
+        <a:effectStyle>
+          <a:effectLst/>
+        </a:effectStyle>
+        <a:effectStyle>
+          <a:effectLst>
+            <a:outerShdw blurRad="57150" dist="19050" dir="5400000" algn="ctr" rotWithShape="0">
+              <a:srgbClr val="000000">
+                <a:alpha val="63000"/>
+              </a:srgbClr>
+            </a:outerShdw>
+          </a:effectLst>
+        </a:effectStyle>
+      </a:effectStyleLst>
+      <a:bgFillStyleLst>
+        <a:solidFill>
+          <a:schemeClr val="phClr"/>
+        </a:solidFill>
+        <a:solidFill>
+          <a:schemeClr val="phClr">
+            <a:tint val="95000"/>
+            <a:satMod val="170000"/>
+          </a:schemeClr>
+        </a:solidFill>
+        <a:gradFill rotWithShape="1">
+          <a:gsLst>
+            <a:gs pos="0">
+              <a:schemeClr val="phClr">
+                <a:tint val="93000"/>
+                <a:satMod val="150000"/>
+                <a:shade val="98000"/>
+                <a:lumMod val="102000"/>
+              </a:schemeClr>
+            </a:gs>
+            <a:gs pos="50000">
+              <a:schemeClr val="phClr">
+                <a:tint val="98000"/>
+                <a:satMod val="130000"/>
+                <a:shade val="90000"/>
+                <a:lumMod val="103000"/>
+              </a:schemeClr>
+            </a:gs>
+            <a:gs pos="100000">
+              <a:schemeClr val="phClr">
+                <a:shade val="63000"/>
+                <a:satMod val="120000"/>
+              </a:schemeClr>
+            </a:gs>
+          </a:gsLst>
+          <a:lin ang="5400000" scaled="0"/>
+        </a:gradFill>
+      </a:bgFillStyleLst>
+    </a:fmtScheme>
+  </a:themeElements>
+  <a:objectDefaults>
+    <a:lnDef>
+      <a:spPr/>
+      <a:bodyPr/>
+      <a:lstStyle/>
+      <a:style>
+        <a:lnRef idx="2">
+          <a:schemeClr val="accent1"/>
+        </a:lnRef>
+        <a:fillRef idx="0">
+          <a:schemeClr val="accent1"/>
+        </a:fillRef>
+        <a:effectRef idx="1">
+          <a:schemeClr val="accent1"/>
+        </a:effectRef>
+        <a:fontRef idx="minor">
+          <a:schemeClr val="tx1"/>
+        </a:fontRef>
+      </a:style>
+    </a:lnDef>
+  </a:objectDefaults>
+  <a:extraClrSchemeLst/>
+  <a:extLst>
+    <a:ext uri="{05A4C25C-085E-4340-85A3-A5531E510DB2}">
+      <thm15:themeFamily xmlns:thm15="http://schemas.microsoft.com/office/thememl/2012/main" name="Office Theme" id="{2E142A2C-CD16-42D6-873A-C26D2A0506FA}" vid="{1BDDFF52-6CD6-40A5-AB3C-68EB2F1E4D0A}"/>
+    </a:ext>
+  </a:extLst>
+</a:theme>
 </file>
--- a/Presentation/Project 3 Group 2 powerpoint.pptx
+++ b/Presentation/Project 3 Group 2 powerpoint.pptx
@@ -5,16 +5,13 @@
     <p:sldMasterId id="2147483677" r:id="rId1"/>
   </p:sldMasterIdLst>
   <p:notesMasterIdLst>
-    <p:notesMasterId r:id="rId9"/>
+    <p:notesMasterId r:id="rId6"/>
   </p:notesMasterIdLst>
   <p:sldIdLst>
     <p:sldId id="256" r:id="rId2"/>
-    <p:sldId id="257" r:id="rId3"/>
-    <p:sldId id="263" r:id="rId4"/>
-    <p:sldId id="258" r:id="rId5"/>
-    <p:sldId id="259" r:id="rId6"/>
-    <p:sldId id="260" r:id="rId7"/>
-    <p:sldId id="262" r:id="rId8"/>
+    <p:sldId id="263" r:id="rId3"/>
+    <p:sldId id="264" r:id="rId4"/>
+    <p:sldId id="265" r:id="rId5"/>
   </p:sldIdLst>
   <p:sldSz cx="12192000" cy="6858000"/>
   <p:notesSz cx="6858000" cy="9144000"/>
@@ -203,7 +200,7 @@
           <a:p>
             <a:fld id="{C0EBD29C-02E0-C740-983E-2E3105172B52}" type="datetimeFigureOut">
               <a:rPr lang="en-US" smtClean="0"/>
-              <a:t>4/15/2024</a:t>
+              <a:t>4/16/24</a:t>
             </a:fld>
             <a:endParaRPr lang="en-US"/>
           </a:p>
@@ -536,7 +533,7 @@
           <a:p>
             <a:fld id="{9D1200AA-FF3F-6F49-BEFE-19EA8ACB80A8}" type="slidenum">
               <a:rPr lang="en-US" smtClean="0"/>
-              <a:t>3</a:t>
+              <a:t>2</a:t>
             </a:fld>
             <a:endParaRPr lang="en-US"/>
           </a:p>
@@ -546,6 +543,90 @@
     <p:extLst>
       <p:ext uri="{BB962C8B-B14F-4D97-AF65-F5344CB8AC3E}">
         <p14:creationId xmlns:p14="http://schemas.microsoft.com/office/powerpoint/2010/main" val="3039993892"/>
+      </p:ext>
+    </p:extLst>
+  </p:cSld>
+  <p:clrMapOvr>
+    <a:masterClrMapping/>
+  </p:clrMapOvr>
+</p:notes>
+</file>
+
+<file path=ppt/notesSlides/notesSlide2.xml><?xml version="1.0" encoding="utf-8"?>
+<p:notes xmlns:a="http://schemas.openxmlformats.org/drawingml/2006/main" xmlns:r="http://schemas.openxmlformats.org/officeDocument/2006/relationships" xmlns:p="http://schemas.openxmlformats.org/presentationml/2006/main">
+  <p:cSld>
+    <p:spTree>
+      <p:nvGrpSpPr>
+        <p:cNvPr id="1" name=""/>
+        <p:cNvGrpSpPr/>
+        <p:nvPr/>
+      </p:nvGrpSpPr>
+      <p:grpSpPr>
+        <a:xfrm>
+          <a:off x="0" y="0"/>
+          <a:ext cx="0" cy="0"/>
+          <a:chOff x="0" y="0"/>
+          <a:chExt cx="0" cy="0"/>
+        </a:xfrm>
+      </p:grpSpPr>
+      <p:sp>
+        <p:nvSpPr>
+          <p:cNvPr id="2" name="Slide Image Placeholder 1"/>
+          <p:cNvSpPr>
+            <a:spLocks noGrp="1" noRot="1" noChangeAspect="1"/>
+          </p:cNvSpPr>
+          <p:nvPr>
+            <p:ph type="sldImg"/>
+          </p:nvPr>
+        </p:nvSpPr>
+        <p:spPr/>
+      </p:sp>
+      <p:sp>
+        <p:nvSpPr>
+          <p:cNvPr id="3" name="Notes Placeholder 2"/>
+          <p:cNvSpPr>
+            <a:spLocks noGrp="1"/>
+          </p:cNvSpPr>
+          <p:nvPr>
+            <p:ph type="body" idx="1"/>
+          </p:nvPr>
+        </p:nvSpPr>
+        <p:spPr/>
+        <p:txBody>
+          <a:bodyPr/>
+          <a:lstStyle/>
+          <a:p>
+            <a:endParaRPr lang="en-US" dirty="0"/>
+          </a:p>
+        </p:txBody>
+      </p:sp>
+      <p:sp>
+        <p:nvSpPr>
+          <p:cNvPr id="4" name="Slide Number Placeholder 3"/>
+          <p:cNvSpPr>
+            <a:spLocks noGrp="1"/>
+          </p:cNvSpPr>
+          <p:nvPr>
+            <p:ph type="sldNum" sz="quarter" idx="5"/>
+          </p:nvPr>
+        </p:nvSpPr>
+        <p:spPr/>
+        <p:txBody>
+          <a:bodyPr/>
+          <a:lstStyle/>
+          <a:p>
+            <a:fld id="{9D1200AA-FF3F-6F49-BEFE-19EA8ACB80A8}" type="slidenum">
+              <a:rPr lang="en-US" smtClean="0"/>
+              <a:t>3</a:t>
+            </a:fld>
+            <a:endParaRPr lang="en-US"/>
+          </a:p>
+        </p:txBody>
+      </p:sp>
+    </p:spTree>
+    <p:extLst>
+      <p:ext uri="{BB962C8B-B14F-4D97-AF65-F5344CB8AC3E}">
+        <p14:creationId xmlns:p14="http://schemas.microsoft.com/office/powerpoint/2010/main" val="2466476581"/>
       </p:ext>
     </p:extLst>
   </p:cSld>
@@ -686,7 +767,7 @@
           <a:p>
             <a:fld id="{48602B3E-AF8E-41D9-B64F-30CA86ABA96C}" type="datetimeFigureOut">
               <a:rPr lang="en-AU" smtClean="0"/>
-              <a:t>15/04/2024</a:t>
+              <a:t>16/4/2024</a:t>
             </a:fld>
             <a:endParaRPr lang="en-AU"/>
           </a:p>
@@ -856,7 +937,7 @@
           <a:p>
             <a:fld id="{48602B3E-AF8E-41D9-B64F-30CA86ABA96C}" type="datetimeFigureOut">
               <a:rPr lang="en-AU" smtClean="0"/>
-              <a:t>15/04/2024</a:t>
+              <a:t>16/4/2024</a:t>
             </a:fld>
             <a:endParaRPr lang="en-AU"/>
           </a:p>
@@ -1036,7 +1117,7 @@
           <a:p>
             <a:fld id="{48602B3E-AF8E-41D9-B64F-30CA86ABA96C}" type="datetimeFigureOut">
               <a:rPr lang="en-AU" smtClean="0"/>
-              <a:t>15/04/2024</a:t>
+              <a:t>16/4/2024</a:t>
             </a:fld>
             <a:endParaRPr lang="en-AU"/>
           </a:p>
@@ -1206,7 +1287,7 @@
           <a:p>
             <a:fld id="{48602B3E-AF8E-41D9-B64F-30CA86ABA96C}" type="datetimeFigureOut">
               <a:rPr lang="en-AU" smtClean="0"/>
-              <a:t>15/04/2024</a:t>
+              <a:t>16/4/2024</a:t>
             </a:fld>
             <a:endParaRPr lang="en-AU"/>
           </a:p>
@@ -1452,7 +1533,7 @@
           <a:p>
             <a:fld id="{48602B3E-AF8E-41D9-B64F-30CA86ABA96C}" type="datetimeFigureOut">
               <a:rPr lang="en-AU" smtClean="0"/>
-              <a:t>15/04/2024</a:t>
+              <a:t>16/4/2024</a:t>
             </a:fld>
             <a:endParaRPr lang="en-AU"/>
           </a:p>
@@ -1684,7 +1765,7 @@
           <a:p>
             <a:fld id="{48602B3E-AF8E-41D9-B64F-30CA86ABA96C}" type="datetimeFigureOut">
               <a:rPr lang="en-AU" smtClean="0"/>
-              <a:t>15/04/2024</a:t>
+              <a:t>16/4/2024</a:t>
             </a:fld>
             <a:endParaRPr lang="en-AU"/>
           </a:p>
@@ -2051,7 +2132,7 @@
           <a:p>
             <a:fld id="{48602B3E-AF8E-41D9-B64F-30CA86ABA96C}" type="datetimeFigureOut">
               <a:rPr lang="en-AU" smtClean="0"/>
-              <a:t>15/04/2024</a:t>
+              <a:t>16/4/2024</a:t>
             </a:fld>
             <a:endParaRPr lang="en-AU"/>
           </a:p>
@@ -2169,7 +2250,7 @@
           <a:p>
             <a:fld id="{48602B3E-AF8E-41D9-B64F-30CA86ABA96C}" type="datetimeFigureOut">
               <a:rPr lang="en-AU" smtClean="0"/>
-              <a:t>15/04/2024</a:t>
+              <a:t>16/4/2024</a:t>
             </a:fld>
             <a:endParaRPr lang="en-AU"/>
           </a:p>
@@ -2264,7 +2345,7 @@
           <a:p>
             <a:fld id="{48602B3E-AF8E-41D9-B64F-30CA86ABA96C}" type="datetimeFigureOut">
               <a:rPr lang="en-AU" smtClean="0"/>
-              <a:t>15/04/2024</a:t>
+              <a:t>16/4/2024</a:t>
             </a:fld>
             <a:endParaRPr lang="en-AU"/>
           </a:p>
@@ -2541,7 +2622,7 @@
           <a:p>
             <a:fld id="{48602B3E-AF8E-41D9-B64F-30CA86ABA96C}" type="datetimeFigureOut">
               <a:rPr lang="en-AU" smtClean="0"/>
-              <a:t>15/04/2024</a:t>
+              <a:t>16/4/2024</a:t>
             </a:fld>
             <a:endParaRPr lang="en-AU"/>
           </a:p>
@@ -2798,7 +2879,7 @@
           <a:p>
             <a:fld id="{48602B3E-AF8E-41D9-B64F-30CA86ABA96C}" type="datetimeFigureOut">
               <a:rPr lang="en-AU" smtClean="0"/>
-              <a:t>15/04/2024</a:t>
+              <a:t>16/4/2024</a:t>
             </a:fld>
             <a:endParaRPr lang="en-AU"/>
           </a:p>
@@ -3011,7 +3092,7 @@
           <a:p>
             <a:fld id="{48602B3E-AF8E-41D9-B64F-30CA86ABA96C}" type="datetimeFigureOut">
               <a:rPr lang="en-AU" smtClean="0"/>
-              <a:t>15/04/2024</a:t>
+              <a:t>16/4/2024</a:t>
             </a:fld>
             <a:endParaRPr lang="en-AU"/>
           </a:p>
@@ -3402,6 +3483,37 @@
 <file path=ppt/slides/slide1.xml><?xml version="1.0" encoding="utf-8"?>
 <p:sld xmlns:a="http://schemas.openxmlformats.org/drawingml/2006/main" xmlns:r="http://schemas.openxmlformats.org/officeDocument/2006/relationships" xmlns:p="http://schemas.openxmlformats.org/presentationml/2006/main">
   <p:cSld>
+    <p:bg>
+      <p:bgPr>
+        <a:gradFill>
+          <a:gsLst>
+            <a:gs pos="0">
+              <a:schemeClr val="accent1"/>
+            </a:gs>
+            <a:gs pos="74000">
+              <a:schemeClr val="accent1">
+                <a:lumMod val="45000"/>
+                <a:lumOff val="55000"/>
+              </a:schemeClr>
+            </a:gs>
+            <a:gs pos="83000">
+              <a:schemeClr val="accent1">
+                <a:lumMod val="45000"/>
+                <a:lumOff val="55000"/>
+              </a:schemeClr>
+            </a:gs>
+            <a:gs pos="100000">
+              <a:schemeClr val="accent1">
+                <a:lumMod val="30000"/>
+                <a:lumOff val="70000"/>
+              </a:schemeClr>
+            </a:gs>
+          </a:gsLst>
+          <a:lin ang="5400000" scaled="1"/>
+        </a:gradFill>
+        <a:effectLst/>
+      </p:bgPr>
+    </p:bg>
     <p:spTree>
       <p:nvGrpSpPr>
         <p:cNvPr id="1" name=""/>
@@ -3434,8 +3546,8 @@
         </p:nvSpPr>
         <p:spPr>
           <a:xfrm>
-            <a:off x="4390159" y="416152"/>
-            <a:ext cx="8040832" cy="2387600"/>
+            <a:off x="4572000" y="844610"/>
+            <a:ext cx="7620000" cy="1959142"/>
           </a:xfrm>
         </p:spPr>
         <p:txBody>
@@ -3445,7 +3557,13 @@
           <a:lstStyle/>
           <a:p>
             <a:r>
-              <a:rPr lang="en-AU" b="1" dirty="0"/>
+              <a:rPr lang="en-AU" sz="4800" b="1" dirty="0">
+                <a:solidFill>
+                  <a:schemeClr val="bg1"/>
+                </a:solidFill>
+                <a:latin typeface="FUTURA MEDIUM" panose="020B0602020204020303" pitchFamily="34" charset="-79"/>
+                <a:cs typeface="FUTURA MEDIUM" panose="020B0602020204020303" pitchFamily="34" charset="-79"/>
+              </a:rPr>
               <a:t>Washington DC Street Light Visualisation and Analysis</a:t>
             </a:r>
           </a:p>
@@ -3469,8 +3587,8 @@
         </p:nvSpPr>
         <p:spPr>
           <a:xfrm>
-            <a:off x="5141167" y="3429000"/>
-            <a:ext cx="6279502" cy="760346"/>
+            <a:off x="5242249" y="2891118"/>
+            <a:ext cx="6279502" cy="625249"/>
           </a:xfrm>
         </p:spPr>
         <p:txBody>
@@ -3480,12 +3598,16 @@
           <a:lstStyle/>
           <a:p>
             <a:r>
-              <a:rPr lang="en-AU" sz="2800" dirty="0"/>
+              <a:rPr lang="en-AU" sz="2000" dirty="0">
+                <a:solidFill>
+                  <a:schemeClr val="bg1"/>
+                </a:solidFill>
+                <a:latin typeface="Verdana" panose="020B0604030504040204" pitchFamily="34" charset="0"/>
+                <a:ea typeface="Verdana" panose="020B0604030504040204" pitchFamily="34" charset="0"/>
+                <a:cs typeface="Verdana" panose="020B0604030504040204" pitchFamily="34" charset="0"/>
+              </a:rPr>
               <a:t>Data Visualisation Track</a:t>
             </a:r>
-          </a:p>
-          <a:p>
-            <a:endParaRPr lang="en-AU" dirty="0"/>
           </a:p>
         </p:txBody>
       </p:sp>
@@ -3639,8 +3761,8 @@
         </p:nvSpPr>
         <p:spPr>
           <a:xfrm>
-            <a:off x="10142375" y="5150498"/>
-            <a:ext cx="2135521" cy="2031325"/>
+            <a:off x="10088588" y="4388495"/>
+            <a:ext cx="2149948" cy="2357568"/>
           </a:xfrm>
           <a:prstGeom prst="rect">
             <a:avLst/>
@@ -3653,51 +3775,150 @@
           </a:bodyPr>
           <a:lstStyle/>
           <a:p>
-            <a:r>
-              <a:rPr lang="en-AU" b="1" dirty="0"/>
-              <a:t>Group</a:t>
-            </a:r>
-            <a:r>
-              <a:rPr lang="en-AU" dirty="0"/>
-              <a:t> </a:t>
-            </a:r>
-            <a:r>
-              <a:rPr lang="en-AU" b="1" dirty="0"/>
-              <a:t>2</a:t>
-            </a:r>
-          </a:p>
-          <a:p>
-            <a:r>
-              <a:rPr lang="en-AU" dirty="0"/>
+            <a:pPr>
+              <a:lnSpc>
+                <a:spcPct val="150000"/>
+              </a:lnSpc>
+            </a:pPr>
+            <a:r>
+              <a:rPr lang="en-AU" sz="2000" b="1" u="sng" dirty="0">
+                <a:solidFill>
+                  <a:schemeClr val="bg1"/>
+                </a:solidFill>
+                <a:latin typeface="FUTURA MEDIUM" panose="020B0602020204020303" pitchFamily="34" charset="-79"/>
+                <a:ea typeface="Verdana" panose="020B0604030504040204" pitchFamily="34" charset="0"/>
+                <a:cs typeface="FUTURA MEDIUM" panose="020B0602020204020303" pitchFamily="34" charset="-79"/>
+              </a:rPr>
+              <a:t>Group 2</a:t>
+            </a:r>
+          </a:p>
+          <a:p>
+            <a:pPr>
+              <a:lnSpc>
+                <a:spcPct val="150000"/>
+              </a:lnSpc>
+            </a:pPr>
+            <a:r>
+              <a:rPr lang="en-AU" sz="1600" dirty="0">
+                <a:solidFill>
+                  <a:schemeClr val="bg1"/>
+                </a:solidFill>
+                <a:latin typeface="Futura Medium" panose="020B0602020204020303" pitchFamily="34" charset="-79"/>
+                <a:ea typeface="Verdana" panose="020B0604030504040204" pitchFamily="34" charset="0"/>
+                <a:cs typeface="Futura Medium" panose="020B0602020204020303" pitchFamily="34" charset="-79"/>
+              </a:rPr>
               <a:t>Fabiano Santos</a:t>
             </a:r>
           </a:p>
           <a:p>
-            <a:r>
-              <a:rPr lang="en-AU" dirty="0"/>
+            <a:pPr>
+              <a:lnSpc>
+                <a:spcPct val="150000"/>
+              </a:lnSpc>
+            </a:pPr>
+            <a:r>
+              <a:rPr lang="en-AU" sz="1600" dirty="0">
+                <a:solidFill>
+                  <a:schemeClr val="bg1"/>
+                </a:solidFill>
+                <a:latin typeface="Futura Medium" panose="020B0602020204020303" pitchFamily="34" charset="-79"/>
+                <a:ea typeface="Verdana" panose="020B0604030504040204" pitchFamily="34" charset="0"/>
+                <a:cs typeface="Futura Medium" panose="020B0602020204020303" pitchFamily="34" charset="-79"/>
+              </a:rPr>
+              <a:t>Laura Rui Liu</a:t>
+            </a:r>
+          </a:p>
+          <a:p>
+            <a:pPr>
+              <a:lnSpc>
+                <a:spcPct val="150000"/>
+              </a:lnSpc>
+            </a:pPr>
+            <a:r>
+              <a:rPr lang="en-AU" sz="1600" dirty="0">
+                <a:solidFill>
+                  <a:schemeClr val="bg1"/>
+                </a:solidFill>
+                <a:latin typeface="Futura Medium" panose="020B0602020204020303" pitchFamily="34" charset="-79"/>
+                <a:ea typeface="Verdana" panose="020B0604030504040204" pitchFamily="34" charset="0"/>
+                <a:cs typeface="Futura Medium" panose="020B0602020204020303" pitchFamily="34" charset="-79"/>
+              </a:rPr>
+              <a:t>Lewis </a:t>
+            </a:r>
+            <a:r>
+              <a:rPr lang="en-AU" sz="1600" dirty="0" err="1">
+                <a:solidFill>
+                  <a:schemeClr val="bg1"/>
+                </a:solidFill>
+                <a:latin typeface="Futura Medium" panose="020B0602020204020303" pitchFamily="34" charset="-79"/>
+                <a:ea typeface="Verdana" panose="020B0604030504040204" pitchFamily="34" charset="0"/>
+                <a:cs typeface="Futura Medium" panose="020B0602020204020303" pitchFamily="34" charset="-79"/>
+              </a:rPr>
+              <a:t>Trenerry</a:t>
+            </a:r>
+            <a:endParaRPr lang="en-AU" sz="1600" dirty="0">
+              <a:solidFill>
+                <a:schemeClr val="bg1"/>
+              </a:solidFill>
+              <a:latin typeface="Futura Medium" panose="020B0602020204020303" pitchFamily="34" charset="-79"/>
+              <a:ea typeface="Verdana" panose="020B0604030504040204" pitchFamily="34" charset="0"/>
+              <a:cs typeface="Futura Medium" panose="020B0602020204020303" pitchFamily="34" charset="-79"/>
+            </a:endParaRPr>
+          </a:p>
+          <a:p>
+            <a:pPr>
+              <a:lnSpc>
+                <a:spcPct val="150000"/>
+              </a:lnSpc>
+            </a:pPr>
+            <a:r>
+              <a:rPr lang="en-AU" sz="1600" dirty="0">
+                <a:solidFill>
+                  <a:schemeClr val="bg1"/>
+                </a:solidFill>
+                <a:latin typeface="Futura Medium" panose="020B0602020204020303" pitchFamily="34" charset="-79"/>
+                <a:ea typeface="Verdana" panose="020B0604030504040204" pitchFamily="34" charset="0"/>
+                <a:cs typeface="Futura Medium" panose="020B0602020204020303" pitchFamily="34" charset="-79"/>
+              </a:rPr>
               <a:t>Madeleine Chapman</a:t>
             </a:r>
           </a:p>
           <a:p>
-            <a:r>
-              <a:rPr lang="en-AU" dirty="0"/>
-              <a:t>Oliver Uy</a:t>
-            </a:r>
-          </a:p>
-          <a:p>
-            <a:r>
-              <a:rPr lang="en-AU" dirty="0"/>
-              <a:t>Laura Rui Liu</a:t>
-            </a:r>
-          </a:p>
-          <a:p>
-            <a:r>
-              <a:rPr lang="en-AU" dirty="0"/>
-              <a:t>Lewis Trenerry</a:t>
-            </a:r>
-          </a:p>
-          <a:p>
-            <a:endParaRPr lang="en-AU" dirty="0"/>
+            <a:pPr>
+              <a:lnSpc>
+                <a:spcPct val="150000"/>
+              </a:lnSpc>
+            </a:pPr>
+            <a:r>
+              <a:rPr lang="en-AU" sz="1600" dirty="0">
+                <a:solidFill>
+                  <a:schemeClr val="bg1"/>
+                </a:solidFill>
+                <a:latin typeface="Futura Medium" panose="020B0602020204020303" pitchFamily="34" charset="-79"/>
+                <a:ea typeface="Verdana" panose="020B0604030504040204" pitchFamily="34" charset="0"/>
+                <a:cs typeface="Futura Medium" panose="020B0602020204020303" pitchFamily="34" charset="-79"/>
+              </a:rPr>
+              <a:t>Oliver </a:t>
+            </a:r>
+            <a:r>
+              <a:rPr lang="en-AU" sz="1600" dirty="0" err="1">
+                <a:solidFill>
+                  <a:schemeClr val="bg1"/>
+                </a:solidFill>
+                <a:latin typeface="Futura Medium" panose="020B0602020204020303" pitchFamily="34" charset="-79"/>
+                <a:ea typeface="Verdana" panose="020B0604030504040204" pitchFamily="34" charset="0"/>
+                <a:cs typeface="Futura Medium" panose="020B0602020204020303" pitchFamily="34" charset="-79"/>
+              </a:rPr>
+              <a:t>Uy</a:t>
+            </a:r>
+            <a:endParaRPr lang="en-AU" sz="1600" dirty="0">
+              <a:solidFill>
+                <a:schemeClr val="bg1"/>
+              </a:solidFill>
+              <a:latin typeface="Futura Medium" panose="020B0602020204020303" pitchFamily="34" charset="-79"/>
+              <a:ea typeface="Verdana" panose="020B0604030504040204" pitchFamily="34" charset="0"/>
+              <a:cs typeface="Futura Medium" panose="020B0602020204020303" pitchFamily="34" charset="-79"/>
+            </a:endParaRPr>
           </a:p>
         </p:txBody>
       </p:sp>
@@ -3717,301 +3938,40 @@
 <file path=ppt/slides/slide2.xml><?xml version="1.0" encoding="utf-8"?>
 <p:sld xmlns:a="http://schemas.openxmlformats.org/drawingml/2006/main" xmlns:r="http://schemas.openxmlformats.org/officeDocument/2006/relationships" xmlns:p="http://schemas.openxmlformats.org/presentationml/2006/main">
   <p:cSld>
-    <p:spTree>
-      <p:nvGrpSpPr>
-        <p:cNvPr id="1" name=""/>
-        <p:cNvGrpSpPr/>
-        <p:nvPr/>
-      </p:nvGrpSpPr>
-      <p:grpSpPr>
-        <a:xfrm>
-          <a:off x="0" y="0"/>
-          <a:ext cx="0" cy="0"/>
-          <a:chOff x="0" y="0"/>
-          <a:chExt cx="0" cy="0"/>
-        </a:xfrm>
-      </p:grpSpPr>
-      <p:sp>
-        <p:nvSpPr>
-          <p:cNvPr id="2" name="Title 1">
-            <a:extLst>
-              <a:ext uri="{FF2B5EF4-FFF2-40B4-BE49-F238E27FC236}">
-                <a16:creationId xmlns:a16="http://schemas.microsoft.com/office/drawing/2014/main" id="{458EA164-A328-E23A-3066-F4E15A0CFB4A}"/>
-              </a:ext>
-            </a:extLst>
-          </p:cNvPr>
-          <p:cNvSpPr>
-            <a:spLocks noGrp="1"/>
-          </p:cNvSpPr>
-          <p:nvPr>
-            <p:ph type="title"/>
-          </p:nvPr>
-        </p:nvSpPr>
-        <p:spPr/>
-        <p:txBody>
-          <a:bodyPr/>
-          <a:lstStyle/>
-          <a:p>
-            <a:r>
-              <a:rPr lang="en-AU" b="1" dirty="0"/>
-              <a:t>Data</a:t>
-            </a:r>
-          </a:p>
-        </p:txBody>
-      </p:sp>
-      <p:sp>
-        <p:nvSpPr>
-          <p:cNvPr id="3" name="Content Placeholder 2">
-            <a:extLst>
-              <a:ext uri="{FF2B5EF4-FFF2-40B4-BE49-F238E27FC236}">
-                <a16:creationId xmlns:a16="http://schemas.microsoft.com/office/drawing/2014/main" id="{AF0B1D59-8E6B-ED0E-5C7C-AB214D860EF1}"/>
-              </a:ext>
-            </a:extLst>
-          </p:cNvPr>
-          <p:cNvSpPr>
-            <a:spLocks noGrp="1"/>
-          </p:cNvSpPr>
-          <p:nvPr>
-            <p:ph idx="1"/>
-          </p:nvPr>
-        </p:nvSpPr>
-        <p:spPr>
-          <a:xfrm>
-            <a:off x="838200" y="1580528"/>
-            <a:ext cx="10515600" cy="4351338"/>
-          </a:xfrm>
-        </p:spPr>
-        <p:txBody>
-          <a:bodyPr>
-            <a:normAutofit fontScale="92500" lnSpcReduction="20000"/>
-          </a:bodyPr>
-          <a:lstStyle/>
-          <a:p>
-            <a:pPr>
-              <a:buBlip>
-                <a:blip r:embed="rId2">
-                  <a:extLst>
-                    <a:ext uri="{96DAC541-7B7A-43D3-8B79-37D633B846F1}">
-                      <asvg:svgBlip xmlns:asvg="http://schemas.microsoft.com/office/drawing/2016/SVG/main" r:embed="rId3"/>
-                    </a:ext>
-                  </a:extLst>
-                </a:blip>
-              </a:buBlip>
-            </a:pPr>
-            <a:r>
-              <a:rPr lang="en-AU" dirty="0"/>
-              <a:t>Washington DC Street Light data</a:t>
-            </a:r>
-          </a:p>
-          <a:p>
-            <a:pPr lvl="1">
-              <a:buBlip>
-                <a:blip r:embed="rId2">
-                  <a:extLst>
-                    <a:ext uri="{96DAC541-7B7A-43D3-8B79-37D633B846F1}">
-                      <asvg:svgBlip xmlns:asvg="http://schemas.microsoft.com/office/drawing/2016/SVG/main" r:embed="rId3"/>
-                    </a:ext>
-                  </a:extLst>
-                </a:blip>
-              </a:buBlip>
-            </a:pPr>
-            <a:r>
-              <a:rPr lang="en-AU" dirty="0"/>
-              <a:t>CSV file consisting of 72k rows </a:t>
-            </a:r>
-          </a:p>
-          <a:p>
-            <a:pPr lvl="1">
-              <a:buBlip>
-                <a:blip r:embed="rId2">
-                  <a:extLst>
-                    <a:ext uri="{96DAC541-7B7A-43D3-8B79-37D633B846F1}">
-                      <asvg:svgBlip xmlns:asvg="http://schemas.microsoft.com/office/drawing/2016/SVG/main" r:embed="rId3"/>
-                    </a:ext>
-                  </a:extLst>
-                </a:blip>
-              </a:buBlip>
-            </a:pPr>
-            <a:r>
-              <a:rPr lang="en-AU" dirty="0"/>
-              <a:t>Cleaned and stored in pandas </a:t>
-            </a:r>
-            <a:r>
-              <a:rPr lang="en-AU" dirty="0" err="1"/>
-              <a:t>dataframe</a:t>
-            </a:r>
-            <a:endParaRPr lang="en-AU" dirty="0"/>
-          </a:p>
-          <a:p>
-            <a:pPr lvl="1">
-              <a:buBlip>
-                <a:blip r:embed="rId2">
-                  <a:extLst>
-                    <a:ext uri="{96DAC541-7B7A-43D3-8B79-37D633B846F1}">
-                      <asvg:svgBlip xmlns:asvg="http://schemas.microsoft.com/office/drawing/2016/SVG/main" r:embed="rId3"/>
-                    </a:ext>
-                  </a:extLst>
-                </a:blip>
-              </a:buBlip>
-            </a:pPr>
-            <a:endParaRPr lang="en-AU" sz="2800" dirty="0"/>
-          </a:p>
-          <a:p>
-            <a:pPr>
-              <a:buBlip>
-                <a:blip r:embed="rId2">
-                  <a:extLst>
-                    <a:ext uri="{96DAC541-7B7A-43D3-8B79-37D633B846F1}">
-                      <asvg:svgBlip xmlns:asvg="http://schemas.microsoft.com/office/drawing/2016/SVG/main" r:embed="rId3"/>
-                    </a:ext>
-                  </a:extLst>
-                </a:blip>
-              </a:buBlip>
-            </a:pPr>
-            <a:r>
-              <a:rPr lang="en-AU" dirty="0"/>
-              <a:t>Astronomical daylight /darkness data for Washington DC</a:t>
-            </a:r>
-          </a:p>
-          <a:p>
-            <a:pPr lvl="1">
-              <a:buBlip>
-                <a:blip r:embed="rId2">
-                  <a:extLst>
-                    <a:ext uri="{96DAC541-7B7A-43D3-8B79-37D633B846F1}">
-                      <asvg:svgBlip xmlns:asvg="http://schemas.microsoft.com/office/drawing/2016/SVG/main" r:embed="rId3"/>
-                    </a:ext>
-                  </a:extLst>
-                </a:blip>
-              </a:buBlip>
-            </a:pPr>
-            <a:r>
-              <a:rPr lang="en-AU" sz="2800" dirty="0"/>
-              <a:t>Web page scraped for 2023 data</a:t>
-            </a:r>
-          </a:p>
-          <a:p>
-            <a:pPr lvl="1">
-              <a:buBlip>
-                <a:blip r:embed="rId2">
-                  <a:extLst>
-                    <a:ext uri="{96DAC541-7B7A-43D3-8B79-37D633B846F1}">
-                      <asvg:svgBlip xmlns:asvg="http://schemas.microsoft.com/office/drawing/2016/SVG/main" r:embed="rId3"/>
-                    </a:ext>
-                  </a:extLst>
-                </a:blip>
-              </a:buBlip>
-            </a:pPr>
-            <a:r>
-              <a:rPr lang="en-AU" sz="2800" dirty="0"/>
-              <a:t>Data cleaned and summarised in data frame by month and total time of darkness</a:t>
-            </a:r>
-          </a:p>
-          <a:p>
-            <a:pPr lvl="1">
-              <a:buBlip>
-                <a:blip r:embed="rId2">
-                  <a:extLst>
-                    <a:ext uri="{96DAC541-7B7A-43D3-8B79-37D633B846F1}">
-                      <asvg:svgBlip xmlns:asvg="http://schemas.microsoft.com/office/drawing/2016/SVG/main" r:embed="rId3"/>
-                    </a:ext>
-                  </a:extLst>
-                </a:blip>
-              </a:buBlip>
-            </a:pPr>
-            <a:endParaRPr lang="en-AU" sz="2800" dirty="0"/>
-          </a:p>
-          <a:p>
-            <a:pPr>
-              <a:buBlip>
-                <a:blip r:embed="rId2">
-                  <a:extLst>
-                    <a:ext uri="{96DAC541-7B7A-43D3-8B79-37D633B846F1}">
-                      <asvg:svgBlip xmlns:asvg="http://schemas.microsoft.com/office/drawing/2016/SVG/main" r:embed="rId3"/>
-                    </a:ext>
-                  </a:extLst>
-                </a:blip>
-              </a:buBlip>
-            </a:pPr>
-            <a:r>
-              <a:rPr lang="en-AU" dirty="0"/>
-              <a:t>Combining data sources</a:t>
-            </a:r>
-          </a:p>
-          <a:p>
-            <a:pPr lvl="1">
-              <a:buBlip>
-                <a:blip r:embed="rId2">
-                  <a:extLst>
-                    <a:ext uri="{96DAC541-7B7A-43D3-8B79-37D633B846F1}">
-                      <asvg:svgBlip xmlns:asvg="http://schemas.microsoft.com/office/drawing/2016/SVG/main" r:embed="rId3"/>
-                    </a:ext>
-                  </a:extLst>
-                </a:blip>
-              </a:buBlip>
-            </a:pPr>
-            <a:r>
-              <a:rPr lang="en-AU" sz="2800" dirty="0"/>
-              <a:t>Created PostgreSQL </a:t>
-            </a:r>
-            <a:r>
-              <a:rPr lang="en-AU" sz="2800" dirty="0" err="1"/>
-              <a:t>databse</a:t>
-            </a:r>
-            <a:r>
-              <a:rPr lang="en-AU" sz="2800" dirty="0"/>
-              <a:t> </a:t>
-            </a:r>
-          </a:p>
-          <a:p>
-            <a:pPr lvl="1">
-              <a:buBlip>
-                <a:blip r:embed="rId2">
-                  <a:extLst>
-                    <a:ext uri="{96DAC541-7B7A-43D3-8B79-37D633B846F1}">
-                      <asvg:svgBlip xmlns:asvg="http://schemas.microsoft.com/office/drawing/2016/SVG/main" r:embed="rId3"/>
-                    </a:ext>
-                  </a:extLst>
-                </a:blip>
-              </a:buBlip>
-            </a:pPr>
-            <a:r>
-              <a:rPr lang="en-AU" sz="2800" dirty="0"/>
-              <a:t>Integrate data and merge tables</a:t>
-            </a:r>
-          </a:p>
-          <a:p>
-            <a:pPr marL="457200" lvl="1" indent="0">
-              <a:buNone/>
-            </a:pPr>
-            <a:endParaRPr lang="en-AU" sz="2800" dirty="0"/>
-          </a:p>
-          <a:p>
-            <a:pPr lvl="1"/>
-            <a:endParaRPr lang="en-AU" dirty="0"/>
-          </a:p>
-          <a:p>
-            <a:pPr lvl="1"/>
-            <a:endParaRPr lang="en-AU" dirty="0"/>
-          </a:p>
-        </p:txBody>
-      </p:sp>
-    </p:spTree>
-    <p:extLst>
-      <p:ext uri="{BB962C8B-B14F-4D97-AF65-F5344CB8AC3E}">
-        <p14:creationId xmlns:p14="http://schemas.microsoft.com/office/powerpoint/2010/main" val="1905755595"/>
-      </p:ext>
-    </p:extLst>
-  </p:cSld>
-  <p:clrMapOvr>
-    <a:masterClrMapping/>
-  </p:clrMapOvr>
-</p:sld>
-</file>
-
-<file path=ppt/slides/slide3.xml><?xml version="1.0" encoding="utf-8"?>
-<p:sld xmlns:a="http://schemas.openxmlformats.org/drawingml/2006/main" xmlns:r="http://schemas.openxmlformats.org/officeDocument/2006/relationships" xmlns:p="http://schemas.openxmlformats.org/presentationml/2006/main">
-  <p:cSld>
+    <p:bg>
+      <p:bgPr>
+        <a:gradFill>
+          <a:gsLst>
+            <a:gs pos="0">
+              <a:schemeClr val="accent1">
+                <a:lumMod val="20000"/>
+                <a:lumOff val="80000"/>
+              </a:schemeClr>
+            </a:gs>
+            <a:gs pos="74000">
+              <a:schemeClr val="accent1">
+                <a:lumMod val="45000"/>
+                <a:lumOff val="55000"/>
+              </a:schemeClr>
+            </a:gs>
+            <a:gs pos="83000">
+              <a:schemeClr val="accent1">
+                <a:lumMod val="45000"/>
+                <a:lumOff val="55000"/>
+              </a:schemeClr>
+            </a:gs>
+            <a:gs pos="100000">
+              <a:schemeClr val="accent1">
+                <a:lumMod val="30000"/>
+                <a:lumOff val="70000"/>
+              </a:schemeClr>
+            </a:gs>
+          </a:gsLst>
+          <a:lin ang="5400000" scaled="1"/>
+        </a:gradFill>
+        <a:effectLst/>
+      </p:bgPr>
+    </p:bg>
     <p:spTree>
       <p:nvGrpSpPr>
         <p:cNvPr id="1" name=""/>
@@ -4550,10 +4510,2770 @@
       </p:sp>
       <p:sp>
         <p:nvSpPr>
-          <p:cNvPr id="6" name="Oval 5">
+          <p:cNvPr id="55" name="TextBox 54">
             <a:extLst>
               <a:ext uri="{FF2B5EF4-FFF2-40B4-BE49-F238E27FC236}">
-                <a16:creationId xmlns:a16="http://schemas.microsoft.com/office/drawing/2014/main" id="{B12C8C4C-A432-FFA9-E873-19217EBA0DA9}"/>
+                <a16:creationId xmlns:a16="http://schemas.microsoft.com/office/drawing/2014/main" id="{CA552226-48D1-031A-B09A-E439718A3C2E}"/>
+              </a:ext>
+            </a:extLst>
+          </p:cNvPr>
+          <p:cNvSpPr txBox="1"/>
+          <p:nvPr/>
+        </p:nvSpPr>
+        <p:spPr>
+          <a:xfrm>
+            <a:off x="283567" y="372093"/>
+            <a:ext cx="3959004" cy="523220"/>
+          </a:xfrm>
+          <a:prstGeom prst="rect">
+            <a:avLst/>
+          </a:prstGeom>
+          <a:noFill/>
+        </p:spPr>
+        <p:txBody>
+          <a:bodyPr wrap="square" rtlCol="0">
+            <a:spAutoFit/>
+          </a:bodyPr>
+          <a:lstStyle/>
+          <a:p>
+            <a:r>
+              <a:rPr lang="en-US" sz="2800" b="1" dirty="0"/>
+              <a:t>Pathway to Success</a:t>
+            </a:r>
+          </a:p>
+        </p:txBody>
+      </p:sp>
+      <p:grpSp>
+        <p:nvGrpSpPr>
+          <p:cNvPr id="2" name="Group 1">
+            <a:extLst>
+              <a:ext uri="{FF2B5EF4-FFF2-40B4-BE49-F238E27FC236}">
+                <a16:creationId xmlns:a16="http://schemas.microsoft.com/office/drawing/2014/main" id="{C0451069-B735-71D3-B56A-79E910668896}"/>
+              </a:ext>
+            </a:extLst>
+          </p:cNvPr>
+          <p:cNvGrpSpPr/>
+          <p:nvPr/>
+        </p:nvGrpSpPr>
+        <p:grpSpPr>
+          <a:xfrm>
+            <a:off x="112415" y="1476614"/>
+            <a:ext cx="2016086" cy="2965085"/>
+            <a:chOff x="112415" y="1476614"/>
+            <a:chExt cx="2016086" cy="2965085"/>
+          </a:xfrm>
+        </p:grpSpPr>
+        <p:sp>
+          <p:nvSpPr>
+            <p:cNvPr id="6" name="Oval 5">
+              <a:extLst>
+                <a:ext uri="{FF2B5EF4-FFF2-40B4-BE49-F238E27FC236}">
+                  <a16:creationId xmlns:a16="http://schemas.microsoft.com/office/drawing/2014/main" id="{B12C8C4C-A432-FFA9-E873-19217EBA0DA9}"/>
+                </a:ext>
+              </a:extLst>
+            </p:cNvPr>
+            <p:cNvSpPr/>
+            <p:nvPr/>
+          </p:nvSpPr>
+          <p:spPr>
+            <a:xfrm>
+              <a:off x="528031" y="2653047"/>
+              <a:ext cx="1184857" cy="1184857"/>
+            </a:xfrm>
+            <a:prstGeom prst="ellipse">
+              <a:avLst/>
+            </a:prstGeom>
+            <a:solidFill>
+              <a:schemeClr val="bg1"/>
+            </a:solidFill>
+            <a:ln w="57150">
+              <a:solidFill>
+                <a:schemeClr val="accent1"/>
+              </a:solidFill>
+            </a:ln>
+          </p:spPr>
+          <p:style>
+            <a:lnRef idx="2">
+              <a:schemeClr val="accent1">
+                <a:shade val="15000"/>
+              </a:schemeClr>
+            </a:lnRef>
+            <a:fillRef idx="1">
+              <a:schemeClr val="accent1"/>
+            </a:fillRef>
+            <a:effectRef idx="0">
+              <a:schemeClr val="accent1"/>
+            </a:effectRef>
+            <a:fontRef idx="minor">
+              <a:schemeClr val="lt1"/>
+            </a:fontRef>
+          </p:style>
+          <p:txBody>
+            <a:bodyPr rtlCol="0" anchor="ctr"/>
+            <a:lstStyle/>
+            <a:p>
+              <a:pPr algn="ctr"/>
+              <a:endParaRPr lang="en-US"/>
+            </a:p>
+          </p:txBody>
+        </p:sp>
+        <p:pic>
+          <p:nvPicPr>
+            <p:cNvPr id="8" name="Picture 7" descr="Light bulb logo lightbulb symbol, light bulb transparent background png clipart&#10;&#10;Description automatically generated">
+              <a:extLst>
+                <a:ext uri="{FF2B5EF4-FFF2-40B4-BE49-F238E27FC236}">
+                  <a16:creationId xmlns:a16="http://schemas.microsoft.com/office/drawing/2014/main" id="{01C092D9-C492-E02B-287C-F1F79F85243E}"/>
+                </a:ext>
+              </a:extLst>
+            </p:cNvPr>
+            <p:cNvPicPr>
+              <a:picLocks noChangeAspect="1"/>
+            </p:cNvPicPr>
+            <p:nvPr/>
+          </p:nvPicPr>
+          <p:blipFill>
+            <a:blip r:embed="rId3">
+              <a:extLst>
+                <a:ext uri="{BEBA8EAE-BF5A-486C-A8C5-ECC9F3942E4B}">
+                  <a14:imgProps xmlns:a14="http://schemas.microsoft.com/office/drawing/2010/main">
+                    <a14:imgLayer r:embed="rId4">
+                      <a14:imgEffect>
+                        <a14:backgroundRemoval t="10000" b="90000" l="10000" r="90000">
+                          <a14:foregroundMark x1="31641" y1="24089" x2="31641" y2="24089"/>
+                          <a14:foregroundMark x1="23828" y1="41536" x2="23828" y2="41536"/>
+                          <a14:foregroundMark x1="25651" y1="58854" x2="25651" y2="58854"/>
+                          <a14:foregroundMark x1="49349" y1="85026" x2="49349" y2="85026"/>
+                          <a14:foregroundMark x1="50911" y1="81120" x2="50911" y2="81120"/>
+                          <a14:foregroundMark x1="51172" y1="77604" x2="51172" y2="77604"/>
+                          <a14:foregroundMark x1="54688" y1="50781" x2="54688" y2="50781"/>
+                          <a14:foregroundMark x1="75260" y1="60286" x2="75260" y2="60286"/>
+                          <a14:foregroundMark x1="77344" y1="41276" x2="77344" y2="41276"/>
+                          <a14:foregroundMark x1="49089" y1="17448" x2="49089" y2="17448"/>
+                          <a14:foregroundMark x1="67318" y1="22786" x2="67318" y2="22786"/>
+                        </a14:backgroundRemoval>
+                      </a14:imgEffect>
+                    </a14:imgLayer>
+                  </a14:imgProps>
+                </a:ext>
+                <a:ext uri="{28A0092B-C50C-407E-A947-70E740481C1C}">
+                  <a14:useLocalDpi xmlns:a14="http://schemas.microsoft.com/office/drawing/2010/main" val="0"/>
+                </a:ext>
+              </a:extLst>
+            </a:blip>
+            <a:stretch>
+              <a:fillRect/>
+            </a:stretch>
+          </p:blipFill>
+          <p:spPr>
+            <a:xfrm>
+              <a:off x="579009" y="2653047"/>
+              <a:ext cx="1082899" cy="1082899"/>
+            </a:xfrm>
+            <a:prstGeom prst="rect">
+              <a:avLst/>
+            </a:prstGeom>
+          </p:spPr>
+        </p:pic>
+        <p:sp>
+          <p:nvSpPr>
+            <p:cNvPr id="38" name="TextBox 37">
+              <a:extLst>
+                <a:ext uri="{FF2B5EF4-FFF2-40B4-BE49-F238E27FC236}">
+                  <a16:creationId xmlns:a16="http://schemas.microsoft.com/office/drawing/2014/main" id="{E5D84946-38CA-388B-E923-A5C0381B2E23}"/>
+                </a:ext>
+              </a:extLst>
+            </p:cNvPr>
+            <p:cNvSpPr txBox="1"/>
+            <p:nvPr/>
+          </p:nvSpPr>
+          <p:spPr>
+            <a:xfrm>
+              <a:off x="112415" y="1476614"/>
+              <a:ext cx="2016086" cy="369332"/>
+            </a:xfrm>
+            <a:prstGeom prst="rect">
+              <a:avLst/>
+            </a:prstGeom>
+            <a:noFill/>
+          </p:spPr>
+          <p:txBody>
+            <a:bodyPr wrap="square" rtlCol="0">
+              <a:spAutoFit/>
+            </a:bodyPr>
+            <a:lstStyle/>
+            <a:p>
+              <a:pPr algn="ctr"/>
+              <a:r>
+                <a:rPr lang="en-US" dirty="0"/>
+                <a:t>Brainstorming</a:t>
+              </a:r>
+            </a:p>
+          </p:txBody>
+        </p:sp>
+        <p:sp>
+          <p:nvSpPr>
+            <p:cNvPr id="40" name="TextBox 39">
+              <a:extLst>
+                <a:ext uri="{FF2B5EF4-FFF2-40B4-BE49-F238E27FC236}">
+                  <a16:creationId xmlns:a16="http://schemas.microsoft.com/office/drawing/2014/main" id="{C14BCD1D-4AB2-4890-C19D-837A4A060578}"/>
+                </a:ext>
+              </a:extLst>
+            </p:cNvPr>
+            <p:cNvSpPr txBox="1"/>
+            <p:nvPr/>
+          </p:nvSpPr>
+          <p:spPr>
+            <a:xfrm>
+              <a:off x="112415" y="3918479"/>
+              <a:ext cx="2016086" cy="523220"/>
+            </a:xfrm>
+            <a:prstGeom prst="rect">
+              <a:avLst/>
+            </a:prstGeom>
+            <a:noFill/>
+          </p:spPr>
+          <p:txBody>
+            <a:bodyPr wrap="square" rtlCol="0">
+              <a:spAutoFit/>
+            </a:bodyPr>
+            <a:lstStyle/>
+            <a:p>
+              <a:pPr algn="ctr"/>
+              <a:r>
+                <a:rPr lang="en-US" sz="1400" dirty="0"/>
+                <a:t>Discussed options</a:t>
+              </a:r>
+            </a:p>
+            <a:p>
+              <a:pPr algn="ctr"/>
+              <a:r>
+                <a:rPr lang="en-US" sz="1400" dirty="0"/>
+                <a:t>Identified sources</a:t>
+              </a:r>
+            </a:p>
+          </p:txBody>
+        </p:sp>
+        <p:cxnSp>
+          <p:nvCxnSpPr>
+            <p:cNvPr id="57" name="Straight Connector 56">
+              <a:extLst>
+                <a:ext uri="{FF2B5EF4-FFF2-40B4-BE49-F238E27FC236}">
+                  <a16:creationId xmlns:a16="http://schemas.microsoft.com/office/drawing/2014/main" id="{3090500C-3B9A-12F0-4F39-C1E02A5C6D1C}"/>
+                </a:ext>
+              </a:extLst>
+            </p:cNvPr>
+            <p:cNvCxnSpPr>
+              <a:stCxn id="6" idx="0"/>
+              <a:endCxn id="38" idx="2"/>
+            </p:cNvCxnSpPr>
+            <p:nvPr/>
+          </p:nvCxnSpPr>
+          <p:spPr>
+            <a:xfrm flipH="1" flipV="1">
+              <a:off x="1120458" y="1845946"/>
+              <a:ext cx="2" cy="807101"/>
+            </a:xfrm>
+            <a:prstGeom prst="line">
+              <a:avLst/>
+            </a:prstGeom>
+            <a:ln w="28575"/>
+          </p:spPr>
+          <p:style>
+            <a:lnRef idx="1">
+              <a:schemeClr val="accent1"/>
+            </a:lnRef>
+            <a:fillRef idx="0">
+              <a:schemeClr val="accent1"/>
+            </a:fillRef>
+            <a:effectRef idx="0">
+              <a:schemeClr val="accent1"/>
+            </a:effectRef>
+            <a:fontRef idx="minor">
+              <a:schemeClr val="tx1"/>
+            </a:fontRef>
+          </p:style>
+        </p:cxnSp>
+      </p:grpSp>
+      <p:grpSp>
+        <p:nvGrpSpPr>
+          <p:cNvPr id="7" name="Group 6">
+            <a:extLst>
+              <a:ext uri="{FF2B5EF4-FFF2-40B4-BE49-F238E27FC236}">
+                <a16:creationId xmlns:a16="http://schemas.microsoft.com/office/drawing/2014/main" id="{4582DF00-CEA2-360C-CB56-898FB574624E}"/>
+              </a:ext>
+            </a:extLst>
+          </p:cNvPr>
+          <p:cNvGrpSpPr/>
+          <p:nvPr/>
+        </p:nvGrpSpPr>
+        <p:grpSpPr>
+          <a:xfrm>
+            <a:off x="1490455" y="1950268"/>
+            <a:ext cx="2073416" cy="2275988"/>
+            <a:chOff x="1490455" y="1950268"/>
+            <a:chExt cx="2073416" cy="2275988"/>
+          </a:xfrm>
+        </p:grpSpPr>
+        <p:grpSp>
+          <p:nvGrpSpPr>
+            <p:cNvPr id="3" name="Group 2">
+              <a:extLst>
+                <a:ext uri="{FF2B5EF4-FFF2-40B4-BE49-F238E27FC236}">
+                  <a16:creationId xmlns:a16="http://schemas.microsoft.com/office/drawing/2014/main" id="{CA7D99DB-CCAD-2C49-76BF-17E2F68C6F75}"/>
+                </a:ext>
+              </a:extLst>
+            </p:cNvPr>
+            <p:cNvGrpSpPr/>
+            <p:nvPr/>
+          </p:nvGrpSpPr>
+          <p:grpSpPr>
+            <a:xfrm>
+              <a:off x="1490455" y="1950268"/>
+              <a:ext cx="2073416" cy="2275988"/>
+              <a:chOff x="1490455" y="1950268"/>
+              <a:chExt cx="2073416" cy="2275988"/>
+            </a:xfrm>
+          </p:grpSpPr>
+          <p:sp>
+            <p:nvSpPr>
+              <p:cNvPr id="9" name="Oval 8">
+                <a:extLst>
+                  <a:ext uri="{FF2B5EF4-FFF2-40B4-BE49-F238E27FC236}">
+                    <a16:creationId xmlns:a16="http://schemas.microsoft.com/office/drawing/2014/main" id="{2395DE69-3D3A-EE6B-2C84-4ED77785897C}"/>
+                  </a:ext>
+                </a:extLst>
+              </p:cNvPr>
+              <p:cNvSpPr/>
+              <p:nvPr/>
+            </p:nvSpPr>
+            <p:spPr>
+              <a:xfrm>
+                <a:off x="1906070" y="2653047"/>
+                <a:ext cx="1184857" cy="1184857"/>
+              </a:xfrm>
+              <a:prstGeom prst="ellipse">
+                <a:avLst/>
+              </a:prstGeom>
+              <a:solidFill>
+                <a:schemeClr val="bg1"/>
+              </a:solidFill>
+              <a:ln w="57150">
+                <a:solidFill>
+                  <a:schemeClr val="accent1"/>
+                </a:solidFill>
+              </a:ln>
+            </p:spPr>
+            <p:style>
+              <a:lnRef idx="2">
+                <a:schemeClr val="accent1">
+                  <a:shade val="15000"/>
+                </a:schemeClr>
+              </a:lnRef>
+              <a:fillRef idx="1">
+                <a:schemeClr val="accent1"/>
+              </a:fillRef>
+              <a:effectRef idx="0">
+                <a:schemeClr val="accent1"/>
+              </a:effectRef>
+              <a:fontRef idx="minor">
+                <a:schemeClr val="lt1"/>
+              </a:fontRef>
+            </p:style>
+            <p:txBody>
+              <a:bodyPr rtlCol="0" anchor="ctr"/>
+              <a:lstStyle/>
+              <a:p>
+                <a:pPr algn="ctr"/>
+                <a:endParaRPr lang="en-US"/>
+              </a:p>
+            </p:txBody>
+          </p:sp>
+          <p:pic>
+            <p:nvPicPr>
+              <p:cNvPr id="23" name="Picture 22" descr="A black background with a black square&#10;&#10;Description automatically generated with medium confidence">
+                <a:extLst>
+                  <a:ext uri="{FF2B5EF4-FFF2-40B4-BE49-F238E27FC236}">
+                    <a16:creationId xmlns:a16="http://schemas.microsoft.com/office/drawing/2014/main" id="{1019F7BD-90EA-081C-73E1-795FCEAD63F4}"/>
+                  </a:ext>
+                </a:extLst>
+              </p:cNvPr>
+              <p:cNvPicPr>
+                <a:picLocks noChangeAspect="1"/>
+              </p:cNvPicPr>
+              <p:nvPr/>
+            </p:nvPicPr>
+            <p:blipFill>
+              <a:blip r:embed="rId5">
+                <a:extLst>
+                  <a:ext uri="{28A0092B-C50C-407E-A947-70E740481C1C}">
+                    <a14:useLocalDpi xmlns:a14="http://schemas.microsoft.com/office/drawing/2010/main" val="0"/>
+                  </a:ext>
+                </a:extLst>
+              </a:blip>
+              <a:stretch>
+                <a:fillRect/>
+              </a:stretch>
+            </p:blipFill>
+            <p:spPr>
+              <a:xfrm>
+                <a:off x="1970463" y="2653047"/>
+                <a:ext cx="1068680" cy="1068680"/>
+              </a:xfrm>
+              <a:prstGeom prst="rect">
+                <a:avLst/>
+              </a:prstGeom>
+            </p:spPr>
+          </p:pic>
+          <p:sp>
+            <p:nvSpPr>
+              <p:cNvPr id="39" name="TextBox 38">
+                <a:extLst>
+                  <a:ext uri="{FF2B5EF4-FFF2-40B4-BE49-F238E27FC236}">
+                    <a16:creationId xmlns:a16="http://schemas.microsoft.com/office/drawing/2014/main" id="{C01B3399-F4DA-E045-EE58-B09E6D5CF455}"/>
+                  </a:ext>
+                </a:extLst>
+              </p:cNvPr>
+              <p:cNvSpPr txBox="1"/>
+              <p:nvPr/>
+            </p:nvSpPr>
+            <p:spPr>
+              <a:xfrm>
+                <a:off x="1490455" y="1950268"/>
+                <a:ext cx="2016086" cy="369332"/>
+              </a:xfrm>
+              <a:prstGeom prst="rect">
+                <a:avLst/>
+              </a:prstGeom>
+              <a:noFill/>
+            </p:spPr>
+            <p:txBody>
+              <a:bodyPr wrap="square" rtlCol="0">
+                <a:spAutoFit/>
+              </a:bodyPr>
+              <a:lstStyle/>
+              <a:p>
+                <a:pPr algn="ctr"/>
+                <a:r>
+                  <a:rPr lang="en-US" dirty="0"/>
+                  <a:t>Track</a:t>
+                </a:r>
+              </a:p>
+            </p:txBody>
+          </p:sp>
+          <p:sp>
+            <p:nvSpPr>
+              <p:cNvPr id="42" name="TextBox 41">
+                <a:extLst>
+                  <a:ext uri="{FF2B5EF4-FFF2-40B4-BE49-F238E27FC236}">
+                    <a16:creationId xmlns:a16="http://schemas.microsoft.com/office/drawing/2014/main" id="{EA8856E3-980A-4398-1868-66C9B1E55319}"/>
+                  </a:ext>
+                </a:extLst>
+              </p:cNvPr>
+              <p:cNvSpPr txBox="1"/>
+              <p:nvPr/>
+            </p:nvSpPr>
+            <p:spPr>
+              <a:xfrm>
+                <a:off x="1547785" y="3918479"/>
+                <a:ext cx="2016086" cy="307777"/>
+              </a:xfrm>
+              <a:prstGeom prst="rect">
+                <a:avLst/>
+              </a:prstGeom>
+              <a:noFill/>
+            </p:spPr>
+            <p:txBody>
+              <a:bodyPr wrap="square" rtlCol="0">
+                <a:spAutoFit/>
+              </a:bodyPr>
+              <a:lstStyle/>
+              <a:p>
+                <a:pPr algn="ctr"/>
+                <a:r>
+                  <a:rPr lang="en-US" sz="1400" dirty="0"/>
+                  <a:t>Split work</a:t>
+                </a:r>
+              </a:p>
+            </p:txBody>
+          </p:sp>
+        </p:grpSp>
+        <p:cxnSp>
+          <p:nvCxnSpPr>
+            <p:cNvPr id="59" name="Straight Connector 58">
+              <a:extLst>
+                <a:ext uri="{FF2B5EF4-FFF2-40B4-BE49-F238E27FC236}">
+                  <a16:creationId xmlns:a16="http://schemas.microsoft.com/office/drawing/2014/main" id="{5A729603-9834-F806-9824-7E743038523C}"/>
+                </a:ext>
+              </a:extLst>
+            </p:cNvPr>
+            <p:cNvCxnSpPr>
+              <a:stCxn id="9" idx="0"/>
+              <a:endCxn id="39" idx="2"/>
+            </p:cNvCxnSpPr>
+            <p:nvPr/>
+          </p:nvCxnSpPr>
+          <p:spPr>
+            <a:xfrm flipH="1" flipV="1">
+              <a:off x="2498498" y="2319600"/>
+              <a:ext cx="1" cy="333447"/>
+            </a:xfrm>
+            <a:prstGeom prst="line">
+              <a:avLst/>
+            </a:prstGeom>
+            <a:ln w="28575"/>
+          </p:spPr>
+          <p:style>
+            <a:lnRef idx="1">
+              <a:schemeClr val="accent1"/>
+            </a:lnRef>
+            <a:fillRef idx="0">
+              <a:schemeClr val="accent1"/>
+            </a:fillRef>
+            <a:effectRef idx="0">
+              <a:schemeClr val="accent1"/>
+            </a:effectRef>
+            <a:fontRef idx="minor">
+              <a:schemeClr val="tx1"/>
+            </a:fontRef>
+          </p:style>
+        </p:cxnSp>
+      </p:grpSp>
+      <p:grpSp>
+        <p:nvGrpSpPr>
+          <p:cNvPr id="4" name="Group 3">
+            <a:extLst>
+              <a:ext uri="{FF2B5EF4-FFF2-40B4-BE49-F238E27FC236}">
+                <a16:creationId xmlns:a16="http://schemas.microsoft.com/office/drawing/2014/main" id="{1537E501-DBDF-2196-1D73-8E88DDA4D196}"/>
+              </a:ext>
+            </a:extLst>
+          </p:cNvPr>
+          <p:cNvGrpSpPr/>
+          <p:nvPr/>
+        </p:nvGrpSpPr>
+        <p:grpSpPr>
+          <a:xfrm>
+            <a:off x="2870222" y="1476614"/>
+            <a:ext cx="2037792" cy="3472243"/>
+            <a:chOff x="2870222" y="1476614"/>
+            <a:chExt cx="2037792" cy="3472243"/>
+          </a:xfrm>
+        </p:grpSpPr>
+        <p:sp>
+          <p:nvSpPr>
+            <p:cNvPr id="13" name="Oval 12">
+              <a:extLst>
+                <a:ext uri="{FF2B5EF4-FFF2-40B4-BE49-F238E27FC236}">
+                  <a16:creationId xmlns:a16="http://schemas.microsoft.com/office/drawing/2014/main" id="{49E72B49-506E-8BF1-059E-1006F25DF975}"/>
+                </a:ext>
+              </a:extLst>
+            </p:cNvPr>
+            <p:cNvSpPr/>
+            <p:nvPr/>
+          </p:nvSpPr>
+          <p:spPr>
+            <a:xfrm>
+              <a:off x="3284109" y="2653047"/>
+              <a:ext cx="1184857" cy="1184857"/>
+            </a:xfrm>
+            <a:prstGeom prst="ellipse">
+              <a:avLst/>
+            </a:prstGeom>
+            <a:solidFill>
+              <a:schemeClr val="bg1"/>
+            </a:solidFill>
+            <a:ln w="57150">
+              <a:solidFill>
+                <a:schemeClr val="accent1"/>
+              </a:solidFill>
+            </a:ln>
+          </p:spPr>
+          <p:style>
+            <a:lnRef idx="2">
+              <a:schemeClr val="accent1">
+                <a:shade val="15000"/>
+              </a:schemeClr>
+            </a:lnRef>
+            <a:fillRef idx="1">
+              <a:schemeClr val="accent1"/>
+            </a:fillRef>
+            <a:effectRef idx="0">
+              <a:schemeClr val="accent1"/>
+            </a:effectRef>
+            <a:fontRef idx="minor">
+              <a:schemeClr val="lt1"/>
+            </a:fontRef>
+          </p:style>
+          <p:txBody>
+            <a:bodyPr rtlCol="0" anchor="ctr"/>
+            <a:lstStyle/>
+            <a:p>
+              <a:pPr algn="ctr"/>
+              <a:endParaRPr lang="en-US"/>
+            </a:p>
+          </p:txBody>
+        </p:sp>
+        <p:pic>
+          <p:nvPicPr>
+            <p:cNvPr id="25" name="Picture 24" descr="A black background with a black square&#10;&#10;Description automatically generated with medium confidence">
+              <a:extLst>
+                <a:ext uri="{FF2B5EF4-FFF2-40B4-BE49-F238E27FC236}">
+                  <a16:creationId xmlns:a16="http://schemas.microsoft.com/office/drawing/2014/main" id="{4EDEF1B3-FAA8-A4E1-86AC-6035E68CFC50}"/>
+                </a:ext>
+              </a:extLst>
+            </p:cNvPr>
+            <p:cNvPicPr>
+              <a:picLocks noChangeAspect="1"/>
+            </p:cNvPicPr>
+            <p:nvPr/>
+          </p:nvPicPr>
+          <p:blipFill>
+            <a:blip r:embed="rId6">
+              <a:extLst>
+                <a:ext uri="{28A0092B-C50C-407E-A947-70E740481C1C}">
+                  <a14:useLocalDpi xmlns:a14="http://schemas.microsoft.com/office/drawing/2010/main" val="0"/>
+                </a:ext>
+              </a:extLst>
+            </a:blip>
+            <a:stretch>
+              <a:fillRect/>
+            </a:stretch>
+          </p:blipFill>
+          <p:spPr>
+            <a:xfrm>
+              <a:off x="3451534" y="2782104"/>
+              <a:ext cx="875764" cy="875764"/>
+            </a:xfrm>
+            <a:prstGeom prst="rect">
+              <a:avLst/>
+            </a:prstGeom>
+          </p:spPr>
+        </p:pic>
+        <p:sp>
+          <p:nvSpPr>
+            <p:cNvPr id="41" name="TextBox 40">
+              <a:extLst>
+                <a:ext uri="{FF2B5EF4-FFF2-40B4-BE49-F238E27FC236}">
+                  <a16:creationId xmlns:a16="http://schemas.microsoft.com/office/drawing/2014/main" id="{34EC574F-BD92-3B27-61A1-D1ECCC9A3AC0}"/>
+                </a:ext>
+              </a:extLst>
+            </p:cNvPr>
+            <p:cNvSpPr txBox="1"/>
+            <p:nvPr/>
+          </p:nvSpPr>
+          <p:spPr>
+            <a:xfrm>
+              <a:off x="2870222" y="1476614"/>
+              <a:ext cx="2016086" cy="369332"/>
+            </a:xfrm>
+            <a:prstGeom prst="rect">
+              <a:avLst/>
+            </a:prstGeom>
+            <a:noFill/>
+          </p:spPr>
+          <p:txBody>
+            <a:bodyPr wrap="square" rtlCol="0">
+              <a:spAutoFit/>
+            </a:bodyPr>
+            <a:lstStyle/>
+            <a:p>
+              <a:pPr algn="ctr"/>
+              <a:r>
+                <a:rPr lang="en-US" dirty="0"/>
+                <a:t>Extract</a:t>
+              </a:r>
+            </a:p>
+          </p:txBody>
+        </p:sp>
+        <p:sp>
+          <p:nvSpPr>
+            <p:cNvPr id="44" name="TextBox 43">
+              <a:extLst>
+                <a:ext uri="{FF2B5EF4-FFF2-40B4-BE49-F238E27FC236}">
+                  <a16:creationId xmlns:a16="http://schemas.microsoft.com/office/drawing/2014/main" id="{5CBEF804-D9AB-1CCA-B031-670120E13412}"/>
+                </a:ext>
+              </a:extLst>
+            </p:cNvPr>
+            <p:cNvSpPr txBox="1"/>
+            <p:nvPr/>
+          </p:nvSpPr>
+          <p:spPr>
+            <a:xfrm>
+              <a:off x="2891928" y="3917806"/>
+              <a:ext cx="2016086" cy="1031051"/>
+            </a:xfrm>
+            <a:prstGeom prst="rect">
+              <a:avLst/>
+            </a:prstGeom>
+            <a:noFill/>
+          </p:spPr>
+          <p:txBody>
+            <a:bodyPr wrap="square" rtlCol="0">
+              <a:spAutoFit/>
+            </a:bodyPr>
+            <a:lstStyle/>
+            <a:p>
+              <a:pPr algn="ctr"/>
+              <a:r>
+                <a:rPr lang="en-US" sz="1400" dirty="0"/>
+                <a:t>Web Scraping</a:t>
+              </a:r>
+            </a:p>
+            <a:p>
+              <a:pPr algn="ctr"/>
+              <a:r>
+                <a:rPr lang="en-US" sz="1100" dirty="0">
+                  <a:solidFill>
+                    <a:schemeClr val="accent1"/>
+                  </a:solidFill>
+                </a:rPr>
+                <a:t>US Navy</a:t>
+              </a:r>
+            </a:p>
+            <a:p>
+              <a:pPr algn="ctr"/>
+              <a:r>
+                <a:rPr lang="en-US" sz="1400" dirty="0"/>
+                <a:t>Download files</a:t>
+              </a:r>
+            </a:p>
+            <a:p>
+              <a:pPr algn="ctr"/>
+              <a:r>
+                <a:rPr lang="en-US" sz="1100" dirty="0">
+                  <a:solidFill>
+                    <a:schemeClr val="accent1"/>
+                  </a:solidFill>
+                </a:rPr>
+                <a:t>Open data DC</a:t>
+              </a:r>
+            </a:p>
+            <a:p>
+              <a:pPr algn="ctr"/>
+              <a:r>
+                <a:rPr lang="en-US" sz="1100" dirty="0">
+                  <a:solidFill>
+                    <a:schemeClr val="accent1"/>
+                  </a:solidFill>
+                </a:rPr>
+                <a:t>72k rows</a:t>
+              </a:r>
+            </a:p>
+          </p:txBody>
+        </p:sp>
+        <p:cxnSp>
+          <p:nvCxnSpPr>
+            <p:cNvPr id="61" name="Straight Connector 60">
+              <a:extLst>
+                <a:ext uri="{FF2B5EF4-FFF2-40B4-BE49-F238E27FC236}">
+                  <a16:creationId xmlns:a16="http://schemas.microsoft.com/office/drawing/2014/main" id="{392375F0-ABC4-69C0-3A68-1D7C3AA3B94A}"/>
+                </a:ext>
+              </a:extLst>
+            </p:cNvPr>
+            <p:cNvCxnSpPr>
+              <a:stCxn id="13" idx="0"/>
+              <a:endCxn id="41" idx="2"/>
+            </p:cNvCxnSpPr>
+            <p:nvPr/>
+          </p:nvCxnSpPr>
+          <p:spPr>
+            <a:xfrm flipV="1">
+              <a:off x="3876538" y="1845946"/>
+              <a:ext cx="1727" cy="807101"/>
+            </a:xfrm>
+            <a:prstGeom prst="line">
+              <a:avLst/>
+            </a:prstGeom>
+            <a:ln w="28575"/>
+          </p:spPr>
+          <p:style>
+            <a:lnRef idx="1">
+              <a:schemeClr val="accent1"/>
+            </a:lnRef>
+            <a:fillRef idx="0">
+              <a:schemeClr val="accent1"/>
+            </a:fillRef>
+            <a:effectRef idx="0">
+              <a:schemeClr val="accent1"/>
+            </a:effectRef>
+            <a:fontRef idx="minor">
+              <a:schemeClr val="tx1"/>
+            </a:fontRef>
+          </p:style>
+        </p:cxnSp>
+      </p:grpSp>
+      <p:grpSp>
+        <p:nvGrpSpPr>
+          <p:cNvPr id="10" name="Group 9">
+            <a:extLst>
+              <a:ext uri="{FF2B5EF4-FFF2-40B4-BE49-F238E27FC236}">
+                <a16:creationId xmlns:a16="http://schemas.microsoft.com/office/drawing/2014/main" id="{E5C45432-E8AB-DEA1-4E66-4A7F68EE7807}"/>
+              </a:ext>
+            </a:extLst>
+          </p:cNvPr>
+          <p:cNvGrpSpPr/>
+          <p:nvPr/>
+        </p:nvGrpSpPr>
+        <p:grpSpPr>
+          <a:xfrm>
+            <a:off x="4242571" y="1948430"/>
+            <a:ext cx="2100813" cy="2492596"/>
+            <a:chOff x="4242571" y="1948430"/>
+            <a:chExt cx="2100813" cy="2492596"/>
+          </a:xfrm>
+        </p:grpSpPr>
+        <p:sp>
+          <p:nvSpPr>
+            <p:cNvPr id="15" name="Oval 14">
+              <a:extLst>
+                <a:ext uri="{FF2B5EF4-FFF2-40B4-BE49-F238E27FC236}">
+                  <a16:creationId xmlns:a16="http://schemas.microsoft.com/office/drawing/2014/main" id="{1D1E1382-479F-CF48-5986-AB2949758E90}"/>
+                </a:ext>
+              </a:extLst>
+            </p:cNvPr>
+            <p:cNvSpPr/>
+            <p:nvPr/>
+          </p:nvSpPr>
+          <p:spPr>
+            <a:xfrm>
+              <a:off x="4662148" y="2653047"/>
+              <a:ext cx="1184857" cy="1184857"/>
+            </a:xfrm>
+            <a:prstGeom prst="ellipse">
+              <a:avLst/>
+            </a:prstGeom>
+            <a:solidFill>
+              <a:schemeClr val="bg1"/>
+            </a:solidFill>
+            <a:ln w="57150">
+              <a:solidFill>
+                <a:schemeClr val="accent1"/>
+              </a:solidFill>
+            </a:ln>
+          </p:spPr>
+          <p:style>
+            <a:lnRef idx="2">
+              <a:schemeClr val="accent1">
+                <a:shade val="15000"/>
+              </a:schemeClr>
+            </a:lnRef>
+            <a:fillRef idx="1">
+              <a:schemeClr val="accent1"/>
+            </a:fillRef>
+            <a:effectRef idx="0">
+              <a:schemeClr val="accent1"/>
+            </a:effectRef>
+            <a:fontRef idx="minor">
+              <a:schemeClr val="lt1"/>
+            </a:fontRef>
+          </p:style>
+          <p:txBody>
+            <a:bodyPr rtlCol="0" anchor="ctr"/>
+            <a:lstStyle/>
+            <a:p>
+              <a:pPr algn="ctr"/>
+              <a:endParaRPr lang="en-US"/>
+            </a:p>
+          </p:txBody>
+        </p:sp>
+        <p:pic>
+          <p:nvPicPr>
+            <p:cNvPr id="27" name="Picture 26" descr="A black background with a black square&#10;&#10;Description automatically generated with medium confidence">
+              <a:extLst>
+                <a:ext uri="{FF2B5EF4-FFF2-40B4-BE49-F238E27FC236}">
+                  <a16:creationId xmlns:a16="http://schemas.microsoft.com/office/drawing/2014/main" id="{C68344AF-C246-FDF8-0B1D-47ED362DD910}"/>
+                </a:ext>
+              </a:extLst>
+            </p:cNvPr>
+            <p:cNvPicPr>
+              <a:picLocks noChangeAspect="1"/>
+            </p:cNvPicPr>
+            <p:nvPr/>
+          </p:nvPicPr>
+          <p:blipFill>
+            <a:blip r:embed="rId7">
+              <a:extLst>
+                <a:ext uri="{28A0092B-C50C-407E-A947-70E740481C1C}">
+                  <a14:useLocalDpi xmlns:a14="http://schemas.microsoft.com/office/drawing/2010/main" val="0"/>
+                </a:ext>
+              </a:extLst>
+            </a:blip>
+            <a:stretch>
+              <a:fillRect/>
+            </a:stretch>
+          </p:blipFill>
+          <p:spPr>
+            <a:xfrm>
+              <a:off x="4808112" y="2764217"/>
+              <a:ext cx="963054" cy="963054"/>
+            </a:xfrm>
+            <a:prstGeom prst="rect">
+              <a:avLst/>
+            </a:prstGeom>
+          </p:spPr>
+        </p:pic>
+        <p:sp>
+          <p:nvSpPr>
+            <p:cNvPr id="45" name="TextBox 44">
+              <a:extLst>
+                <a:ext uri="{FF2B5EF4-FFF2-40B4-BE49-F238E27FC236}">
+                  <a16:creationId xmlns:a16="http://schemas.microsoft.com/office/drawing/2014/main" id="{39EEF172-530A-CD9E-2D74-5DFB5620B945}"/>
+                </a:ext>
+              </a:extLst>
+            </p:cNvPr>
+            <p:cNvSpPr txBox="1"/>
+            <p:nvPr/>
+          </p:nvSpPr>
+          <p:spPr>
+            <a:xfrm>
+              <a:off x="4327298" y="3917806"/>
+              <a:ext cx="2016086" cy="523220"/>
+            </a:xfrm>
+            <a:prstGeom prst="rect">
+              <a:avLst/>
+            </a:prstGeom>
+            <a:noFill/>
+          </p:spPr>
+          <p:txBody>
+            <a:bodyPr wrap="square" rtlCol="0">
+              <a:spAutoFit/>
+            </a:bodyPr>
+            <a:lstStyle/>
+            <a:p>
+              <a:pPr algn="ctr"/>
+              <a:r>
+                <a:rPr lang="en-US" sz="1400" dirty="0"/>
+                <a:t>Cleansing</a:t>
+              </a:r>
+            </a:p>
+            <a:p>
+              <a:pPr algn="ctr"/>
+              <a:r>
+                <a:rPr lang="en-US" sz="1400" dirty="0"/>
+                <a:t>Structuring </a:t>
+              </a:r>
+            </a:p>
+          </p:txBody>
+        </p:sp>
+        <p:sp>
+          <p:nvSpPr>
+            <p:cNvPr id="50" name="TextBox 49">
+              <a:extLst>
+                <a:ext uri="{FF2B5EF4-FFF2-40B4-BE49-F238E27FC236}">
+                  <a16:creationId xmlns:a16="http://schemas.microsoft.com/office/drawing/2014/main" id="{A6BEE7CE-2CFD-5DCB-9589-64773E0989D2}"/>
+                </a:ext>
+              </a:extLst>
+            </p:cNvPr>
+            <p:cNvSpPr txBox="1"/>
+            <p:nvPr/>
+          </p:nvSpPr>
+          <p:spPr>
+            <a:xfrm>
+              <a:off x="4242571" y="1948430"/>
+              <a:ext cx="2016086" cy="369332"/>
+            </a:xfrm>
+            <a:prstGeom prst="rect">
+              <a:avLst/>
+            </a:prstGeom>
+            <a:noFill/>
+          </p:spPr>
+          <p:txBody>
+            <a:bodyPr wrap="square" rtlCol="0">
+              <a:spAutoFit/>
+            </a:bodyPr>
+            <a:lstStyle/>
+            <a:p>
+              <a:pPr algn="ctr"/>
+              <a:r>
+                <a:rPr lang="en-US" dirty="0"/>
+                <a:t>Transform</a:t>
+              </a:r>
+            </a:p>
+          </p:txBody>
+        </p:sp>
+        <p:cxnSp>
+          <p:nvCxnSpPr>
+            <p:cNvPr id="63" name="Straight Connector 62">
+              <a:extLst>
+                <a:ext uri="{FF2B5EF4-FFF2-40B4-BE49-F238E27FC236}">
+                  <a16:creationId xmlns:a16="http://schemas.microsoft.com/office/drawing/2014/main" id="{E5B11DCC-C914-5F7C-A42A-EB473B727605}"/>
+                </a:ext>
+              </a:extLst>
+            </p:cNvPr>
+            <p:cNvCxnSpPr>
+              <a:stCxn id="15" idx="0"/>
+              <a:endCxn id="50" idx="2"/>
+            </p:cNvCxnSpPr>
+            <p:nvPr/>
+          </p:nvCxnSpPr>
+          <p:spPr>
+            <a:xfrm flipH="1" flipV="1">
+              <a:off x="5250614" y="2317762"/>
+              <a:ext cx="3963" cy="335285"/>
+            </a:xfrm>
+            <a:prstGeom prst="line">
+              <a:avLst/>
+            </a:prstGeom>
+            <a:ln w="28575"/>
+          </p:spPr>
+          <p:style>
+            <a:lnRef idx="1">
+              <a:schemeClr val="accent1"/>
+            </a:lnRef>
+            <a:fillRef idx="0">
+              <a:schemeClr val="accent1"/>
+            </a:fillRef>
+            <a:effectRef idx="0">
+              <a:schemeClr val="accent1"/>
+            </a:effectRef>
+            <a:fontRef idx="minor">
+              <a:schemeClr val="tx1"/>
+            </a:fontRef>
+          </p:style>
+        </p:cxnSp>
+      </p:grpSp>
+      <p:grpSp>
+        <p:nvGrpSpPr>
+          <p:cNvPr id="11" name="Group 10">
+            <a:extLst>
+              <a:ext uri="{FF2B5EF4-FFF2-40B4-BE49-F238E27FC236}">
+                <a16:creationId xmlns:a16="http://schemas.microsoft.com/office/drawing/2014/main" id="{09BD3645-552C-D803-BE7E-329D3E4CABEF}"/>
+              </a:ext>
+            </a:extLst>
+          </p:cNvPr>
+          <p:cNvGrpSpPr/>
+          <p:nvPr/>
+        </p:nvGrpSpPr>
+        <p:grpSpPr>
+          <a:xfrm>
+            <a:off x="5622338" y="1474776"/>
+            <a:ext cx="2051181" cy="2750786"/>
+            <a:chOff x="5622338" y="1474776"/>
+            <a:chExt cx="2051181" cy="2750786"/>
+          </a:xfrm>
+        </p:grpSpPr>
+        <p:sp>
+          <p:nvSpPr>
+            <p:cNvPr id="16" name="Oval 15">
+              <a:extLst>
+                <a:ext uri="{FF2B5EF4-FFF2-40B4-BE49-F238E27FC236}">
+                  <a16:creationId xmlns:a16="http://schemas.microsoft.com/office/drawing/2014/main" id="{35412564-582B-5E53-EBB7-2C8B90DD6B54}"/>
+                </a:ext>
+              </a:extLst>
+            </p:cNvPr>
+            <p:cNvSpPr/>
+            <p:nvPr/>
+          </p:nvSpPr>
+          <p:spPr>
+            <a:xfrm>
+              <a:off x="6040187" y="2653047"/>
+              <a:ext cx="1184857" cy="1184857"/>
+            </a:xfrm>
+            <a:prstGeom prst="ellipse">
+              <a:avLst/>
+            </a:prstGeom>
+            <a:solidFill>
+              <a:schemeClr val="bg1"/>
+            </a:solidFill>
+            <a:ln w="57150">
+              <a:solidFill>
+                <a:schemeClr val="accent1"/>
+              </a:solidFill>
+            </a:ln>
+          </p:spPr>
+          <p:style>
+            <a:lnRef idx="2">
+              <a:schemeClr val="accent1">
+                <a:shade val="15000"/>
+              </a:schemeClr>
+            </a:lnRef>
+            <a:fillRef idx="1">
+              <a:schemeClr val="accent1"/>
+            </a:fillRef>
+            <a:effectRef idx="0">
+              <a:schemeClr val="accent1"/>
+            </a:effectRef>
+            <a:fontRef idx="minor">
+              <a:schemeClr val="lt1"/>
+            </a:fontRef>
+          </p:style>
+          <p:txBody>
+            <a:bodyPr rtlCol="0" anchor="ctr"/>
+            <a:lstStyle/>
+            <a:p>
+              <a:pPr algn="ctr"/>
+              <a:endParaRPr lang="en-US"/>
+            </a:p>
+          </p:txBody>
+        </p:sp>
+        <p:pic>
+          <p:nvPicPr>
+            <p:cNvPr id="29" name="Picture 28" descr="A black and white logo&#10;&#10;Description automatically generated">
+              <a:extLst>
+                <a:ext uri="{FF2B5EF4-FFF2-40B4-BE49-F238E27FC236}">
+                  <a16:creationId xmlns:a16="http://schemas.microsoft.com/office/drawing/2014/main" id="{3F9387E6-0F7E-A43A-B4BE-CE9AAC719E89}"/>
+                </a:ext>
+              </a:extLst>
+            </p:cNvPr>
+            <p:cNvPicPr>
+              <a:picLocks noChangeAspect="1"/>
+            </p:cNvPicPr>
+            <p:nvPr/>
+          </p:nvPicPr>
+          <p:blipFill>
+            <a:blip r:embed="rId8">
+              <a:extLst>
+                <a:ext uri="{28A0092B-C50C-407E-A947-70E740481C1C}">
+                  <a14:useLocalDpi xmlns:a14="http://schemas.microsoft.com/office/drawing/2010/main" val="0"/>
+                </a:ext>
+              </a:extLst>
+            </a:blip>
+            <a:stretch>
+              <a:fillRect/>
+            </a:stretch>
+          </p:blipFill>
+          <p:spPr>
+            <a:xfrm>
+              <a:off x="6257643" y="2807592"/>
+              <a:ext cx="775702" cy="875765"/>
+            </a:xfrm>
+            <a:prstGeom prst="rect">
+              <a:avLst/>
+            </a:prstGeom>
+          </p:spPr>
+        </p:pic>
+        <p:sp>
+          <p:nvSpPr>
+            <p:cNvPr id="46" name="TextBox 45">
+              <a:extLst>
+                <a:ext uri="{FF2B5EF4-FFF2-40B4-BE49-F238E27FC236}">
+                  <a16:creationId xmlns:a16="http://schemas.microsoft.com/office/drawing/2014/main" id="{9ADDB4C1-8D1C-607D-B4E5-B4AE63266B42}"/>
+                </a:ext>
+              </a:extLst>
+            </p:cNvPr>
+            <p:cNvSpPr txBox="1"/>
+            <p:nvPr/>
+          </p:nvSpPr>
+          <p:spPr>
+            <a:xfrm>
+              <a:off x="5657433" y="3917785"/>
+              <a:ext cx="2016086" cy="307777"/>
+            </a:xfrm>
+            <a:prstGeom prst="rect">
+              <a:avLst/>
+            </a:prstGeom>
+            <a:noFill/>
+          </p:spPr>
+          <p:txBody>
+            <a:bodyPr wrap="square" rtlCol="0">
+              <a:spAutoFit/>
+            </a:bodyPr>
+            <a:lstStyle/>
+            <a:p>
+              <a:pPr algn="ctr"/>
+              <a:r>
+                <a:rPr lang="en-US" sz="1400" dirty="0"/>
+                <a:t>CSV files ready</a:t>
+              </a:r>
+            </a:p>
+          </p:txBody>
+        </p:sp>
+        <p:sp>
+          <p:nvSpPr>
+            <p:cNvPr id="51" name="TextBox 50">
+              <a:extLst>
+                <a:ext uri="{FF2B5EF4-FFF2-40B4-BE49-F238E27FC236}">
+                  <a16:creationId xmlns:a16="http://schemas.microsoft.com/office/drawing/2014/main" id="{13E97F25-33EF-F13A-A7DB-59C0441E3E53}"/>
+                </a:ext>
+              </a:extLst>
+            </p:cNvPr>
+            <p:cNvSpPr txBox="1"/>
+            <p:nvPr/>
+          </p:nvSpPr>
+          <p:spPr>
+            <a:xfrm>
+              <a:off x="5622338" y="1474776"/>
+              <a:ext cx="2016086" cy="369332"/>
+            </a:xfrm>
+            <a:prstGeom prst="rect">
+              <a:avLst/>
+            </a:prstGeom>
+            <a:noFill/>
+          </p:spPr>
+          <p:txBody>
+            <a:bodyPr wrap="square" rtlCol="0">
+              <a:spAutoFit/>
+            </a:bodyPr>
+            <a:lstStyle/>
+            <a:p>
+              <a:pPr algn="ctr"/>
+              <a:r>
+                <a:rPr lang="en-US" dirty="0"/>
+                <a:t>Export</a:t>
+              </a:r>
+            </a:p>
+          </p:txBody>
+        </p:sp>
+        <p:cxnSp>
+          <p:nvCxnSpPr>
+            <p:cNvPr id="65" name="Straight Connector 64">
+              <a:extLst>
+                <a:ext uri="{FF2B5EF4-FFF2-40B4-BE49-F238E27FC236}">
+                  <a16:creationId xmlns:a16="http://schemas.microsoft.com/office/drawing/2014/main" id="{882393A9-485E-5759-7089-CDDA82EF48BC}"/>
+                </a:ext>
+              </a:extLst>
+            </p:cNvPr>
+            <p:cNvCxnSpPr>
+              <a:stCxn id="16" idx="0"/>
+              <a:endCxn id="51" idx="2"/>
+            </p:cNvCxnSpPr>
+            <p:nvPr/>
+          </p:nvCxnSpPr>
+          <p:spPr>
+            <a:xfrm flipH="1" flipV="1">
+              <a:off x="6630381" y="1844108"/>
+              <a:ext cx="2235" cy="808939"/>
+            </a:xfrm>
+            <a:prstGeom prst="line">
+              <a:avLst/>
+            </a:prstGeom>
+            <a:ln w="28575"/>
+          </p:spPr>
+          <p:style>
+            <a:lnRef idx="1">
+              <a:schemeClr val="accent1"/>
+            </a:lnRef>
+            <a:fillRef idx="0">
+              <a:schemeClr val="accent1"/>
+            </a:fillRef>
+            <a:effectRef idx="0">
+              <a:schemeClr val="accent1"/>
+            </a:effectRef>
+            <a:fontRef idx="minor">
+              <a:schemeClr val="tx1"/>
+            </a:fontRef>
+          </p:style>
+        </p:cxnSp>
+      </p:grpSp>
+      <p:grpSp>
+        <p:nvGrpSpPr>
+          <p:cNvPr id="12" name="Group 11">
+            <a:extLst>
+              <a:ext uri="{FF2B5EF4-FFF2-40B4-BE49-F238E27FC236}">
+                <a16:creationId xmlns:a16="http://schemas.microsoft.com/office/drawing/2014/main" id="{3B4E16A8-18E6-20D2-D171-DF71F2F62BB1}"/>
+              </a:ext>
+            </a:extLst>
+          </p:cNvPr>
+          <p:cNvGrpSpPr/>
+          <p:nvPr/>
+        </p:nvGrpSpPr>
+        <p:grpSpPr>
+          <a:xfrm>
+            <a:off x="7007947" y="1948429"/>
+            <a:ext cx="2100942" cy="2492576"/>
+            <a:chOff x="7007947" y="1948429"/>
+            <a:chExt cx="2100942" cy="2492576"/>
+          </a:xfrm>
+        </p:grpSpPr>
+        <p:sp>
+          <p:nvSpPr>
+            <p:cNvPr id="18" name="Oval 17">
+              <a:extLst>
+                <a:ext uri="{FF2B5EF4-FFF2-40B4-BE49-F238E27FC236}">
+                  <a16:creationId xmlns:a16="http://schemas.microsoft.com/office/drawing/2014/main" id="{37B56FEA-4344-EEC7-21F8-001BAE1205FF}"/>
+                </a:ext>
+              </a:extLst>
+            </p:cNvPr>
+            <p:cNvSpPr/>
+            <p:nvPr/>
+          </p:nvSpPr>
+          <p:spPr>
+            <a:xfrm>
+              <a:off x="7418226" y="2653047"/>
+              <a:ext cx="1184857" cy="1184857"/>
+            </a:xfrm>
+            <a:prstGeom prst="ellipse">
+              <a:avLst/>
+            </a:prstGeom>
+            <a:solidFill>
+              <a:schemeClr val="bg1"/>
+            </a:solidFill>
+            <a:ln w="57150">
+              <a:solidFill>
+                <a:schemeClr val="accent1"/>
+              </a:solidFill>
+            </a:ln>
+          </p:spPr>
+          <p:style>
+            <a:lnRef idx="2">
+              <a:schemeClr val="accent1">
+                <a:shade val="15000"/>
+              </a:schemeClr>
+            </a:lnRef>
+            <a:fillRef idx="1">
+              <a:schemeClr val="accent1"/>
+            </a:fillRef>
+            <a:effectRef idx="0">
+              <a:schemeClr val="accent1"/>
+            </a:effectRef>
+            <a:fontRef idx="minor">
+              <a:schemeClr val="lt1"/>
+            </a:fontRef>
+          </p:style>
+          <p:txBody>
+            <a:bodyPr rtlCol="0" anchor="ctr"/>
+            <a:lstStyle/>
+            <a:p>
+              <a:pPr algn="ctr"/>
+              <a:endParaRPr lang="en-US"/>
+            </a:p>
+          </p:txBody>
+        </p:sp>
+        <p:pic>
+          <p:nvPicPr>
+            <p:cNvPr id="33" name="Picture 32" descr="A blue elephant with white outline&#10;&#10;Description automatically generated">
+              <a:extLst>
+                <a:ext uri="{FF2B5EF4-FFF2-40B4-BE49-F238E27FC236}">
+                  <a16:creationId xmlns:a16="http://schemas.microsoft.com/office/drawing/2014/main" id="{2351A012-33BC-CD7B-54DB-115ED2E87F2B}"/>
+                </a:ext>
+              </a:extLst>
+            </p:cNvPr>
+            <p:cNvPicPr>
+              <a:picLocks noChangeAspect="1"/>
+            </p:cNvPicPr>
+            <p:nvPr/>
+          </p:nvPicPr>
+          <p:blipFill>
+            <a:blip r:embed="rId9">
+              <a:extLst>
+                <a:ext uri="{28A0092B-C50C-407E-A947-70E740481C1C}">
+                  <a14:useLocalDpi xmlns:a14="http://schemas.microsoft.com/office/drawing/2010/main" val="0"/>
+                </a:ext>
+              </a:extLst>
+            </a:blip>
+            <a:stretch>
+              <a:fillRect/>
+            </a:stretch>
+          </p:blipFill>
+          <p:spPr>
+            <a:xfrm>
+              <a:off x="7563489" y="2842147"/>
+              <a:ext cx="873457" cy="900725"/>
+            </a:xfrm>
+            <a:prstGeom prst="rect">
+              <a:avLst/>
+            </a:prstGeom>
+          </p:spPr>
+        </p:pic>
+        <p:sp>
+          <p:nvSpPr>
+            <p:cNvPr id="47" name="TextBox 46">
+              <a:extLst>
+                <a:ext uri="{FF2B5EF4-FFF2-40B4-BE49-F238E27FC236}">
+                  <a16:creationId xmlns:a16="http://schemas.microsoft.com/office/drawing/2014/main" id="{4B05E72B-E1F0-0C8D-EE20-9F2A1C5E60B7}"/>
+                </a:ext>
+              </a:extLst>
+            </p:cNvPr>
+            <p:cNvSpPr txBox="1"/>
+            <p:nvPr/>
+          </p:nvSpPr>
+          <p:spPr>
+            <a:xfrm>
+              <a:off x="7092803" y="3917785"/>
+              <a:ext cx="2016086" cy="523220"/>
+            </a:xfrm>
+            <a:prstGeom prst="rect">
+              <a:avLst/>
+            </a:prstGeom>
+            <a:noFill/>
+          </p:spPr>
+          <p:txBody>
+            <a:bodyPr wrap="square" rtlCol="0">
+              <a:spAutoFit/>
+            </a:bodyPr>
+            <a:lstStyle/>
+            <a:p>
+              <a:pPr algn="ctr"/>
+              <a:r>
+                <a:rPr lang="en-US" sz="1400" dirty="0"/>
+                <a:t>Created DB</a:t>
+              </a:r>
+            </a:p>
+            <a:p>
+              <a:pPr algn="ctr"/>
+              <a:r>
+                <a:rPr lang="en-US" sz="1400" dirty="0"/>
+                <a:t>Prepared view</a:t>
+              </a:r>
+            </a:p>
+          </p:txBody>
+        </p:sp>
+        <p:sp>
+          <p:nvSpPr>
+            <p:cNvPr id="52" name="TextBox 51">
+              <a:extLst>
+                <a:ext uri="{FF2B5EF4-FFF2-40B4-BE49-F238E27FC236}">
+                  <a16:creationId xmlns:a16="http://schemas.microsoft.com/office/drawing/2014/main" id="{77FA6155-9F3D-DA2F-0C2B-1DE50ADAC0DC}"/>
+                </a:ext>
+              </a:extLst>
+            </p:cNvPr>
+            <p:cNvSpPr txBox="1"/>
+            <p:nvPr/>
+          </p:nvSpPr>
+          <p:spPr>
+            <a:xfrm>
+              <a:off x="7007947" y="1948429"/>
+              <a:ext cx="2016086" cy="369332"/>
+            </a:xfrm>
+            <a:prstGeom prst="rect">
+              <a:avLst/>
+            </a:prstGeom>
+            <a:noFill/>
+          </p:spPr>
+          <p:txBody>
+            <a:bodyPr wrap="square" rtlCol="0">
+              <a:spAutoFit/>
+            </a:bodyPr>
+            <a:lstStyle/>
+            <a:p>
+              <a:pPr algn="ctr"/>
+              <a:r>
+                <a:rPr lang="en-US" dirty="0"/>
+                <a:t>Load</a:t>
+              </a:r>
+            </a:p>
+          </p:txBody>
+        </p:sp>
+        <p:cxnSp>
+          <p:nvCxnSpPr>
+            <p:cNvPr id="67" name="Straight Connector 66">
+              <a:extLst>
+                <a:ext uri="{FF2B5EF4-FFF2-40B4-BE49-F238E27FC236}">
+                  <a16:creationId xmlns:a16="http://schemas.microsoft.com/office/drawing/2014/main" id="{9C75A528-692A-AA66-8D55-7EFBF51C6408}"/>
+                </a:ext>
+              </a:extLst>
+            </p:cNvPr>
+            <p:cNvCxnSpPr>
+              <a:stCxn id="18" idx="0"/>
+              <a:endCxn id="52" idx="2"/>
+            </p:cNvCxnSpPr>
+            <p:nvPr/>
+          </p:nvCxnSpPr>
+          <p:spPr>
+            <a:xfrm flipV="1">
+              <a:off x="8010655" y="2317761"/>
+              <a:ext cx="5335" cy="335286"/>
+            </a:xfrm>
+            <a:prstGeom prst="line">
+              <a:avLst/>
+            </a:prstGeom>
+            <a:ln w="28575"/>
+          </p:spPr>
+          <p:style>
+            <a:lnRef idx="1">
+              <a:schemeClr val="accent1"/>
+            </a:lnRef>
+            <a:fillRef idx="0">
+              <a:schemeClr val="accent1"/>
+            </a:fillRef>
+            <a:effectRef idx="0">
+              <a:schemeClr val="accent1"/>
+            </a:effectRef>
+            <a:fontRef idx="minor">
+              <a:schemeClr val="tx1"/>
+            </a:fontRef>
+          </p:style>
+        </p:cxnSp>
+      </p:grpSp>
+      <p:grpSp>
+        <p:nvGrpSpPr>
+          <p:cNvPr id="14" name="Group 13">
+            <a:extLst>
+              <a:ext uri="{FF2B5EF4-FFF2-40B4-BE49-F238E27FC236}">
+                <a16:creationId xmlns:a16="http://schemas.microsoft.com/office/drawing/2014/main" id="{FB739DF2-E80F-FE8A-C9FF-2BECFECAE84E}"/>
+              </a:ext>
+            </a:extLst>
+          </p:cNvPr>
+          <p:cNvGrpSpPr/>
+          <p:nvPr/>
+        </p:nvGrpSpPr>
+        <p:grpSpPr>
+          <a:xfrm>
+            <a:off x="8376563" y="1474775"/>
+            <a:ext cx="2076469" cy="2965557"/>
+            <a:chOff x="8376563" y="1474775"/>
+            <a:chExt cx="2076469" cy="2965557"/>
+          </a:xfrm>
+        </p:grpSpPr>
+        <p:sp>
+          <p:nvSpPr>
+            <p:cNvPr id="19" name="Oval 18">
+              <a:extLst>
+                <a:ext uri="{FF2B5EF4-FFF2-40B4-BE49-F238E27FC236}">
+                  <a16:creationId xmlns:a16="http://schemas.microsoft.com/office/drawing/2014/main" id="{CDFAE659-0187-695A-D518-F1B1192E1A95}"/>
+                </a:ext>
+              </a:extLst>
+            </p:cNvPr>
+            <p:cNvSpPr/>
+            <p:nvPr/>
+          </p:nvSpPr>
+          <p:spPr>
+            <a:xfrm>
+              <a:off x="8796265" y="2653047"/>
+              <a:ext cx="1184857" cy="1184857"/>
+            </a:xfrm>
+            <a:prstGeom prst="ellipse">
+              <a:avLst/>
+            </a:prstGeom>
+            <a:solidFill>
+              <a:schemeClr val="bg1"/>
+            </a:solidFill>
+            <a:ln w="57150">
+              <a:solidFill>
+                <a:schemeClr val="accent1"/>
+              </a:solidFill>
+            </a:ln>
+          </p:spPr>
+          <p:style>
+            <a:lnRef idx="2">
+              <a:schemeClr val="accent1">
+                <a:shade val="15000"/>
+              </a:schemeClr>
+            </a:lnRef>
+            <a:fillRef idx="1">
+              <a:schemeClr val="accent1"/>
+            </a:fillRef>
+            <a:effectRef idx="0">
+              <a:schemeClr val="accent1"/>
+            </a:effectRef>
+            <a:fontRef idx="minor">
+              <a:schemeClr val="lt1"/>
+            </a:fontRef>
+          </p:style>
+          <p:txBody>
+            <a:bodyPr rtlCol="0" anchor="ctr"/>
+            <a:lstStyle/>
+            <a:p>
+              <a:pPr algn="ctr"/>
+              <a:endParaRPr lang="en-US"/>
+            </a:p>
+          </p:txBody>
+        </p:sp>
+        <p:pic>
+          <p:nvPicPr>
+            <p:cNvPr id="35" name="Picture 34" descr="A blue and yellow snake logo&#10;&#10;Description automatically generated">
+              <a:extLst>
+                <a:ext uri="{FF2B5EF4-FFF2-40B4-BE49-F238E27FC236}">
+                  <a16:creationId xmlns:a16="http://schemas.microsoft.com/office/drawing/2014/main" id="{2A8F74C2-8CA2-8467-A924-FFD290B9F7E2}"/>
+                </a:ext>
+              </a:extLst>
+            </p:cNvPr>
+            <p:cNvPicPr>
+              <a:picLocks noChangeAspect="1"/>
+            </p:cNvPicPr>
+            <p:nvPr/>
+          </p:nvPicPr>
+          <p:blipFill>
+            <a:blip r:embed="rId10">
+              <a:extLst>
+                <a:ext uri="{BEBA8EAE-BF5A-486C-A8C5-ECC9F3942E4B}">
+                  <a14:imgProps xmlns:a14="http://schemas.microsoft.com/office/drawing/2010/main">
+                    <a14:imgLayer r:embed="rId11">
+                      <a14:imgEffect>
+                        <a14:backgroundRemoval t="7222" b="93667" l="5889" r="94556">
+                          <a14:foregroundMark x1="5889" y1="56667" x2="8333" y2="41111"/>
+                          <a14:foregroundMark x1="37111" y1="8222" x2="53556" y2="7556"/>
+                          <a14:foregroundMark x1="53556" y1="7556" x2="57000" y2="7556"/>
+                          <a14:foregroundMark x1="37444" y1="80444" x2="38000" y2="72667"/>
+                          <a14:foregroundMark x1="38000" y1="72667" x2="47889" y2="64444"/>
+                          <a14:foregroundMark x1="47889" y1="64444" x2="82778" y2="54222"/>
+                          <a14:foregroundMark x1="82778" y1="54222" x2="85111" y2="46667"/>
+                          <a14:foregroundMark x1="85111" y1="46667" x2="85333" y2="35222"/>
+                          <a14:foregroundMark x1="33889" y1="62667" x2="32222" y2="79333"/>
+                          <a14:foregroundMark x1="32222" y1="79333" x2="35889" y2="85556"/>
+                          <a14:foregroundMark x1="35889" y1="85556" x2="46778" y2="87111"/>
+                          <a14:foregroundMark x1="46778" y1="87111" x2="54556" y2="82222"/>
+                          <a14:foregroundMark x1="54556" y1="82222" x2="57444" y2="78889"/>
+                          <a14:foregroundMark x1="79556" y1="65222" x2="84222" y2="58000"/>
+                          <a14:foregroundMark x1="84222" y1="58000" x2="85667" y2="50222"/>
+                          <a14:foregroundMark x1="85667" y1="50222" x2="90778" y2="44333"/>
+                          <a14:foregroundMark x1="51889" y1="93667" x2="68000" y2="88889"/>
+                          <a14:foregroundMark x1="68000" y1="88889" x2="70000" y2="81778"/>
+                          <a14:foregroundMark x1="70000" y1="81778" x2="69889" y2="80333"/>
+                          <a14:foregroundMark x1="94556" y1="50111" x2="94444" y2="54111"/>
+                          <a14:foregroundMark x1="18000" y1="63889" x2="17556" y2="53889"/>
+                          <a14:foregroundMark x1="17556" y1="53889" x2="23111" y2="46000"/>
+                          <a14:foregroundMark x1="23111" y1="46000" x2="61333" y2="38889"/>
+                          <a14:foregroundMark x1="61333" y1="38889" x2="68778" y2="34111"/>
+                          <a14:foregroundMark x1="68778" y1="34111" x2="65889" y2="27000"/>
+                          <a14:foregroundMark x1="65889" y1="27000" x2="32111" y2="20889"/>
+                          <a14:foregroundMark x1="10778" y1="58000" x2="13778" y2="42889"/>
+                          <a14:foregroundMark x1="24778" y1="38556" x2="24778" y2="38556"/>
+                          <a14:foregroundMark x1="10889" y1="37444" x2="61556" y2="30889"/>
+                          <a14:foregroundMark x1="9444" y1="62333" x2="19889" y2="68111"/>
+                          <a14:foregroundMark x1="54778" y1="44444" x2="67111" y2="39556"/>
+                          <a14:foregroundMark x1="46111" y1="12333" x2="62667" y2="15778"/>
+                          <a14:foregroundMark x1="30333" y1="19000" x2="32111" y2="11667"/>
+                          <a14:foregroundMark x1="32111" y1="11667" x2="34000" y2="9444"/>
+                          <a14:foregroundMark x1="51889" y1="5667" x2="59000" y2="7222"/>
+                          <a14:foregroundMark x1="59000" y1="7222" x2="63667" y2="14222"/>
+                          <a14:foregroundMark x1="63667" y1="14222" x2="63778" y2="14778"/>
+                        </a14:backgroundRemoval>
+                      </a14:imgEffect>
+                    </a14:imgLayer>
+                  </a14:imgProps>
+                </a:ext>
+                <a:ext uri="{28A0092B-C50C-407E-A947-70E740481C1C}">
+                  <a14:useLocalDpi xmlns:a14="http://schemas.microsoft.com/office/drawing/2010/main" val="0"/>
+                </a:ext>
+              </a:extLst>
+            </a:blip>
+            <a:stretch>
+              <a:fillRect/>
+            </a:stretch>
+          </p:blipFill>
+          <p:spPr>
+            <a:xfrm>
+              <a:off x="8891438" y="2727019"/>
+              <a:ext cx="1008714" cy="1008714"/>
+            </a:xfrm>
+            <a:prstGeom prst="rect">
+              <a:avLst/>
+            </a:prstGeom>
+          </p:spPr>
+        </p:pic>
+        <p:sp>
+          <p:nvSpPr>
+            <p:cNvPr id="48" name="TextBox 47">
+              <a:extLst>
+                <a:ext uri="{FF2B5EF4-FFF2-40B4-BE49-F238E27FC236}">
+                  <a16:creationId xmlns:a16="http://schemas.microsoft.com/office/drawing/2014/main" id="{7FBECD1C-440F-AA98-FD92-C71C581EC550}"/>
+                </a:ext>
+              </a:extLst>
+            </p:cNvPr>
+            <p:cNvSpPr txBox="1"/>
+            <p:nvPr/>
+          </p:nvSpPr>
+          <p:spPr>
+            <a:xfrm>
+              <a:off x="8436946" y="3917112"/>
+              <a:ext cx="2016086" cy="523220"/>
+            </a:xfrm>
+            <a:prstGeom prst="rect">
+              <a:avLst/>
+            </a:prstGeom>
+            <a:noFill/>
+          </p:spPr>
+          <p:txBody>
+            <a:bodyPr wrap="square" rtlCol="0">
+              <a:spAutoFit/>
+            </a:bodyPr>
+            <a:lstStyle/>
+            <a:p>
+              <a:pPr algn="ctr"/>
+              <a:r>
+                <a:rPr lang="en-US" sz="1400" dirty="0"/>
+                <a:t>Read from DB</a:t>
+              </a:r>
+            </a:p>
+            <a:p>
+              <a:pPr algn="ctr"/>
+              <a:endParaRPr lang="en-US" sz="1400" dirty="0"/>
+            </a:p>
+          </p:txBody>
+        </p:sp>
+        <p:sp>
+          <p:nvSpPr>
+            <p:cNvPr id="53" name="TextBox 52">
+              <a:extLst>
+                <a:ext uri="{FF2B5EF4-FFF2-40B4-BE49-F238E27FC236}">
+                  <a16:creationId xmlns:a16="http://schemas.microsoft.com/office/drawing/2014/main" id="{15BF08EE-255C-5B02-BFA2-B5D0C5D6E0CC}"/>
+                </a:ext>
+              </a:extLst>
+            </p:cNvPr>
+            <p:cNvSpPr txBox="1"/>
+            <p:nvPr/>
+          </p:nvSpPr>
+          <p:spPr>
+            <a:xfrm>
+              <a:off x="8376563" y="1474775"/>
+              <a:ext cx="2016086" cy="369332"/>
+            </a:xfrm>
+            <a:prstGeom prst="rect">
+              <a:avLst/>
+            </a:prstGeom>
+            <a:noFill/>
+          </p:spPr>
+          <p:txBody>
+            <a:bodyPr wrap="square" rtlCol="0">
+              <a:spAutoFit/>
+            </a:bodyPr>
+            <a:lstStyle/>
+            <a:p>
+              <a:pPr algn="ctr"/>
+              <a:r>
+                <a:rPr lang="en-US" dirty="0"/>
+                <a:t>Data Manipulation</a:t>
+              </a:r>
+            </a:p>
+          </p:txBody>
+        </p:sp>
+        <p:cxnSp>
+          <p:nvCxnSpPr>
+            <p:cNvPr id="69" name="Straight Connector 68">
+              <a:extLst>
+                <a:ext uri="{FF2B5EF4-FFF2-40B4-BE49-F238E27FC236}">
+                  <a16:creationId xmlns:a16="http://schemas.microsoft.com/office/drawing/2014/main" id="{0CB9EE33-4FBE-D959-2D47-F2F024BD0BB6}"/>
+                </a:ext>
+              </a:extLst>
+            </p:cNvPr>
+            <p:cNvCxnSpPr>
+              <a:stCxn id="19" idx="0"/>
+              <a:endCxn id="53" idx="2"/>
+            </p:cNvCxnSpPr>
+            <p:nvPr/>
+          </p:nvCxnSpPr>
+          <p:spPr>
+            <a:xfrm flipH="1" flipV="1">
+              <a:off x="9384606" y="1844107"/>
+              <a:ext cx="4088" cy="808940"/>
+            </a:xfrm>
+            <a:prstGeom prst="line">
+              <a:avLst/>
+            </a:prstGeom>
+            <a:ln w="28575"/>
+          </p:spPr>
+          <p:style>
+            <a:lnRef idx="1">
+              <a:schemeClr val="accent1"/>
+            </a:lnRef>
+            <a:fillRef idx="0">
+              <a:schemeClr val="accent1"/>
+            </a:fillRef>
+            <a:effectRef idx="0">
+              <a:schemeClr val="accent1"/>
+            </a:effectRef>
+            <a:fontRef idx="minor">
+              <a:schemeClr val="tx1"/>
+            </a:fontRef>
+          </p:style>
+        </p:cxnSp>
+      </p:grpSp>
+      <p:grpSp>
+        <p:nvGrpSpPr>
+          <p:cNvPr id="17" name="Group 16">
+            <a:extLst>
+              <a:ext uri="{FF2B5EF4-FFF2-40B4-BE49-F238E27FC236}">
+                <a16:creationId xmlns:a16="http://schemas.microsoft.com/office/drawing/2014/main" id="{131CFC67-DC98-9E26-5417-3A5A6FBA22D8}"/>
+              </a:ext>
+            </a:extLst>
+          </p:cNvPr>
+          <p:cNvGrpSpPr/>
+          <p:nvPr/>
+        </p:nvGrpSpPr>
+        <p:grpSpPr>
+          <a:xfrm>
+            <a:off x="9760466" y="1946592"/>
+            <a:ext cx="2127936" cy="2493740"/>
+            <a:chOff x="9760466" y="1946592"/>
+            <a:chExt cx="2127936" cy="2493740"/>
+          </a:xfrm>
+        </p:grpSpPr>
+        <p:sp>
+          <p:nvSpPr>
+            <p:cNvPr id="21" name="Oval 20">
+              <a:extLst>
+                <a:ext uri="{FF2B5EF4-FFF2-40B4-BE49-F238E27FC236}">
+                  <a16:creationId xmlns:a16="http://schemas.microsoft.com/office/drawing/2014/main" id="{32DB9384-6FD9-3A59-A284-005CF77E7487}"/>
+                </a:ext>
+              </a:extLst>
+            </p:cNvPr>
+            <p:cNvSpPr/>
+            <p:nvPr/>
+          </p:nvSpPr>
+          <p:spPr>
+            <a:xfrm>
+              <a:off x="10174304" y="2653047"/>
+              <a:ext cx="1184857" cy="1184857"/>
+            </a:xfrm>
+            <a:prstGeom prst="ellipse">
+              <a:avLst/>
+            </a:prstGeom>
+            <a:solidFill>
+              <a:schemeClr val="bg1"/>
+            </a:solidFill>
+            <a:ln w="57150">
+              <a:solidFill>
+                <a:schemeClr val="accent1"/>
+              </a:solidFill>
+            </a:ln>
+          </p:spPr>
+          <p:style>
+            <a:lnRef idx="2">
+              <a:schemeClr val="accent1">
+                <a:shade val="15000"/>
+              </a:schemeClr>
+            </a:lnRef>
+            <a:fillRef idx="1">
+              <a:schemeClr val="accent1"/>
+            </a:fillRef>
+            <a:effectRef idx="0">
+              <a:schemeClr val="accent1"/>
+            </a:effectRef>
+            <a:fontRef idx="minor">
+              <a:schemeClr val="lt1"/>
+            </a:fontRef>
+          </p:style>
+          <p:txBody>
+            <a:bodyPr rtlCol="0" anchor="ctr"/>
+            <a:lstStyle/>
+            <a:p>
+              <a:pPr algn="ctr"/>
+              <a:endParaRPr lang="en-US"/>
+            </a:p>
+          </p:txBody>
+        </p:sp>
+        <p:pic>
+          <p:nvPicPr>
+            <p:cNvPr id="37" name="Picture 36" descr="A black graph with a arrow pointing up&#10;&#10;Description automatically generated">
+              <a:extLst>
+                <a:ext uri="{FF2B5EF4-FFF2-40B4-BE49-F238E27FC236}">
+                  <a16:creationId xmlns:a16="http://schemas.microsoft.com/office/drawing/2014/main" id="{E4E99B73-9A10-58D6-1AE3-617C32B7498A}"/>
+                </a:ext>
+              </a:extLst>
+            </p:cNvPr>
+            <p:cNvPicPr>
+              <a:picLocks noChangeAspect="1"/>
+            </p:cNvPicPr>
+            <p:nvPr/>
+          </p:nvPicPr>
+          <p:blipFill>
+            <a:blip r:embed="rId12">
+              <a:extLst>
+                <a:ext uri="{BEBA8EAE-BF5A-486C-A8C5-ECC9F3942E4B}">
+                  <a14:imgProps xmlns:a14="http://schemas.microsoft.com/office/drawing/2010/main">
+                    <a14:imgLayer r:embed="rId13">
+                      <a14:imgEffect>
+                        <a14:backgroundRemoval t="6923" b="90000" l="10000" r="90000">
+                          <a14:foregroundMark x1="34333" y1="41154" x2="34333" y2="41154"/>
+                          <a14:foregroundMark x1="53444" y1="61538" x2="53444" y2="61538"/>
+                          <a14:foregroundMark x1="38778" y1="74231" x2="38778" y2="74231"/>
+                          <a14:foregroundMark x1="62889" y1="6923" x2="62889" y2="6923"/>
+                        </a14:backgroundRemoval>
+                      </a14:imgEffect>
+                    </a14:imgLayer>
+                  </a14:imgProps>
+                </a:ext>
+                <a:ext uri="{28A0092B-C50C-407E-A947-70E740481C1C}">
+                  <a14:useLocalDpi xmlns:a14="http://schemas.microsoft.com/office/drawing/2010/main" val="0"/>
+                </a:ext>
+              </a:extLst>
+            </a:blip>
+            <a:stretch>
+              <a:fillRect/>
+            </a:stretch>
+          </p:blipFill>
+          <p:spPr>
+            <a:xfrm>
+              <a:off x="9944090" y="2792149"/>
+              <a:ext cx="1557872" cy="900104"/>
+            </a:xfrm>
+            <a:prstGeom prst="rect">
+              <a:avLst/>
+            </a:prstGeom>
+          </p:spPr>
+        </p:pic>
+        <p:sp>
+          <p:nvSpPr>
+            <p:cNvPr id="49" name="TextBox 48">
+              <a:extLst>
+                <a:ext uri="{FF2B5EF4-FFF2-40B4-BE49-F238E27FC236}">
+                  <a16:creationId xmlns:a16="http://schemas.microsoft.com/office/drawing/2014/main" id="{4C6E493B-FB5B-CA21-7500-CFAE6DA7ADC9}"/>
+                </a:ext>
+              </a:extLst>
+            </p:cNvPr>
+            <p:cNvSpPr txBox="1"/>
+            <p:nvPr/>
+          </p:nvSpPr>
+          <p:spPr>
+            <a:xfrm>
+              <a:off x="9872316" y="3917112"/>
+              <a:ext cx="2016086" cy="523220"/>
+            </a:xfrm>
+            <a:prstGeom prst="rect">
+              <a:avLst/>
+            </a:prstGeom>
+            <a:noFill/>
+          </p:spPr>
+          <p:txBody>
+            <a:bodyPr wrap="square" rtlCol="0">
+              <a:spAutoFit/>
+            </a:bodyPr>
+            <a:lstStyle/>
+            <a:p>
+              <a:pPr algn="ctr"/>
+              <a:r>
+                <a:rPr lang="en-US" sz="1400" dirty="0"/>
+                <a:t>Charts</a:t>
+              </a:r>
+            </a:p>
+            <a:p>
+              <a:pPr algn="ctr"/>
+              <a:r>
+                <a:rPr lang="en-US" sz="1400" dirty="0"/>
+                <a:t>Maps</a:t>
+              </a:r>
+            </a:p>
+          </p:txBody>
+        </p:sp>
+        <p:sp>
+          <p:nvSpPr>
+            <p:cNvPr id="54" name="TextBox 53">
+              <a:extLst>
+                <a:ext uri="{FF2B5EF4-FFF2-40B4-BE49-F238E27FC236}">
+                  <a16:creationId xmlns:a16="http://schemas.microsoft.com/office/drawing/2014/main" id="{9C717C5B-F13D-2099-47A1-97F50584743F}"/>
+                </a:ext>
+              </a:extLst>
+            </p:cNvPr>
+            <p:cNvSpPr txBox="1"/>
+            <p:nvPr/>
+          </p:nvSpPr>
+          <p:spPr>
+            <a:xfrm>
+              <a:off x="9760466" y="1946592"/>
+              <a:ext cx="2016086" cy="369332"/>
+            </a:xfrm>
+            <a:prstGeom prst="rect">
+              <a:avLst/>
+            </a:prstGeom>
+            <a:noFill/>
+          </p:spPr>
+          <p:txBody>
+            <a:bodyPr wrap="square" rtlCol="0">
+              <a:spAutoFit/>
+            </a:bodyPr>
+            <a:lstStyle/>
+            <a:p>
+              <a:pPr algn="ctr"/>
+              <a:r>
+                <a:rPr lang="en-US" dirty="0" err="1"/>
+                <a:t>Visualisations</a:t>
+              </a:r>
+              <a:endParaRPr lang="en-US" dirty="0"/>
+            </a:p>
+          </p:txBody>
+        </p:sp>
+        <p:cxnSp>
+          <p:nvCxnSpPr>
+            <p:cNvPr id="71" name="Straight Connector 70">
+              <a:extLst>
+                <a:ext uri="{FF2B5EF4-FFF2-40B4-BE49-F238E27FC236}">
+                  <a16:creationId xmlns:a16="http://schemas.microsoft.com/office/drawing/2014/main" id="{09493445-0251-E25A-C358-AF8B1E71197E}"/>
+                </a:ext>
+              </a:extLst>
+            </p:cNvPr>
+            <p:cNvCxnSpPr>
+              <a:stCxn id="21" idx="0"/>
+              <a:endCxn id="54" idx="2"/>
+            </p:cNvCxnSpPr>
+            <p:nvPr/>
+          </p:nvCxnSpPr>
+          <p:spPr>
+            <a:xfrm flipV="1">
+              <a:off x="10766733" y="2315924"/>
+              <a:ext cx="1776" cy="337123"/>
+            </a:xfrm>
+            <a:prstGeom prst="line">
+              <a:avLst/>
+            </a:prstGeom>
+            <a:ln w="28575"/>
+          </p:spPr>
+          <p:style>
+            <a:lnRef idx="1">
+              <a:schemeClr val="accent1"/>
+            </a:lnRef>
+            <a:fillRef idx="0">
+              <a:schemeClr val="accent1"/>
+            </a:fillRef>
+            <a:effectRef idx="0">
+              <a:schemeClr val="accent1"/>
+            </a:effectRef>
+            <a:fontRef idx="minor">
+              <a:schemeClr val="tx1"/>
+            </a:fontRef>
+          </p:style>
+        </p:cxnSp>
+      </p:grpSp>
+      <p:pic>
+        <p:nvPicPr>
+          <p:cNvPr id="28" name="Picture 27" descr="A black background with a black square&#10;&#10;Description automatically generated with medium confidence">
+            <a:extLst>
+              <a:ext uri="{FF2B5EF4-FFF2-40B4-BE49-F238E27FC236}">
+                <a16:creationId xmlns:a16="http://schemas.microsoft.com/office/drawing/2014/main" id="{0ED14C6F-A67B-91ED-797C-C7666E1DEE56}"/>
+              </a:ext>
+            </a:extLst>
+          </p:cNvPr>
+          <p:cNvPicPr>
+            <a:picLocks noChangeAspect="1"/>
+          </p:cNvPicPr>
+          <p:nvPr/>
+        </p:nvPicPr>
+        <p:blipFill>
+          <a:blip r:embed="rId14">
+            <a:extLst>
+              <a:ext uri="{28A0092B-C50C-407E-A947-70E740481C1C}">
+                <a14:useLocalDpi xmlns:a14="http://schemas.microsoft.com/office/drawing/2010/main" val="0"/>
+              </a:ext>
+            </a:extLst>
+          </a:blip>
+          <a:stretch>
+            <a:fillRect/>
+          </a:stretch>
+        </p:blipFill>
+        <p:spPr>
+          <a:xfrm>
+            <a:off x="10721788" y="217872"/>
+            <a:ext cx="1354882" cy="1354882"/>
+          </a:xfrm>
+          <a:prstGeom prst="rect">
+            <a:avLst/>
+          </a:prstGeom>
+        </p:spPr>
+      </p:pic>
+    </p:spTree>
+    <p:extLst>
+      <p:ext uri="{BB962C8B-B14F-4D97-AF65-F5344CB8AC3E}">
+        <p14:creationId xmlns:p14="http://schemas.microsoft.com/office/powerpoint/2010/main" val="3324882719"/>
+      </p:ext>
+    </p:extLst>
+  </p:cSld>
+  <p:clrMapOvr>
+    <a:masterClrMapping/>
+  </p:clrMapOvr>
+  <p:timing>
+    <p:tnLst>
+      <p:par>
+        <p:cTn id="1" dur="indefinite" restart="never" nodeType="tmRoot">
+          <p:childTnLst>
+            <p:seq concurrent="1" nextAc="seek">
+              <p:cTn id="2" dur="indefinite" nodeType="mainSeq">
+                <p:childTnLst>
+                  <p:par>
+                    <p:cTn id="3" fill="hold">
+                      <p:stCondLst>
+                        <p:cond delay="indefinite"/>
+                      </p:stCondLst>
+                      <p:childTnLst>
+                        <p:par>
+                          <p:cTn id="4" fill="hold">
+                            <p:stCondLst>
+                              <p:cond delay="0"/>
+                            </p:stCondLst>
+                            <p:childTnLst>
+                              <p:par>
+                                <p:cTn id="5" presetID="10" presetClass="entr" presetSubtype="0" fill="hold" nodeType="clickEffect">
+                                  <p:stCondLst>
+                                    <p:cond delay="0"/>
+                                  </p:stCondLst>
+                                  <p:childTnLst>
+                                    <p:set>
+                                      <p:cBhvr>
+                                        <p:cTn id="6" dur="1" fill="hold">
+                                          <p:stCondLst>
+                                            <p:cond delay="0"/>
+                                          </p:stCondLst>
+                                        </p:cTn>
+                                        <p:tgtEl>
+                                          <p:spTgt spid="2"/>
+                                        </p:tgtEl>
+                                        <p:attrNameLst>
+                                          <p:attrName>style.visibility</p:attrName>
+                                        </p:attrNameLst>
+                                      </p:cBhvr>
+                                      <p:to>
+                                        <p:strVal val="visible"/>
+                                      </p:to>
+                                    </p:set>
+                                    <p:animEffect transition="in" filter="fade">
+                                      <p:cBhvr>
+                                        <p:cTn id="7" dur="500"/>
+                                        <p:tgtEl>
+                                          <p:spTgt spid="2"/>
+                                        </p:tgtEl>
+                                      </p:cBhvr>
+                                    </p:animEffect>
+                                  </p:childTnLst>
+                                </p:cTn>
+                              </p:par>
+                            </p:childTnLst>
+                          </p:cTn>
+                        </p:par>
+                      </p:childTnLst>
+                    </p:cTn>
+                  </p:par>
+                  <p:par>
+                    <p:cTn id="8" fill="hold">
+                      <p:stCondLst>
+                        <p:cond delay="indefinite"/>
+                      </p:stCondLst>
+                      <p:childTnLst>
+                        <p:par>
+                          <p:cTn id="9" fill="hold">
+                            <p:stCondLst>
+                              <p:cond delay="0"/>
+                            </p:stCondLst>
+                            <p:childTnLst>
+                              <p:par>
+                                <p:cTn id="10" presetID="10" presetClass="entr" presetSubtype="0" fill="hold" nodeType="clickEffect">
+                                  <p:stCondLst>
+                                    <p:cond delay="0"/>
+                                  </p:stCondLst>
+                                  <p:childTnLst>
+                                    <p:set>
+                                      <p:cBhvr>
+                                        <p:cTn id="11" dur="1" fill="hold">
+                                          <p:stCondLst>
+                                            <p:cond delay="0"/>
+                                          </p:stCondLst>
+                                        </p:cTn>
+                                        <p:tgtEl>
+                                          <p:spTgt spid="7"/>
+                                        </p:tgtEl>
+                                        <p:attrNameLst>
+                                          <p:attrName>style.visibility</p:attrName>
+                                        </p:attrNameLst>
+                                      </p:cBhvr>
+                                      <p:to>
+                                        <p:strVal val="visible"/>
+                                      </p:to>
+                                    </p:set>
+                                    <p:animEffect transition="in" filter="fade">
+                                      <p:cBhvr>
+                                        <p:cTn id="12" dur="500"/>
+                                        <p:tgtEl>
+                                          <p:spTgt spid="7"/>
+                                        </p:tgtEl>
+                                      </p:cBhvr>
+                                    </p:animEffect>
+                                  </p:childTnLst>
+                                </p:cTn>
+                              </p:par>
+                            </p:childTnLst>
+                          </p:cTn>
+                        </p:par>
+                      </p:childTnLst>
+                    </p:cTn>
+                  </p:par>
+                  <p:par>
+                    <p:cTn id="13" fill="hold">
+                      <p:stCondLst>
+                        <p:cond delay="indefinite"/>
+                      </p:stCondLst>
+                      <p:childTnLst>
+                        <p:par>
+                          <p:cTn id="14" fill="hold">
+                            <p:stCondLst>
+                              <p:cond delay="0"/>
+                            </p:stCondLst>
+                            <p:childTnLst>
+                              <p:par>
+                                <p:cTn id="15" presetID="10" presetClass="entr" presetSubtype="0" fill="hold" nodeType="clickEffect">
+                                  <p:stCondLst>
+                                    <p:cond delay="0"/>
+                                  </p:stCondLst>
+                                  <p:childTnLst>
+                                    <p:set>
+                                      <p:cBhvr>
+                                        <p:cTn id="16" dur="1" fill="hold">
+                                          <p:stCondLst>
+                                            <p:cond delay="0"/>
+                                          </p:stCondLst>
+                                        </p:cTn>
+                                        <p:tgtEl>
+                                          <p:spTgt spid="4"/>
+                                        </p:tgtEl>
+                                        <p:attrNameLst>
+                                          <p:attrName>style.visibility</p:attrName>
+                                        </p:attrNameLst>
+                                      </p:cBhvr>
+                                      <p:to>
+                                        <p:strVal val="visible"/>
+                                      </p:to>
+                                    </p:set>
+                                    <p:animEffect transition="in" filter="fade">
+                                      <p:cBhvr>
+                                        <p:cTn id="17" dur="500"/>
+                                        <p:tgtEl>
+                                          <p:spTgt spid="4"/>
+                                        </p:tgtEl>
+                                      </p:cBhvr>
+                                    </p:animEffect>
+                                  </p:childTnLst>
+                                </p:cTn>
+                              </p:par>
+                            </p:childTnLst>
+                          </p:cTn>
+                        </p:par>
+                      </p:childTnLst>
+                    </p:cTn>
+                  </p:par>
+                  <p:par>
+                    <p:cTn id="18" fill="hold">
+                      <p:stCondLst>
+                        <p:cond delay="indefinite"/>
+                      </p:stCondLst>
+                      <p:childTnLst>
+                        <p:par>
+                          <p:cTn id="19" fill="hold">
+                            <p:stCondLst>
+                              <p:cond delay="0"/>
+                            </p:stCondLst>
+                            <p:childTnLst>
+                              <p:par>
+                                <p:cTn id="20" presetID="10" presetClass="entr" presetSubtype="0" fill="hold" nodeType="clickEffect">
+                                  <p:stCondLst>
+                                    <p:cond delay="0"/>
+                                  </p:stCondLst>
+                                  <p:childTnLst>
+                                    <p:set>
+                                      <p:cBhvr>
+                                        <p:cTn id="21" dur="1" fill="hold">
+                                          <p:stCondLst>
+                                            <p:cond delay="0"/>
+                                          </p:stCondLst>
+                                        </p:cTn>
+                                        <p:tgtEl>
+                                          <p:spTgt spid="10"/>
+                                        </p:tgtEl>
+                                        <p:attrNameLst>
+                                          <p:attrName>style.visibility</p:attrName>
+                                        </p:attrNameLst>
+                                      </p:cBhvr>
+                                      <p:to>
+                                        <p:strVal val="visible"/>
+                                      </p:to>
+                                    </p:set>
+                                    <p:animEffect transition="in" filter="fade">
+                                      <p:cBhvr>
+                                        <p:cTn id="22" dur="500"/>
+                                        <p:tgtEl>
+                                          <p:spTgt spid="10"/>
+                                        </p:tgtEl>
+                                      </p:cBhvr>
+                                    </p:animEffect>
+                                  </p:childTnLst>
+                                </p:cTn>
+                              </p:par>
+                            </p:childTnLst>
+                          </p:cTn>
+                        </p:par>
+                      </p:childTnLst>
+                    </p:cTn>
+                  </p:par>
+                  <p:par>
+                    <p:cTn id="23" fill="hold">
+                      <p:stCondLst>
+                        <p:cond delay="indefinite"/>
+                      </p:stCondLst>
+                      <p:childTnLst>
+                        <p:par>
+                          <p:cTn id="24" fill="hold">
+                            <p:stCondLst>
+                              <p:cond delay="0"/>
+                            </p:stCondLst>
+                            <p:childTnLst>
+                              <p:par>
+                                <p:cTn id="25" presetID="10" presetClass="entr" presetSubtype="0" fill="hold" nodeType="clickEffect">
+                                  <p:stCondLst>
+                                    <p:cond delay="0"/>
+                                  </p:stCondLst>
+                                  <p:childTnLst>
+                                    <p:set>
+                                      <p:cBhvr>
+                                        <p:cTn id="26" dur="1" fill="hold">
+                                          <p:stCondLst>
+                                            <p:cond delay="0"/>
+                                          </p:stCondLst>
+                                        </p:cTn>
+                                        <p:tgtEl>
+                                          <p:spTgt spid="11"/>
+                                        </p:tgtEl>
+                                        <p:attrNameLst>
+                                          <p:attrName>style.visibility</p:attrName>
+                                        </p:attrNameLst>
+                                      </p:cBhvr>
+                                      <p:to>
+                                        <p:strVal val="visible"/>
+                                      </p:to>
+                                    </p:set>
+                                    <p:animEffect transition="in" filter="fade">
+                                      <p:cBhvr>
+                                        <p:cTn id="27" dur="500"/>
+                                        <p:tgtEl>
+                                          <p:spTgt spid="11"/>
+                                        </p:tgtEl>
+                                      </p:cBhvr>
+                                    </p:animEffect>
+                                  </p:childTnLst>
+                                </p:cTn>
+                              </p:par>
+                            </p:childTnLst>
+                          </p:cTn>
+                        </p:par>
+                      </p:childTnLst>
+                    </p:cTn>
+                  </p:par>
+                  <p:par>
+                    <p:cTn id="28" fill="hold">
+                      <p:stCondLst>
+                        <p:cond delay="indefinite"/>
+                      </p:stCondLst>
+                      <p:childTnLst>
+                        <p:par>
+                          <p:cTn id="29" fill="hold">
+                            <p:stCondLst>
+                              <p:cond delay="0"/>
+                            </p:stCondLst>
+                            <p:childTnLst>
+                              <p:par>
+                                <p:cTn id="30" presetID="10" presetClass="entr" presetSubtype="0" fill="hold" nodeType="clickEffect">
+                                  <p:stCondLst>
+                                    <p:cond delay="0"/>
+                                  </p:stCondLst>
+                                  <p:childTnLst>
+                                    <p:set>
+                                      <p:cBhvr>
+                                        <p:cTn id="31" dur="1" fill="hold">
+                                          <p:stCondLst>
+                                            <p:cond delay="0"/>
+                                          </p:stCondLst>
+                                        </p:cTn>
+                                        <p:tgtEl>
+                                          <p:spTgt spid="12"/>
+                                        </p:tgtEl>
+                                        <p:attrNameLst>
+                                          <p:attrName>style.visibility</p:attrName>
+                                        </p:attrNameLst>
+                                      </p:cBhvr>
+                                      <p:to>
+                                        <p:strVal val="visible"/>
+                                      </p:to>
+                                    </p:set>
+                                    <p:animEffect transition="in" filter="fade">
+                                      <p:cBhvr>
+                                        <p:cTn id="32" dur="500"/>
+                                        <p:tgtEl>
+                                          <p:spTgt spid="12"/>
+                                        </p:tgtEl>
+                                      </p:cBhvr>
+                                    </p:animEffect>
+                                  </p:childTnLst>
+                                </p:cTn>
+                              </p:par>
+                            </p:childTnLst>
+                          </p:cTn>
+                        </p:par>
+                      </p:childTnLst>
+                    </p:cTn>
+                  </p:par>
+                  <p:par>
+                    <p:cTn id="33" fill="hold">
+                      <p:stCondLst>
+                        <p:cond delay="indefinite"/>
+                      </p:stCondLst>
+                      <p:childTnLst>
+                        <p:par>
+                          <p:cTn id="34" fill="hold">
+                            <p:stCondLst>
+                              <p:cond delay="0"/>
+                            </p:stCondLst>
+                            <p:childTnLst>
+                              <p:par>
+                                <p:cTn id="35" presetID="10" presetClass="entr" presetSubtype="0" fill="hold" nodeType="clickEffect">
+                                  <p:stCondLst>
+                                    <p:cond delay="0"/>
+                                  </p:stCondLst>
+                                  <p:childTnLst>
+                                    <p:set>
+                                      <p:cBhvr>
+                                        <p:cTn id="36" dur="1" fill="hold">
+                                          <p:stCondLst>
+                                            <p:cond delay="0"/>
+                                          </p:stCondLst>
+                                        </p:cTn>
+                                        <p:tgtEl>
+                                          <p:spTgt spid="14"/>
+                                        </p:tgtEl>
+                                        <p:attrNameLst>
+                                          <p:attrName>style.visibility</p:attrName>
+                                        </p:attrNameLst>
+                                      </p:cBhvr>
+                                      <p:to>
+                                        <p:strVal val="visible"/>
+                                      </p:to>
+                                    </p:set>
+                                    <p:animEffect transition="in" filter="fade">
+                                      <p:cBhvr>
+                                        <p:cTn id="37" dur="500"/>
+                                        <p:tgtEl>
+                                          <p:spTgt spid="14"/>
+                                        </p:tgtEl>
+                                      </p:cBhvr>
+                                    </p:animEffect>
+                                  </p:childTnLst>
+                                </p:cTn>
+                              </p:par>
+                            </p:childTnLst>
+                          </p:cTn>
+                        </p:par>
+                      </p:childTnLst>
+                    </p:cTn>
+                  </p:par>
+                  <p:par>
+                    <p:cTn id="38" fill="hold">
+                      <p:stCondLst>
+                        <p:cond delay="indefinite"/>
+                      </p:stCondLst>
+                      <p:childTnLst>
+                        <p:par>
+                          <p:cTn id="39" fill="hold">
+                            <p:stCondLst>
+                              <p:cond delay="0"/>
+                            </p:stCondLst>
+                            <p:childTnLst>
+                              <p:par>
+                                <p:cTn id="40" presetID="10" presetClass="entr" presetSubtype="0" fill="hold" nodeType="clickEffect">
+                                  <p:stCondLst>
+                                    <p:cond delay="0"/>
+                                  </p:stCondLst>
+                                  <p:childTnLst>
+                                    <p:set>
+                                      <p:cBhvr>
+                                        <p:cTn id="41" dur="1" fill="hold">
+                                          <p:stCondLst>
+                                            <p:cond delay="0"/>
+                                          </p:stCondLst>
+                                        </p:cTn>
+                                        <p:tgtEl>
+                                          <p:spTgt spid="17"/>
+                                        </p:tgtEl>
+                                        <p:attrNameLst>
+                                          <p:attrName>style.visibility</p:attrName>
+                                        </p:attrNameLst>
+                                      </p:cBhvr>
+                                      <p:to>
+                                        <p:strVal val="visible"/>
+                                      </p:to>
+                                    </p:set>
+                                    <p:animEffect transition="in" filter="fade">
+                                      <p:cBhvr>
+                                        <p:cTn id="42" dur="500"/>
+                                        <p:tgtEl>
+                                          <p:spTgt spid="17"/>
+                                        </p:tgtEl>
+                                      </p:cBhvr>
+                                    </p:animEffect>
+                                  </p:childTnLst>
+                                </p:cTn>
+                              </p:par>
+                            </p:childTnLst>
+                          </p:cTn>
+                        </p:par>
+                      </p:childTnLst>
+                    </p:cTn>
+                  </p:par>
+                </p:childTnLst>
+              </p:cTn>
+              <p:prevCondLst>
+                <p:cond evt="onPrev" delay="0">
+                  <p:tgtEl>
+                    <p:sldTgt/>
+                  </p:tgtEl>
+                </p:cond>
+              </p:prevCondLst>
+              <p:nextCondLst>
+                <p:cond evt="onNext" delay="0">
+                  <p:tgtEl>
+                    <p:sldTgt/>
+                  </p:tgtEl>
+                </p:cond>
+              </p:nextCondLst>
+            </p:seq>
+          </p:childTnLst>
+        </p:cTn>
+      </p:par>
+    </p:tnLst>
+  </p:timing>
+</p:sld>
+</file>
+
+<file path=ppt/slides/slide3.xml><?xml version="1.0" encoding="utf-8"?>
+<p:sld xmlns:a="http://schemas.openxmlformats.org/drawingml/2006/main" xmlns:r="http://schemas.openxmlformats.org/officeDocument/2006/relationships" xmlns:p="http://schemas.openxmlformats.org/presentationml/2006/main">
+  <p:cSld>
+    <p:spTree>
+      <p:nvGrpSpPr>
+        <p:cNvPr id="1" name=""/>
+        <p:cNvGrpSpPr/>
+        <p:nvPr/>
+      </p:nvGrpSpPr>
+      <p:grpSpPr>
+        <a:xfrm>
+          <a:off x="0" y="0"/>
+          <a:ext cx="0" cy="0"/>
+          <a:chOff x="0" y="0"/>
+          <a:chExt cx="0" cy="0"/>
+        </a:xfrm>
+      </p:grpSpPr>
+      <p:sp>
+        <p:nvSpPr>
+          <p:cNvPr id="55" name="TextBox 54">
+            <a:extLst>
+              <a:ext uri="{FF2B5EF4-FFF2-40B4-BE49-F238E27FC236}">
+                <a16:creationId xmlns:a16="http://schemas.microsoft.com/office/drawing/2014/main" id="{CA552226-48D1-031A-B09A-E439718A3C2E}"/>
+              </a:ext>
+            </a:extLst>
+          </p:cNvPr>
+          <p:cNvSpPr txBox="1"/>
+          <p:nvPr/>
+        </p:nvSpPr>
+        <p:spPr>
+          <a:xfrm>
+            <a:off x="283567" y="372093"/>
+            <a:ext cx="3959004" cy="523220"/>
+          </a:xfrm>
+          <a:prstGeom prst="rect">
+            <a:avLst/>
+          </a:prstGeom>
+          <a:noFill/>
+        </p:spPr>
+        <p:txBody>
+          <a:bodyPr wrap="square" rtlCol="0">
+            <a:spAutoFit/>
+          </a:bodyPr>
+          <a:lstStyle/>
+          <a:p>
+            <a:r>
+              <a:rPr lang="en-US" sz="2800" b="1" dirty="0"/>
+              <a:t>Before we go…</a:t>
+            </a:r>
+          </a:p>
+        </p:txBody>
+      </p:sp>
+      <p:sp>
+        <p:nvSpPr>
+          <p:cNvPr id="31" name="TextBox 30">
+            <a:extLst>
+              <a:ext uri="{FF2B5EF4-FFF2-40B4-BE49-F238E27FC236}">
+                <a16:creationId xmlns:a16="http://schemas.microsoft.com/office/drawing/2014/main" id="{3B748955-6AA0-D8B4-F4BF-9A5037A992F5}"/>
+              </a:ext>
+            </a:extLst>
+          </p:cNvPr>
+          <p:cNvSpPr txBox="1"/>
+          <p:nvPr/>
+        </p:nvSpPr>
+        <p:spPr>
+          <a:xfrm>
+            <a:off x="1631576" y="1327701"/>
+            <a:ext cx="9090212" cy="1077218"/>
+          </a:xfrm>
+          <a:prstGeom prst="rect">
+            <a:avLst/>
+          </a:prstGeom>
+          <a:noFill/>
+          <a:ln>
+            <a:solidFill>
+              <a:schemeClr val="accent1"/>
+            </a:solidFill>
+          </a:ln>
+        </p:spPr>
+        <p:txBody>
+          <a:bodyPr wrap="square">
+            <a:spAutoFit/>
+          </a:bodyPr>
+          <a:lstStyle/>
+          <a:p>
+            <a:pPr marL="457200" lvl="1" indent="0">
+              <a:spcAft>
+                <a:spcPts val="600"/>
+              </a:spcAft>
+              <a:buNone/>
+            </a:pPr>
+            <a:r>
+              <a:rPr lang="en-AU" dirty="0"/>
+              <a:t>		Open Data and Data integrity</a:t>
+            </a:r>
+          </a:p>
+          <a:p>
+            <a:pPr marL="457200" lvl="1" indent="0">
+              <a:spcAft>
+                <a:spcPts val="600"/>
+              </a:spcAft>
+              <a:buNone/>
+            </a:pPr>
+            <a:r>
+              <a:rPr lang="en-AU" dirty="0"/>
+              <a:t>		Utilizing multiple data sources to ensure unbiased conclusions</a:t>
+            </a:r>
+          </a:p>
+          <a:p>
+            <a:pPr marL="457200" lvl="1" indent="0">
+              <a:spcAft>
+                <a:spcPts val="600"/>
+              </a:spcAft>
+              <a:buNone/>
+            </a:pPr>
+            <a:r>
+              <a:rPr lang="en-AU" dirty="0"/>
+              <a:t>		Reference to several US Government websites for credible data </a:t>
+            </a:r>
+          </a:p>
+        </p:txBody>
+      </p:sp>
+      <p:sp>
+        <p:nvSpPr>
+          <p:cNvPr id="32" name="TextBox 31">
+            <a:extLst>
+              <a:ext uri="{FF2B5EF4-FFF2-40B4-BE49-F238E27FC236}">
+                <a16:creationId xmlns:a16="http://schemas.microsoft.com/office/drawing/2014/main" id="{DDB446DD-821D-9BDC-C388-26E745C00688}"/>
+              </a:ext>
+            </a:extLst>
+          </p:cNvPr>
+          <p:cNvSpPr txBox="1"/>
+          <p:nvPr/>
+        </p:nvSpPr>
+        <p:spPr>
+          <a:xfrm>
+            <a:off x="1631576" y="3057884"/>
+            <a:ext cx="9090212" cy="1077218"/>
+          </a:xfrm>
+          <a:prstGeom prst="rect">
+            <a:avLst/>
+          </a:prstGeom>
+          <a:noFill/>
+          <a:ln>
+            <a:solidFill>
+              <a:schemeClr val="accent1"/>
+            </a:solidFill>
+          </a:ln>
+        </p:spPr>
+        <p:txBody>
+          <a:bodyPr wrap="square">
+            <a:spAutoFit/>
+          </a:bodyPr>
+          <a:lstStyle/>
+          <a:p>
+            <a:pPr marL="457200" lvl="1" indent="0">
+              <a:spcAft>
+                <a:spcPts val="600"/>
+              </a:spcAft>
+              <a:buNone/>
+            </a:pPr>
+            <a:r>
+              <a:rPr lang="en-AU" dirty="0"/>
+              <a:t>		Seasonality of utility consumption in Washington D.C. area</a:t>
+            </a:r>
+          </a:p>
+          <a:p>
+            <a:pPr marL="457200" lvl="1" indent="0">
+              <a:spcAft>
+                <a:spcPts val="600"/>
+              </a:spcAft>
+              <a:buNone/>
+            </a:pPr>
+            <a:r>
+              <a:rPr lang="en-AU" dirty="0"/>
+              <a:t> </a:t>
+            </a:r>
+          </a:p>
+          <a:p>
+            <a:pPr marL="457200" lvl="1" indent="0">
+              <a:spcAft>
+                <a:spcPts val="600"/>
+              </a:spcAft>
+              <a:buNone/>
+            </a:pPr>
+            <a:r>
+              <a:rPr lang="en-AU" dirty="0"/>
+              <a:t>		Different types of lightening</a:t>
+            </a:r>
+          </a:p>
+        </p:txBody>
+      </p:sp>
+      <p:sp>
+        <p:nvSpPr>
+          <p:cNvPr id="34" name="TextBox 33">
+            <a:extLst>
+              <a:ext uri="{FF2B5EF4-FFF2-40B4-BE49-F238E27FC236}">
+                <a16:creationId xmlns:a16="http://schemas.microsoft.com/office/drawing/2014/main" id="{A8ACBC0E-20A2-C03C-D673-206E364B4775}"/>
+              </a:ext>
+            </a:extLst>
+          </p:cNvPr>
+          <p:cNvSpPr txBox="1"/>
+          <p:nvPr/>
+        </p:nvSpPr>
+        <p:spPr>
+          <a:xfrm>
+            <a:off x="1631576" y="4823933"/>
+            <a:ext cx="9090212" cy="1077218"/>
+          </a:xfrm>
+          <a:prstGeom prst="rect">
+            <a:avLst/>
+          </a:prstGeom>
+          <a:noFill/>
+          <a:ln>
+            <a:solidFill>
+              <a:schemeClr val="accent1"/>
+            </a:solidFill>
+          </a:ln>
+        </p:spPr>
+        <p:txBody>
+          <a:bodyPr wrap="square">
+            <a:spAutoFit/>
+          </a:bodyPr>
+          <a:lstStyle/>
+          <a:p>
+            <a:pPr marL="457200" lvl="1" indent="0">
+              <a:spcAft>
+                <a:spcPts val="600"/>
+              </a:spcAft>
+              <a:buNone/>
+            </a:pPr>
+            <a:r>
+              <a:rPr lang="en-AU" dirty="0"/>
+              <a:t>		Power industries</a:t>
+            </a:r>
+          </a:p>
+          <a:p>
+            <a:pPr marL="457200" lvl="1" indent="0">
+              <a:spcAft>
+                <a:spcPts val="600"/>
+              </a:spcAft>
+              <a:buNone/>
+            </a:pPr>
+            <a:r>
+              <a:rPr lang="en-AU" dirty="0"/>
+              <a:t>		Public maintenance services;</a:t>
+            </a:r>
+          </a:p>
+          <a:p>
+            <a:pPr marL="457200" lvl="1" indent="0">
+              <a:spcAft>
+                <a:spcPts val="600"/>
+              </a:spcAft>
+              <a:buNone/>
+            </a:pPr>
+            <a:r>
+              <a:rPr lang="en-AU" dirty="0"/>
+              <a:t>		Lighting manufacturing for strategic planning and operational efficiency. </a:t>
+            </a:r>
+          </a:p>
+        </p:txBody>
+      </p:sp>
+      <p:sp>
+        <p:nvSpPr>
+          <p:cNvPr id="43" name="Rectangle 42">
+            <a:extLst>
+              <a:ext uri="{FF2B5EF4-FFF2-40B4-BE49-F238E27FC236}">
+                <a16:creationId xmlns:a16="http://schemas.microsoft.com/office/drawing/2014/main" id="{1CA10A0C-21B5-7F59-E588-23F4907F6160}"/>
               </a:ext>
             </a:extLst>
           </p:cNvPr>
@@ -4562,19 +7282,14 @@
         </p:nvSpPr>
         <p:spPr>
           <a:xfrm>
-            <a:off x="528031" y="2653047"/>
-            <a:ext cx="1184857" cy="1184857"/>
+            <a:off x="995082" y="1255272"/>
+            <a:ext cx="2026024" cy="1218987"/>
           </a:xfrm>
-          <a:prstGeom prst="ellipse">
+          <a:prstGeom prst="rect">
             <a:avLst/>
           </a:prstGeom>
-          <a:solidFill>
-            <a:schemeClr val="bg1"/>
-          </a:solidFill>
-          <a:ln w="57150">
-            <a:solidFill>
-              <a:schemeClr val="accent1"/>
-            </a:solidFill>
+          <a:ln>
+            <a:noFill/>
           </a:ln>
         </p:spPr>
         <p:style>
@@ -4598,73 +7313,19 @@
           <a:lstStyle/>
           <a:p>
             <a:pPr algn="ctr"/>
-            <a:endParaRPr lang="en-US"/>
-          </a:p>
-        </p:txBody>
-      </p:sp>
-      <p:pic>
-        <p:nvPicPr>
-          <p:cNvPr id="8" name="Picture 7" descr="Light bulb logo lightbulb symbol, light bulb transparent background png clipart&#10;&#10;Description automatically generated">
+            <a:r>
+              <a:rPr lang="en-US" sz="2400" dirty="0"/>
+              <a:t>Ethics Considerations</a:t>
+            </a:r>
+          </a:p>
+        </p:txBody>
+      </p:sp>
+      <p:sp>
+        <p:nvSpPr>
+          <p:cNvPr id="56" name="Rectangle 55">
             <a:extLst>
               <a:ext uri="{FF2B5EF4-FFF2-40B4-BE49-F238E27FC236}">
-                <a16:creationId xmlns:a16="http://schemas.microsoft.com/office/drawing/2014/main" id="{01C092D9-C492-E02B-287C-F1F79F85243E}"/>
-              </a:ext>
-            </a:extLst>
-          </p:cNvPr>
-          <p:cNvPicPr>
-            <a:picLocks noChangeAspect="1"/>
-          </p:cNvPicPr>
-          <p:nvPr/>
-        </p:nvPicPr>
-        <p:blipFill>
-          <a:blip r:embed="rId3">
-            <a:extLst>
-              <a:ext uri="{BEBA8EAE-BF5A-486C-A8C5-ECC9F3942E4B}">
-                <a14:imgProps xmlns:a14="http://schemas.microsoft.com/office/drawing/2010/main">
-                  <a14:imgLayer r:embed="rId4">
-                    <a14:imgEffect>
-                      <a14:backgroundRemoval t="10000" b="90000" l="10000" r="90000">
-                        <a14:foregroundMark x1="31641" y1="24089" x2="31641" y2="24089"/>
-                        <a14:foregroundMark x1="23828" y1="41536" x2="23828" y2="41536"/>
-                        <a14:foregroundMark x1="25651" y1="58854" x2="25651" y2="58854"/>
-                        <a14:foregroundMark x1="49349" y1="85026" x2="49349" y2="85026"/>
-                        <a14:foregroundMark x1="50911" y1="81120" x2="50911" y2="81120"/>
-                        <a14:foregroundMark x1="51172" y1="77604" x2="51172" y2="77604"/>
-                        <a14:foregroundMark x1="54688" y1="50781" x2="54688" y2="50781"/>
-                        <a14:foregroundMark x1="75260" y1="60286" x2="75260" y2="60286"/>
-                        <a14:foregroundMark x1="77344" y1="41276" x2="77344" y2="41276"/>
-                        <a14:foregroundMark x1="49089" y1="17448" x2="49089" y2="17448"/>
-                        <a14:foregroundMark x1="67318" y1="22786" x2="67318" y2="22786"/>
-                      </a14:backgroundRemoval>
-                    </a14:imgEffect>
-                  </a14:imgLayer>
-                </a14:imgProps>
-              </a:ext>
-              <a:ext uri="{28A0092B-C50C-407E-A947-70E740481C1C}">
-                <a14:useLocalDpi xmlns:a14="http://schemas.microsoft.com/office/drawing/2010/main" val="0"/>
-              </a:ext>
-            </a:extLst>
-          </a:blip>
-          <a:stretch>
-            <a:fillRect/>
-          </a:stretch>
-        </p:blipFill>
-        <p:spPr>
-          <a:xfrm>
-            <a:off x="579009" y="2653047"/>
-            <a:ext cx="1082899" cy="1082899"/>
-          </a:xfrm>
-          <a:prstGeom prst="rect">
-            <a:avLst/>
-          </a:prstGeom>
-        </p:spPr>
-      </p:pic>
-      <p:sp>
-        <p:nvSpPr>
-          <p:cNvPr id="9" name="Oval 8">
-            <a:extLst>
-              <a:ext uri="{FF2B5EF4-FFF2-40B4-BE49-F238E27FC236}">
-                <a16:creationId xmlns:a16="http://schemas.microsoft.com/office/drawing/2014/main" id="{2395DE69-3D3A-EE6B-2C84-4ED77785897C}"/>
+                <a16:creationId xmlns:a16="http://schemas.microsoft.com/office/drawing/2014/main" id="{0776862E-25C5-3E30-1E2E-CE088F3F355D}"/>
               </a:ext>
             </a:extLst>
           </p:cNvPr>
@@ -4673,19 +7334,14 @@
         </p:nvSpPr>
         <p:spPr>
           <a:xfrm>
-            <a:off x="1906070" y="2653047"/>
-            <a:ext cx="1184857" cy="1184857"/>
+            <a:off x="995082" y="4741619"/>
+            <a:ext cx="2026024" cy="1218987"/>
           </a:xfrm>
-          <a:prstGeom prst="ellipse">
+          <a:prstGeom prst="rect">
             <a:avLst/>
           </a:prstGeom>
-          <a:solidFill>
-            <a:schemeClr val="bg1"/>
-          </a:solidFill>
-          <a:ln w="57150">
-            <a:solidFill>
-              <a:schemeClr val="accent1"/>
-            </a:solidFill>
+          <a:ln>
+            <a:noFill/>
           </a:ln>
         </p:spPr>
         <p:style>
@@ -4709,16 +7365,19 @@
           <a:lstStyle/>
           <a:p>
             <a:pPr algn="ctr"/>
-            <a:endParaRPr lang="en-US"/>
-          </a:p>
-        </p:txBody>
-      </p:sp>
-      <p:sp>
-        <p:nvSpPr>
-          <p:cNvPr id="13" name="Oval 12">
+            <a:r>
+              <a:rPr lang="en-US" sz="2400" dirty="0"/>
+              <a:t>Potential Targets</a:t>
+            </a:r>
+          </a:p>
+        </p:txBody>
+      </p:sp>
+      <p:sp>
+        <p:nvSpPr>
+          <p:cNvPr id="58" name="Rectangle 57">
             <a:extLst>
               <a:ext uri="{FF2B5EF4-FFF2-40B4-BE49-F238E27FC236}">
-                <a16:creationId xmlns:a16="http://schemas.microsoft.com/office/drawing/2014/main" id="{49E72B49-506E-8BF1-059E-1006F25DF975}"/>
+                <a16:creationId xmlns:a16="http://schemas.microsoft.com/office/drawing/2014/main" id="{6C21D596-9E36-51E5-20D4-412C945A0443}"/>
               </a:ext>
             </a:extLst>
           </p:cNvPr>
@@ -4727,19 +7386,14 @@
         </p:nvSpPr>
         <p:spPr>
           <a:xfrm>
-            <a:off x="3284109" y="2653047"/>
-            <a:ext cx="1184857" cy="1184857"/>
+            <a:off x="995082" y="2975832"/>
+            <a:ext cx="2026024" cy="1218987"/>
           </a:xfrm>
-          <a:prstGeom prst="ellipse">
+          <a:prstGeom prst="rect">
             <a:avLst/>
           </a:prstGeom>
-          <a:solidFill>
-            <a:schemeClr val="bg1"/>
-          </a:solidFill>
-          <a:ln w="57150">
-            <a:solidFill>
-              <a:schemeClr val="accent1"/>
-            </a:solidFill>
+          <a:ln>
+            <a:noFill/>
           </a:ln>
         </p:spPr>
         <p:style>
@@ -4763,286 +7417,19 @@
           <a:lstStyle/>
           <a:p>
             <a:pPr algn="ctr"/>
-            <a:endParaRPr lang="en-US"/>
-          </a:p>
-        </p:txBody>
-      </p:sp>
-      <p:sp>
-        <p:nvSpPr>
-          <p:cNvPr id="15" name="Oval 14">
+            <a:r>
+              <a:rPr lang="en-US" sz="2400" dirty="0"/>
+              <a:t>Insights</a:t>
+            </a:r>
+          </a:p>
+        </p:txBody>
+      </p:sp>
+      <p:pic>
+        <p:nvPicPr>
+          <p:cNvPr id="60" name="Picture 59" descr="A black background with a black square&#10;&#10;Description automatically generated with medium confidence">
             <a:extLst>
               <a:ext uri="{FF2B5EF4-FFF2-40B4-BE49-F238E27FC236}">
-                <a16:creationId xmlns:a16="http://schemas.microsoft.com/office/drawing/2014/main" id="{1D1E1382-479F-CF48-5986-AB2949758E90}"/>
-              </a:ext>
-            </a:extLst>
-          </p:cNvPr>
-          <p:cNvSpPr/>
-          <p:nvPr/>
-        </p:nvSpPr>
-        <p:spPr>
-          <a:xfrm>
-            <a:off x="4662148" y="2653047"/>
-            <a:ext cx="1184857" cy="1184857"/>
-          </a:xfrm>
-          <a:prstGeom prst="ellipse">
-            <a:avLst/>
-          </a:prstGeom>
-          <a:solidFill>
-            <a:schemeClr val="bg1"/>
-          </a:solidFill>
-          <a:ln w="57150">
-            <a:solidFill>
-              <a:schemeClr val="accent1"/>
-            </a:solidFill>
-          </a:ln>
-        </p:spPr>
-        <p:style>
-          <a:lnRef idx="2">
-            <a:schemeClr val="accent1">
-              <a:shade val="15000"/>
-            </a:schemeClr>
-          </a:lnRef>
-          <a:fillRef idx="1">
-            <a:schemeClr val="accent1"/>
-          </a:fillRef>
-          <a:effectRef idx="0">
-            <a:schemeClr val="accent1"/>
-          </a:effectRef>
-          <a:fontRef idx="minor">
-            <a:schemeClr val="lt1"/>
-          </a:fontRef>
-        </p:style>
-        <p:txBody>
-          <a:bodyPr rtlCol="0" anchor="ctr"/>
-          <a:lstStyle/>
-          <a:p>
-            <a:pPr algn="ctr"/>
-            <a:endParaRPr lang="en-US"/>
-          </a:p>
-        </p:txBody>
-      </p:sp>
-      <p:sp>
-        <p:nvSpPr>
-          <p:cNvPr id="16" name="Oval 15">
-            <a:extLst>
-              <a:ext uri="{FF2B5EF4-FFF2-40B4-BE49-F238E27FC236}">
-                <a16:creationId xmlns:a16="http://schemas.microsoft.com/office/drawing/2014/main" id="{35412564-582B-5E53-EBB7-2C8B90DD6B54}"/>
-              </a:ext>
-            </a:extLst>
-          </p:cNvPr>
-          <p:cNvSpPr/>
-          <p:nvPr/>
-        </p:nvSpPr>
-        <p:spPr>
-          <a:xfrm>
-            <a:off x="6040187" y="2653047"/>
-            <a:ext cx="1184857" cy="1184857"/>
-          </a:xfrm>
-          <a:prstGeom prst="ellipse">
-            <a:avLst/>
-          </a:prstGeom>
-          <a:solidFill>
-            <a:schemeClr val="bg1"/>
-          </a:solidFill>
-          <a:ln w="57150">
-            <a:solidFill>
-              <a:schemeClr val="accent1"/>
-            </a:solidFill>
-          </a:ln>
-        </p:spPr>
-        <p:style>
-          <a:lnRef idx="2">
-            <a:schemeClr val="accent1">
-              <a:shade val="15000"/>
-            </a:schemeClr>
-          </a:lnRef>
-          <a:fillRef idx="1">
-            <a:schemeClr val="accent1"/>
-          </a:fillRef>
-          <a:effectRef idx="0">
-            <a:schemeClr val="accent1"/>
-          </a:effectRef>
-          <a:fontRef idx="minor">
-            <a:schemeClr val="lt1"/>
-          </a:fontRef>
-        </p:style>
-        <p:txBody>
-          <a:bodyPr rtlCol="0" anchor="ctr"/>
-          <a:lstStyle/>
-          <a:p>
-            <a:pPr algn="ctr"/>
-            <a:endParaRPr lang="en-US"/>
-          </a:p>
-        </p:txBody>
-      </p:sp>
-      <p:sp>
-        <p:nvSpPr>
-          <p:cNvPr id="18" name="Oval 17">
-            <a:extLst>
-              <a:ext uri="{FF2B5EF4-FFF2-40B4-BE49-F238E27FC236}">
-                <a16:creationId xmlns:a16="http://schemas.microsoft.com/office/drawing/2014/main" id="{37B56FEA-4344-EEC7-21F8-001BAE1205FF}"/>
-              </a:ext>
-            </a:extLst>
-          </p:cNvPr>
-          <p:cNvSpPr/>
-          <p:nvPr/>
-        </p:nvSpPr>
-        <p:spPr>
-          <a:xfrm>
-            <a:off x="7418226" y="2653047"/>
-            <a:ext cx="1184857" cy="1184857"/>
-          </a:xfrm>
-          <a:prstGeom prst="ellipse">
-            <a:avLst/>
-          </a:prstGeom>
-          <a:solidFill>
-            <a:schemeClr val="bg1"/>
-          </a:solidFill>
-          <a:ln w="57150">
-            <a:solidFill>
-              <a:schemeClr val="accent1"/>
-            </a:solidFill>
-          </a:ln>
-        </p:spPr>
-        <p:style>
-          <a:lnRef idx="2">
-            <a:schemeClr val="accent1">
-              <a:shade val="15000"/>
-            </a:schemeClr>
-          </a:lnRef>
-          <a:fillRef idx="1">
-            <a:schemeClr val="accent1"/>
-          </a:fillRef>
-          <a:effectRef idx="0">
-            <a:schemeClr val="accent1"/>
-          </a:effectRef>
-          <a:fontRef idx="minor">
-            <a:schemeClr val="lt1"/>
-          </a:fontRef>
-        </p:style>
-        <p:txBody>
-          <a:bodyPr rtlCol="0" anchor="ctr"/>
-          <a:lstStyle/>
-          <a:p>
-            <a:pPr algn="ctr"/>
-            <a:endParaRPr lang="en-US"/>
-          </a:p>
-        </p:txBody>
-      </p:sp>
-      <p:sp>
-        <p:nvSpPr>
-          <p:cNvPr id="19" name="Oval 18">
-            <a:extLst>
-              <a:ext uri="{FF2B5EF4-FFF2-40B4-BE49-F238E27FC236}">
-                <a16:creationId xmlns:a16="http://schemas.microsoft.com/office/drawing/2014/main" id="{CDFAE659-0187-695A-D518-F1B1192E1A95}"/>
-              </a:ext>
-            </a:extLst>
-          </p:cNvPr>
-          <p:cNvSpPr/>
-          <p:nvPr/>
-        </p:nvSpPr>
-        <p:spPr>
-          <a:xfrm>
-            <a:off x="8796265" y="2653047"/>
-            <a:ext cx="1184857" cy="1184857"/>
-          </a:xfrm>
-          <a:prstGeom prst="ellipse">
-            <a:avLst/>
-          </a:prstGeom>
-          <a:solidFill>
-            <a:schemeClr val="bg1"/>
-          </a:solidFill>
-          <a:ln w="57150">
-            <a:solidFill>
-              <a:schemeClr val="accent1"/>
-            </a:solidFill>
-          </a:ln>
-        </p:spPr>
-        <p:style>
-          <a:lnRef idx="2">
-            <a:schemeClr val="accent1">
-              <a:shade val="15000"/>
-            </a:schemeClr>
-          </a:lnRef>
-          <a:fillRef idx="1">
-            <a:schemeClr val="accent1"/>
-          </a:fillRef>
-          <a:effectRef idx="0">
-            <a:schemeClr val="accent1"/>
-          </a:effectRef>
-          <a:fontRef idx="minor">
-            <a:schemeClr val="lt1"/>
-          </a:fontRef>
-        </p:style>
-        <p:txBody>
-          <a:bodyPr rtlCol="0" anchor="ctr"/>
-          <a:lstStyle/>
-          <a:p>
-            <a:pPr algn="ctr"/>
-            <a:endParaRPr lang="en-US"/>
-          </a:p>
-        </p:txBody>
-      </p:sp>
-      <p:sp>
-        <p:nvSpPr>
-          <p:cNvPr id="21" name="Oval 20">
-            <a:extLst>
-              <a:ext uri="{FF2B5EF4-FFF2-40B4-BE49-F238E27FC236}">
-                <a16:creationId xmlns:a16="http://schemas.microsoft.com/office/drawing/2014/main" id="{32DB9384-6FD9-3A59-A284-005CF77E7487}"/>
-              </a:ext>
-            </a:extLst>
-          </p:cNvPr>
-          <p:cNvSpPr/>
-          <p:nvPr/>
-        </p:nvSpPr>
-        <p:spPr>
-          <a:xfrm>
-            <a:off x="10174304" y="2653047"/>
-            <a:ext cx="1184857" cy="1184857"/>
-          </a:xfrm>
-          <a:prstGeom prst="ellipse">
-            <a:avLst/>
-          </a:prstGeom>
-          <a:solidFill>
-            <a:schemeClr val="bg1"/>
-          </a:solidFill>
-          <a:ln w="57150">
-            <a:solidFill>
-              <a:schemeClr val="accent1"/>
-            </a:solidFill>
-          </a:ln>
-        </p:spPr>
-        <p:style>
-          <a:lnRef idx="2">
-            <a:schemeClr val="accent1">
-              <a:shade val="15000"/>
-            </a:schemeClr>
-          </a:lnRef>
-          <a:fillRef idx="1">
-            <a:schemeClr val="accent1"/>
-          </a:fillRef>
-          <a:effectRef idx="0">
-            <a:schemeClr val="accent1"/>
-          </a:effectRef>
-          <a:fontRef idx="minor">
-            <a:schemeClr val="lt1"/>
-          </a:fontRef>
-        </p:style>
-        <p:txBody>
-          <a:bodyPr rtlCol="0" anchor="ctr"/>
-          <a:lstStyle/>
-          <a:p>
-            <a:pPr algn="ctr"/>
-            <a:endParaRPr lang="en-US"/>
-          </a:p>
-        </p:txBody>
-      </p:sp>
-      <p:pic>
-        <p:nvPicPr>
-          <p:cNvPr id="23" name="Picture 22" descr="A black background with a black square&#10;&#10;Description automatically generated with medium confidence">
-            <a:extLst>
-              <a:ext uri="{FF2B5EF4-FFF2-40B4-BE49-F238E27FC236}">
-                <a16:creationId xmlns:a16="http://schemas.microsoft.com/office/drawing/2014/main" id="{1019F7BD-90EA-081C-73E1-795FCEAD63F4}"/>
+                <a16:creationId xmlns:a16="http://schemas.microsoft.com/office/drawing/2014/main" id="{07AD7C15-F519-42E2-0891-1129E3BA2341}"/>
               </a:ext>
             </a:extLst>
           </p:cNvPr>
@@ -5052,7 +7439,7 @@
           <p:nvPr/>
         </p:nvPicPr>
         <p:blipFill>
-          <a:blip r:embed="rId5">
+          <a:blip r:embed="rId3">
             <a:extLst>
               <a:ext uri="{28A0092B-C50C-407E-A947-70E740481C1C}">
                 <a14:useLocalDpi xmlns:a14="http://schemas.microsoft.com/office/drawing/2010/main" val="0"/>
@@ -5065,1259 +7452,18 @@
         </p:blipFill>
         <p:spPr>
           <a:xfrm>
-            <a:off x="1970463" y="2653047"/>
-            <a:ext cx="1068680" cy="1068680"/>
+            <a:off x="10721788" y="217872"/>
+            <a:ext cx="1354882" cy="1354882"/>
           </a:xfrm>
           <a:prstGeom prst="rect">
             <a:avLst/>
           </a:prstGeom>
         </p:spPr>
       </p:pic>
-      <p:pic>
-        <p:nvPicPr>
-          <p:cNvPr id="25" name="Picture 24" descr="A black background with a black square&#10;&#10;Description automatically generated with medium confidence">
-            <a:extLst>
-              <a:ext uri="{FF2B5EF4-FFF2-40B4-BE49-F238E27FC236}">
-                <a16:creationId xmlns:a16="http://schemas.microsoft.com/office/drawing/2014/main" id="{4EDEF1B3-FAA8-A4E1-86AC-6035E68CFC50}"/>
-              </a:ext>
-            </a:extLst>
-          </p:cNvPr>
-          <p:cNvPicPr>
-            <a:picLocks noChangeAspect="1"/>
-          </p:cNvPicPr>
-          <p:nvPr/>
-        </p:nvPicPr>
-        <p:blipFill>
-          <a:blip r:embed="rId6">
-            <a:extLst>
-              <a:ext uri="{28A0092B-C50C-407E-A947-70E740481C1C}">
-                <a14:useLocalDpi xmlns:a14="http://schemas.microsoft.com/office/drawing/2010/main" val="0"/>
-              </a:ext>
-            </a:extLst>
-          </a:blip>
-          <a:stretch>
-            <a:fillRect/>
-          </a:stretch>
-        </p:blipFill>
-        <p:spPr>
-          <a:xfrm>
-            <a:off x="3451534" y="2782104"/>
-            <a:ext cx="875764" cy="875764"/>
-          </a:xfrm>
-          <a:prstGeom prst="rect">
-            <a:avLst/>
-          </a:prstGeom>
-        </p:spPr>
-      </p:pic>
-      <p:pic>
-        <p:nvPicPr>
-          <p:cNvPr id="27" name="Picture 26" descr="A black background with a black square&#10;&#10;Description automatically generated with medium confidence">
-            <a:extLst>
-              <a:ext uri="{FF2B5EF4-FFF2-40B4-BE49-F238E27FC236}">
-                <a16:creationId xmlns:a16="http://schemas.microsoft.com/office/drawing/2014/main" id="{C68344AF-C246-FDF8-0B1D-47ED362DD910}"/>
-              </a:ext>
-            </a:extLst>
-          </p:cNvPr>
-          <p:cNvPicPr>
-            <a:picLocks noChangeAspect="1"/>
-          </p:cNvPicPr>
-          <p:nvPr/>
-        </p:nvPicPr>
-        <p:blipFill>
-          <a:blip r:embed="rId7">
-            <a:extLst>
-              <a:ext uri="{28A0092B-C50C-407E-A947-70E740481C1C}">
-                <a14:useLocalDpi xmlns:a14="http://schemas.microsoft.com/office/drawing/2010/main" val="0"/>
-              </a:ext>
-            </a:extLst>
-          </a:blip>
-          <a:stretch>
-            <a:fillRect/>
-          </a:stretch>
-        </p:blipFill>
-        <p:spPr>
-          <a:xfrm>
-            <a:off x="4808112" y="2764217"/>
-            <a:ext cx="963054" cy="963054"/>
-          </a:xfrm>
-          <a:prstGeom prst="rect">
-            <a:avLst/>
-          </a:prstGeom>
-        </p:spPr>
-      </p:pic>
-      <p:pic>
-        <p:nvPicPr>
-          <p:cNvPr id="29" name="Picture 28" descr="A black and white logo&#10;&#10;Description automatically generated">
-            <a:extLst>
-              <a:ext uri="{FF2B5EF4-FFF2-40B4-BE49-F238E27FC236}">
-                <a16:creationId xmlns:a16="http://schemas.microsoft.com/office/drawing/2014/main" id="{3F9387E6-0F7E-A43A-B4BE-CE9AAC719E89}"/>
-              </a:ext>
-            </a:extLst>
-          </p:cNvPr>
-          <p:cNvPicPr>
-            <a:picLocks noChangeAspect="1"/>
-          </p:cNvPicPr>
-          <p:nvPr/>
-        </p:nvPicPr>
-        <p:blipFill>
-          <a:blip r:embed="rId8">
-            <a:extLst>
-              <a:ext uri="{28A0092B-C50C-407E-A947-70E740481C1C}">
-                <a14:useLocalDpi xmlns:a14="http://schemas.microsoft.com/office/drawing/2010/main" val="0"/>
-              </a:ext>
-            </a:extLst>
-          </a:blip>
-          <a:stretch>
-            <a:fillRect/>
-          </a:stretch>
-        </p:blipFill>
-        <p:spPr>
-          <a:xfrm>
-            <a:off x="6257643" y="2807592"/>
-            <a:ext cx="775702" cy="875765"/>
-          </a:xfrm>
-          <a:prstGeom prst="rect">
-            <a:avLst/>
-          </a:prstGeom>
-        </p:spPr>
-      </p:pic>
-      <p:pic>
-        <p:nvPicPr>
-          <p:cNvPr id="33" name="Picture 32" descr="A blue elephant with white outline&#10;&#10;Description automatically generated">
-            <a:extLst>
-              <a:ext uri="{FF2B5EF4-FFF2-40B4-BE49-F238E27FC236}">
-                <a16:creationId xmlns:a16="http://schemas.microsoft.com/office/drawing/2014/main" id="{2351A012-33BC-CD7B-54DB-115ED2E87F2B}"/>
-              </a:ext>
-            </a:extLst>
-          </p:cNvPr>
-          <p:cNvPicPr>
-            <a:picLocks noChangeAspect="1"/>
-          </p:cNvPicPr>
-          <p:nvPr/>
-        </p:nvPicPr>
-        <p:blipFill>
-          <a:blip r:embed="rId9">
-            <a:extLst>
-              <a:ext uri="{28A0092B-C50C-407E-A947-70E740481C1C}">
-                <a14:useLocalDpi xmlns:a14="http://schemas.microsoft.com/office/drawing/2010/main" val="0"/>
-              </a:ext>
-            </a:extLst>
-          </a:blip>
-          <a:stretch>
-            <a:fillRect/>
-          </a:stretch>
-        </p:blipFill>
-        <p:spPr>
-          <a:xfrm>
-            <a:off x="7563489" y="2842147"/>
-            <a:ext cx="873457" cy="900725"/>
-          </a:xfrm>
-          <a:prstGeom prst="rect">
-            <a:avLst/>
-          </a:prstGeom>
-        </p:spPr>
-      </p:pic>
-      <p:pic>
-        <p:nvPicPr>
-          <p:cNvPr id="35" name="Picture 34" descr="A blue and yellow snake logo&#10;&#10;Description automatically generated">
-            <a:extLst>
-              <a:ext uri="{FF2B5EF4-FFF2-40B4-BE49-F238E27FC236}">
-                <a16:creationId xmlns:a16="http://schemas.microsoft.com/office/drawing/2014/main" id="{2A8F74C2-8CA2-8467-A924-FFD290B9F7E2}"/>
-              </a:ext>
-            </a:extLst>
-          </p:cNvPr>
-          <p:cNvPicPr>
-            <a:picLocks noChangeAspect="1"/>
-          </p:cNvPicPr>
-          <p:nvPr/>
-        </p:nvPicPr>
-        <p:blipFill>
-          <a:blip r:embed="rId10">
-            <a:extLst>
-              <a:ext uri="{BEBA8EAE-BF5A-486C-A8C5-ECC9F3942E4B}">
-                <a14:imgProps xmlns:a14="http://schemas.microsoft.com/office/drawing/2010/main">
-                  <a14:imgLayer r:embed="rId11">
-                    <a14:imgEffect>
-                      <a14:backgroundRemoval t="7222" b="93667" l="5889" r="94556">
-                        <a14:foregroundMark x1="5889" y1="56667" x2="8333" y2="41111"/>
-                        <a14:foregroundMark x1="37111" y1="8222" x2="53556" y2="7556"/>
-                        <a14:foregroundMark x1="53556" y1="7556" x2="57000" y2="7556"/>
-                        <a14:foregroundMark x1="37444" y1="80444" x2="38000" y2="72667"/>
-                        <a14:foregroundMark x1="38000" y1="72667" x2="47889" y2="64444"/>
-                        <a14:foregroundMark x1="47889" y1="64444" x2="82778" y2="54222"/>
-                        <a14:foregroundMark x1="82778" y1="54222" x2="85111" y2="46667"/>
-                        <a14:foregroundMark x1="85111" y1="46667" x2="85333" y2="35222"/>
-                        <a14:foregroundMark x1="33889" y1="62667" x2="32222" y2="79333"/>
-                        <a14:foregroundMark x1="32222" y1="79333" x2="35889" y2="85556"/>
-                        <a14:foregroundMark x1="35889" y1="85556" x2="46778" y2="87111"/>
-                        <a14:foregroundMark x1="46778" y1="87111" x2="54556" y2="82222"/>
-                        <a14:foregroundMark x1="54556" y1="82222" x2="57444" y2="78889"/>
-                        <a14:foregroundMark x1="79556" y1="65222" x2="84222" y2="58000"/>
-                        <a14:foregroundMark x1="84222" y1="58000" x2="85667" y2="50222"/>
-                        <a14:foregroundMark x1="85667" y1="50222" x2="90778" y2="44333"/>
-                        <a14:foregroundMark x1="51889" y1="93667" x2="68000" y2="88889"/>
-                        <a14:foregroundMark x1="68000" y1="88889" x2="70000" y2="81778"/>
-                        <a14:foregroundMark x1="70000" y1="81778" x2="69889" y2="80333"/>
-                        <a14:foregroundMark x1="94556" y1="50111" x2="94444" y2="54111"/>
-                        <a14:foregroundMark x1="18000" y1="63889" x2="17556" y2="53889"/>
-                        <a14:foregroundMark x1="17556" y1="53889" x2="23111" y2="46000"/>
-                        <a14:foregroundMark x1="23111" y1="46000" x2="61333" y2="38889"/>
-                        <a14:foregroundMark x1="61333" y1="38889" x2="68778" y2="34111"/>
-                        <a14:foregroundMark x1="68778" y1="34111" x2="65889" y2="27000"/>
-                        <a14:foregroundMark x1="65889" y1="27000" x2="32111" y2="20889"/>
-                        <a14:foregroundMark x1="10778" y1="58000" x2="13778" y2="42889"/>
-                        <a14:foregroundMark x1="24778" y1="38556" x2="24778" y2="38556"/>
-                        <a14:foregroundMark x1="10889" y1="37444" x2="61556" y2="30889"/>
-                        <a14:foregroundMark x1="9444" y1="62333" x2="19889" y2="68111"/>
-                        <a14:foregroundMark x1="54778" y1="44444" x2="67111" y2="39556"/>
-                        <a14:foregroundMark x1="46111" y1="12333" x2="62667" y2="15778"/>
-                        <a14:foregroundMark x1="30333" y1="19000" x2="32111" y2="11667"/>
-                        <a14:foregroundMark x1="32111" y1="11667" x2="34000" y2="9444"/>
-                        <a14:foregroundMark x1="51889" y1="5667" x2="59000" y2="7222"/>
-                        <a14:foregroundMark x1="59000" y1="7222" x2="63667" y2="14222"/>
-                        <a14:foregroundMark x1="63667" y1="14222" x2="63778" y2="14778"/>
-                      </a14:backgroundRemoval>
-                    </a14:imgEffect>
-                  </a14:imgLayer>
-                </a14:imgProps>
-              </a:ext>
-              <a:ext uri="{28A0092B-C50C-407E-A947-70E740481C1C}">
-                <a14:useLocalDpi xmlns:a14="http://schemas.microsoft.com/office/drawing/2010/main" val="0"/>
-              </a:ext>
-            </a:extLst>
-          </a:blip>
-          <a:stretch>
-            <a:fillRect/>
-          </a:stretch>
-        </p:blipFill>
-        <p:spPr>
-          <a:xfrm>
-            <a:off x="8891438" y="2727019"/>
-            <a:ext cx="1008714" cy="1008714"/>
-          </a:xfrm>
-          <a:prstGeom prst="rect">
-            <a:avLst/>
-          </a:prstGeom>
-        </p:spPr>
-      </p:pic>
-      <p:pic>
-        <p:nvPicPr>
-          <p:cNvPr id="37" name="Picture 36" descr="A black graph with a arrow pointing up&#10;&#10;Description automatically generated">
-            <a:extLst>
-              <a:ext uri="{FF2B5EF4-FFF2-40B4-BE49-F238E27FC236}">
-                <a16:creationId xmlns:a16="http://schemas.microsoft.com/office/drawing/2014/main" id="{E4E99B73-9A10-58D6-1AE3-617C32B7498A}"/>
-              </a:ext>
-            </a:extLst>
-          </p:cNvPr>
-          <p:cNvPicPr>
-            <a:picLocks noChangeAspect="1"/>
-          </p:cNvPicPr>
-          <p:nvPr/>
-        </p:nvPicPr>
-        <p:blipFill>
-          <a:blip r:embed="rId12">
-            <a:extLst>
-              <a:ext uri="{BEBA8EAE-BF5A-486C-A8C5-ECC9F3942E4B}">
-                <a14:imgProps xmlns:a14="http://schemas.microsoft.com/office/drawing/2010/main">
-                  <a14:imgLayer r:embed="rId13">
-                    <a14:imgEffect>
-                      <a14:backgroundRemoval t="6923" b="90000" l="10000" r="90000">
-                        <a14:foregroundMark x1="34333" y1="41154" x2="34333" y2="41154"/>
-                        <a14:foregroundMark x1="53444" y1="61538" x2="53444" y2="61538"/>
-                        <a14:foregroundMark x1="38778" y1="74231" x2="38778" y2="74231"/>
-                        <a14:foregroundMark x1="62889" y1="6923" x2="62889" y2="6923"/>
-                      </a14:backgroundRemoval>
-                    </a14:imgEffect>
-                  </a14:imgLayer>
-                </a14:imgProps>
-              </a:ext>
-              <a:ext uri="{28A0092B-C50C-407E-A947-70E740481C1C}">
-                <a14:useLocalDpi xmlns:a14="http://schemas.microsoft.com/office/drawing/2010/main" val="0"/>
-              </a:ext>
-            </a:extLst>
-          </a:blip>
-          <a:stretch>
-            <a:fillRect/>
-          </a:stretch>
-        </p:blipFill>
-        <p:spPr>
-          <a:xfrm>
-            <a:off x="9944090" y="2792149"/>
-            <a:ext cx="1557872" cy="900104"/>
-          </a:xfrm>
-          <a:prstGeom prst="rect">
-            <a:avLst/>
-          </a:prstGeom>
-        </p:spPr>
-      </p:pic>
-      <p:sp>
-        <p:nvSpPr>
-          <p:cNvPr id="38" name="TextBox 37">
-            <a:extLst>
-              <a:ext uri="{FF2B5EF4-FFF2-40B4-BE49-F238E27FC236}">
-                <a16:creationId xmlns:a16="http://schemas.microsoft.com/office/drawing/2014/main" id="{E5D84946-38CA-388B-E923-A5C0381B2E23}"/>
-              </a:ext>
-            </a:extLst>
-          </p:cNvPr>
-          <p:cNvSpPr txBox="1"/>
-          <p:nvPr/>
-        </p:nvSpPr>
-        <p:spPr>
-          <a:xfrm>
-            <a:off x="112415" y="1476614"/>
-            <a:ext cx="2016086" cy="369332"/>
-          </a:xfrm>
-          <a:prstGeom prst="rect">
-            <a:avLst/>
-          </a:prstGeom>
-          <a:noFill/>
-        </p:spPr>
-        <p:txBody>
-          <a:bodyPr wrap="square" rtlCol="0">
-            <a:spAutoFit/>
-          </a:bodyPr>
-          <a:lstStyle/>
-          <a:p>
-            <a:pPr algn="ctr"/>
-            <a:r>
-              <a:rPr lang="en-US" dirty="0"/>
-              <a:t>Brainstorming</a:t>
-            </a:r>
-          </a:p>
-        </p:txBody>
-      </p:sp>
-      <p:sp>
-        <p:nvSpPr>
-          <p:cNvPr id="39" name="TextBox 38">
-            <a:extLst>
-              <a:ext uri="{FF2B5EF4-FFF2-40B4-BE49-F238E27FC236}">
-                <a16:creationId xmlns:a16="http://schemas.microsoft.com/office/drawing/2014/main" id="{C01B3399-F4DA-E045-EE58-B09E6D5CF455}"/>
-              </a:ext>
-            </a:extLst>
-          </p:cNvPr>
-          <p:cNvSpPr txBox="1"/>
-          <p:nvPr/>
-        </p:nvSpPr>
-        <p:spPr>
-          <a:xfrm>
-            <a:off x="1490455" y="1950268"/>
-            <a:ext cx="2016086" cy="369332"/>
-          </a:xfrm>
-          <a:prstGeom prst="rect">
-            <a:avLst/>
-          </a:prstGeom>
-          <a:noFill/>
-        </p:spPr>
-        <p:txBody>
-          <a:bodyPr wrap="square" rtlCol="0">
-            <a:spAutoFit/>
-          </a:bodyPr>
-          <a:lstStyle/>
-          <a:p>
-            <a:pPr algn="ctr"/>
-            <a:r>
-              <a:rPr lang="en-US" dirty="0"/>
-              <a:t>Track</a:t>
-            </a:r>
-          </a:p>
-        </p:txBody>
-      </p:sp>
-      <p:sp>
-        <p:nvSpPr>
-          <p:cNvPr id="40" name="TextBox 39">
-            <a:extLst>
-              <a:ext uri="{FF2B5EF4-FFF2-40B4-BE49-F238E27FC236}">
-                <a16:creationId xmlns:a16="http://schemas.microsoft.com/office/drawing/2014/main" id="{C14BCD1D-4AB2-4890-C19D-837A4A060578}"/>
-              </a:ext>
-            </a:extLst>
-          </p:cNvPr>
-          <p:cNvSpPr txBox="1"/>
-          <p:nvPr/>
-        </p:nvSpPr>
-        <p:spPr>
-          <a:xfrm>
-            <a:off x="112415" y="3918479"/>
-            <a:ext cx="2016086" cy="523220"/>
-          </a:xfrm>
-          <a:prstGeom prst="rect">
-            <a:avLst/>
-          </a:prstGeom>
-          <a:noFill/>
-        </p:spPr>
-        <p:txBody>
-          <a:bodyPr wrap="square" rtlCol="0">
-            <a:spAutoFit/>
-          </a:bodyPr>
-          <a:lstStyle/>
-          <a:p>
-            <a:pPr algn="ctr"/>
-            <a:r>
-              <a:rPr lang="en-US" sz="1400" dirty="0"/>
-              <a:t>Discussed options</a:t>
-            </a:r>
-          </a:p>
-          <a:p>
-            <a:pPr algn="ctr"/>
-            <a:r>
-              <a:rPr lang="en-US" sz="1400" dirty="0"/>
-              <a:t>Identified sources</a:t>
-            </a:r>
-          </a:p>
-        </p:txBody>
-      </p:sp>
-      <p:sp>
-        <p:nvSpPr>
-          <p:cNvPr id="41" name="TextBox 40">
-            <a:extLst>
-              <a:ext uri="{FF2B5EF4-FFF2-40B4-BE49-F238E27FC236}">
-                <a16:creationId xmlns:a16="http://schemas.microsoft.com/office/drawing/2014/main" id="{34EC574F-BD92-3B27-61A1-D1ECCC9A3AC0}"/>
-              </a:ext>
-            </a:extLst>
-          </p:cNvPr>
-          <p:cNvSpPr txBox="1"/>
-          <p:nvPr/>
-        </p:nvSpPr>
-        <p:spPr>
-          <a:xfrm>
-            <a:off x="2870222" y="1476614"/>
-            <a:ext cx="2016086" cy="369332"/>
-          </a:xfrm>
-          <a:prstGeom prst="rect">
-            <a:avLst/>
-          </a:prstGeom>
-          <a:noFill/>
-        </p:spPr>
-        <p:txBody>
-          <a:bodyPr wrap="square" rtlCol="0">
-            <a:spAutoFit/>
-          </a:bodyPr>
-          <a:lstStyle/>
-          <a:p>
-            <a:pPr algn="ctr"/>
-            <a:r>
-              <a:rPr lang="en-US" dirty="0"/>
-              <a:t>Extract</a:t>
-            </a:r>
-          </a:p>
-        </p:txBody>
-      </p:sp>
-      <p:sp>
-        <p:nvSpPr>
-          <p:cNvPr id="42" name="TextBox 41">
-            <a:extLst>
-              <a:ext uri="{FF2B5EF4-FFF2-40B4-BE49-F238E27FC236}">
-                <a16:creationId xmlns:a16="http://schemas.microsoft.com/office/drawing/2014/main" id="{EA8856E3-980A-4398-1868-66C9B1E55319}"/>
-              </a:ext>
-            </a:extLst>
-          </p:cNvPr>
-          <p:cNvSpPr txBox="1"/>
-          <p:nvPr/>
-        </p:nvSpPr>
-        <p:spPr>
-          <a:xfrm>
-            <a:off x="1547785" y="3918479"/>
-            <a:ext cx="2016086" cy="307777"/>
-          </a:xfrm>
-          <a:prstGeom prst="rect">
-            <a:avLst/>
-          </a:prstGeom>
-          <a:noFill/>
-        </p:spPr>
-        <p:txBody>
-          <a:bodyPr wrap="square" rtlCol="0">
-            <a:spAutoFit/>
-          </a:bodyPr>
-          <a:lstStyle/>
-          <a:p>
-            <a:pPr algn="ctr"/>
-            <a:r>
-              <a:rPr lang="en-US" sz="1400" dirty="0"/>
-              <a:t>Split work</a:t>
-            </a:r>
-          </a:p>
-        </p:txBody>
-      </p:sp>
-      <p:sp>
-        <p:nvSpPr>
-          <p:cNvPr id="44" name="TextBox 43">
-            <a:extLst>
-              <a:ext uri="{FF2B5EF4-FFF2-40B4-BE49-F238E27FC236}">
-                <a16:creationId xmlns:a16="http://schemas.microsoft.com/office/drawing/2014/main" id="{5CBEF804-D9AB-1CCA-B031-670120E13412}"/>
-              </a:ext>
-            </a:extLst>
-          </p:cNvPr>
-          <p:cNvSpPr txBox="1"/>
-          <p:nvPr/>
-        </p:nvSpPr>
-        <p:spPr>
-          <a:xfrm>
-            <a:off x="2891928" y="3917806"/>
-            <a:ext cx="2016086" cy="523220"/>
-          </a:xfrm>
-          <a:prstGeom prst="rect">
-            <a:avLst/>
-          </a:prstGeom>
-          <a:noFill/>
-        </p:spPr>
-        <p:txBody>
-          <a:bodyPr wrap="square" rtlCol="0">
-            <a:spAutoFit/>
-          </a:bodyPr>
-          <a:lstStyle/>
-          <a:p>
-            <a:pPr algn="ctr"/>
-            <a:r>
-              <a:rPr lang="en-US" sz="1400" dirty="0"/>
-              <a:t>Web Scraping</a:t>
-            </a:r>
-          </a:p>
-          <a:p>
-            <a:pPr algn="ctr"/>
-            <a:r>
-              <a:rPr lang="en-US" sz="1400" dirty="0"/>
-              <a:t>Download files</a:t>
-            </a:r>
-          </a:p>
-        </p:txBody>
-      </p:sp>
-      <p:sp>
-        <p:nvSpPr>
-          <p:cNvPr id="45" name="TextBox 44">
-            <a:extLst>
-              <a:ext uri="{FF2B5EF4-FFF2-40B4-BE49-F238E27FC236}">
-                <a16:creationId xmlns:a16="http://schemas.microsoft.com/office/drawing/2014/main" id="{39EEF172-530A-CD9E-2D74-5DFB5620B945}"/>
-              </a:ext>
-            </a:extLst>
-          </p:cNvPr>
-          <p:cNvSpPr txBox="1"/>
-          <p:nvPr/>
-        </p:nvSpPr>
-        <p:spPr>
-          <a:xfrm>
-            <a:off x="4327298" y="3917806"/>
-            <a:ext cx="2016086" cy="523220"/>
-          </a:xfrm>
-          <a:prstGeom prst="rect">
-            <a:avLst/>
-          </a:prstGeom>
-          <a:noFill/>
-        </p:spPr>
-        <p:txBody>
-          <a:bodyPr wrap="square" rtlCol="0">
-            <a:spAutoFit/>
-          </a:bodyPr>
-          <a:lstStyle/>
-          <a:p>
-            <a:pPr algn="ctr"/>
-            <a:r>
-              <a:rPr lang="en-US" sz="1400" dirty="0"/>
-              <a:t>Cleansing</a:t>
-            </a:r>
-          </a:p>
-          <a:p>
-            <a:pPr algn="ctr"/>
-            <a:r>
-              <a:rPr lang="en-US" sz="1400" dirty="0"/>
-              <a:t>Structuring </a:t>
-            </a:r>
-          </a:p>
-        </p:txBody>
-      </p:sp>
-      <p:sp>
-        <p:nvSpPr>
-          <p:cNvPr id="46" name="TextBox 45">
-            <a:extLst>
-              <a:ext uri="{FF2B5EF4-FFF2-40B4-BE49-F238E27FC236}">
-                <a16:creationId xmlns:a16="http://schemas.microsoft.com/office/drawing/2014/main" id="{9ADDB4C1-8D1C-607D-B4E5-B4AE63266B42}"/>
-              </a:ext>
-            </a:extLst>
-          </p:cNvPr>
-          <p:cNvSpPr txBox="1"/>
-          <p:nvPr/>
-        </p:nvSpPr>
-        <p:spPr>
-          <a:xfrm>
-            <a:off x="5657433" y="3917785"/>
-            <a:ext cx="2016086" cy="307777"/>
-          </a:xfrm>
-          <a:prstGeom prst="rect">
-            <a:avLst/>
-          </a:prstGeom>
-          <a:noFill/>
-        </p:spPr>
-        <p:txBody>
-          <a:bodyPr wrap="square" rtlCol="0">
-            <a:spAutoFit/>
-          </a:bodyPr>
-          <a:lstStyle/>
-          <a:p>
-            <a:pPr algn="ctr"/>
-            <a:r>
-              <a:rPr lang="en-US" sz="1400" dirty="0"/>
-              <a:t>CSV files ready</a:t>
-            </a:r>
-          </a:p>
-        </p:txBody>
-      </p:sp>
-      <p:sp>
-        <p:nvSpPr>
-          <p:cNvPr id="47" name="TextBox 46">
-            <a:extLst>
-              <a:ext uri="{FF2B5EF4-FFF2-40B4-BE49-F238E27FC236}">
-                <a16:creationId xmlns:a16="http://schemas.microsoft.com/office/drawing/2014/main" id="{4B05E72B-E1F0-0C8D-EE20-9F2A1C5E60B7}"/>
-              </a:ext>
-            </a:extLst>
-          </p:cNvPr>
-          <p:cNvSpPr txBox="1"/>
-          <p:nvPr/>
-        </p:nvSpPr>
-        <p:spPr>
-          <a:xfrm>
-            <a:off x="7092803" y="3917785"/>
-            <a:ext cx="2016086" cy="307777"/>
-          </a:xfrm>
-          <a:prstGeom prst="rect">
-            <a:avLst/>
-          </a:prstGeom>
-          <a:noFill/>
-        </p:spPr>
-        <p:txBody>
-          <a:bodyPr wrap="square" rtlCol="0">
-            <a:spAutoFit/>
-          </a:bodyPr>
-          <a:lstStyle/>
-          <a:p>
-            <a:pPr algn="ctr"/>
-            <a:r>
-              <a:rPr lang="en-US" sz="1400" dirty="0"/>
-              <a:t>Created DB</a:t>
-            </a:r>
-          </a:p>
-        </p:txBody>
-      </p:sp>
-      <p:sp>
-        <p:nvSpPr>
-          <p:cNvPr id="48" name="TextBox 47">
-            <a:extLst>
-              <a:ext uri="{FF2B5EF4-FFF2-40B4-BE49-F238E27FC236}">
-                <a16:creationId xmlns:a16="http://schemas.microsoft.com/office/drawing/2014/main" id="{7FBECD1C-440F-AA98-FD92-C71C581EC550}"/>
-              </a:ext>
-            </a:extLst>
-          </p:cNvPr>
-          <p:cNvSpPr txBox="1"/>
-          <p:nvPr/>
-        </p:nvSpPr>
-        <p:spPr>
-          <a:xfrm>
-            <a:off x="8436946" y="3917112"/>
-            <a:ext cx="2016086" cy="523220"/>
-          </a:xfrm>
-          <a:prstGeom prst="rect">
-            <a:avLst/>
-          </a:prstGeom>
-          <a:noFill/>
-        </p:spPr>
-        <p:txBody>
-          <a:bodyPr wrap="square" rtlCol="0">
-            <a:spAutoFit/>
-          </a:bodyPr>
-          <a:lstStyle/>
-          <a:p>
-            <a:pPr algn="ctr"/>
-            <a:r>
-              <a:rPr lang="en-US" sz="1400" dirty="0"/>
-              <a:t>Read from DB</a:t>
-            </a:r>
-          </a:p>
-          <a:p>
-            <a:pPr algn="ctr"/>
-            <a:endParaRPr lang="en-US" sz="1400" dirty="0"/>
-          </a:p>
-        </p:txBody>
-      </p:sp>
-      <p:sp>
-        <p:nvSpPr>
-          <p:cNvPr id="49" name="TextBox 48">
-            <a:extLst>
-              <a:ext uri="{FF2B5EF4-FFF2-40B4-BE49-F238E27FC236}">
-                <a16:creationId xmlns:a16="http://schemas.microsoft.com/office/drawing/2014/main" id="{4C6E493B-FB5B-CA21-7500-CFAE6DA7ADC9}"/>
-              </a:ext>
-            </a:extLst>
-          </p:cNvPr>
-          <p:cNvSpPr txBox="1"/>
-          <p:nvPr/>
-        </p:nvSpPr>
-        <p:spPr>
-          <a:xfrm>
-            <a:off x="9872316" y="3917112"/>
-            <a:ext cx="2016086" cy="523220"/>
-          </a:xfrm>
-          <a:prstGeom prst="rect">
-            <a:avLst/>
-          </a:prstGeom>
-          <a:noFill/>
-        </p:spPr>
-        <p:txBody>
-          <a:bodyPr wrap="square" rtlCol="0">
-            <a:spAutoFit/>
-          </a:bodyPr>
-          <a:lstStyle/>
-          <a:p>
-            <a:pPr algn="ctr"/>
-            <a:r>
-              <a:rPr lang="en-US" sz="1400" dirty="0"/>
-              <a:t>Charts</a:t>
-            </a:r>
-          </a:p>
-          <a:p>
-            <a:pPr algn="ctr"/>
-            <a:r>
-              <a:rPr lang="en-US" sz="1400" dirty="0"/>
-              <a:t>Maps</a:t>
-            </a:r>
-          </a:p>
-        </p:txBody>
-      </p:sp>
-      <p:sp>
-        <p:nvSpPr>
-          <p:cNvPr id="50" name="TextBox 49">
-            <a:extLst>
-              <a:ext uri="{FF2B5EF4-FFF2-40B4-BE49-F238E27FC236}">
-                <a16:creationId xmlns:a16="http://schemas.microsoft.com/office/drawing/2014/main" id="{A6BEE7CE-2CFD-5DCB-9589-64773E0989D2}"/>
-              </a:ext>
-            </a:extLst>
-          </p:cNvPr>
-          <p:cNvSpPr txBox="1"/>
-          <p:nvPr/>
-        </p:nvSpPr>
-        <p:spPr>
-          <a:xfrm>
-            <a:off x="4242571" y="1948430"/>
-            <a:ext cx="2016086" cy="369332"/>
-          </a:xfrm>
-          <a:prstGeom prst="rect">
-            <a:avLst/>
-          </a:prstGeom>
-          <a:noFill/>
-        </p:spPr>
-        <p:txBody>
-          <a:bodyPr wrap="square" rtlCol="0">
-            <a:spAutoFit/>
-          </a:bodyPr>
-          <a:lstStyle/>
-          <a:p>
-            <a:pPr algn="ctr"/>
-            <a:r>
-              <a:rPr lang="en-US" dirty="0"/>
-              <a:t>Transform</a:t>
-            </a:r>
-          </a:p>
-        </p:txBody>
-      </p:sp>
-      <p:sp>
-        <p:nvSpPr>
-          <p:cNvPr id="51" name="TextBox 50">
-            <a:extLst>
-              <a:ext uri="{FF2B5EF4-FFF2-40B4-BE49-F238E27FC236}">
-                <a16:creationId xmlns:a16="http://schemas.microsoft.com/office/drawing/2014/main" id="{13E97F25-33EF-F13A-A7DB-59C0441E3E53}"/>
-              </a:ext>
-            </a:extLst>
-          </p:cNvPr>
-          <p:cNvSpPr txBox="1"/>
-          <p:nvPr/>
-        </p:nvSpPr>
-        <p:spPr>
-          <a:xfrm>
-            <a:off x="5622338" y="1474776"/>
-            <a:ext cx="2016086" cy="369332"/>
-          </a:xfrm>
-          <a:prstGeom prst="rect">
-            <a:avLst/>
-          </a:prstGeom>
-          <a:noFill/>
-        </p:spPr>
-        <p:txBody>
-          <a:bodyPr wrap="square" rtlCol="0">
-            <a:spAutoFit/>
-          </a:bodyPr>
-          <a:lstStyle/>
-          <a:p>
-            <a:pPr algn="ctr"/>
-            <a:r>
-              <a:rPr lang="en-US" dirty="0"/>
-              <a:t>Export</a:t>
-            </a:r>
-          </a:p>
-        </p:txBody>
-      </p:sp>
-      <p:sp>
-        <p:nvSpPr>
-          <p:cNvPr id="52" name="TextBox 51">
-            <a:extLst>
-              <a:ext uri="{FF2B5EF4-FFF2-40B4-BE49-F238E27FC236}">
-                <a16:creationId xmlns:a16="http://schemas.microsoft.com/office/drawing/2014/main" id="{77FA6155-9F3D-DA2F-0C2B-1DE50ADAC0DC}"/>
-              </a:ext>
-            </a:extLst>
-          </p:cNvPr>
-          <p:cNvSpPr txBox="1"/>
-          <p:nvPr/>
-        </p:nvSpPr>
-        <p:spPr>
-          <a:xfrm>
-            <a:off x="7007947" y="1948429"/>
-            <a:ext cx="2016086" cy="369332"/>
-          </a:xfrm>
-          <a:prstGeom prst="rect">
-            <a:avLst/>
-          </a:prstGeom>
-          <a:noFill/>
-        </p:spPr>
-        <p:txBody>
-          <a:bodyPr wrap="square" rtlCol="0">
-            <a:spAutoFit/>
-          </a:bodyPr>
-          <a:lstStyle/>
-          <a:p>
-            <a:pPr algn="ctr"/>
-            <a:r>
-              <a:rPr lang="en-US" dirty="0"/>
-              <a:t>Import</a:t>
-            </a:r>
-          </a:p>
-        </p:txBody>
-      </p:sp>
-      <p:sp>
-        <p:nvSpPr>
-          <p:cNvPr id="53" name="TextBox 52">
-            <a:extLst>
-              <a:ext uri="{FF2B5EF4-FFF2-40B4-BE49-F238E27FC236}">
-                <a16:creationId xmlns:a16="http://schemas.microsoft.com/office/drawing/2014/main" id="{15BF08EE-255C-5B02-BFA2-B5D0C5D6E0CC}"/>
-              </a:ext>
-            </a:extLst>
-          </p:cNvPr>
-          <p:cNvSpPr txBox="1"/>
-          <p:nvPr/>
-        </p:nvSpPr>
-        <p:spPr>
-          <a:xfrm>
-            <a:off x="8376563" y="1474775"/>
-            <a:ext cx="2016086" cy="369332"/>
-          </a:xfrm>
-          <a:prstGeom prst="rect">
-            <a:avLst/>
-          </a:prstGeom>
-          <a:noFill/>
-        </p:spPr>
-        <p:txBody>
-          <a:bodyPr wrap="square" rtlCol="0">
-            <a:spAutoFit/>
-          </a:bodyPr>
-          <a:lstStyle/>
-          <a:p>
-            <a:pPr algn="ctr"/>
-            <a:r>
-              <a:rPr lang="en-US" dirty="0"/>
-              <a:t>Data Manipulation</a:t>
-            </a:r>
-          </a:p>
-        </p:txBody>
-      </p:sp>
-      <p:sp>
-        <p:nvSpPr>
-          <p:cNvPr id="54" name="TextBox 53">
-            <a:extLst>
-              <a:ext uri="{FF2B5EF4-FFF2-40B4-BE49-F238E27FC236}">
-                <a16:creationId xmlns:a16="http://schemas.microsoft.com/office/drawing/2014/main" id="{9C717C5B-F13D-2099-47A1-97F50584743F}"/>
-              </a:ext>
-            </a:extLst>
-          </p:cNvPr>
-          <p:cNvSpPr txBox="1"/>
-          <p:nvPr/>
-        </p:nvSpPr>
-        <p:spPr>
-          <a:xfrm>
-            <a:off x="9760466" y="1946592"/>
-            <a:ext cx="2016086" cy="369332"/>
-          </a:xfrm>
-          <a:prstGeom prst="rect">
-            <a:avLst/>
-          </a:prstGeom>
-          <a:noFill/>
-        </p:spPr>
-        <p:txBody>
-          <a:bodyPr wrap="square" rtlCol="0">
-            <a:spAutoFit/>
-          </a:bodyPr>
-          <a:lstStyle/>
-          <a:p>
-            <a:pPr algn="ctr"/>
-            <a:r>
-              <a:rPr lang="en-US" dirty="0" err="1"/>
-              <a:t>Visualisations</a:t>
-            </a:r>
-            <a:endParaRPr lang="en-US" dirty="0"/>
-          </a:p>
-        </p:txBody>
-      </p:sp>
-      <p:sp>
-        <p:nvSpPr>
-          <p:cNvPr id="55" name="TextBox 54">
-            <a:extLst>
-              <a:ext uri="{FF2B5EF4-FFF2-40B4-BE49-F238E27FC236}">
-                <a16:creationId xmlns:a16="http://schemas.microsoft.com/office/drawing/2014/main" id="{CA552226-48D1-031A-B09A-E439718A3C2E}"/>
-              </a:ext>
-            </a:extLst>
-          </p:cNvPr>
-          <p:cNvSpPr txBox="1"/>
-          <p:nvPr/>
-        </p:nvSpPr>
-        <p:spPr>
-          <a:xfrm>
-            <a:off x="283567" y="372093"/>
-            <a:ext cx="3000542" cy="461665"/>
-          </a:xfrm>
-          <a:prstGeom prst="rect">
-            <a:avLst/>
-          </a:prstGeom>
-          <a:noFill/>
-        </p:spPr>
-        <p:txBody>
-          <a:bodyPr wrap="square" rtlCol="0">
-            <a:spAutoFit/>
-          </a:bodyPr>
-          <a:lstStyle/>
-          <a:p>
-            <a:r>
-              <a:rPr lang="en-US" sz="2400" b="1" dirty="0"/>
-              <a:t>Pathway to Success</a:t>
-            </a:r>
-          </a:p>
-        </p:txBody>
-      </p:sp>
-      <p:cxnSp>
-        <p:nvCxnSpPr>
-          <p:cNvPr id="57" name="Straight Connector 56">
-            <a:extLst>
-              <a:ext uri="{FF2B5EF4-FFF2-40B4-BE49-F238E27FC236}">
-                <a16:creationId xmlns:a16="http://schemas.microsoft.com/office/drawing/2014/main" id="{3090500C-3B9A-12F0-4F39-C1E02A5C6D1C}"/>
-              </a:ext>
-            </a:extLst>
-          </p:cNvPr>
-          <p:cNvCxnSpPr>
-            <a:stCxn id="6" idx="0"/>
-            <a:endCxn id="38" idx="2"/>
-          </p:cNvCxnSpPr>
-          <p:nvPr/>
-        </p:nvCxnSpPr>
-        <p:spPr>
-          <a:xfrm flipH="1" flipV="1">
-            <a:off x="1120458" y="1845946"/>
-            <a:ext cx="2" cy="807101"/>
-          </a:xfrm>
-          <a:prstGeom prst="line">
-            <a:avLst/>
-          </a:prstGeom>
-          <a:ln w="28575"/>
-        </p:spPr>
-        <p:style>
-          <a:lnRef idx="1">
-            <a:schemeClr val="accent1"/>
-          </a:lnRef>
-          <a:fillRef idx="0">
-            <a:schemeClr val="accent1"/>
-          </a:fillRef>
-          <a:effectRef idx="0">
-            <a:schemeClr val="accent1"/>
-          </a:effectRef>
-          <a:fontRef idx="minor">
-            <a:schemeClr val="tx1"/>
-          </a:fontRef>
-        </p:style>
-      </p:cxnSp>
-      <p:cxnSp>
-        <p:nvCxnSpPr>
-          <p:cNvPr id="59" name="Straight Connector 58">
-            <a:extLst>
-              <a:ext uri="{FF2B5EF4-FFF2-40B4-BE49-F238E27FC236}">
-                <a16:creationId xmlns:a16="http://schemas.microsoft.com/office/drawing/2014/main" id="{5A729603-9834-F806-9824-7E743038523C}"/>
-              </a:ext>
-            </a:extLst>
-          </p:cNvPr>
-          <p:cNvCxnSpPr>
-            <a:stCxn id="9" idx="0"/>
-            <a:endCxn id="39" idx="2"/>
-          </p:cNvCxnSpPr>
-          <p:nvPr/>
-        </p:nvCxnSpPr>
-        <p:spPr>
-          <a:xfrm flipH="1" flipV="1">
-            <a:off x="2498498" y="2319600"/>
-            <a:ext cx="1" cy="333447"/>
-          </a:xfrm>
-          <a:prstGeom prst="line">
-            <a:avLst/>
-          </a:prstGeom>
-          <a:ln w="28575"/>
-        </p:spPr>
-        <p:style>
-          <a:lnRef idx="1">
-            <a:schemeClr val="accent1"/>
-          </a:lnRef>
-          <a:fillRef idx="0">
-            <a:schemeClr val="accent1"/>
-          </a:fillRef>
-          <a:effectRef idx="0">
-            <a:schemeClr val="accent1"/>
-          </a:effectRef>
-          <a:fontRef idx="minor">
-            <a:schemeClr val="tx1"/>
-          </a:fontRef>
-        </p:style>
-      </p:cxnSp>
-      <p:cxnSp>
-        <p:nvCxnSpPr>
-          <p:cNvPr id="61" name="Straight Connector 60">
-            <a:extLst>
-              <a:ext uri="{FF2B5EF4-FFF2-40B4-BE49-F238E27FC236}">
-                <a16:creationId xmlns:a16="http://schemas.microsoft.com/office/drawing/2014/main" id="{392375F0-ABC4-69C0-3A68-1D7C3AA3B94A}"/>
-              </a:ext>
-            </a:extLst>
-          </p:cNvPr>
-          <p:cNvCxnSpPr>
-            <a:stCxn id="13" idx="0"/>
-            <a:endCxn id="41" idx="2"/>
-          </p:cNvCxnSpPr>
-          <p:nvPr/>
-        </p:nvCxnSpPr>
-        <p:spPr>
-          <a:xfrm flipV="1">
-            <a:off x="3876538" y="1845946"/>
-            <a:ext cx="1727" cy="807101"/>
-          </a:xfrm>
-          <a:prstGeom prst="line">
-            <a:avLst/>
-          </a:prstGeom>
-          <a:ln w="28575"/>
-        </p:spPr>
-        <p:style>
-          <a:lnRef idx="1">
-            <a:schemeClr val="accent1"/>
-          </a:lnRef>
-          <a:fillRef idx="0">
-            <a:schemeClr val="accent1"/>
-          </a:fillRef>
-          <a:effectRef idx="0">
-            <a:schemeClr val="accent1"/>
-          </a:effectRef>
-          <a:fontRef idx="minor">
-            <a:schemeClr val="tx1"/>
-          </a:fontRef>
-        </p:style>
-      </p:cxnSp>
-      <p:cxnSp>
-        <p:nvCxnSpPr>
-          <p:cNvPr id="63" name="Straight Connector 62">
-            <a:extLst>
-              <a:ext uri="{FF2B5EF4-FFF2-40B4-BE49-F238E27FC236}">
-                <a16:creationId xmlns:a16="http://schemas.microsoft.com/office/drawing/2014/main" id="{E5B11DCC-C914-5F7C-A42A-EB473B727605}"/>
-              </a:ext>
-            </a:extLst>
-          </p:cNvPr>
-          <p:cNvCxnSpPr>
-            <a:stCxn id="15" idx="0"/>
-            <a:endCxn id="50" idx="2"/>
-          </p:cNvCxnSpPr>
-          <p:nvPr/>
-        </p:nvCxnSpPr>
-        <p:spPr>
-          <a:xfrm flipH="1" flipV="1">
-            <a:off x="5250614" y="2317762"/>
-            <a:ext cx="3963" cy="335285"/>
-          </a:xfrm>
-          <a:prstGeom prst="line">
-            <a:avLst/>
-          </a:prstGeom>
-          <a:ln w="28575"/>
-        </p:spPr>
-        <p:style>
-          <a:lnRef idx="1">
-            <a:schemeClr val="accent1"/>
-          </a:lnRef>
-          <a:fillRef idx="0">
-            <a:schemeClr val="accent1"/>
-          </a:fillRef>
-          <a:effectRef idx="0">
-            <a:schemeClr val="accent1"/>
-          </a:effectRef>
-          <a:fontRef idx="minor">
-            <a:schemeClr val="tx1"/>
-          </a:fontRef>
-        </p:style>
-      </p:cxnSp>
-      <p:cxnSp>
-        <p:nvCxnSpPr>
-          <p:cNvPr id="65" name="Straight Connector 64">
-            <a:extLst>
-              <a:ext uri="{FF2B5EF4-FFF2-40B4-BE49-F238E27FC236}">
-                <a16:creationId xmlns:a16="http://schemas.microsoft.com/office/drawing/2014/main" id="{882393A9-485E-5759-7089-CDDA82EF48BC}"/>
-              </a:ext>
-            </a:extLst>
-          </p:cNvPr>
-          <p:cNvCxnSpPr>
-            <a:stCxn id="16" idx="0"/>
-            <a:endCxn id="51" idx="2"/>
-          </p:cNvCxnSpPr>
-          <p:nvPr/>
-        </p:nvCxnSpPr>
-        <p:spPr>
-          <a:xfrm flipH="1" flipV="1">
-            <a:off x="6630381" y="1844108"/>
-            <a:ext cx="2235" cy="808939"/>
-          </a:xfrm>
-          <a:prstGeom prst="line">
-            <a:avLst/>
-          </a:prstGeom>
-          <a:ln w="28575"/>
-        </p:spPr>
-        <p:style>
-          <a:lnRef idx="1">
-            <a:schemeClr val="accent1"/>
-          </a:lnRef>
-          <a:fillRef idx="0">
-            <a:schemeClr val="accent1"/>
-          </a:fillRef>
-          <a:effectRef idx="0">
-            <a:schemeClr val="accent1"/>
-          </a:effectRef>
-          <a:fontRef idx="minor">
-            <a:schemeClr val="tx1"/>
-          </a:fontRef>
-        </p:style>
-      </p:cxnSp>
-      <p:cxnSp>
-        <p:nvCxnSpPr>
-          <p:cNvPr id="67" name="Straight Connector 66">
-            <a:extLst>
-              <a:ext uri="{FF2B5EF4-FFF2-40B4-BE49-F238E27FC236}">
-                <a16:creationId xmlns:a16="http://schemas.microsoft.com/office/drawing/2014/main" id="{9C75A528-692A-AA66-8D55-7EFBF51C6408}"/>
-              </a:ext>
-            </a:extLst>
-          </p:cNvPr>
-          <p:cNvCxnSpPr>
-            <a:stCxn id="18" idx="0"/>
-            <a:endCxn id="52" idx="2"/>
-          </p:cNvCxnSpPr>
-          <p:nvPr/>
-        </p:nvCxnSpPr>
-        <p:spPr>
-          <a:xfrm flipV="1">
-            <a:off x="8010655" y="2317761"/>
-            <a:ext cx="5335" cy="335286"/>
-          </a:xfrm>
-          <a:prstGeom prst="line">
-            <a:avLst/>
-          </a:prstGeom>
-          <a:ln w="28575"/>
-        </p:spPr>
-        <p:style>
-          <a:lnRef idx="1">
-            <a:schemeClr val="accent1"/>
-          </a:lnRef>
-          <a:fillRef idx="0">
-            <a:schemeClr val="accent1"/>
-          </a:fillRef>
-          <a:effectRef idx="0">
-            <a:schemeClr val="accent1"/>
-          </a:effectRef>
-          <a:fontRef idx="minor">
-            <a:schemeClr val="tx1"/>
-          </a:fontRef>
-        </p:style>
-      </p:cxnSp>
-      <p:cxnSp>
-        <p:nvCxnSpPr>
-          <p:cNvPr id="69" name="Straight Connector 68">
-            <a:extLst>
-              <a:ext uri="{FF2B5EF4-FFF2-40B4-BE49-F238E27FC236}">
-                <a16:creationId xmlns:a16="http://schemas.microsoft.com/office/drawing/2014/main" id="{0CB9EE33-4FBE-D959-2D47-F2F024BD0BB6}"/>
-              </a:ext>
-            </a:extLst>
-          </p:cNvPr>
-          <p:cNvCxnSpPr>
-            <a:stCxn id="19" idx="0"/>
-            <a:endCxn id="53" idx="2"/>
-          </p:cNvCxnSpPr>
-          <p:nvPr/>
-        </p:nvCxnSpPr>
-        <p:spPr>
-          <a:xfrm flipH="1" flipV="1">
-            <a:off x="9384606" y="1844107"/>
-            <a:ext cx="4088" cy="808940"/>
-          </a:xfrm>
-          <a:prstGeom prst="line">
-            <a:avLst/>
-          </a:prstGeom>
-          <a:ln w="28575"/>
-        </p:spPr>
-        <p:style>
-          <a:lnRef idx="1">
-            <a:schemeClr val="accent1"/>
-          </a:lnRef>
-          <a:fillRef idx="0">
-            <a:schemeClr val="accent1"/>
-          </a:fillRef>
-          <a:effectRef idx="0">
-            <a:schemeClr val="accent1"/>
-          </a:effectRef>
-          <a:fontRef idx="minor">
-            <a:schemeClr val="tx1"/>
-          </a:fontRef>
-        </p:style>
-      </p:cxnSp>
-      <p:cxnSp>
-        <p:nvCxnSpPr>
-          <p:cNvPr id="71" name="Straight Connector 70">
-            <a:extLst>
-              <a:ext uri="{FF2B5EF4-FFF2-40B4-BE49-F238E27FC236}">
-                <a16:creationId xmlns:a16="http://schemas.microsoft.com/office/drawing/2014/main" id="{09493445-0251-E25A-C358-AF8B1E71197E}"/>
-              </a:ext>
-            </a:extLst>
-          </p:cNvPr>
-          <p:cNvCxnSpPr>
-            <a:stCxn id="21" idx="0"/>
-            <a:endCxn id="54" idx="2"/>
-          </p:cNvCxnSpPr>
-          <p:nvPr/>
-        </p:nvCxnSpPr>
-        <p:spPr>
-          <a:xfrm flipV="1">
-            <a:off x="10766733" y="2315924"/>
-            <a:ext cx="1776" cy="337123"/>
-          </a:xfrm>
-          <a:prstGeom prst="line">
-            <a:avLst/>
-          </a:prstGeom>
-          <a:ln w="28575"/>
-        </p:spPr>
-        <p:style>
-          <a:lnRef idx="1">
-            <a:schemeClr val="accent1"/>
-          </a:lnRef>
-          <a:fillRef idx="0">
-            <a:schemeClr val="accent1"/>
-          </a:fillRef>
-          <a:effectRef idx="0">
-            <a:schemeClr val="accent1"/>
-          </a:effectRef>
-          <a:fontRef idx="minor">
-            <a:schemeClr val="tx1"/>
-          </a:fontRef>
-        </p:style>
-      </p:cxnSp>
     </p:spTree>
     <p:extLst>
       <p:ext uri="{BB962C8B-B14F-4D97-AF65-F5344CB8AC3E}">
-        <p14:creationId xmlns:p14="http://schemas.microsoft.com/office/powerpoint/2010/main" val="3324882719"/>
+        <p14:creationId xmlns:p14="http://schemas.microsoft.com/office/powerpoint/2010/main" val="143608325"/>
       </p:ext>
     </p:extLst>
   </p:cSld>
@@ -6346,43 +7492,46 @@
       </p:grpSpPr>
       <p:sp>
         <p:nvSpPr>
-          <p:cNvPr id="2" name="Title 1">
+          <p:cNvPr id="4" name="TextBox 3">
             <a:extLst>
               <a:ext uri="{FF2B5EF4-FFF2-40B4-BE49-F238E27FC236}">
-                <a16:creationId xmlns:a16="http://schemas.microsoft.com/office/drawing/2014/main" id="{3AB668AC-C053-C638-37C9-4377AD4D3402}"/>
+                <a16:creationId xmlns:a16="http://schemas.microsoft.com/office/drawing/2014/main" id="{83D0FF96-1CC4-64A8-BE30-F01D39552BEC}"/>
               </a:ext>
             </a:extLst>
           </p:cNvPr>
-          <p:cNvSpPr>
-            <a:spLocks noGrp="1"/>
-          </p:cNvSpPr>
-          <p:nvPr>
-            <p:ph type="title"/>
-          </p:nvPr>
+          <p:cNvSpPr txBox="1"/>
+          <p:nvPr/>
         </p:nvSpPr>
         <p:spPr>
           <a:xfrm>
-            <a:off x="729343" y="419417"/>
-            <a:ext cx="10515600" cy="1325563"/>
+            <a:off x="3832410" y="2630814"/>
+            <a:ext cx="5853953" cy="1446550"/>
           </a:xfrm>
+          <a:prstGeom prst="rect">
+            <a:avLst/>
+          </a:prstGeom>
+          <a:noFill/>
         </p:spPr>
         <p:txBody>
-          <a:bodyPr/>
+          <a:bodyPr wrap="square" rtlCol="0">
+            <a:spAutoFit/>
+          </a:bodyPr>
           <a:lstStyle/>
           <a:p>
-            <a:r>
-              <a:rPr lang="en-AU" b="1" dirty="0"/>
-              <a:t>Bar Chart</a:t>
+            <a:pPr algn="ctr"/>
+            <a:r>
+              <a:rPr lang="en-US" sz="8800" dirty="0"/>
+              <a:t>hank you!</a:t>
             </a:r>
           </a:p>
         </p:txBody>
       </p:sp>
       <p:pic>
         <p:nvPicPr>
-          <p:cNvPr id="10" name="Picture 9" descr="A graph of purple bars&#10;&#10;Description automatically generated">
+          <p:cNvPr id="6" name="Picture 5" descr="A black background with a black square&#10;&#10;Description automatically generated with medium confidence">
             <a:extLst>
               <a:ext uri="{FF2B5EF4-FFF2-40B4-BE49-F238E27FC236}">
-                <a16:creationId xmlns:a16="http://schemas.microsoft.com/office/drawing/2014/main" id="{2344E20E-4D45-E8B1-D6BD-86D43EB0B970}"/>
+                <a16:creationId xmlns:a16="http://schemas.microsoft.com/office/drawing/2014/main" id="{87A83754-291C-C4A1-9FA0-C154C3253880}"/>
               </a:ext>
             </a:extLst>
           </p:cNvPr>
@@ -6405,1234 +7554,8 @@
         </p:blipFill>
         <p:spPr>
           <a:xfrm>
-            <a:off x="366374" y="1943100"/>
-            <a:ext cx="8488680" cy="3169920"/>
-          </a:xfrm>
-          <a:prstGeom prst="rect">
-            <a:avLst/>
-          </a:prstGeom>
-        </p:spPr>
-      </p:pic>
-      <p:sp>
-        <p:nvSpPr>
-          <p:cNvPr id="11" name="Content Placeholder 2">
-            <a:extLst>
-              <a:ext uri="{FF2B5EF4-FFF2-40B4-BE49-F238E27FC236}">
-                <a16:creationId xmlns:a16="http://schemas.microsoft.com/office/drawing/2014/main" id="{343A2E80-AE4B-8EC2-8EE7-B9F9553E3F89}"/>
-              </a:ext>
-            </a:extLst>
-          </p:cNvPr>
-          <p:cNvSpPr>
-            <a:spLocks noGrp="1"/>
-          </p:cNvSpPr>
-          <p:nvPr>
-            <p:ph idx="1"/>
-          </p:nvPr>
-        </p:nvSpPr>
-        <p:spPr>
-          <a:xfrm>
-            <a:off x="8681224" y="1744980"/>
-            <a:ext cx="3144401" cy="4351338"/>
-          </a:xfrm>
-        </p:spPr>
-        <p:txBody>
-          <a:bodyPr>
-            <a:normAutofit fontScale="85000" lnSpcReduction="20000"/>
-          </a:bodyPr>
-          <a:lstStyle/>
-          <a:p>
-            <a:pPr>
-              <a:buBlip>
-                <a:blip r:embed="rId3">
-                  <a:extLst>
-                    <a:ext uri="{96DAC541-7B7A-43D3-8B79-37D633B846F1}">
-                      <asvg:svgBlip xmlns:asvg="http://schemas.microsoft.com/office/drawing/2016/SVG/main" r:embed="rId4"/>
-                    </a:ext>
-                  </a:extLst>
-                </a:blip>
-              </a:buBlip>
-            </a:pPr>
-            <a:r>
-              <a:rPr lang="en-AU" dirty="0"/>
-              <a:t>Libraries used:</a:t>
-            </a:r>
-          </a:p>
-          <a:p>
-            <a:pPr lvl="1">
-              <a:buBlip>
-                <a:blip r:embed="rId3">
-                  <a:extLst>
-                    <a:ext uri="{96DAC541-7B7A-43D3-8B79-37D633B846F1}">
-                      <asvg:svgBlip xmlns:asvg="http://schemas.microsoft.com/office/drawing/2016/SVG/main" r:embed="rId4"/>
-                    </a:ext>
-                  </a:extLst>
-                </a:blip>
-              </a:buBlip>
-            </a:pPr>
-            <a:r>
-              <a:rPr lang="en-AU" dirty="0"/>
-              <a:t>seaborn</a:t>
-            </a:r>
-          </a:p>
-          <a:p>
-            <a:pPr lvl="1">
-              <a:buBlip>
-                <a:blip r:embed="rId3">
-                  <a:extLst>
-                    <a:ext uri="{96DAC541-7B7A-43D3-8B79-37D633B846F1}">
-                      <asvg:svgBlip xmlns:asvg="http://schemas.microsoft.com/office/drawing/2016/SVG/main" r:embed="rId4"/>
-                    </a:ext>
-                  </a:extLst>
-                </a:blip>
-              </a:buBlip>
-            </a:pPr>
-            <a:r>
-              <a:rPr lang="en-AU" dirty="0" err="1"/>
-              <a:t>Matplotlib.pyplot</a:t>
-            </a:r>
-            <a:endParaRPr lang="en-AU" dirty="0"/>
-          </a:p>
-          <a:p>
-            <a:pPr>
-              <a:buBlip>
-                <a:blip r:embed="rId3">
-                  <a:extLst>
-                    <a:ext uri="{96DAC541-7B7A-43D3-8B79-37D633B846F1}">
-                      <asvg:svgBlip xmlns:asvg="http://schemas.microsoft.com/office/drawing/2016/SVG/main" r:embed="rId4"/>
-                    </a:ext>
-                  </a:extLst>
-                </a:blip>
-              </a:buBlip>
-            </a:pPr>
-            <a:endParaRPr lang="en-AU" dirty="0"/>
-          </a:p>
-          <a:p>
-            <a:pPr>
-              <a:buFont typeface="Arial" panose="020B0604020202020204" pitchFamily="34" charset="0"/>
-              <a:buBlip>
-                <a:blip r:embed="rId3">
-                  <a:extLst>
-                    <a:ext uri="{96DAC541-7B7A-43D3-8B79-37D633B846F1}">
-                      <asvg:svgBlip xmlns:asvg="http://schemas.microsoft.com/office/drawing/2016/SVG/main" r:embed="rId4"/>
-                    </a:ext>
-                  </a:extLst>
-                </a:blip>
-              </a:buBlip>
-            </a:pPr>
-            <a:r>
-              <a:rPr lang="en-AU" dirty="0"/>
-              <a:t>Insights:</a:t>
-            </a:r>
-          </a:p>
-          <a:p>
-            <a:pPr lvl="1">
-              <a:buBlip>
-                <a:blip r:embed="rId3">
-                  <a:extLst>
-                    <a:ext uri="{96DAC541-7B7A-43D3-8B79-37D633B846F1}">
-                      <asvg:svgBlip xmlns:asvg="http://schemas.microsoft.com/office/drawing/2016/SVG/main" r:embed="rId4"/>
-                    </a:ext>
-                  </a:extLst>
-                </a:blip>
-              </a:buBlip>
-            </a:pPr>
-            <a:r>
-              <a:rPr lang="en-US" dirty="0">
-                <a:solidFill>
-                  <a:srgbClr val="0D0D0D"/>
-                </a:solidFill>
-                <a:highlight>
-                  <a:srgbClr val="FFFFFF"/>
-                </a:highlight>
-                <a:latin typeface="Söhne"/>
-              </a:rPr>
-              <a:t>Provides monthly gigawatt hour usage insight</a:t>
-            </a:r>
-          </a:p>
-          <a:p>
-            <a:pPr lvl="1">
-              <a:buBlip>
-                <a:blip r:embed="rId3">
-                  <a:extLst>
-                    <a:ext uri="{96DAC541-7B7A-43D3-8B79-37D633B846F1}">
-                      <asvg:svgBlip xmlns:asvg="http://schemas.microsoft.com/office/drawing/2016/SVG/main" r:embed="rId4"/>
-                    </a:ext>
-                  </a:extLst>
-                </a:blip>
-              </a:buBlip>
-            </a:pPr>
-            <a:r>
-              <a:rPr lang="en-US" dirty="0">
-                <a:solidFill>
-                  <a:srgbClr val="0D0D0D"/>
-                </a:solidFill>
-                <a:highlight>
-                  <a:srgbClr val="FFFFFF"/>
-                </a:highlight>
-                <a:latin typeface="Söhne"/>
-              </a:rPr>
-              <a:t>Would be useful in comparison to previous years data </a:t>
-            </a:r>
-          </a:p>
-          <a:p>
-            <a:pPr lvl="1">
-              <a:buBlip>
-                <a:blip r:embed="rId3">
-                  <a:extLst>
-                    <a:ext uri="{96DAC541-7B7A-43D3-8B79-37D633B846F1}">
-                      <asvg:svgBlip xmlns:asvg="http://schemas.microsoft.com/office/drawing/2016/SVG/main" r:embed="rId4"/>
-                    </a:ext>
-                  </a:extLst>
-                </a:blip>
-              </a:buBlip>
-            </a:pPr>
-            <a:r>
-              <a:rPr lang="en-US" dirty="0">
-                <a:solidFill>
-                  <a:srgbClr val="0D0D0D"/>
-                </a:solidFill>
-                <a:highlight>
-                  <a:srgbClr val="FFFFFF"/>
-                </a:highlight>
-                <a:latin typeface="Söhne"/>
-              </a:rPr>
-              <a:t>Gives total street light grid demand view which may assist with macro level analysis </a:t>
-            </a:r>
-          </a:p>
-          <a:p>
-            <a:pPr marL="457200" lvl="1" indent="0">
-              <a:buNone/>
-            </a:pPr>
-            <a:endParaRPr lang="en-AU" sz="2800" dirty="0"/>
-          </a:p>
-          <a:p>
-            <a:pPr lvl="1"/>
-            <a:endParaRPr lang="en-AU" dirty="0"/>
-          </a:p>
-          <a:p>
-            <a:pPr lvl="1"/>
-            <a:endParaRPr lang="en-AU" dirty="0"/>
-          </a:p>
-        </p:txBody>
-      </p:sp>
-    </p:spTree>
-    <p:extLst>
-      <p:ext uri="{BB962C8B-B14F-4D97-AF65-F5344CB8AC3E}">
-        <p14:creationId xmlns:p14="http://schemas.microsoft.com/office/powerpoint/2010/main" val="3278185969"/>
-      </p:ext>
-    </p:extLst>
-  </p:cSld>
-  <p:clrMapOvr>
-    <a:masterClrMapping/>
-  </p:clrMapOvr>
-</p:sld>
-</file>
-
-<file path=ppt/slides/slide5.xml><?xml version="1.0" encoding="utf-8"?>
-<p:sld xmlns:a="http://schemas.openxmlformats.org/drawingml/2006/main" xmlns:r="http://schemas.openxmlformats.org/officeDocument/2006/relationships" xmlns:p="http://schemas.openxmlformats.org/presentationml/2006/main">
-  <p:cSld>
-    <p:spTree>
-      <p:nvGrpSpPr>
-        <p:cNvPr id="1" name=""/>
-        <p:cNvGrpSpPr/>
-        <p:nvPr/>
-      </p:nvGrpSpPr>
-      <p:grpSpPr>
-        <a:xfrm>
-          <a:off x="0" y="0"/>
-          <a:ext cx="0" cy="0"/>
-          <a:chOff x="0" y="0"/>
-          <a:chExt cx="0" cy="0"/>
-        </a:xfrm>
-      </p:grpSpPr>
-      <p:sp>
-        <p:nvSpPr>
-          <p:cNvPr id="2" name="Title 1">
-            <a:extLst>
-              <a:ext uri="{FF2B5EF4-FFF2-40B4-BE49-F238E27FC236}">
-                <a16:creationId xmlns:a16="http://schemas.microsoft.com/office/drawing/2014/main" id="{70F862FE-7AB4-2B40-9C50-D8E23EDE994E}"/>
-              </a:ext>
-            </a:extLst>
-          </p:cNvPr>
-          <p:cNvSpPr>
-            <a:spLocks noGrp="1"/>
-          </p:cNvSpPr>
-          <p:nvPr>
-            <p:ph type="title"/>
-          </p:nvPr>
-        </p:nvSpPr>
-        <p:spPr/>
-        <p:txBody>
-          <a:bodyPr/>
-          <a:lstStyle/>
-          <a:p>
-            <a:r>
-              <a:rPr lang="en-AU" b="1" dirty="0"/>
-              <a:t>Pie Chart</a:t>
-            </a:r>
-          </a:p>
-        </p:txBody>
-      </p:sp>
-      <p:pic>
-        <p:nvPicPr>
-          <p:cNvPr id="5" name="Content Placeholder 4" descr="A screenshot of a pie chart&#10;&#10;Description automatically generated">
-            <a:extLst>
-              <a:ext uri="{FF2B5EF4-FFF2-40B4-BE49-F238E27FC236}">
-                <a16:creationId xmlns:a16="http://schemas.microsoft.com/office/drawing/2014/main" id="{92D1BC8F-EF0C-12E6-F26D-7487E137C964}"/>
-              </a:ext>
-            </a:extLst>
-          </p:cNvPr>
-          <p:cNvPicPr>
-            <a:picLocks noGrp="1" noChangeAspect="1"/>
-          </p:cNvPicPr>
-          <p:nvPr>
-            <p:ph idx="1"/>
-          </p:nvPr>
-        </p:nvPicPr>
-        <p:blipFill>
-          <a:blip r:embed="rId2">
-            <a:extLst>
-              <a:ext uri="{28A0092B-C50C-407E-A947-70E740481C1C}">
-                <a14:useLocalDpi xmlns:a14="http://schemas.microsoft.com/office/drawing/2010/main" val="0"/>
-              </a:ext>
-            </a:extLst>
-          </a:blip>
-          <a:stretch>
-            <a:fillRect/>
-          </a:stretch>
-        </p:blipFill>
-        <p:spPr>
-          <a:xfrm>
-            <a:off x="838197" y="1325000"/>
-            <a:ext cx="5068195" cy="5243464"/>
-          </a:xfrm>
-        </p:spPr>
-      </p:pic>
-      <p:sp>
-        <p:nvSpPr>
-          <p:cNvPr id="6" name="Content Placeholder 2">
-            <a:extLst>
-              <a:ext uri="{FF2B5EF4-FFF2-40B4-BE49-F238E27FC236}">
-                <a16:creationId xmlns:a16="http://schemas.microsoft.com/office/drawing/2014/main" id="{AFC96F1D-BCFC-A5E2-6FB2-BE01C0B84FBC}"/>
-              </a:ext>
-            </a:extLst>
-          </p:cNvPr>
-          <p:cNvSpPr txBox="1">
-            <a:spLocks/>
-          </p:cNvSpPr>
-          <p:nvPr/>
-        </p:nvSpPr>
-        <p:spPr>
-          <a:xfrm>
-            <a:off x="6721796" y="1806771"/>
-            <a:ext cx="5263375" cy="4351338"/>
-          </a:xfrm>
-          <a:prstGeom prst="rect">
-            <a:avLst/>
-          </a:prstGeom>
-        </p:spPr>
-        <p:txBody>
-          <a:bodyPr vert="horz" lIns="91440" tIns="45720" rIns="91440" bIns="45720" rtlCol="0">
-            <a:normAutofit fontScale="92500" lnSpcReduction="10000"/>
-          </a:bodyPr>
-          <a:lstStyle>
-            <a:lvl1pPr marL="228600" indent="-228600" algn="l" defTabSz="914400" rtl="0" eaLnBrk="1" latinLnBrk="0" hangingPunct="1">
-              <a:lnSpc>
-                <a:spcPct val="90000"/>
-              </a:lnSpc>
-              <a:spcBef>
-                <a:spcPts val="1000"/>
-              </a:spcBef>
-              <a:buFont typeface="Arial" panose="020B0604020202020204" pitchFamily="34" charset="0"/>
-              <a:buChar char="•"/>
-              <a:defRPr sz="2800" kern="1200">
-                <a:solidFill>
-                  <a:schemeClr val="tx1"/>
-                </a:solidFill>
-                <a:latin typeface="+mn-lt"/>
-                <a:ea typeface="+mn-ea"/>
-                <a:cs typeface="+mn-cs"/>
-              </a:defRPr>
-            </a:lvl1pPr>
-            <a:lvl2pPr marL="685800" indent="-228600" algn="l" defTabSz="914400" rtl="0" eaLnBrk="1" latinLnBrk="0" hangingPunct="1">
-              <a:lnSpc>
-                <a:spcPct val="90000"/>
-              </a:lnSpc>
-              <a:spcBef>
-                <a:spcPts val="500"/>
-              </a:spcBef>
-              <a:buFont typeface="Arial" panose="020B0604020202020204" pitchFamily="34" charset="0"/>
-              <a:buChar char="•"/>
-              <a:defRPr sz="2400" kern="1200">
-                <a:solidFill>
-                  <a:schemeClr val="tx1"/>
-                </a:solidFill>
-                <a:latin typeface="+mn-lt"/>
-                <a:ea typeface="+mn-ea"/>
-                <a:cs typeface="+mn-cs"/>
-              </a:defRPr>
-            </a:lvl2pPr>
-            <a:lvl3pPr marL="1143000" indent="-228600" algn="l" defTabSz="914400" rtl="0" eaLnBrk="1" latinLnBrk="0" hangingPunct="1">
-              <a:lnSpc>
-                <a:spcPct val="90000"/>
-              </a:lnSpc>
-              <a:spcBef>
-                <a:spcPts val="500"/>
-              </a:spcBef>
-              <a:buFont typeface="Arial" panose="020B0604020202020204" pitchFamily="34" charset="0"/>
-              <a:buChar char="•"/>
-              <a:defRPr sz="2000" kern="1200">
-                <a:solidFill>
-                  <a:schemeClr val="tx1"/>
-                </a:solidFill>
-                <a:latin typeface="+mn-lt"/>
-                <a:ea typeface="+mn-ea"/>
-                <a:cs typeface="+mn-cs"/>
-              </a:defRPr>
-            </a:lvl3pPr>
-            <a:lvl4pPr marL="1600200" indent="-228600" algn="l" defTabSz="914400" rtl="0" eaLnBrk="1" latinLnBrk="0" hangingPunct="1">
-              <a:lnSpc>
-                <a:spcPct val="90000"/>
-              </a:lnSpc>
-              <a:spcBef>
-                <a:spcPts val="500"/>
-              </a:spcBef>
-              <a:buFont typeface="Arial" panose="020B0604020202020204" pitchFamily="34" charset="0"/>
-              <a:buChar char="•"/>
-              <a:defRPr sz="1800" kern="1200">
-                <a:solidFill>
-                  <a:schemeClr val="tx1"/>
-                </a:solidFill>
-                <a:latin typeface="+mn-lt"/>
-                <a:ea typeface="+mn-ea"/>
-                <a:cs typeface="+mn-cs"/>
-              </a:defRPr>
-            </a:lvl4pPr>
-            <a:lvl5pPr marL="2057400" indent="-228600" algn="l" defTabSz="914400" rtl="0" eaLnBrk="1" latinLnBrk="0" hangingPunct="1">
-              <a:lnSpc>
-                <a:spcPct val="90000"/>
-              </a:lnSpc>
-              <a:spcBef>
-                <a:spcPts val="500"/>
-              </a:spcBef>
-              <a:buFont typeface="Arial" panose="020B0604020202020204" pitchFamily="34" charset="0"/>
-              <a:buChar char="•"/>
-              <a:defRPr sz="1800" kern="1200">
-                <a:solidFill>
-                  <a:schemeClr val="tx1"/>
-                </a:solidFill>
-                <a:latin typeface="+mn-lt"/>
-                <a:ea typeface="+mn-ea"/>
-                <a:cs typeface="+mn-cs"/>
-              </a:defRPr>
-            </a:lvl5pPr>
-            <a:lvl6pPr marL="2514600" indent="-228600" algn="l" defTabSz="914400" rtl="0" eaLnBrk="1" latinLnBrk="0" hangingPunct="1">
-              <a:lnSpc>
-                <a:spcPct val="90000"/>
-              </a:lnSpc>
-              <a:spcBef>
-                <a:spcPts val="500"/>
-              </a:spcBef>
-              <a:buFont typeface="Arial" panose="020B0604020202020204" pitchFamily="34" charset="0"/>
-              <a:buChar char="•"/>
-              <a:defRPr sz="1800" kern="1200">
-                <a:solidFill>
-                  <a:schemeClr val="tx1"/>
-                </a:solidFill>
-                <a:latin typeface="+mn-lt"/>
-                <a:ea typeface="+mn-ea"/>
-                <a:cs typeface="+mn-cs"/>
-              </a:defRPr>
-            </a:lvl6pPr>
-            <a:lvl7pPr marL="2971800" indent="-228600" algn="l" defTabSz="914400" rtl="0" eaLnBrk="1" latinLnBrk="0" hangingPunct="1">
-              <a:lnSpc>
-                <a:spcPct val="90000"/>
-              </a:lnSpc>
-              <a:spcBef>
-                <a:spcPts val="500"/>
-              </a:spcBef>
-              <a:buFont typeface="Arial" panose="020B0604020202020204" pitchFamily="34" charset="0"/>
-              <a:buChar char="•"/>
-              <a:defRPr sz="1800" kern="1200">
-                <a:solidFill>
-                  <a:schemeClr val="tx1"/>
-                </a:solidFill>
-                <a:latin typeface="+mn-lt"/>
-                <a:ea typeface="+mn-ea"/>
-                <a:cs typeface="+mn-cs"/>
-              </a:defRPr>
-            </a:lvl7pPr>
-            <a:lvl8pPr marL="3429000" indent="-228600" algn="l" defTabSz="914400" rtl="0" eaLnBrk="1" latinLnBrk="0" hangingPunct="1">
-              <a:lnSpc>
-                <a:spcPct val="90000"/>
-              </a:lnSpc>
-              <a:spcBef>
-                <a:spcPts val="500"/>
-              </a:spcBef>
-              <a:buFont typeface="Arial" panose="020B0604020202020204" pitchFamily="34" charset="0"/>
-              <a:buChar char="•"/>
-              <a:defRPr sz="1800" kern="1200">
-                <a:solidFill>
-                  <a:schemeClr val="tx1"/>
-                </a:solidFill>
-                <a:latin typeface="+mn-lt"/>
-                <a:ea typeface="+mn-ea"/>
-                <a:cs typeface="+mn-cs"/>
-              </a:defRPr>
-            </a:lvl8pPr>
-            <a:lvl9pPr marL="3886200" indent="-228600" algn="l" defTabSz="914400" rtl="0" eaLnBrk="1" latinLnBrk="0" hangingPunct="1">
-              <a:lnSpc>
-                <a:spcPct val="90000"/>
-              </a:lnSpc>
-              <a:spcBef>
-                <a:spcPts val="500"/>
-              </a:spcBef>
-              <a:buFont typeface="Arial" panose="020B0604020202020204" pitchFamily="34" charset="0"/>
-              <a:buChar char="•"/>
-              <a:defRPr sz="1800" kern="1200">
-                <a:solidFill>
-                  <a:schemeClr val="tx1"/>
-                </a:solidFill>
-                <a:latin typeface="+mn-lt"/>
-                <a:ea typeface="+mn-ea"/>
-                <a:cs typeface="+mn-cs"/>
-              </a:defRPr>
-            </a:lvl9pPr>
-          </a:lstStyle>
-          <a:p>
-            <a:pPr>
-              <a:buFont typeface="Arial" panose="020B0604020202020204" pitchFamily="34" charset="0"/>
-              <a:buBlip>
-                <a:blip r:embed="rId3">
-                  <a:extLst>
-                    <a:ext uri="{96DAC541-7B7A-43D3-8B79-37D633B846F1}">
-                      <asvg:svgBlip xmlns:asvg="http://schemas.microsoft.com/office/drawing/2016/SVG/main" r:embed="rId4"/>
-                    </a:ext>
-                  </a:extLst>
-                </a:blip>
-              </a:buBlip>
-            </a:pPr>
-            <a:r>
-              <a:rPr lang="en-AU" dirty="0"/>
-              <a:t>Libraries used:</a:t>
-            </a:r>
-          </a:p>
-          <a:p>
-            <a:pPr lvl="1">
-              <a:buFont typeface="Arial" panose="020B0604020202020204" pitchFamily="34" charset="0"/>
-              <a:buBlip>
-                <a:blip r:embed="rId3">
-                  <a:extLst>
-                    <a:ext uri="{96DAC541-7B7A-43D3-8B79-37D633B846F1}">
-                      <asvg:svgBlip xmlns:asvg="http://schemas.microsoft.com/office/drawing/2016/SVG/main" r:embed="rId4"/>
-                    </a:ext>
-                  </a:extLst>
-                </a:blip>
-              </a:buBlip>
-            </a:pPr>
-            <a:r>
-              <a:rPr lang="en-AU" dirty="0" err="1"/>
-              <a:t>Matplotlib.pyplot</a:t>
-            </a:r>
-            <a:endParaRPr lang="en-AU" dirty="0"/>
-          </a:p>
-          <a:p>
-            <a:pPr lvl="1">
-              <a:buFont typeface="Arial" panose="020B0604020202020204" pitchFamily="34" charset="0"/>
-              <a:buBlip>
-                <a:blip r:embed="rId3">
-                  <a:extLst>
-                    <a:ext uri="{96DAC541-7B7A-43D3-8B79-37D633B846F1}">
-                      <asvg:svgBlip xmlns:asvg="http://schemas.microsoft.com/office/drawing/2016/SVG/main" r:embed="rId4"/>
-                    </a:ext>
-                  </a:extLst>
-                </a:blip>
-              </a:buBlip>
-            </a:pPr>
-            <a:r>
-              <a:rPr lang="en-AU" dirty="0" err="1"/>
-              <a:t>Ipywidgets</a:t>
-            </a:r>
-            <a:r>
-              <a:rPr lang="en-AU" dirty="0"/>
-              <a:t> to enable interactive dropdown box</a:t>
-            </a:r>
-          </a:p>
-          <a:p>
-            <a:pPr marL="0" indent="0">
-              <a:buNone/>
-            </a:pPr>
-            <a:endParaRPr lang="en-AU" dirty="0"/>
-          </a:p>
-          <a:p>
-            <a:pPr>
-              <a:buFont typeface="Arial" panose="020B0604020202020204" pitchFamily="34" charset="0"/>
-              <a:buBlip>
-                <a:blip r:embed="rId3">
-                  <a:extLst>
-                    <a:ext uri="{96DAC541-7B7A-43D3-8B79-37D633B846F1}">
-                      <asvg:svgBlip xmlns:asvg="http://schemas.microsoft.com/office/drawing/2016/SVG/main" r:embed="rId4"/>
-                    </a:ext>
-                  </a:extLst>
-                </a:blip>
-              </a:buBlip>
-            </a:pPr>
-            <a:r>
-              <a:rPr lang="en-AU" dirty="0"/>
-              <a:t>Insights:</a:t>
-            </a:r>
-          </a:p>
-          <a:p>
-            <a:pPr lvl="1">
-              <a:buBlip>
-                <a:blip r:embed="rId3">
-                  <a:extLst>
-                    <a:ext uri="{96DAC541-7B7A-43D3-8B79-37D633B846F1}">
-                      <asvg:svgBlip xmlns:asvg="http://schemas.microsoft.com/office/drawing/2016/SVG/main" r:embed="rId4"/>
-                    </a:ext>
-                  </a:extLst>
-                </a:blip>
-              </a:buBlip>
-            </a:pPr>
-            <a:r>
-              <a:rPr lang="en-US" dirty="0">
-                <a:solidFill>
-                  <a:srgbClr val="0D0D0D"/>
-                </a:solidFill>
-                <a:highlight>
-                  <a:srgbClr val="FFFFFF"/>
-                </a:highlight>
-                <a:latin typeface="Söhne"/>
-              </a:rPr>
-              <a:t>Enables detailed street insights on light types and proportions</a:t>
-            </a:r>
-          </a:p>
-          <a:p>
-            <a:pPr lvl="1">
-              <a:buBlip>
-                <a:blip r:embed="rId3">
-                  <a:extLst>
-                    <a:ext uri="{96DAC541-7B7A-43D3-8B79-37D633B846F1}">
-                      <asvg:svgBlip xmlns:asvg="http://schemas.microsoft.com/office/drawing/2016/SVG/main" r:embed="rId4"/>
-                    </a:ext>
-                  </a:extLst>
-                </a:blip>
-              </a:buBlip>
-            </a:pPr>
-            <a:r>
-              <a:rPr lang="en-US" dirty="0">
-                <a:solidFill>
-                  <a:srgbClr val="0D0D0D"/>
-                </a:solidFill>
-                <a:highlight>
-                  <a:srgbClr val="FFFFFF"/>
-                </a:highlight>
-                <a:latin typeface="Söhne"/>
-              </a:rPr>
-              <a:t>Light types often have different energy efficiencies, this tool would allow for targeted roll out of new technologies</a:t>
-            </a:r>
-          </a:p>
-          <a:p>
-            <a:pPr lvl="1">
-              <a:buBlip>
-                <a:blip r:embed="rId3">
-                  <a:extLst>
-                    <a:ext uri="{96DAC541-7B7A-43D3-8B79-37D633B846F1}">
-                      <asvg:svgBlip xmlns:asvg="http://schemas.microsoft.com/office/drawing/2016/SVG/main" r:embed="rId4"/>
-                    </a:ext>
-                  </a:extLst>
-                </a:blip>
-              </a:buBlip>
-            </a:pPr>
-            <a:r>
-              <a:rPr lang="en-US" dirty="0">
-                <a:solidFill>
-                  <a:srgbClr val="0D0D0D"/>
-                </a:solidFill>
-                <a:highlight>
-                  <a:srgbClr val="FFFFFF"/>
-                </a:highlight>
-                <a:latin typeface="Söhne"/>
-              </a:rPr>
-              <a:t>Works in conjunction with the Map visualization tool</a:t>
-            </a:r>
-          </a:p>
-          <a:p>
-            <a:pPr marL="457200" lvl="1" indent="0">
-              <a:buFont typeface="Arial" panose="020B0604020202020204" pitchFamily="34" charset="0"/>
-              <a:buNone/>
-            </a:pPr>
-            <a:endParaRPr lang="en-AU" sz="2800" dirty="0"/>
-          </a:p>
-          <a:p>
-            <a:pPr lvl="1"/>
-            <a:endParaRPr lang="en-AU" dirty="0"/>
-          </a:p>
-          <a:p>
-            <a:pPr lvl="1"/>
-            <a:endParaRPr lang="en-AU" dirty="0"/>
-          </a:p>
-        </p:txBody>
-      </p:sp>
-    </p:spTree>
-    <p:extLst>
-      <p:ext uri="{BB962C8B-B14F-4D97-AF65-F5344CB8AC3E}">
-        <p14:creationId xmlns:p14="http://schemas.microsoft.com/office/powerpoint/2010/main" val="3053205267"/>
-      </p:ext>
-    </p:extLst>
-  </p:cSld>
-  <p:clrMapOvr>
-    <a:masterClrMapping/>
-  </p:clrMapOvr>
-</p:sld>
-</file>
-
-<file path=ppt/slides/slide6.xml><?xml version="1.0" encoding="utf-8"?>
-<p:sld xmlns:a="http://schemas.openxmlformats.org/drawingml/2006/main" xmlns:r="http://schemas.openxmlformats.org/officeDocument/2006/relationships" xmlns:p="http://schemas.openxmlformats.org/presentationml/2006/main">
-  <p:cSld>
-    <p:spTree>
-      <p:nvGrpSpPr>
-        <p:cNvPr id="1" name=""/>
-        <p:cNvGrpSpPr/>
-        <p:nvPr/>
-      </p:nvGrpSpPr>
-      <p:grpSpPr>
-        <a:xfrm>
-          <a:off x="0" y="0"/>
-          <a:ext cx="0" cy="0"/>
-          <a:chOff x="0" y="0"/>
-          <a:chExt cx="0" cy="0"/>
-        </a:xfrm>
-      </p:grpSpPr>
-      <p:sp>
-        <p:nvSpPr>
-          <p:cNvPr id="2" name="Title 1">
-            <a:extLst>
-              <a:ext uri="{FF2B5EF4-FFF2-40B4-BE49-F238E27FC236}">
-                <a16:creationId xmlns:a16="http://schemas.microsoft.com/office/drawing/2014/main" id="{309B7083-1C7F-C5AF-3BF8-10AB1375C37C}"/>
-              </a:ext>
-            </a:extLst>
-          </p:cNvPr>
-          <p:cNvSpPr>
-            <a:spLocks noGrp="1"/>
-          </p:cNvSpPr>
-          <p:nvPr>
-            <p:ph type="title"/>
-          </p:nvPr>
-        </p:nvSpPr>
-        <p:spPr/>
-        <p:txBody>
-          <a:bodyPr/>
-          <a:lstStyle/>
-          <a:p>
-            <a:r>
-              <a:rPr lang="en-AU" b="1" dirty="0"/>
-              <a:t>Map</a:t>
-            </a:r>
-          </a:p>
-        </p:txBody>
-      </p:sp>
-      <p:sp>
-        <p:nvSpPr>
-          <p:cNvPr id="4" name="Content Placeholder 2">
-            <a:extLst>
-              <a:ext uri="{FF2B5EF4-FFF2-40B4-BE49-F238E27FC236}">
-                <a16:creationId xmlns:a16="http://schemas.microsoft.com/office/drawing/2014/main" id="{A08E355C-12C9-7B52-4766-1D9ECA652EC8}"/>
-              </a:ext>
-            </a:extLst>
-          </p:cNvPr>
-          <p:cNvSpPr txBox="1">
-            <a:spLocks/>
-          </p:cNvSpPr>
-          <p:nvPr/>
-        </p:nvSpPr>
-        <p:spPr>
-          <a:xfrm>
-            <a:off x="6721796" y="1806771"/>
-            <a:ext cx="5263375" cy="4351338"/>
-          </a:xfrm>
-          <a:prstGeom prst="rect">
-            <a:avLst/>
-          </a:prstGeom>
-        </p:spPr>
-        <p:txBody>
-          <a:bodyPr vert="horz" lIns="91440" tIns="45720" rIns="91440" bIns="45720" rtlCol="0">
-            <a:normAutofit fontScale="92500" lnSpcReduction="20000"/>
-          </a:bodyPr>
-          <a:lstStyle>
-            <a:lvl1pPr marL="228600" indent="-228600" algn="l" defTabSz="914400" rtl="0" eaLnBrk="1" latinLnBrk="0" hangingPunct="1">
-              <a:lnSpc>
-                <a:spcPct val="90000"/>
-              </a:lnSpc>
-              <a:spcBef>
-                <a:spcPts val="1000"/>
-              </a:spcBef>
-              <a:buFont typeface="Arial" panose="020B0604020202020204" pitchFamily="34" charset="0"/>
-              <a:buChar char="•"/>
-              <a:defRPr sz="2800" kern="1200">
-                <a:solidFill>
-                  <a:schemeClr val="tx1"/>
-                </a:solidFill>
-                <a:latin typeface="+mn-lt"/>
-                <a:ea typeface="+mn-ea"/>
-                <a:cs typeface="+mn-cs"/>
-              </a:defRPr>
-            </a:lvl1pPr>
-            <a:lvl2pPr marL="685800" indent="-228600" algn="l" defTabSz="914400" rtl="0" eaLnBrk="1" latinLnBrk="0" hangingPunct="1">
-              <a:lnSpc>
-                <a:spcPct val="90000"/>
-              </a:lnSpc>
-              <a:spcBef>
-                <a:spcPts val="500"/>
-              </a:spcBef>
-              <a:buFont typeface="Arial" panose="020B0604020202020204" pitchFamily="34" charset="0"/>
-              <a:buChar char="•"/>
-              <a:defRPr sz="2400" kern="1200">
-                <a:solidFill>
-                  <a:schemeClr val="tx1"/>
-                </a:solidFill>
-                <a:latin typeface="+mn-lt"/>
-                <a:ea typeface="+mn-ea"/>
-                <a:cs typeface="+mn-cs"/>
-              </a:defRPr>
-            </a:lvl2pPr>
-            <a:lvl3pPr marL="1143000" indent="-228600" algn="l" defTabSz="914400" rtl="0" eaLnBrk="1" latinLnBrk="0" hangingPunct="1">
-              <a:lnSpc>
-                <a:spcPct val="90000"/>
-              </a:lnSpc>
-              <a:spcBef>
-                <a:spcPts val="500"/>
-              </a:spcBef>
-              <a:buFont typeface="Arial" panose="020B0604020202020204" pitchFamily="34" charset="0"/>
-              <a:buChar char="•"/>
-              <a:defRPr sz="2000" kern="1200">
-                <a:solidFill>
-                  <a:schemeClr val="tx1"/>
-                </a:solidFill>
-                <a:latin typeface="+mn-lt"/>
-                <a:ea typeface="+mn-ea"/>
-                <a:cs typeface="+mn-cs"/>
-              </a:defRPr>
-            </a:lvl3pPr>
-            <a:lvl4pPr marL="1600200" indent="-228600" algn="l" defTabSz="914400" rtl="0" eaLnBrk="1" latinLnBrk="0" hangingPunct="1">
-              <a:lnSpc>
-                <a:spcPct val="90000"/>
-              </a:lnSpc>
-              <a:spcBef>
-                <a:spcPts val="500"/>
-              </a:spcBef>
-              <a:buFont typeface="Arial" panose="020B0604020202020204" pitchFamily="34" charset="0"/>
-              <a:buChar char="•"/>
-              <a:defRPr sz="1800" kern="1200">
-                <a:solidFill>
-                  <a:schemeClr val="tx1"/>
-                </a:solidFill>
-                <a:latin typeface="+mn-lt"/>
-                <a:ea typeface="+mn-ea"/>
-                <a:cs typeface="+mn-cs"/>
-              </a:defRPr>
-            </a:lvl4pPr>
-            <a:lvl5pPr marL="2057400" indent="-228600" algn="l" defTabSz="914400" rtl="0" eaLnBrk="1" latinLnBrk="0" hangingPunct="1">
-              <a:lnSpc>
-                <a:spcPct val="90000"/>
-              </a:lnSpc>
-              <a:spcBef>
-                <a:spcPts val="500"/>
-              </a:spcBef>
-              <a:buFont typeface="Arial" panose="020B0604020202020204" pitchFamily="34" charset="0"/>
-              <a:buChar char="•"/>
-              <a:defRPr sz="1800" kern="1200">
-                <a:solidFill>
-                  <a:schemeClr val="tx1"/>
-                </a:solidFill>
-                <a:latin typeface="+mn-lt"/>
-                <a:ea typeface="+mn-ea"/>
-                <a:cs typeface="+mn-cs"/>
-              </a:defRPr>
-            </a:lvl5pPr>
-            <a:lvl6pPr marL="2514600" indent="-228600" algn="l" defTabSz="914400" rtl="0" eaLnBrk="1" latinLnBrk="0" hangingPunct="1">
-              <a:lnSpc>
-                <a:spcPct val="90000"/>
-              </a:lnSpc>
-              <a:spcBef>
-                <a:spcPts val="500"/>
-              </a:spcBef>
-              <a:buFont typeface="Arial" panose="020B0604020202020204" pitchFamily="34" charset="0"/>
-              <a:buChar char="•"/>
-              <a:defRPr sz="1800" kern="1200">
-                <a:solidFill>
-                  <a:schemeClr val="tx1"/>
-                </a:solidFill>
-                <a:latin typeface="+mn-lt"/>
-                <a:ea typeface="+mn-ea"/>
-                <a:cs typeface="+mn-cs"/>
-              </a:defRPr>
-            </a:lvl6pPr>
-            <a:lvl7pPr marL="2971800" indent="-228600" algn="l" defTabSz="914400" rtl="0" eaLnBrk="1" latinLnBrk="0" hangingPunct="1">
-              <a:lnSpc>
-                <a:spcPct val="90000"/>
-              </a:lnSpc>
-              <a:spcBef>
-                <a:spcPts val="500"/>
-              </a:spcBef>
-              <a:buFont typeface="Arial" panose="020B0604020202020204" pitchFamily="34" charset="0"/>
-              <a:buChar char="•"/>
-              <a:defRPr sz="1800" kern="1200">
-                <a:solidFill>
-                  <a:schemeClr val="tx1"/>
-                </a:solidFill>
-                <a:latin typeface="+mn-lt"/>
-                <a:ea typeface="+mn-ea"/>
-                <a:cs typeface="+mn-cs"/>
-              </a:defRPr>
-            </a:lvl7pPr>
-            <a:lvl8pPr marL="3429000" indent="-228600" algn="l" defTabSz="914400" rtl="0" eaLnBrk="1" latinLnBrk="0" hangingPunct="1">
-              <a:lnSpc>
-                <a:spcPct val="90000"/>
-              </a:lnSpc>
-              <a:spcBef>
-                <a:spcPts val="500"/>
-              </a:spcBef>
-              <a:buFont typeface="Arial" panose="020B0604020202020204" pitchFamily="34" charset="0"/>
-              <a:buChar char="•"/>
-              <a:defRPr sz="1800" kern="1200">
-                <a:solidFill>
-                  <a:schemeClr val="tx1"/>
-                </a:solidFill>
-                <a:latin typeface="+mn-lt"/>
-                <a:ea typeface="+mn-ea"/>
-                <a:cs typeface="+mn-cs"/>
-              </a:defRPr>
-            </a:lvl8pPr>
-            <a:lvl9pPr marL="3886200" indent="-228600" algn="l" defTabSz="914400" rtl="0" eaLnBrk="1" latinLnBrk="0" hangingPunct="1">
-              <a:lnSpc>
-                <a:spcPct val="90000"/>
-              </a:lnSpc>
-              <a:spcBef>
-                <a:spcPts val="500"/>
-              </a:spcBef>
-              <a:buFont typeface="Arial" panose="020B0604020202020204" pitchFamily="34" charset="0"/>
-              <a:buChar char="•"/>
-              <a:defRPr sz="1800" kern="1200">
-                <a:solidFill>
-                  <a:schemeClr val="tx1"/>
-                </a:solidFill>
-                <a:latin typeface="+mn-lt"/>
-                <a:ea typeface="+mn-ea"/>
-                <a:cs typeface="+mn-cs"/>
-              </a:defRPr>
-            </a:lvl9pPr>
-          </a:lstStyle>
-          <a:p>
-            <a:pPr>
-              <a:buFont typeface="Arial" panose="020B0604020202020204" pitchFamily="34" charset="0"/>
-              <a:buBlip>
-                <a:blip r:embed="rId2">
-                  <a:extLst>
-                    <a:ext uri="{96DAC541-7B7A-43D3-8B79-37D633B846F1}">
-                      <asvg:svgBlip xmlns:asvg="http://schemas.microsoft.com/office/drawing/2016/SVG/main" r:embed="rId3"/>
-                    </a:ext>
-                  </a:extLst>
-                </a:blip>
-              </a:buBlip>
-            </a:pPr>
-            <a:r>
-              <a:rPr lang="en-AU" dirty="0"/>
-              <a:t>Libraries used:</a:t>
-            </a:r>
-          </a:p>
-          <a:p>
-            <a:pPr lvl="1">
-              <a:buFont typeface="Arial" panose="020B0604020202020204" pitchFamily="34" charset="0"/>
-              <a:buBlip>
-                <a:blip r:embed="rId2">
-                  <a:extLst>
-                    <a:ext uri="{96DAC541-7B7A-43D3-8B79-37D633B846F1}">
-                      <asvg:svgBlip xmlns:asvg="http://schemas.microsoft.com/office/drawing/2016/SVG/main" r:embed="rId3"/>
-                    </a:ext>
-                  </a:extLst>
-                </a:blip>
-              </a:buBlip>
-            </a:pPr>
-            <a:r>
-              <a:rPr lang="en-US" b="0" i="0" dirty="0" err="1">
-                <a:solidFill>
-                  <a:srgbClr val="0D0D0D"/>
-                </a:solidFill>
-                <a:effectLst/>
-                <a:highlight>
-                  <a:srgbClr val="FFFFFF"/>
-                </a:highlight>
-                <a:latin typeface="Söhne"/>
-              </a:rPr>
-              <a:t>geopandas</a:t>
-            </a:r>
-            <a:r>
-              <a:rPr lang="en-US" b="0" i="0" dirty="0">
-                <a:solidFill>
-                  <a:srgbClr val="0D0D0D"/>
-                </a:solidFill>
-                <a:effectLst/>
-                <a:highlight>
-                  <a:srgbClr val="FFFFFF"/>
-                </a:highlight>
-                <a:latin typeface="Söhne"/>
-              </a:rPr>
-              <a:t> </a:t>
-            </a:r>
-          </a:p>
-          <a:p>
-            <a:pPr lvl="1">
-              <a:buFont typeface="Arial" panose="020B0604020202020204" pitchFamily="34" charset="0"/>
-              <a:buBlip>
-                <a:blip r:embed="rId2">
-                  <a:extLst>
-                    <a:ext uri="{96DAC541-7B7A-43D3-8B79-37D633B846F1}">
-                      <asvg:svgBlip xmlns:asvg="http://schemas.microsoft.com/office/drawing/2016/SVG/main" r:embed="rId3"/>
-                    </a:ext>
-                  </a:extLst>
-                </a:blip>
-              </a:buBlip>
-            </a:pPr>
-            <a:r>
-              <a:rPr lang="en-US" b="0" i="0" dirty="0" err="1">
-                <a:solidFill>
-                  <a:srgbClr val="0D0D0D"/>
-                </a:solidFill>
-                <a:effectLst/>
-                <a:highlight>
-                  <a:srgbClr val="FFFFFF"/>
-                </a:highlight>
-                <a:latin typeface="Söhne"/>
-              </a:rPr>
-              <a:t>shapely.geometry</a:t>
-            </a:r>
-            <a:r>
-              <a:rPr lang="en-US" b="0" i="0" dirty="0">
-                <a:solidFill>
-                  <a:srgbClr val="0D0D0D"/>
-                </a:solidFill>
-                <a:effectLst/>
-                <a:highlight>
-                  <a:srgbClr val="FFFFFF"/>
-                </a:highlight>
-                <a:latin typeface="Söhne"/>
-              </a:rPr>
-              <a:t> </a:t>
-            </a:r>
-          </a:p>
-          <a:p>
-            <a:pPr lvl="1">
-              <a:buFont typeface="Arial" panose="020B0604020202020204" pitchFamily="34" charset="0"/>
-              <a:buBlip>
-                <a:blip r:embed="rId2">
-                  <a:extLst>
-                    <a:ext uri="{96DAC541-7B7A-43D3-8B79-37D633B846F1}">
-                      <asvg:svgBlip xmlns:asvg="http://schemas.microsoft.com/office/drawing/2016/SVG/main" r:embed="rId3"/>
-                    </a:ext>
-                  </a:extLst>
-                </a:blip>
-              </a:buBlip>
-            </a:pPr>
-            <a:r>
-              <a:rPr lang="en-US" b="0" i="0" dirty="0" err="1">
-                <a:solidFill>
-                  <a:srgbClr val="0D0D0D"/>
-                </a:solidFill>
-                <a:effectLst/>
-                <a:highlight>
-                  <a:srgbClr val="FFFFFF"/>
-                </a:highlight>
-                <a:latin typeface="Söhne"/>
-              </a:rPr>
-              <a:t>plotly.express</a:t>
-            </a:r>
-            <a:endParaRPr lang="en-US" b="0" i="0" dirty="0">
-              <a:solidFill>
-                <a:srgbClr val="0D0D0D"/>
-              </a:solidFill>
-              <a:effectLst/>
-              <a:highlight>
-                <a:srgbClr val="FFFFFF"/>
-              </a:highlight>
-              <a:latin typeface="Söhne"/>
-            </a:endParaRPr>
-          </a:p>
-          <a:p>
-            <a:pPr marL="457200" lvl="1" indent="0">
-              <a:buNone/>
-            </a:pPr>
-            <a:endParaRPr lang="en-US" dirty="0">
-              <a:solidFill>
-                <a:srgbClr val="0D0D0D"/>
-              </a:solidFill>
-              <a:highlight>
-                <a:srgbClr val="FFFFFF"/>
-              </a:highlight>
-              <a:latin typeface="Söhne"/>
-            </a:endParaRPr>
-          </a:p>
-          <a:p>
-            <a:pPr>
-              <a:buFont typeface="Arial" panose="020B0604020202020204" pitchFamily="34" charset="0"/>
-              <a:buBlip>
-                <a:blip r:embed="rId2">
-                  <a:extLst>
-                    <a:ext uri="{96DAC541-7B7A-43D3-8B79-37D633B846F1}">
-                      <asvg:svgBlip xmlns:asvg="http://schemas.microsoft.com/office/drawing/2016/SVG/main" r:embed="rId3"/>
-                    </a:ext>
-                  </a:extLst>
-                </a:blip>
-              </a:buBlip>
-            </a:pPr>
-            <a:r>
-              <a:rPr lang="en-AU" dirty="0"/>
-              <a:t>Insights:</a:t>
-            </a:r>
-          </a:p>
-          <a:p>
-            <a:pPr lvl="1">
-              <a:buBlip>
-                <a:blip r:embed="rId2">
-                  <a:extLst>
-                    <a:ext uri="{96DAC541-7B7A-43D3-8B79-37D633B846F1}">
-                      <asvg:svgBlip xmlns:asvg="http://schemas.microsoft.com/office/drawing/2016/SVG/main" r:embed="rId3"/>
-                    </a:ext>
-                  </a:extLst>
-                </a:blip>
-              </a:buBlip>
-            </a:pPr>
-            <a:r>
-              <a:rPr lang="en-US" dirty="0">
-                <a:solidFill>
-                  <a:srgbClr val="0D0D0D"/>
-                </a:solidFill>
-                <a:highlight>
-                  <a:srgbClr val="FFFFFF"/>
-                </a:highlight>
-                <a:latin typeface="Söhne"/>
-              </a:rPr>
-              <a:t>Facilitates seamless navigation of Washington DC’s network.</a:t>
-            </a:r>
-          </a:p>
-          <a:p>
-            <a:pPr lvl="1">
-              <a:buBlip>
-                <a:blip r:embed="rId2">
-                  <a:extLst>
-                    <a:ext uri="{96DAC541-7B7A-43D3-8B79-37D633B846F1}">
-                      <asvg:svgBlip xmlns:asvg="http://schemas.microsoft.com/office/drawing/2016/SVG/main" r:embed="rId3"/>
-                    </a:ext>
-                  </a:extLst>
-                </a:blip>
-              </a:buBlip>
-            </a:pPr>
-            <a:r>
-              <a:rPr lang="en-US" dirty="0">
-                <a:solidFill>
-                  <a:srgbClr val="0D0D0D"/>
-                </a:solidFill>
-                <a:highlight>
-                  <a:srgbClr val="FFFFFF"/>
-                </a:highlight>
-                <a:latin typeface="Söhne"/>
-              </a:rPr>
-              <a:t>Enables rapid understanding of the types of lights and their wattage across locations.</a:t>
-            </a:r>
-          </a:p>
-          <a:p>
-            <a:pPr lvl="1">
-              <a:buBlip>
-                <a:blip r:embed="rId2">
-                  <a:extLst>
-                    <a:ext uri="{96DAC541-7B7A-43D3-8B79-37D633B846F1}">
-                      <asvg:svgBlip xmlns:asvg="http://schemas.microsoft.com/office/drawing/2016/SVG/main" r:embed="rId3"/>
-                    </a:ext>
-                  </a:extLst>
-                </a:blip>
-              </a:buBlip>
-            </a:pPr>
-            <a:r>
-              <a:rPr lang="en-US" dirty="0">
-                <a:solidFill>
-                  <a:srgbClr val="0D0D0D"/>
-                </a:solidFill>
-                <a:highlight>
-                  <a:srgbClr val="FFFFFF"/>
-                </a:highlight>
-                <a:latin typeface="Söhne"/>
-              </a:rPr>
-              <a:t>Provides users information to make swift comparison of light patterns and clusters across streets and neighborhoods.</a:t>
-            </a:r>
-          </a:p>
-          <a:p>
-            <a:pPr marL="457200" lvl="1" indent="0">
-              <a:buNone/>
-            </a:pPr>
-            <a:endParaRPr lang="en-US" b="0" i="0" dirty="0">
-              <a:solidFill>
-                <a:srgbClr val="0D0D0D"/>
-              </a:solidFill>
-              <a:effectLst/>
-              <a:highlight>
-                <a:srgbClr val="FFFFFF"/>
-              </a:highlight>
-              <a:latin typeface="Söhne"/>
-            </a:endParaRPr>
-          </a:p>
-          <a:p>
-            <a:pPr marL="457200" lvl="1" indent="0">
-              <a:buNone/>
-            </a:pPr>
-            <a:endParaRPr lang="en-AU" dirty="0"/>
-          </a:p>
-          <a:p>
-            <a:pPr marL="457200" lvl="1" indent="0">
-              <a:buFont typeface="Arial" panose="020B0604020202020204" pitchFamily="34" charset="0"/>
-              <a:buNone/>
-            </a:pPr>
-            <a:endParaRPr lang="en-AU" sz="2800" dirty="0"/>
-          </a:p>
-          <a:p>
-            <a:pPr lvl="1"/>
-            <a:endParaRPr lang="en-AU" dirty="0"/>
-          </a:p>
-          <a:p>
-            <a:pPr lvl="1"/>
-            <a:endParaRPr lang="en-AU" dirty="0"/>
-          </a:p>
-        </p:txBody>
-      </p:sp>
-      <p:pic>
-        <p:nvPicPr>
-          <p:cNvPr id="10" name="Picture 9" descr="A map with a red and blue square&#10;&#10;Description automatically generated">
-            <a:extLst>
-              <a:ext uri="{FF2B5EF4-FFF2-40B4-BE49-F238E27FC236}">
-                <a16:creationId xmlns:a16="http://schemas.microsoft.com/office/drawing/2014/main" id="{13A2C17E-BD98-D9F7-06B5-6FC8CD695041}"/>
-              </a:ext>
-            </a:extLst>
-          </p:cNvPr>
-          <p:cNvPicPr>
-            <a:picLocks noChangeAspect="1"/>
-          </p:cNvPicPr>
-          <p:nvPr/>
-        </p:nvPicPr>
-        <p:blipFill>
-          <a:blip r:embed="rId4">
-            <a:extLst>
-              <a:ext uri="{28A0092B-C50C-407E-A947-70E740481C1C}">
-                <a14:useLocalDpi xmlns:a14="http://schemas.microsoft.com/office/drawing/2010/main" val="0"/>
-              </a:ext>
-            </a:extLst>
-          </a:blip>
-          <a:stretch>
-            <a:fillRect/>
-          </a:stretch>
-        </p:blipFill>
-        <p:spPr>
-          <a:xfrm>
-            <a:off x="838197" y="1690687"/>
-            <a:ext cx="5560346" cy="3772094"/>
+            <a:off x="10721788" y="217872"/>
+            <a:ext cx="1354882" cy="1354882"/>
           </a:xfrm>
           <a:prstGeom prst="rect">
             <a:avLst/>
@@ -7642,309 +7565,133 @@
     </p:spTree>
     <p:extLst>
       <p:ext uri="{BB962C8B-B14F-4D97-AF65-F5344CB8AC3E}">
-        <p14:creationId xmlns:p14="http://schemas.microsoft.com/office/powerpoint/2010/main" val="1511660154"/>
+        <p14:creationId xmlns:p14="http://schemas.microsoft.com/office/powerpoint/2010/main" val="3865005548"/>
       </p:ext>
     </p:extLst>
   </p:cSld>
   <p:clrMapOvr>
     <a:masterClrMapping/>
   </p:clrMapOvr>
-</p:sld>
-</file>
-
-<file path=ppt/slides/slide7.xml><?xml version="1.0" encoding="utf-8"?>
-<p:sld xmlns:a="http://schemas.openxmlformats.org/drawingml/2006/main" xmlns:r="http://schemas.openxmlformats.org/officeDocument/2006/relationships" xmlns:p="http://schemas.openxmlformats.org/presentationml/2006/main">
-  <p:cSld>
-    <p:spTree>
-      <p:nvGrpSpPr>
-        <p:cNvPr id="1" name=""/>
-        <p:cNvGrpSpPr/>
-        <p:nvPr/>
-      </p:nvGrpSpPr>
-      <p:grpSpPr>
-        <a:xfrm>
-          <a:off x="0" y="0"/>
-          <a:ext cx="0" cy="0"/>
-          <a:chOff x="0" y="0"/>
-          <a:chExt cx="0" cy="0"/>
-        </a:xfrm>
-      </p:grpSpPr>
-      <p:sp>
-        <p:nvSpPr>
-          <p:cNvPr id="2" name="Title 1">
-            <a:extLst>
-              <a:ext uri="{FF2B5EF4-FFF2-40B4-BE49-F238E27FC236}">
-                <a16:creationId xmlns:a16="http://schemas.microsoft.com/office/drawing/2014/main" id="{526B4E1B-6B9D-9778-8731-BAB987F85FFD}"/>
-              </a:ext>
-            </a:extLst>
-          </p:cNvPr>
-          <p:cNvSpPr>
-            <a:spLocks noGrp="1"/>
-          </p:cNvSpPr>
-          <p:nvPr>
-            <p:ph type="title"/>
-          </p:nvPr>
-        </p:nvSpPr>
-        <p:spPr/>
-        <p:txBody>
-          <a:bodyPr/>
-          <a:lstStyle/>
-          <a:p>
-            <a:r>
-              <a:rPr lang="en-AU" b="1" dirty="0"/>
-              <a:t>References</a:t>
-            </a:r>
-          </a:p>
-        </p:txBody>
-      </p:sp>
-      <p:sp>
-        <p:nvSpPr>
-          <p:cNvPr id="3" name="Content Placeholder 2">
-            <a:extLst>
-              <a:ext uri="{FF2B5EF4-FFF2-40B4-BE49-F238E27FC236}">
-                <a16:creationId xmlns:a16="http://schemas.microsoft.com/office/drawing/2014/main" id="{FE2A3832-CC75-F2DF-B39D-8B8F47C76170}"/>
-              </a:ext>
-            </a:extLst>
-          </p:cNvPr>
-          <p:cNvSpPr>
-            <a:spLocks noGrp="1"/>
-          </p:cNvSpPr>
-          <p:nvPr>
-            <p:ph idx="1"/>
-          </p:nvPr>
-        </p:nvSpPr>
-        <p:spPr/>
-        <p:txBody>
-          <a:bodyPr>
-            <a:normAutofit fontScale="85000" lnSpcReduction="20000"/>
-          </a:bodyPr>
-          <a:lstStyle/>
-          <a:p>
-            <a:r>
-              <a:rPr lang="en-US" b="0" i="0" dirty="0">
-                <a:solidFill>
-                  <a:srgbClr val="0D0D0D"/>
-                </a:solidFill>
-                <a:effectLst/>
-                <a:highlight>
-                  <a:srgbClr val="FFFFFF"/>
-                </a:highlight>
-                <a:latin typeface="Söhne"/>
-              </a:rPr>
-              <a:t>OpenAI. (2024). ChatGPT. Retrieved April 11, 2024 from </a:t>
-            </a:r>
-            <a:r>
-              <a:rPr lang="en-US" b="0" i="0" u="none" strike="noStrike" dirty="0">
-                <a:effectLst/>
-                <a:highlight>
-                  <a:srgbClr val="FFFFFF"/>
-                </a:highlight>
-                <a:latin typeface="Söhne"/>
-                <a:hlinkClick r:id="rId2"/>
-              </a:rPr>
-              <a:t>https://openai.com/chatgpt</a:t>
-            </a:r>
-            <a:endParaRPr lang="en-US" b="0" i="0" dirty="0">
-              <a:solidFill>
-                <a:srgbClr val="0D0D0D"/>
-              </a:solidFill>
-              <a:effectLst/>
-              <a:highlight>
-                <a:srgbClr val="FFFFFF"/>
-              </a:highlight>
-              <a:latin typeface="Söhne"/>
-            </a:endParaRPr>
-          </a:p>
-          <a:p>
-            <a:r>
-              <a:rPr lang="en-US" b="0" i="0" dirty="0" err="1">
-                <a:solidFill>
-                  <a:srgbClr val="0D0D0D"/>
-                </a:solidFill>
-                <a:effectLst/>
-                <a:highlight>
-                  <a:srgbClr val="FFFFFF"/>
-                </a:highlight>
-                <a:latin typeface="Söhne"/>
-              </a:rPr>
-              <a:t>OpenData</a:t>
-            </a:r>
-            <a:r>
-              <a:rPr lang="en-US" b="0" i="0" dirty="0">
-                <a:solidFill>
-                  <a:srgbClr val="0D0D0D"/>
-                </a:solidFill>
-                <a:effectLst/>
-                <a:highlight>
-                  <a:srgbClr val="FFFFFF"/>
-                </a:highlight>
-                <a:latin typeface="Söhne"/>
-              </a:rPr>
-              <a:t> DC. (2024). Streetlight Locations. Retrieved April 4, 2024, from </a:t>
-            </a:r>
-            <a:r>
-              <a:rPr lang="en-US" b="0" i="0" u="none" strike="noStrike" dirty="0">
-                <a:effectLst/>
-                <a:highlight>
-                  <a:srgbClr val="FFFFFF"/>
-                </a:highlight>
-                <a:latin typeface="Söhne"/>
-                <a:hlinkClick r:id="rId3"/>
-              </a:rPr>
-              <a:t>https://opendata.dc.gov/datasets/6cb6520725b0489d9a209a337818fad1_90/explore?location=38.894874%2C-77.022089%2C15.00</a:t>
-            </a:r>
-            <a:endParaRPr lang="en-US" b="0" i="0" u="none" strike="noStrike" dirty="0">
-              <a:effectLst/>
-              <a:highlight>
-                <a:srgbClr val="FFFFFF"/>
-              </a:highlight>
-              <a:latin typeface="Söhne"/>
-            </a:endParaRPr>
-          </a:p>
-          <a:p>
-            <a:r>
-              <a:rPr lang="en-US" b="0" i="0" dirty="0">
-                <a:solidFill>
-                  <a:srgbClr val="0D0D0D"/>
-                </a:solidFill>
-                <a:effectLst/>
-                <a:highlight>
-                  <a:srgbClr val="FFFFFF"/>
-                </a:highlight>
-                <a:latin typeface="Söhne"/>
-              </a:rPr>
-              <a:t>Perchance. (2024). AI Text-to-Image Generator. Retrieved April 13, 2024, from </a:t>
-            </a:r>
-            <a:r>
-              <a:rPr lang="en-US" b="0" i="0" u="none" strike="noStrike" dirty="0">
-                <a:effectLst/>
-                <a:highlight>
-                  <a:srgbClr val="FFFFFF"/>
-                </a:highlight>
-                <a:latin typeface="Söhne"/>
-                <a:hlinkClick r:id="rId4"/>
-              </a:rPr>
-              <a:t>https://perchance.org/ai-text-to-image-generator</a:t>
-            </a:r>
-            <a:endParaRPr lang="en-US" b="0" i="0" u="none" strike="noStrike" dirty="0">
-              <a:effectLst/>
-              <a:highlight>
-                <a:srgbClr val="FFFFFF"/>
-              </a:highlight>
-              <a:latin typeface="Söhne"/>
-            </a:endParaRPr>
-          </a:p>
-          <a:p>
-            <a:r>
-              <a:rPr lang="en-US" b="0" i="0" dirty="0" err="1">
-                <a:solidFill>
-                  <a:srgbClr val="0D0D0D"/>
-                </a:solidFill>
-                <a:effectLst/>
-                <a:highlight>
-                  <a:srgbClr val="FFFFFF"/>
-                </a:highlight>
-                <a:latin typeface="Söhne"/>
-              </a:rPr>
-              <a:t>Plotly</a:t>
-            </a:r>
-            <a:r>
-              <a:rPr lang="en-US" b="0" i="0" dirty="0">
-                <a:solidFill>
-                  <a:srgbClr val="0D0D0D"/>
-                </a:solidFill>
-                <a:effectLst/>
-                <a:highlight>
-                  <a:srgbClr val="FFFFFF"/>
-                </a:highlight>
-                <a:latin typeface="Söhne"/>
-              </a:rPr>
-              <a:t>. (2024). </a:t>
-            </a:r>
-            <a:r>
-              <a:rPr lang="en-US" b="0" i="0" dirty="0" err="1">
-                <a:solidFill>
-                  <a:srgbClr val="0D0D0D"/>
-                </a:solidFill>
-                <a:effectLst/>
-                <a:highlight>
-                  <a:srgbClr val="FFFFFF"/>
-                </a:highlight>
-                <a:latin typeface="Söhne"/>
-              </a:rPr>
-              <a:t>Mapbox</a:t>
-            </a:r>
-            <a:r>
-              <a:rPr lang="en-US" b="0" i="0" dirty="0">
-                <a:solidFill>
-                  <a:srgbClr val="0D0D0D"/>
-                </a:solidFill>
-                <a:effectLst/>
-                <a:highlight>
-                  <a:srgbClr val="FFFFFF"/>
-                </a:highlight>
-                <a:latin typeface="Söhne"/>
-              </a:rPr>
-              <a:t> Density Heatmaps. Retrieved April 9, 2024, from </a:t>
-            </a:r>
-            <a:r>
-              <a:rPr lang="en-US" b="0" i="0" u="none" strike="noStrike" dirty="0">
-                <a:effectLst/>
-                <a:highlight>
-                  <a:srgbClr val="FFFFFF"/>
-                </a:highlight>
-                <a:latin typeface="Söhne"/>
-                <a:hlinkClick r:id="rId5"/>
-              </a:rPr>
-              <a:t>https://plotly.com/python/mapbox-density-heatmaps/</a:t>
-            </a:r>
-            <a:endParaRPr lang="en-US" b="0" i="0" u="none" strike="noStrike" dirty="0">
-              <a:effectLst/>
-              <a:highlight>
-                <a:srgbClr val="FFFFFF"/>
-              </a:highlight>
-              <a:latin typeface="Söhne"/>
-            </a:endParaRPr>
-          </a:p>
-          <a:p>
-            <a:r>
-              <a:rPr lang="en-US" b="0" i="0" dirty="0">
-                <a:solidFill>
-                  <a:srgbClr val="0D0D0D"/>
-                </a:solidFill>
-                <a:effectLst/>
-                <a:highlight>
-                  <a:srgbClr val="FFFFFF"/>
-                </a:highlight>
-                <a:latin typeface="Söhne"/>
-              </a:rPr>
-              <a:t>U.S. Naval Observatory. (2023). Daylight Duration for Washington, DC. Retrieved April 4, 2024 from </a:t>
-            </a:r>
-            <a:r>
-              <a:rPr lang="en-US" b="0" i="0" u="none" strike="noStrike" dirty="0">
-                <a:effectLst/>
-                <a:highlight>
-                  <a:srgbClr val="FFFFFF"/>
-                </a:highlight>
-                <a:latin typeface="Söhne"/>
-                <a:hlinkClick r:id="rId6"/>
-              </a:rPr>
-              <a:t>https://aa.usno.navy.mil/calculated/durdaydark?year=2023&amp;task=1&amp;lat=38.89&amp;lon=-77.03&amp;label=Washington%2C+DC&amp;tz=5&amp;tz_sign=-1&amp;submit=Get+Data</a:t>
-            </a:r>
-            <a:endParaRPr lang="en-AU" dirty="0"/>
-          </a:p>
-        </p:txBody>
-      </p:sp>
-    </p:spTree>
-    <p:extLst>
-      <p:ext uri="{BB962C8B-B14F-4D97-AF65-F5344CB8AC3E}">
-        <p14:creationId xmlns:p14="http://schemas.microsoft.com/office/powerpoint/2010/main" val="2272134278"/>
-      </p:ext>
-    </p:extLst>
-  </p:cSld>
-  <p:clrMapOvr>
-    <a:masterClrMapping/>
-  </p:clrMapOvr>
+  <p:timing>
+    <p:tnLst>
+      <p:par>
+        <p:cTn id="1" dur="indefinite" restart="never" nodeType="tmRoot">
+          <p:childTnLst>
+            <p:seq concurrent="1" nextAc="seek">
+              <p:cTn id="2" dur="indefinite" nodeType="mainSeq">
+                <p:childTnLst>
+                  <p:par>
+                    <p:cTn id="3" fill="hold">
+                      <p:stCondLst>
+                        <p:cond delay="indefinite"/>
+                        <p:cond evt="onBegin" delay="0">
+                          <p:tn val="2"/>
+                        </p:cond>
+                      </p:stCondLst>
+                      <p:childTnLst>
+                        <p:par>
+                          <p:cTn id="4" fill="hold">
+                            <p:stCondLst>
+                              <p:cond delay="0"/>
+                            </p:stCondLst>
+                            <p:childTnLst>
+                              <p:par>
+                                <p:cTn id="5" presetID="41" presetClass="path" presetSubtype="0" accel="50000" decel="50000" fill="hold" nodeType="afterEffect">
+                                  <p:stCondLst>
+                                    <p:cond delay="0"/>
+                                  </p:stCondLst>
+                                  <p:childTnLst>
+                                    <p:animMotion origin="layout" path="M 4.16667E-6 -2.59259E-6 C -0.01146 -0.01111 -0.05039 -0.02176 -0.06446 -0.02176 C -0.15092 -0.02176 -0.2405 0.14931 -0.2405 0.32037 C -0.2405 0.23403 -0.28503 0.14931 -0.32696 0.14931 C -0.37162 0.14931 -0.41355 0.23542 -0.41355 0.32037 C -0.41355 0.27778 -0.43568 0.23403 -0.45808 0.23403 C -0.48034 0.23403 -0.50287 0.27662 -0.50287 0.32037 C -0.50287 0.29838 -0.51407 0.27778 -0.525 0.27778 C -0.5362 0.27778 -0.54727 0.29977 -0.54727 0.32037 C -0.54727 0.30926 -0.55261 0.29838 -0.55847 0.29838 C -0.56133 0.29838 -0.5698 0.30949 -0.5698 0.32037 C -0.5698 0.31482 -0.57266 0.30926 -0.57513 0.30926 C -0.57513 0.30787 -0.5806 0.31459 -0.5806 0.32037 C -0.5806 0.31736 -0.5806 0.31482 -0.58347 0.31482 C -0.58347 0.31621 -0.58646 0.31783 -0.58646 0.32037 C -0.58646 0.31898 -0.58646 0.31736 -0.58646 0.31621 C -0.58933 0.31621 -0.58933 0.31736 -0.58933 0.31898 C -0.59219 0.31898 -0.59219 0.31783 -0.59219 0.31621 C -0.59506 0.31621 -0.59506 0.31736 -0.59506 0.31898 " pathEditMode="relative" rAng="0" ptsTypes="AAAAAAAAAAAAAAAAAAA">
+                                      <p:cBhvr>
+                                        <p:cTn id="6" dur="2000" fill="hold"/>
+                                        <p:tgtEl>
+                                          <p:spTgt spid="6"/>
+                                        </p:tgtEl>
+                                        <p:attrNameLst>
+                                          <p:attrName>ppt_x</p:attrName>
+                                          <p:attrName>ppt_y</p:attrName>
+                                        </p:attrNameLst>
+                                      </p:cBhvr>
+                                      <p:rCtr x="-29753" y="14931"/>
+                                    </p:animMotion>
+                                  </p:childTnLst>
+                                </p:cTn>
+                              </p:par>
+                            </p:childTnLst>
+                          </p:cTn>
+                        </p:par>
+                        <p:par>
+                          <p:cTn id="7" fill="hold">
+                            <p:stCondLst>
+                              <p:cond delay="2000"/>
+                            </p:stCondLst>
+                            <p:childTnLst>
+                              <p:par>
+                                <p:cTn id="8" presetID="10" presetClass="entr" presetSubtype="0" fill="hold" grpId="0" nodeType="afterEffect">
+                                  <p:stCondLst>
+                                    <p:cond delay="0"/>
+                                  </p:stCondLst>
+                                  <p:childTnLst>
+                                    <p:set>
+                                      <p:cBhvr>
+                                        <p:cTn id="9" dur="1" fill="hold">
+                                          <p:stCondLst>
+                                            <p:cond delay="0"/>
+                                          </p:stCondLst>
+                                        </p:cTn>
+                                        <p:tgtEl>
+                                          <p:spTgt spid="4"/>
+                                        </p:tgtEl>
+                                        <p:attrNameLst>
+                                          <p:attrName>style.visibility</p:attrName>
+                                        </p:attrNameLst>
+                                      </p:cBhvr>
+                                      <p:to>
+                                        <p:strVal val="visible"/>
+                                      </p:to>
+                                    </p:set>
+                                    <p:animEffect transition="in" filter="fade">
+                                      <p:cBhvr>
+                                        <p:cTn id="10" dur="500"/>
+                                        <p:tgtEl>
+                                          <p:spTgt spid="4"/>
+                                        </p:tgtEl>
+                                      </p:cBhvr>
+                                    </p:animEffect>
+                                  </p:childTnLst>
+                                </p:cTn>
+                              </p:par>
+                            </p:childTnLst>
+                          </p:cTn>
+                        </p:par>
+                      </p:childTnLst>
+                    </p:cTn>
+                  </p:par>
+                </p:childTnLst>
+              </p:cTn>
+              <p:prevCondLst>
+                <p:cond evt="onPrev" delay="0">
+                  <p:tgtEl>
+                    <p:sldTgt/>
+                  </p:tgtEl>
+                </p:cond>
+              </p:prevCondLst>
+              <p:nextCondLst>
+                <p:cond evt="onNext" delay="0">
+                  <p:tgtEl>
+                    <p:sldTgt/>
+                  </p:tgtEl>
+                </p:cond>
+              </p:nextCondLst>
+            </p:seq>
+          </p:childTnLst>
+        </p:cTn>
+      </p:par>
+    </p:tnLst>
+    <p:bldLst>
+      <p:bldP spid="4" grpId="0"/>
+    </p:bldLst>
+  </p:timing>
 </p:sld>
 </file>
 

--- a/Presentation/Project 3 Group 2 powerpoint.pptx
+++ b/Presentation/Project 3 Group 2 powerpoint.pptx
@@ -200,7 +200,7 @@
           <a:p>
             <a:fld id="{C0EBD29C-02E0-C740-983E-2E3105172B52}" type="datetimeFigureOut">
               <a:rPr lang="en-US" smtClean="0"/>
-              <a:t>4/16/24</a:t>
+              <a:t>4/17/24</a:t>
             </a:fld>
             <a:endParaRPr lang="en-US"/>
           </a:p>
@@ -767,7 +767,7 @@
           <a:p>
             <a:fld id="{48602B3E-AF8E-41D9-B64F-30CA86ABA96C}" type="datetimeFigureOut">
               <a:rPr lang="en-AU" smtClean="0"/>
-              <a:t>16/4/2024</a:t>
+              <a:t>17/4/2024</a:t>
             </a:fld>
             <a:endParaRPr lang="en-AU"/>
           </a:p>
@@ -937,7 +937,7 @@
           <a:p>
             <a:fld id="{48602B3E-AF8E-41D9-B64F-30CA86ABA96C}" type="datetimeFigureOut">
               <a:rPr lang="en-AU" smtClean="0"/>
-              <a:t>16/4/2024</a:t>
+              <a:t>17/4/2024</a:t>
             </a:fld>
             <a:endParaRPr lang="en-AU"/>
           </a:p>
@@ -1117,7 +1117,7 @@
           <a:p>
             <a:fld id="{48602B3E-AF8E-41D9-B64F-30CA86ABA96C}" type="datetimeFigureOut">
               <a:rPr lang="en-AU" smtClean="0"/>
-              <a:t>16/4/2024</a:t>
+              <a:t>17/4/2024</a:t>
             </a:fld>
             <a:endParaRPr lang="en-AU"/>
           </a:p>
@@ -1287,7 +1287,7 @@
           <a:p>
             <a:fld id="{48602B3E-AF8E-41D9-B64F-30CA86ABA96C}" type="datetimeFigureOut">
               <a:rPr lang="en-AU" smtClean="0"/>
-              <a:t>16/4/2024</a:t>
+              <a:t>17/4/2024</a:t>
             </a:fld>
             <a:endParaRPr lang="en-AU"/>
           </a:p>
@@ -1533,7 +1533,7 @@
           <a:p>
             <a:fld id="{48602B3E-AF8E-41D9-B64F-30CA86ABA96C}" type="datetimeFigureOut">
               <a:rPr lang="en-AU" smtClean="0"/>
-              <a:t>16/4/2024</a:t>
+              <a:t>17/4/2024</a:t>
             </a:fld>
             <a:endParaRPr lang="en-AU"/>
           </a:p>
@@ -1765,7 +1765,7 @@
           <a:p>
             <a:fld id="{48602B3E-AF8E-41D9-B64F-30CA86ABA96C}" type="datetimeFigureOut">
               <a:rPr lang="en-AU" smtClean="0"/>
-              <a:t>16/4/2024</a:t>
+              <a:t>17/4/2024</a:t>
             </a:fld>
             <a:endParaRPr lang="en-AU"/>
           </a:p>
@@ -2132,7 +2132,7 @@
           <a:p>
             <a:fld id="{48602B3E-AF8E-41D9-B64F-30CA86ABA96C}" type="datetimeFigureOut">
               <a:rPr lang="en-AU" smtClean="0"/>
-              <a:t>16/4/2024</a:t>
+              <a:t>17/4/2024</a:t>
             </a:fld>
             <a:endParaRPr lang="en-AU"/>
           </a:p>
@@ -2250,7 +2250,7 @@
           <a:p>
             <a:fld id="{48602B3E-AF8E-41D9-B64F-30CA86ABA96C}" type="datetimeFigureOut">
               <a:rPr lang="en-AU" smtClean="0"/>
-              <a:t>16/4/2024</a:t>
+              <a:t>17/4/2024</a:t>
             </a:fld>
             <a:endParaRPr lang="en-AU"/>
           </a:p>
@@ -2345,7 +2345,7 @@
           <a:p>
             <a:fld id="{48602B3E-AF8E-41D9-B64F-30CA86ABA96C}" type="datetimeFigureOut">
               <a:rPr lang="en-AU" smtClean="0"/>
-              <a:t>16/4/2024</a:t>
+              <a:t>17/4/2024</a:t>
             </a:fld>
             <a:endParaRPr lang="en-AU"/>
           </a:p>
@@ -2622,7 +2622,7 @@
           <a:p>
             <a:fld id="{48602B3E-AF8E-41D9-B64F-30CA86ABA96C}" type="datetimeFigureOut">
               <a:rPr lang="en-AU" smtClean="0"/>
-              <a:t>16/4/2024</a:t>
+              <a:t>17/4/2024</a:t>
             </a:fld>
             <a:endParaRPr lang="en-AU"/>
           </a:p>
@@ -2879,7 +2879,7 @@
           <a:p>
             <a:fld id="{48602B3E-AF8E-41D9-B64F-30CA86ABA96C}" type="datetimeFigureOut">
               <a:rPr lang="en-AU" smtClean="0"/>
-              <a:t>16/4/2024</a:t>
+              <a:t>17/4/2024</a:t>
             </a:fld>
             <a:endParaRPr lang="en-AU"/>
           </a:p>
@@ -3092,7 +3092,7 @@
           <a:p>
             <a:fld id="{48602B3E-AF8E-41D9-B64F-30CA86ABA96C}" type="datetimeFigureOut">
               <a:rPr lang="en-AU" smtClean="0"/>
-              <a:t>16/4/2024</a:t>
+              <a:t>17/4/2024</a:t>
             </a:fld>
             <a:endParaRPr lang="en-AU"/>
           </a:p>
@@ -3564,49 +3564,7 @@
                 <a:latin typeface="FUTURA MEDIUM" panose="020B0602020204020303" pitchFamily="34" charset="-79"/>
                 <a:cs typeface="FUTURA MEDIUM" panose="020B0602020204020303" pitchFamily="34" charset="-79"/>
               </a:rPr>
-              <a:t>Washington DC Street Light Visualisation and Analysis</a:t>
-            </a:r>
-          </a:p>
-        </p:txBody>
-      </p:sp>
-      <p:sp>
-        <p:nvSpPr>
-          <p:cNvPr id="3" name="Subtitle 2">
-            <a:extLst>
-              <a:ext uri="{FF2B5EF4-FFF2-40B4-BE49-F238E27FC236}">
-                <a16:creationId xmlns:a16="http://schemas.microsoft.com/office/drawing/2014/main" id="{DFD1C459-6EB9-880D-0F7C-74703B7CA5C0}"/>
-              </a:ext>
-            </a:extLst>
-          </p:cNvPr>
-          <p:cNvSpPr>
-            <a:spLocks noGrp="1"/>
-          </p:cNvSpPr>
-          <p:nvPr>
-            <p:ph type="subTitle" idx="1"/>
-          </p:nvPr>
-        </p:nvSpPr>
-        <p:spPr>
-          <a:xfrm>
-            <a:off x="5242249" y="2891118"/>
-            <a:ext cx="6279502" cy="625249"/>
-          </a:xfrm>
-        </p:spPr>
-        <p:txBody>
-          <a:bodyPr>
-            <a:normAutofit/>
-          </a:bodyPr>
-          <a:lstStyle/>
-          <a:p>
-            <a:r>
-              <a:rPr lang="en-AU" sz="2000" dirty="0">
-                <a:solidFill>
-                  <a:schemeClr val="bg1"/>
-                </a:solidFill>
-                <a:latin typeface="Verdana" panose="020B0604030504040204" pitchFamily="34" charset="0"/>
-                <a:ea typeface="Verdana" panose="020B0604030504040204" pitchFamily="34" charset="0"/>
-                <a:cs typeface="Verdana" panose="020B0604030504040204" pitchFamily="34" charset="0"/>
-              </a:rPr>
-              <a:t>Data Visualisation Track</a:t>
+              <a:t>Washington DC Street Lights Visualisation and Analysis</a:t>
             </a:r>
           </a:p>
         </p:txBody>
